--- a/Capstone 2 Slides.pptx
+++ b/Capstone 2 Slides.pptx
@@ -32,6 +32,9 @@
     <p:sldId id="277" r:id="rId28"/>
     <p:sldId id="278" r:id="rId29"/>
     <p:sldId id="279" r:id="rId30"/>
+    <p:sldId id="280" r:id="rId31"/>
+    <p:sldId id="281" r:id="rId32"/>
+    <p:sldId id="282" r:id="rId33"/>
   </p:sldIdLst>
   <p:sldSz cy="5143500" cx="9144000"/>
   <p:notesSz cx="6858000" cy="9144000"/>
@@ -2348,6 +2351,303 @@
       <p:sp>
         <p:nvSpPr>
           <p:cNvPr id="207" name="Google Shape;207;g99753471a4_0_378:notes"/>
+          <p:cNvSpPr txBox="1"/>
+          <p:nvPr>
+            <p:ph idx="1" type="body"/>
+          </p:nvPr>
+        </p:nvSpPr>
+        <p:spPr>
+          <a:xfrm>
+            <a:off x="685800" y="4343400"/>
+            <a:ext cx="5486400" cy="4114800"/>
+          </a:xfrm>
+          <a:prstGeom prst="rect">
+            <a:avLst/>
+          </a:prstGeom>
+        </p:spPr>
+        <p:txBody>
+          <a:bodyPr anchorCtr="0" anchor="t" bIns="91425" lIns="91425" spcFirstLastPara="1" rIns="91425" wrap="square" tIns="91425">
+            <a:noAutofit/>
+          </a:bodyPr>
+          <a:lstStyle/>
+          <a:p>
+            <a:pPr indent="0" lvl="0" marL="0" rtl="0" algn="l">
+              <a:spcBef>
+                <a:spcPts val="0"/>
+              </a:spcBef>
+              <a:spcAft>
+                <a:spcPts val="0"/>
+              </a:spcAft>
+              <a:buNone/>
+            </a:pPr>
+            <a:r>
+              <a:t/>
+            </a:r>
+            <a:endParaRPr/>
+          </a:p>
+        </p:txBody>
+      </p:sp>
+    </p:spTree>
+  </p:cSld>
+  <p:clrMapOvr>
+    <a:masterClrMapping/>
+  </p:clrMapOvr>
+</p:notes>
+</file>
+
+<file path=ppt/notesSlides/notesSlide25.xml><?xml version="1.0" encoding="utf-8"?>
+<p:notes xmlns:a="http://schemas.openxmlformats.org/drawingml/2006/main" xmlns:r="http://schemas.openxmlformats.org/officeDocument/2006/relationships" xmlns:mc="http://schemas.openxmlformats.org/markup-compatibility/2006" xmlns:mv="urn:schemas-microsoft-com:mac:vml" xmlns:p="http://schemas.openxmlformats.org/presentationml/2006/main" xmlns:c="http://schemas.openxmlformats.org/drawingml/2006/chart" xmlns:dgm="http://schemas.openxmlformats.org/drawingml/2006/diagram" xmlns:o="urn:schemas-microsoft-com:office:office" xmlns:v="urn:schemas-microsoft-com:vml" xmlns:pvml="urn:schemas-microsoft-com:office:powerpoint" xmlns:com="http://schemas.openxmlformats.org/drawingml/2006/compatibility" xmlns:p14="http://schemas.microsoft.com/office/powerpoint/2010/main" xmlns:p15="http://schemas.microsoft.com/office/powerpoint/2012/main" xmlns:ahyp="http://schemas.microsoft.com/office/drawing/2018/hyperlinkcolor" showMasterPhAnim="0" showMasterSp="0">
+  <p:cSld>
+    <p:spTree>
+      <p:nvGrpSpPr>
+        <p:cNvPr id="212" name="Shape 212"/>
+        <p:cNvGrpSpPr/>
+        <p:nvPr/>
+      </p:nvGrpSpPr>
+      <p:grpSpPr>
+        <a:xfrm>
+          <a:off x="0" y="0"/>
+          <a:ext cx="0" cy="0"/>
+          <a:chOff x="0" y="0"/>
+          <a:chExt cx="0" cy="0"/>
+        </a:xfrm>
+      </p:grpSpPr>
+      <p:sp>
+        <p:nvSpPr>
+          <p:cNvPr id="213" name="Google Shape;213;g99fd936d99_0_0:notes"/>
+          <p:cNvSpPr/>
+          <p:nvPr>
+            <p:ph idx="2" type="sldImg"/>
+          </p:nvPr>
+        </p:nvSpPr>
+        <p:spPr>
+          <a:xfrm>
+            <a:off x="381300" y="685800"/>
+            <a:ext cx="6096000" cy="3429000"/>
+          </a:xfrm>
+          <a:custGeom>
+            <a:rect b="b" l="l" r="r" t="t"/>
+            <a:pathLst>
+              <a:path extrusionOk="0" h="120000" w="120000">
+                <a:moveTo>
+                  <a:pt x="0" y="0"/>
+                </a:moveTo>
+                <a:lnTo>
+                  <a:pt x="120000" y="0"/>
+                </a:lnTo>
+                <a:lnTo>
+                  <a:pt x="120000" y="120000"/>
+                </a:lnTo>
+                <a:lnTo>
+                  <a:pt x="0" y="120000"/>
+                </a:lnTo>
+                <a:close/>
+              </a:path>
+            </a:pathLst>
+          </a:custGeom>
+        </p:spPr>
+      </p:sp>
+      <p:sp>
+        <p:nvSpPr>
+          <p:cNvPr id="214" name="Google Shape;214;g99fd936d99_0_0:notes"/>
+          <p:cNvSpPr txBox="1"/>
+          <p:nvPr>
+            <p:ph idx="1" type="body"/>
+          </p:nvPr>
+        </p:nvSpPr>
+        <p:spPr>
+          <a:xfrm>
+            <a:off x="685800" y="4343400"/>
+            <a:ext cx="5486400" cy="4114800"/>
+          </a:xfrm>
+          <a:prstGeom prst="rect">
+            <a:avLst/>
+          </a:prstGeom>
+        </p:spPr>
+        <p:txBody>
+          <a:bodyPr anchorCtr="0" anchor="t" bIns="91425" lIns="91425" spcFirstLastPara="1" rIns="91425" wrap="square" tIns="91425">
+            <a:noAutofit/>
+          </a:bodyPr>
+          <a:lstStyle/>
+          <a:p>
+            <a:pPr indent="0" lvl="0" marL="0" rtl="0" algn="l">
+              <a:spcBef>
+                <a:spcPts val="0"/>
+              </a:spcBef>
+              <a:spcAft>
+                <a:spcPts val="0"/>
+              </a:spcAft>
+              <a:buNone/>
+            </a:pPr>
+            <a:r>
+              <a:t/>
+            </a:r>
+            <a:endParaRPr/>
+          </a:p>
+        </p:txBody>
+      </p:sp>
+    </p:spTree>
+  </p:cSld>
+  <p:clrMapOvr>
+    <a:masterClrMapping/>
+  </p:clrMapOvr>
+</p:notes>
+</file>
+
+<file path=ppt/notesSlides/notesSlide26.xml><?xml version="1.0" encoding="utf-8"?>
+<p:notes xmlns:a="http://schemas.openxmlformats.org/drawingml/2006/main" xmlns:r="http://schemas.openxmlformats.org/officeDocument/2006/relationships" xmlns:mc="http://schemas.openxmlformats.org/markup-compatibility/2006" xmlns:mv="urn:schemas-microsoft-com:mac:vml" xmlns:p="http://schemas.openxmlformats.org/presentationml/2006/main" xmlns:c="http://schemas.openxmlformats.org/drawingml/2006/chart" xmlns:dgm="http://schemas.openxmlformats.org/drawingml/2006/diagram" xmlns:o="urn:schemas-microsoft-com:office:office" xmlns:v="urn:schemas-microsoft-com:vml" xmlns:pvml="urn:schemas-microsoft-com:office:powerpoint" xmlns:com="http://schemas.openxmlformats.org/drawingml/2006/compatibility" xmlns:p14="http://schemas.microsoft.com/office/powerpoint/2010/main" xmlns:p15="http://schemas.microsoft.com/office/powerpoint/2012/main" xmlns:ahyp="http://schemas.microsoft.com/office/drawing/2018/hyperlinkcolor" showMasterPhAnim="0" showMasterSp="0">
+  <p:cSld>
+    <p:spTree>
+      <p:nvGrpSpPr>
+        <p:cNvPr id="218" name="Shape 218"/>
+        <p:cNvGrpSpPr/>
+        <p:nvPr/>
+      </p:nvGrpSpPr>
+      <p:grpSpPr>
+        <a:xfrm>
+          <a:off x="0" y="0"/>
+          <a:ext cx="0" cy="0"/>
+          <a:chOff x="0" y="0"/>
+          <a:chExt cx="0" cy="0"/>
+        </a:xfrm>
+      </p:grpSpPr>
+      <p:sp>
+        <p:nvSpPr>
+          <p:cNvPr id="219" name="Google Shape;219;g99fd936d99_0_5:notes"/>
+          <p:cNvSpPr/>
+          <p:nvPr>
+            <p:ph idx="2" type="sldImg"/>
+          </p:nvPr>
+        </p:nvSpPr>
+        <p:spPr>
+          <a:xfrm>
+            <a:off x="381300" y="685800"/>
+            <a:ext cx="6096000" cy="3429000"/>
+          </a:xfrm>
+          <a:custGeom>
+            <a:rect b="b" l="l" r="r" t="t"/>
+            <a:pathLst>
+              <a:path extrusionOk="0" h="120000" w="120000">
+                <a:moveTo>
+                  <a:pt x="0" y="0"/>
+                </a:moveTo>
+                <a:lnTo>
+                  <a:pt x="120000" y="0"/>
+                </a:lnTo>
+                <a:lnTo>
+                  <a:pt x="120000" y="120000"/>
+                </a:lnTo>
+                <a:lnTo>
+                  <a:pt x="0" y="120000"/>
+                </a:lnTo>
+                <a:close/>
+              </a:path>
+            </a:pathLst>
+          </a:custGeom>
+        </p:spPr>
+      </p:sp>
+      <p:sp>
+        <p:nvSpPr>
+          <p:cNvPr id="220" name="Google Shape;220;g99fd936d99_0_5:notes"/>
+          <p:cNvSpPr txBox="1"/>
+          <p:nvPr>
+            <p:ph idx="1" type="body"/>
+          </p:nvPr>
+        </p:nvSpPr>
+        <p:spPr>
+          <a:xfrm>
+            <a:off x="685800" y="4343400"/>
+            <a:ext cx="5486400" cy="4114800"/>
+          </a:xfrm>
+          <a:prstGeom prst="rect">
+            <a:avLst/>
+          </a:prstGeom>
+        </p:spPr>
+        <p:txBody>
+          <a:bodyPr anchorCtr="0" anchor="t" bIns="91425" lIns="91425" spcFirstLastPara="1" rIns="91425" wrap="square" tIns="91425">
+            <a:noAutofit/>
+          </a:bodyPr>
+          <a:lstStyle/>
+          <a:p>
+            <a:pPr indent="0" lvl="0" marL="0" rtl="0" algn="l">
+              <a:spcBef>
+                <a:spcPts val="0"/>
+              </a:spcBef>
+              <a:spcAft>
+                <a:spcPts val="0"/>
+              </a:spcAft>
+              <a:buNone/>
+            </a:pPr>
+            <a:r>
+              <a:t/>
+            </a:r>
+            <a:endParaRPr/>
+          </a:p>
+        </p:txBody>
+      </p:sp>
+    </p:spTree>
+  </p:cSld>
+  <p:clrMapOvr>
+    <a:masterClrMapping/>
+  </p:clrMapOvr>
+</p:notes>
+</file>
+
+<file path=ppt/notesSlides/notesSlide27.xml><?xml version="1.0" encoding="utf-8"?>
+<p:notes xmlns:a="http://schemas.openxmlformats.org/drawingml/2006/main" xmlns:r="http://schemas.openxmlformats.org/officeDocument/2006/relationships" xmlns:mc="http://schemas.openxmlformats.org/markup-compatibility/2006" xmlns:mv="urn:schemas-microsoft-com:mac:vml" xmlns:p="http://schemas.openxmlformats.org/presentationml/2006/main" xmlns:c="http://schemas.openxmlformats.org/drawingml/2006/chart" xmlns:dgm="http://schemas.openxmlformats.org/drawingml/2006/diagram" xmlns:o="urn:schemas-microsoft-com:office:office" xmlns:v="urn:schemas-microsoft-com:vml" xmlns:pvml="urn:schemas-microsoft-com:office:powerpoint" xmlns:com="http://schemas.openxmlformats.org/drawingml/2006/compatibility" xmlns:p14="http://schemas.microsoft.com/office/powerpoint/2010/main" xmlns:p15="http://schemas.microsoft.com/office/powerpoint/2012/main" xmlns:ahyp="http://schemas.microsoft.com/office/drawing/2018/hyperlinkcolor" showMasterPhAnim="0" showMasterSp="0">
+  <p:cSld>
+    <p:spTree>
+      <p:nvGrpSpPr>
+        <p:cNvPr id="224" name="Shape 224"/>
+        <p:cNvGrpSpPr/>
+        <p:nvPr/>
+      </p:nvGrpSpPr>
+      <p:grpSpPr>
+        <a:xfrm>
+          <a:off x="0" y="0"/>
+          <a:ext cx="0" cy="0"/>
+          <a:chOff x="0" y="0"/>
+          <a:chExt cx="0" cy="0"/>
+        </a:xfrm>
+      </p:grpSpPr>
+      <p:sp>
+        <p:nvSpPr>
+          <p:cNvPr id="225" name="Google Shape;225;g99fd936d99_0_10:notes"/>
+          <p:cNvSpPr/>
+          <p:nvPr>
+            <p:ph idx="2" type="sldImg"/>
+          </p:nvPr>
+        </p:nvSpPr>
+        <p:spPr>
+          <a:xfrm>
+            <a:off x="381300" y="685800"/>
+            <a:ext cx="6096000" cy="3429000"/>
+          </a:xfrm>
+          <a:custGeom>
+            <a:rect b="b" l="l" r="r" t="t"/>
+            <a:pathLst>
+              <a:path extrusionOk="0" h="120000" w="120000">
+                <a:moveTo>
+                  <a:pt x="0" y="0"/>
+                </a:moveTo>
+                <a:lnTo>
+                  <a:pt x="120000" y="0"/>
+                </a:lnTo>
+                <a:lnTo>
+                  <a:pt x="120000" y="120000"/>
+                </a:lnTo>
+                <a:lnTo>
+                  <a:pt x="0" y="120000"/>
+                </a:lnTo>
+                <a:close/>
+              </a:path>
+            </a:pathLst>
+          </a:custGeom>
+        </p:spPr>
+      </p:sp>
+      <p:sp>
+        <p:nvSpPr>
+          <p:cNvPr id="226" name="Google Shape;226;g99fd936d99_0_10:notes"/>
           <p:cNvSpPr txBox="1"/>
           <p:nvPr>
             <p:ph idx="1" type="body"/>
@@ -8814,7 +9114,7 @@
             </a:pPr>
             <a:r>
               <a:rPr lang="en"/>
-              <a:t>Bag of Word Model</a:t>
+              <a:t>Bag of Words Model</a:t>
             </a:r>
             <a:endParaRPr/>
           </a:p>
@@ -10099,6 +10399,401 @@
 </p:sld>
 </file>
 
+<file path=ppt/slides/slide25.xml><?xml version="1.0" encoding="utf-8"?>
+<p:sld xmlns:a="http://schemas.openxmlformats.org/drawingml/2006/main" xmlns:r="http://schemas.openxmlformats.org/officeDocument/2006/relationships" xmlns:mc="http://schemas.openxmlformats.org/markup-compatibility/2006" xmlns:mv="urn:schemas-microsoft-com:mac:vml" xmlns:p="http://schemas.openxmlformats.org/presentationml/2006/main" xmlns:c="http://schemas.openxmlformats.org/drawingml/2006/chart" xmlns:dgm="http://schemas.openxmlformats.org/drawingml/2006/diagram" xmlns:o="urn:schemas-microsoft-com:office:office" xmlns:v="urn:schemas-microsoft-com:vml" xmlns:pvml="urn:schemas-microsoft-com:office:powerpoint" xmlns:com="http://schemas.openxmlformats.org/drawingml/2006/compatibility" xmlns:p14="http://schemas.microsoft.com/office/powerpoint/2010/main" xmlns:p15="http://schemas.microsoft.com/office/powerpoint/2012/main" xmlns:ahyp="http://schemas.microsoft.com/office/drawing/2018/hyperlinkcolor">
+  <p:cSld>
+    <p:spTree>
+      <p:nvGrpSpPr>
+        <p:cNvPr id="215" name="Shape 215"/>
+        <p:cNvGrpSpPr/>
+        <p:nvPr/>
+      </p:nvGrpSpPr>
+      <p:grpSpPr>
+        <a:xfrm>
+          <a:off x="0" y="0"/>
+          <a:ext cx="0" cy="0"/>
+          <a:chOff x="0" y="0"/>
+          <a:chExt cx="0" cy="0"/>
+        </a:xfrm>
+      </p:grpSpPr>
+      <p:sp>
+        <p:nvSpPr>
+          <p:cNvPr id="216" name="Google Shape;216;p37"/>
+          <p:cNvSpPr txBox="1"/>
+          <p:nvPr>
+            <p:ph type="title"/>
+          </p:nvPr>
+        </p:nvSpPr>
+        <p:spPr>
+          <a:xfrm>
+            <a:off x="311700" y="445025"/>
+            <a:ext cx="8520600" cy="572700"/>
+          </a:xfrm>
+          <a:prstGeom prst="rect">
+            <a:avLst/>
+          </a:prstGeom>
+        </p:spPr>
+        <p:txBody>
+          <a:bodyPr anchorCtr="0" anchor="t" bIns="91425" lIns="91425" spcFirstLastPara="1" rIns="91425" wrap="square" tIns="91425">
+            <a:noAutofit/>
+          </a:bodyPr>
+          <a:lstStyle/>
+          <a:p>
+            <a:pPr indent="0" lvl="0" marL="0" rtl="0" algn="l">
+              <a:spcBef>
+                <a:spcPts val="0"/>
+              </a:spcBef>
+              <a:spcAft>
+                <a:spcPts val="0"/>
+              </a:spcAft>
+              <a:buNone/>
+            </a:pPr>
+            <a:r>
+              <a:rPr lang="en"/>
+              <a:t>Chatbots</a:t>
+            </a:r>
+            <a:endParaRPr/>
+          </a:p>
+        </p:txBody>
+      </p:sp>
+      <p:sp>
+        <p:nvSpPr>
+          <p:cNvPr id="217" name="Google Shape;217;p37"/>
+          <p:cNvSpPr txBox="1"/>
+          <p:nvPr>
+            <p:ph idx="1" type="body"/>
+          </p:nvPr>
+        </p:nvSpPr>
+        <p:spPr>
+          <a:xfrm>
+            <a:off x="311700" y="1152475"/>
+            <a:ext cx="8520600" cy="3416400"/>
+          </a:xfrm>
+          <a:prstGeom prst="rect">
+            <a:avLst/>
+          </a:prstGeom>
+        </p:spPr>
+        <p:txBody>
+          <a:bodyPr anchorCtr="0" anchor="t" bIns="91425" lIns="91425" spcFirstLastPara="1" rIns="91425" wrap="square" tIns="91425">
+            <a:noAutofit/>
+          </a:bodyPr>
+          <a:lstStyle/>
+          <a:p>
+            <a:pPr indent="0" lvl="0" marL="0" rtl="0" algn="l">
+              <a:spcBef>
+                <a:spcPts val="0"/>
+              </a:spcBef>
+              <a:spcAft>
+                <a:spcPts val="0"/>
+              </a:spcAft>
+              <a:buNone/>
+            </a:pPr>
+            <a:r>
+              <a:rPr lang="en"/>
+              <a:t>The chatbots used in this project are actually simple functions that work by first running the same preprocessing steps on the user input.</a:t>
+            </a:r>
+            <a:endParaRPr/>
+          </a:p>
+          <a:p>
+            <a:pPr indent="0" lvl="0" marL="0" rtl="0" algn="l">
+              <a:spcBef>
+                <a:spcPts val="1600"/>
+              </a:spcBef>
+              <a:spcAft>
+                <a:spcPts val="0"/>
+              </a:spcAft>
+              <a:buNone/>
+            </a:pPr>
+            <a:r>
+              <a:rPr lang="en"/>
+              <a:t>Next, we are transforming the string into a vector by creating array and then matching the similarities between the question and response by using pairwise distances.</a:t>
+            </a:r>
+            <a:endParaRPr/>
+          </a:p>
+          <a:p>
+            <a:pPr indent="0" lvl="0" marL="0" rtl="0" algn="l">
+              <a:spcBef>
+                <a:spcPts val="1600"/>
+              </a:spcBef>
+              <a:spcAft>
+                <a:spcPts val="1600"/>
+              </a:spcAft>
+              <a:buNone/>
+            </a:pPr>
+            <a:r>
+              <a:rPr lang="en"/>
+              <a:t>The response that is chosen will be the one with the highest score in matching the appropriate line of dialogue.</a:t>
+            </a:r>
+            <a:endParaRPr/>
+          </a:p>
+        </p:txBody>
+      </p:sp>
+    </p:spTree>
+  </p:cSld>
+  <p:clrMapOvr>
+    <a:masterClrMapping/>
+  </p:clrMapOvr>
+</p:sld>
+</file>
+
+<file path=ppt/slides/slide26.xml><?xml version="1.0" encoding="utf-8"?>
+<p:sld xmlns:a="http://schemas.openxmlformats.org/drawingml/2006/main" xmlns:r="http://schemas.openxmlformats.org/officeDocument/2006/relationships" xmlns:mc="http://schemas.openxmlformats.org/markup-compatibility/2006" xmlns:mv="urn:schemas-microsoft-com:mac:vml" xmlns:p="http://schemas.openxmlformats.org/presentationml/2006/main" xmlns:c="http://schemas.openxmlformats.org/drawingml/2006/chart" xmlns:dgm="http://schemas.openxmlformats.org/drawingml/2006/diagram" xmlns:o="urn:schemas-microsoft-com:office:office" xmlns:v="urn:schemas-microsoft-com:vml" xmlns:pvml="urn:schemas-microsoft-com:office:powerpoint" xmlns:com="http://schemas.openxmlformats.org/drawingml/2006/compatibility" xmlns:p14="http://schemas.microsoft.com/office/powerpoint/2010/main" xmlns:p15="http://schemas.microsoft.com/office/powerpoint/2012/main" xmlns:ahyp="http://schemas.microsoft.com/office/drawing/2018/hyperlinkcolor">
+  <p:cSld>
+    <p:spTree>
+      <p:nvGrpSpPr>
+        <p:cNvPr id="221" name="Shape 221"/>
+        <p:cNvGrpSpPr/>
+        <p:nvPr/>
+      </p:nvGrpSpPr>
+      <p:grpSpPr>
+        <a:xfrm>
+          <a:off x="0" y="0"/>
+          <a:ext cx="0" cy="0"/>
+          <a:chOff x="0" y="0"/>
+          <a:chExt cx="0" cy="0"/>
+        </a:xfrm>
+      </p:grpSpPr>
+      <p:sp>
+        <p:nvSpPr>
+          <p:cNvPr id="222" name="Google Shape;222;p38"/>
+          <p:cNvSpPr txBox="1"/>
+          <p:nvPr>
+            <p:ph type="title"/>
+          </p:nvPr>
+        </p:nvSpPr>
+        <p:spPr>
+          <a:xfrm>
+            <a:off x="311700" y="445025"/>
+            <a:ext cx="8520600" cy="572700"/>
+          </a:xfrm>
+          <a:prstGeom prst="rect">
+            <a:avLst/>
+          </a:prstGeom>
+        </p:spPr>
+        <p:txBody>
+          <a:bodyPr anchorCtr="0" anchor="t" bIns="91425" lIns="91425" spcFirstLastPara="1" rIns="91425" wrap="square" tIns="91425">
+            <a:noAutofit/>
+          </a:bodyPr>
+          <a:lstStyle/>
+          <a:p>
+            <a:pPr indent="0" lvl="0" marL="0" rtl="0" algn="l">
+              <a:spcBef>
+                <a:spcPts val="0"/>
+              </a:spcBef>
+              <a:spcAft>
+                <a:spcPts val="0"/>
+              </a:spcAft>
+              <a:buNone/>
+            </a:pPr>
+            <a:r>
+              <a:rPr lang="en"/>
+              <a:t>Chatbot Responses</a:t>
+            </a:r>
+            <a:endParaRPr/>
+          </a:p>
+        </p:txBody>
+      </p:sp>
+      <p:sp>
+        <p:nvSpPr>
+          <p:cNvPr id="223" name="Google Shape;223;p38"/>
+          <p:cNvSpPr txBox="1"/>
+          <p:nvPr>
+            <p:ph idx="1" type="body"/>
+          </p:nvPr>
+        </p:nvSpPr>
+        <p:spPr>
+          <a:xfrm>
+            <a:off x="311700" y="1152475"/>
+            <a:ext cx="8520600" cy="3416400"/>
+          </a:xfrm>
+          <a:prstGeom prst="rect">
+            <a:avLst/>
+          </a:prstGeom>
+        </p:spPr>
+        <p:txBody>
+          <a:bodyPr anchorCtr="0" anchor="t" bIns="91425" lIns="91425" spcFirstLastPara="1" rIns="91425" wrap="square" tIns="91425">
+            <a:noAutofit/>
+          </a:bodyPr>
+          <a:lstStyle/>
+          <a:p>
+            <a:pPr indent="0" lvl="0" marL="0" rtl="0" algn="l">
+              <a:spcBef>
+                <a:spcPts val="0"/>
+              </a:spcBef>
+              <a:spcAft>
+                <a:spcPts val="0"/>
+              </a:spcAft>
+              <a:buNone/>
+            </a:pPr>
+            <a:r>
+              <a:rPr lang="en"/>
+              <a:t>When comparing the difference between the Bag of Words and TF-IDF models we can see that they perform identical when given a single word input.  This tells us that when we have only one word to compare with both methods will find the exact same line of dialogue.</a:t>
+            </a:r>
+            <a:endParaRPr/>
+          </a:p>
+          <a:p>
+            <a:pPr indent="0" lvl="0" marL="0" rtl="0" algn="l">
+              <a:spcBef>
+                <a:spcPts val="1600"/>
+              </a:spcBef>
+              <a:spcAft>
+                <a:spcPts val="1600"/>
+              </a:spcAft>
+              <a:buNone/>
+            </a:pPr>
+            <a:r>
+              <a:rPr lang="en"/>
+              <a:t>We see a difference when we have a question with multiple words that need to be compared against.  Bag of Words will match its response with the line that matches the most words while TF-IDF will match the single word with the highest score and give a line based on that one word.</a:t>
+            </a:r>
+            <a:endParaRPr/>
+          </a:p>
+        </p:txBody>
+      </p:sp>
+    </p:spTree>
+  </p:cSld>
+  <p:clrMapOvr>
+    <a:masterClrMapping/>
+  </p:clrMapOvr>
+</p:sld>
+</file>
+
+<file path=ppt/slides/slide27.xml><?xml version="1.0" encoding="utf-8"?>
+<p:sld xmlns:a="http://schemas.openxmlformats.org/drawingml/2006/main" xmlns:r="http://schemas.openxmlformats.org/officeDocument/2006/relationships" xmlns:mc="http://schemas.openxmlformats.org/markup-compatibility/2006" xmlns:mv="urn:schemas-microsoft-com:mac:vml" xmlns:p="http://schemas.openxmlformats.org/presentationml/2006/main" xmlns:c="http://schemas.openxmlformats.org/drawingml/2006/chart" xmlns:dgm="http://schemas.openxmlformats.org/drawingml/2006/diagram" xmlns:o="urn:schemas-microsoft-com:office:office" xmlns:v="urn:schemas-microsoft-com:vml" xmlns:pvml="urn:schemas-microsoft-com:office:powerpoint" xmlns:com="http://schemas.openxmlformats.org/drawingml/2006/compatibility" xmlns:p14="http://schemas.microsoft.com/office/powerpoint/2010/main" xmlns:p15="http://schemas.microsoft.com/office/powerpoint/2012/main" xmlns:ahyp="http://schemas.microsoft.com/office/drawing/2018/hyperlinkcolor">
+  <p:cSld>
+    <p:spTree>
+      <p:nvGrpSpPr>
+        <p:cNvPr id="227" name="Shape 227"/>
+        <p:cNvGrpSpPr/>
+        <p:nvPr/>
+      </p:nvGrpSpPr>
+      <p:grpSpPr>
+        <a:xfrm>
+          <a:off x="0" y="0"/>
+          <a:ext cx="0" cy="0"/>
+          <a:chOff x="0" y="0"/>
+          <a:chExt cx="0" cy="0"/>
+        </a:xfrm>
+      </p:grpSpPr>
+      <p:sp>
+        <p:nvSpPr>
+          <p:cNvPr id="228" name="Google Shape;228;p39"/>
+          <p:cNvSpPr txBox="1"/>
+          <p:nvPr>
+            <p:ph type="title"/>
+          </p:nvPr>
+        </p:nvSpPr>
+        <p:spPr>
+          <a:xfrm>
+            <a:off x="311700" y="445025"/>
+            <a:ext cx="8520600" cy="572700"/>
+          </a:xfrm>
+          <a:prstGeom prst="rect">
+            <a:avLst/>
+          </a:prstGeom>
+        </p:spPr>
+        <p:txBody>
+          <a:bodyPr anchorCtr="0" anchor="t" bIns="91425" lIns="91425" spcFirstLastPara="1" rIns="91425" wrap="square" tIns="91425">
+            <a:noAutofit/>
+          </a:bodyPr>
+          <a:lstStyle/>
+          <a:p>
+            <a:pPr indent="0" lvl="0" marL="0" rtl="0" algn="l">
+              <a:spcBef>
+                <a:spcPts val="0"/>
+              </a:spcBef>
+              <a:spcAft>
+                <a:spcPts val="0"/>
+              </a:spcAft>
+              <a:buNone/>
+            </a:pPr>
+            <a:r>
+              <a:rPr lang="en"/>
+              <a:t>Chatbot Drawbacks</a:t>
+            </a:r>
+            <a:endParaRPr/>
+          </a:p>
+        </p:txBody>
+      </p:sp>
+      <p:sp>
+        <p:nvSpPr>
+          <p:cNvPr id="229" name="Google Shape;229;p39"/>
+          <p:cNvSpPr txBox="1"/>
+          <p:nvPr>
+            <p:ph idx="1" type="body"/>
+          </p:nvPr>
+        </p:nvSpPr>
+        <p:spPr>
+          <a:xfrm>
+            <a:off x="311700" y="1152475"/>
+            <a:ext cx="8520600" cy="3416400"/>
+          </a:xfrm>
+          <a:prstGeom prst="rect">
+            <a:avLst/>
+          </a:prstGeom>
+        </p:spPr>
+        <p:txBody>
+          <a:bodyPr anchorCtr="0" anchor="t" bIns="91425" lIns="91425" spcFirstLastPara="1" rIns="91425" wrap="square" tIns="91425">
+            <a:noAutofit/>
+          </a:bodyPr>
+          <a:lstStyle/>
+          <a:p>
+            <a:pPr indent="0" lvl="0" marL="0" rtl="0" algn="l">
+              <a:spcBef>
+                <a:spcPts val="0"/>
+              </a:spcBef>
+              <a:spcAft>
+                <a:spcPts val="0"/>
+              </a:spcAft>
+              <a:buNone/>
+            </a:pPr>
+            <a:r>
+              <a:rPr lang="en"/>
+              <a:t>The problem with using dialogue between characters is that we end up with lines of dialogue with only a couple of words.  When we tried to have the chatbots talk to each other we have situations where all three chatbots will output the same word since that has the best match but not necessarily the most appropriate.</a:t>
+            </a:r>
+            <a:endParaRPr/>
+          </a:p>
+          <a:p>
+            <a:pPr indent="0" lvl="0" marL="0" rtl="0" algn="l">
+              <a:spcBef>
+                <a:spcPts val="1600"/>
+              </a:spcBef>
+              <a:spcAft>
+                <a:spcPts val="0"/>
+              </a:spcAft>
+              <a:buNone/>
+            </a:pPr>
+            <a:r>
+              <a:rPr lang="en"/>
+              <a:t>TF-IDF also will match the highest scoring word in the phrase and ignore the other words because they have a lower score.</a:t>
+            </a:r>
+            <a:endParaRPr/>
+          </a:p>
+          <a:p>
+            <a:pPr indent="0" lvl="0" marL="0" rtl="0" algn="l">
+              <a:spcBef>
+                <a:spcPts val="1600"/>
+              </a:spcBef>
+              <a:spcAft>
+                <a:spcPts val="1600"/>
+              </a:spcAft>
+              <a:buNone/>
+            </a:pPr>
+            <a:r>
+              <a:rPr lang="en"/>
+              <a:t>Bag of Words will match a query with the most simplest response needed to fulfill the requirements.</a:t>
+            </a:r>
+            <a:endParaRPr/>
+          </a:p>
+        </p:txBody>
+      </p:sp>
+    </p:spTree>
+  </p:cSld>
+  <p:clrMapOvr>
+    <a:masterClrMapping/>
+  </p:clrMapOvr>
+</p:sld>
+</file>
+
 <file path=ppt/slides/slide3.xml><?xml version="1.0" encoding="utf-8"?>
 <p:sld xmlns:a="http://schemas.openxmlformats.org/drawingml/2006/main" xmlns:r="http://schemas.openxmlformats.org/officeDocument/2006/relationships" xmlns:mc="http://schemas.openxmlformats.org/markup-compatibility/2006" xmlns:mv="urn:schemas-microsoft-com:mac:vml" xmlns:p="http://schemas.openxmlformats.org/presentationml/2006/main" xmlns:c="http://schemas.openxmlformats.org/drawingml/2006/chart" xmlns:dgm="http://schemas.openxmlformats.org/drawingml/2006/diagram" xmlns:o="urn:schemas-microsoft-com:office:office" xmlns:v="urn:schemas-microsoft-com:vml" xmlns:pvml="urn:schemas-microsoft-com:office:powerpoint" xmlns:com="http://schemas.openxmlformats.org/drawingml/2006/compatibility" xmlns:p14="http://schemas.microsoft.com/office/powerpoint/2010/main" xmlns:p15="http://schemas.microsoft.com/office/powerpoint/2012/main" xmlns:ahyp="http://schemas.microsoft.com/office/drawing/2018/hyperlinkcolor">
   <p:cSld>
@@ -10715,7 +11410,7 @@
             <a:tbl>
               <a:tblPr>
                 <a:noFill/>
-                <a:tableStyleId>{F23141AF-C112-4862-8B00-73595463A498}</a:tableStyleId>
+                <a:tableStyleId>{27ABCE3A-AAE7-44A8-B8E0-FA1E2E891D31}</a:tableStyleId>
               </a:tblPr>
               <a:tblGrid>
                 <a:gridCol w="3619500"/>

--- a/Capstone 2 Slides.pptx
+++ b/Capstone 2 Slides.pptx
@@ -1,45 +1,47 @@
 
 <file path=ppt/presentation.xml><?xml version="1.0" encoding="utf-8"?>
-<p:presentation xmlns:a="http://schemas.openxmlformats.org/drawingml/2006/main" xmlns:r="http://schemas.openxmlformats.org/officeDocument/2006/relationships" xmlns:mc="http://schemas.openxmlformats.org/markup-compatibility/2006" xmlns:mv="urn:schemas-microsoft-com:mac:vml" xmlns:p="http://schemas.openxmlformats.org/presentationml/2006/main" xmlns:c="http://schemas.openxmlformats.org/drawingml/2006/chart" xmlns:dgm="http://schemas.openxmlformats.org/drawingml/2006/diagram" xmlns:o="urn:schemas-microsoft-com:office:office" xmlns:v="urn:schemas-microsoft-com:vml" xmlns:pvml="urn:schemas-microsoft-com:office:powerpoint" xmlns:com="http://schemas.openxmlformats.org/drawingml/2006/compatibility" xmlns:p14="http://schemas.microsoft.com/office/powerpoint/2010/main" xmlns:p15="http://schemas.microsoft.com/office/powerpoint/2012/main" xmlns:ahyp="http://schemas.microsoft.com/office/drawing/2018/hyperlinkcolor" autoCompressPictures="0" strictFirstAndLastChars="0" saveSubsetFonts="1">
+<p:presentation xmlns:a="http://schemas.openxmlformats.org/drawingml/2006/main" xmlns:r="http://schemas.openxmlformats.org/officeDocument/2006/relationships" xmlns:p="http://schemas.openxmlformats.org/presentationml/2006/main" strictFirstAndLastChars="0" saveSubsetFonts="1" autoCompressPictures="0">
   <p:sldMasterIdLst>
-    <p:sldMasterId id="2147483659" r:id="rId5"/>
+    <p:sldMasterId id="2147483659" r:id="rId1"/>
   </p:sldMasterIdLst>
   <p:notesMasterIdLst>
-    <p:notesMasterId r:id="rId6"/>
+    <p:notesMasterId r:id="rId31"/>
   </p:notesMasterIdLst>
   <p:sldIdLst>
-    <p:sldId id="256" r:id="rId7"/>
-    <p:sldId id="257" r:id="rId8"/>
-    <p:sldId id="258" r:id="rId9"/>
-    <p:sldId id="259" r:id="rId10"/>
-    <p:sldId id="260" r:id="rId11"/>
-    <p:sldId id="261" r:id="rId12"/>
-    <p:sldId id="262" r:id="rId13"/>
-    <p:sldId id="263" r:id="rId14"/>
-    <p:sldId id="264" r:id="rId15"/>
-    <p:sldId id="265" r:id="rId16"/>
-    <p:sldId id="266" r:id="rId17"/>
-    <p:sldId id="267" r:id="rId18"/>
-    <p:sldId id="268" r:id="rId19"/>
-    <p:sldId id="269" r:id="rId20"/>
-    <p:sldId id="270" r:id="rId21"/>
-    <p:sldId id="271" r:id="rId22"/>
-    <p:sldId id="272" r:id="rId23"/>
-    <p:sldId id="273" r:id="rId24"/>
-    <p:sldId id="274" r:id="rId25"/>
-    <p:sldId id="275" r:id="rId26"/>
-    <p:sldId id="276" r:id="rId27"/>
-    <p:sldId id="277" r:id="rId28"/>
-    <p:sldId id="278" r:id="rId29"/>
-    <p:sldId id="279" r:id="rId30"/>
-    <p:sldId id="280" r:id="rId31"/>
-    <p:sldId id="281" r:id="rId32"/>
-    <p:sldId id="282" r:id="rId33"/>
+    <p:sldId id="256" r:id="rId2"/>
+    <p:sldId id="257" r:id="rId3"/>
+    <p:sldId id="258" r:id="rId4"/>
+    <p:sldId id="259" r:id="rId5"/>
+    <p:sldId id="260" r:id="rId6"/>
+    <p:sldId id="261" r:id="rId7"/>
+    <p:sldId id="262" r:id="rId8"/>
+    <p:sldId id="263" r:id="rId9"/>
+    <p:sldId id="264" r:id="rId10"/>
+    <p:sldId id="265" r:id="rId11"/>
+    <p:sldId id="266" r:id="rId12"/>
+    <p:sldId id="267" r:id="rId13"/>
+    <p:sldId id="268" r:id="rId14"/>
+    <p:sldId id="269" r:id="rId15"/>
+    <p:sldId id="270" r:id="rId16"/>
+    <p:sldId id="271" r:id="rId17"/>
+    <p:sldId id="272" r:id="rId18"/>
+    <p:sldId id="273" r:id="rId19"/>
+    <p:sldId id="274" r:id="rId20"/>
+    <p:sldId id="275" r:id="rId21"/>
+    <p:sldId id="276" r:id="rId22"/>
+    <p:sldId id="277" r:id="rId23"/>
+    <p:sldId id="278" r:id="rId24"/>
+    <p:sldId id="279" r:id="rId25"/>
+    <p:sldId id="280" r:id="rId26"/>
+    <p:sldId id="281" r:id="rId27"/>
+    <p:sldId id="283" r:id="rId28"/>
+    <p:sldId id="282" r:id="rId29"/>
+    <p:sldId id="284" r:id="rId30"/>
   </p:sldIdLst>
-  <p:sldSz cy="5143500" cx="9144000"/>
+  <p:sldSz cx="9144000" cy="5143500" type="screen16x9"/>
   <p:notesSz cx="6858000" cy="9144000"/>
   <p:defaultTextStyle>
-    <a:defPPr lvl="0" marR="0" rtl="0" algn="l">
+    <a:defPPr marR="0" lvl="0" algn="l" rtl="0">
       <a:lnSpc>
         <a:spcPct val="100000"/>
       </a:lnSpc>
@@ -50,7 +52,7 @@
         <a:spcPts val="0"/>
       </a:spcAft>
     </a:defPPr>
-    <a:lvl1pPr lvl="0" marR="0" rtl="0" algn="l">
+    <a:lvl1pPr marR="0" lvl="0" algn="l" rtl="0">
       <a:lnSpc>
         <a:spcPct val="100000"/>
       </a:lnSpc>
@@ -64,7 +66,7 @@
         <a:srgbClr val="000000"/>
       </a:buClr>
       <a:buFont typeface="Arial"/>
-      <a:defRPr b="0" i="0" sz="1400" u="none" cap="none" strike="noStrike">
+      <a:defRPr sz="1400" b="0" i="0" u="none" strike="noStrike" cap="none">
         <a:solidFill>
           <a:srgbClr val="000000"/>
         </a:solidFill>
@@ -74,7 +76,7 @@
         <a:sym typeface="Arial"/>
       </a:defRPr>
     </a:lvl1pPr>
-    <a:lvl2pPr lvl="1" marR="0" rtl="0" algn="l">
+    <a:lvl2pPr marR="0" lvl="1" algn="l" rtl="0">
       <a:lnSpc>
         <a:spcPct val="100000"/>
       </a:lnSpc>
@@ -88,7 +90,7 @@
         <a:srgbClr val="000000"/>
       </a:buClr>
       <a:buFont typeface="Arial"/>
-      <a:defRPr b="0" i="0" sz="1400" u="none" cap="none" strike="noStrike">
+      <a:defRPr sz="1400" b="0" i="0" u="none" strike="noStrike" cap="none">
         <a:solidFill>
           <a:srgbClr val="000000"/>
         </a:solidFill>
@@ -98,7 +100,7 @@
         <a:sym typeface="Arial"/>
       </a:defRPr>
     </a:lvl2pPr>
-    <a:lvl3pPr lvl="2" marR="0" rtl="0" algn="l">
+    <a:lvl3pPr marR="0" lvl="2" algn="l" rtl="0">
       <a:lnSpc>
         <a:spcPct val="100000"/>
       </a:lnSpc>
@@ -112,7 +114,7 @@
         <a:srgbClr val="000000"/>
       </a:buClr>
       <a:buFont typeface="Arial"/>
-      <a:defRPr b="0" i="0" sz="1400" u="none" cap="none" strike="noStrike">
+      <a:defRPr sz="1400" b="0" i="0" u="none" strike="noStrike" cap="none">
         <a:solidFill>
           <a:srgbClr val="000000"/>
         </a:solidFill>
@@ -122,7 +124,7 @@
         <a:sym typeface="Arial"/>
       </a:defRPr>
     </a:lvl3pPr>
-    <a:lvl4pPr lvl="3" marR="0" rtl="0" algn="l">
+    <a:lvl4pPr marR="0" lvl="3" algn="l" rtl="0">
       <a:lnSpc>
         <a:spcPct val="100000"/>
       </a:lnSpc>
@@ -136,7 +138,7 @@
         <a:srgbClr val="000000"/>
       </a:buClr>
       <a:buFont typeface="Arial"/>
-      <a:defRPr b="0" i="0" sz="1400" u="none" cap="none" strike="noStrike">
+      <a:defRPr sz="1400" b="0" i="0" u="none" strike="noStrike" cap="none">
         <a:solidFill>
           <a:srgbClr val="000000"/>
         </a:solidFill>
@@ -146,7 +148,7 @@
         <a:sym typeface="Arial"/>
       </a:defRPr>
     </a:lvl4pPr>
-    <a:lvl5pPr lvl="4" marR="0" rtl="0" algn="l">
+    <a:lvl5pPr marR="0" lvl="4" algn="l" rtl="0">
       <a:lnSpc>
         <a:spcPct val="100000"/>
       </a:lnSpc>
@@ -160,7 +162,7 @@
         <a:srgbClr val="000000"/>
       </a:buClr>
       <a:buFont typeface="Arial"/>
-      <a:defRPr b="0" i="0" sz="1400" u="none" cap="none" strike="noStrike">
+      <a:defRPr sz="1400" b="0" i="0" u="none" strike="noStrike" cap="none">
         <a:solidFill>
           <a:srgbClr val="000000"/>
         </a:solidFill>
@@ -170,7 +172,7 @@
         <a:sym typeface="Arial"/>
       </a:defRPr>
     </a:lvl5pPr>
-    <a:lvl6pPr lvl="5" marR="0" rtl="0" algn="l">
+    <a:lvl6pPr marR="0" lvl="5" algn="l" rtl="0">
       <a:lnSpc>
         <a:spcPct val="100000"/>
       </a:lnSpc>
@@ -184,7 +186,7 @@
         <a:srgbClr val="000000"/>
       </a:buClr>
       <a:buFont typeface="Arial"/>
-      <a:defRPr b="0" i="0" sz="1400" u="none" cap="none" strike="noStrike">
+      <a:defRPr sz="1400" b="0" i="0" u="none" strike="noStrike" cap="none">
         <a:solidFill>
           <a:srgbClr val="000000"/>
         </a:solidFill>
@@ -194,7 +196,7 @@
         <a:sym typeface="Arial"/>
       </a:defRPr>
     </a:lvl6pPr>
-    <a:lvl7pPr lvl="6" marR="0" rtl="0" algn="l">
+    <a:lvl7pPr marR="0" lvl="6" algn="l" rtl="0">
       <a:lnSpc>
         <a:spcPct val="100000"/>
       </a:lnSpc>
@@ -208,7 +210,7 @@
         <a:srgbClr val="000000"/>
       </a:buClr>
       <a:buFont typeface="Arial"/>
-      <a:defRPr b="0" i="0" sz="1400" u="none" cap="none" strike="noStrike">
+      <a:defRPr sz="1400" b="0" i="0" u="none" strike="noStrike" cap="none">
         <a:solidFill>
           <a:srgbClr val="000000"/>
         </a:solidFill>
@@ -218,7 +220,7 @@
         <a:sym typeface="Arial"/>
       </a:defRPr>
     </a:lvl7pPr>
-    <a:lvl8pPr lvl="7" marR="0" rtl="0" algn="l">
+    <a:lvl8pPr marR="0" lvl="7" algn="l" rtl="0">
       <a:lnSpc>
         <a:spcPct val="100000"/>
       </a:lnSpc>
@@ -232,7 +234,7 @@
         <a:srgbClr val="000000"/>
       </a:buClr>
       <a:buFont typeface="Arial"/>
-      <a:defRPr b="0" i="0" sz="1400" u="none" cap="none" strike="noStrike">
+      <a:defRPr sz="1400" b="0" i="0" u="none" strike="noStrike" cap="none">
         <a:solidFill>
           <a:srgbClr val="000000"/>
         </a:solidFill>
@@ -242,7 +244,7 @@
         <a:sym typeface="Arial"/>
       </a:defRPr>
     </a:lvl8pPr>
-    <a:lvl9pPr lvl="8" marR="0" rtl="0" algn="l">
+    <a:lvl9pPr marR="0" lvl="8" algn="l" rtl="0">
       <a:lnSpc>
         <a:spcPct val="100000"/>
       </a:lnSpc>
@@ -256,7 +258,7 @@
         <a:srgbClr val="000000"/>
       </a:buClr>
       <a:buFont typeface="Arial"/>
-      <a:defRPr b="0" i="0" sz="1400" u="none" cap="none" strike="noStrike">
+      <a:defRPr sz="1400" b="0" i="0" u="none" strike="noStrike" cap="none">
         <a:solidFill>
           <a:srgbClr val="000000"/>
         </a:solidFill>
@@ -269,7 +271,7 @@
   </p:defaultTextStyle>
   <p:extLst>
     <p:ext uri="{EFAFB233-063F-42B5-8137-9DF3F51BA10A}">
-      <p15:sldGuideLst>
+      <p15:sldGuideLst xmlns:p15="http://schemas.microsoft.com/office/powerpoint/2012/main">
         <p15:guide id="1" orient="horz" pos="1620">
           <p15:clr>
             <a:srgbClr val="A4A3A4"/>
@@ -287,11 +289,16 @@
 </file>
 
 <file path=ppt/notesMasters/notesMaster1.xml><?xml version="1.0" encoding="utf-8"?>
-<p:notesMaster xmlns:a="http://schemas.openxmlformats.org/drawingml/2006/main" xmlns:r="http://schemas.openxmlformats.org/officeDocument/2006/relationships" xmlns:mc="http://schemas.openxmlformats.org/markup-compatibility/2006" xmlns:mv="urn:schemas-microsoft-com:mac:vml" xmlns:p="http://schemas.openxmlformats.org/presentationml/2006/main" xmlns:c="http://schemas.openxmlformats.org/drawingml/2006/chart" xmlns:dgm="http://schemas.openxmlformats.org/drawingml/2006/diagram" xmlns:o="urn:schemas-microsoft-com:office:office" xmlns:v="urn:schemas-microsoft-com:vml" xmlns:pvml="urn:schemas-microsoft-com:office:powerpoint" xmlns:com="http://schemas.openxmlformats.org/drawingml/2006/compatibility" xmlns:p14="http://schemas.microsoft.com/office/powerpoint/2010/main" xmlns:p15="http://schemas.microsoft.com/office/powerpoint/2012/main" xmlns:ahyp="http://schemas.microsoft.com/office/drawing/2018/hyperlinkcolor">
+<p:notesMaster xmlns:a="http://schemas.openxmlformats.org/drawingml/2006/main" xmlns:r="http://schemas.openxmlformats.org/officeDocument/2006/relationships" xmlns:p="http://schemas.openxmlformats.org/presentationml/2006/main">
   <p:cSld>
+    <p:bg>
+      <p:bgRef idx="1001">
+        <a:schemeClr val="bg1"/>
+      </p:bgRef>
+    </p:bg>
     <p:spTree>
       <p:nvGrpSpPr>
-        <p:cNvPr id="2" name="Shape 2"/>
+        <p:cNvPr id="1" name="Shape 2"/>
         <p:cNvGrpSpPr/>
         <p:nvPr/>
       </p:nvGrpSpPr>
@@ -306,9 +313,11 @@
       <p:sp>
         <p:nvSpPr>
           <p:cNvPr id="3" name="Google Shape;3;n"/>
-          <p:cNvSpPr/>
-          <p:nvPr>
-            <p:ph idx="2" type="sldImg"/>
+          <p:cNvSpPr>
+            <a:spLocks noGrp="1" noRot="1" noChangeAspect="1"/>
+          </p:cNvSpPr>
+          <p:nvPr>
+            <p:ph type="sldImg" idx="2"/>
           </p:nvPr>
         </p:nvSpPr>
         <p:spPr>
@@ -317,9 +326,13 @@
             <a:ext cx="6096075" cy="3429000"/>
           </a:xfrm>
           <a:custGeom>
-            <a:rect b="b" l="l" r="r" t="t"/>
+            <a:avLst/>
+            <a:gdLst/>
+            <a:ahLst/>
+            <a:cxnLst/>
+            <a:rect l="l" t="t" r="r" b="b"/>
             <a:pathLst>
-              <a:path extrusionOk="0" h="120000" w="120000">
+              <a:path w="120000" h="120000" extrusionOk="0">
                 <a:moveTo>
                   <a:pt x="0" y="0"/>
                 </a:moveTo>
@@ -337,23 +350,25 @@
             </a:pathLst>
           </a:custGeom>
           <a:noFill/>
-          <a:ln cap="flat" cmpd="sng" w="9525">
+          <a:ln w="9525" cap="flat" cmpd="sng">
             <a:solidFill>
               <a:srgbClr val="000000"/>
             </a:solidFill>
             <a:prstDash val="solid"/>
             <a:round/>
-            <a:headEnd len="sm" w="sm" type="none"/>
-            <a:tailEnd len="sm" w="sm" type="none"/>
+            <a:headEnd type="none" w="sm" len="sm"/>
+            <a:tailEnd type="none" w="sm" len="sm"/>
           </a:ln>
         </p:spPr>
       </p:sp>
       <p:sp>
         <p:nvSpPr>
           <p:cNvPr id="4" name="Google Shape;4;n"/>
-          <p:cNvSpPr txBox="1"/>
-          <p:nvPr>
-            <p:ph idx="1" type="body"/>
+          <p:cNvSpPr txBox="1">
+            <a:spLocks noGrp="1"/>
+          </p:cNvSpPr>
+          <p:nvPr>
+            <p:ph type="body" idx="1"/>
           </p:nvPr>
         </p:nvSpPr>
         <p:spPr>
@@ -370,11 +385,11 @@
           </a:ln>
         </p:spPr>
         <p:txBody>
-          <a:bodyPr anchorCtr="0" anchor="t" bIns="91425" lIns="91425" spcFirstLastPara="1" rIns="91425" wrap="square" tIns="91425">
+          <a:bodyPr spcFirstLastPara="1" wrap="square" lIns="91425" tIns="91425" rIns="91425" bIns="91425" anchor="t" anchorCtr="0">
             <a:noAutofit/>
           </a:bodyPr>
           <a:lstStyle>
-            <a:lvl1pPr indent="-298450" lvl="0" marL="457200">
+            <a:lvl1pPr marL="457200" lvl="0" indent="-298450">
               <a:spcBef>
                 <a:spcPts val="0"/>
               </a:spcBef>
@@ -385,7 +400,7 @@
               <a:buChar char="●"/>
               <a:defRPr sz="1100"/>
             </a:lvl1pPr>
-            <a:lvl2pPr indent="-298450" lvl="1" marL="914400">
+            <a:lvl2pPr marL="914400" lvl="1" indent="-298450">
               <a:spcBef>
                 <a:spcPts val="0"/>
               </a:spcBef>
@@ -396,7 +411,7 @@
               <a:buChar char="○"/>
               <a:defRPr sz="1100"/>
             </a:lvl2pPr>
-            <a:lvl3pPr indent="-298450" lvl="2" marL="1371600">
+            <a:lvl3pPr marL="1371600" lvl="2" indent="-298450">
               <a:spcBef>
                 <a:spcPts val="0"/>
               </a:spcBef>
@@ -407,7 +422,7 @@
               <a:buChar char="■"/>
               <a:defRPr sz="1100"/>
             </a:lvl3pPr>
-            <a:lvl4pPr indent="-298450" lvl="3" marL="1828800">
+            <a:lvl4pPr marL="1828800" lvl="3" indent="-298450">
               <a:spcBef>
                 <a:spcPts val="0"/>
               </a:spcBef>
@@ -418,7 +433,7 @@
               <a:buChar char="●"/>
               <a:defRPr sz="1100"/>
             </a:lvl4pPr>
-            <a:lvl5pPr indent="-298450" lvl="4" marL="2286000">
+            <a:lvl5pPr marL="2286000" lvl="4" indent="-298450">
               <a:spcBef>
                 <a:spcPts val="0"/>
               </a:spcBef>
@@ -429,7 +444,7 @@
               <a:buChar char="○"/>
               <a:defRPr sz="1100"/>
             </a:lvl5pPr>
-            <a:lvl6pPr indent="-298450" lvl="5" marL="2743200">
+            <a:lvl6pPr marL="2743200" lvl="5" indent="-298450">
               <a:spcBef>
                 <a:spcPts val="0"/>
               </a:spcBef>
@@ -440,7 +455,7 @@
               <a:buChar char="■"/>
               <a:defRPr sz="1100"/>
             </a:lvl6pPr>
-            <a:lvl7pPr indent="-298450" lvl="6" marL="3200400">
+            <a:lvl7pPr marL="3200400" lvl="6" indent="-298450">
               <a:spcBef>
                 <a:spcPts val="0"/>
               </a:spcBef>
@@ -451,7 +466,7 @@
               <a:buChar char="●"/>
               <a:defRPr sz="1100"/>
             </a:lvl7pPr>
-            <a:lvl8pPr indent="-298450" lvl="7" marL="3657600">
+            <a:lvl8pPr marL="3657600" lvl="7" indent="-298450">
               <a:spcBef>
                 <a:spcPts val="0"/>
               </a:spcBef>
@@ -462,7 +477,7 @@
               <a:buChar char="○"/>
               <a:defRPr sz="1100"/>
             </a:lvl8pPr>
-            <a:lvl9pPr indent="-298450" lvl="8" marL="4114800">
+            <a:lvl9pPr marL="4114800" lvl="8" indent="-298450">
               <a:spcBef>
                 <a:spcPts val="0"/>
               </a:spcBef>
@@ -474,14 +489,16 @@
               <a:defRPr sz="1100"/>
             </a:lvl9pPr>
           </a:lstStyle>
-          <a:p/>
+          <a:p>
+            <a:endParaRPr/>
+          </a:p>
         </p:txBody>
       </p:sp>
     </p:spTree>
   </p:cSld>
-  <p:clrMap accent1="accent1" accent2="accent2" accent3="accent3" accent4="accent4" accent5="accent5" accent6="accent6" bg1="lt1" bg2="dk2" tx1="dk1" tx2="lt2" folHlink="folHlink" hlink="hlink"/>
+  <p:clrMap bg1="lt1" tx1="dk1" bg2="dk2" tx2="lt2" accent1="accent1" accent2="accent2" accent3="accent3" accent4="accent4" accent5="accent5" accent6="accent6" hlink="hlink" folHlink="folHlink"/>
   <p:notesStyle>
-    <a:defPPr lvl="0" marR="0" rtl="0" algn="l">
+    <a:defPPr marR="0" lvl="0" algn="l" rtl="0">
       <a:lnSpc>
         <a:spcPct val="100000"/>
       </a:lnSpc>
@@ -492,7 +509,7 @@
         <a:spcPts val="0"/>
       </a:spcAft>
     </a:defPPr>
-    <a:lvl1pPr lvl="0" marR="0" rtl="0" algn="l">
+    <a:lvl1pPr marR="0" lvl="0" algn="l" rtl="0">
       <a:lnSpc>
         <a:spcPct val="100000"/>
       </a:lnSpc>
@@ -506,7 +523,7 @@
         <a:srgbClr val="000000"/>
       </a:buClr>
       <a:buFont typeface="Arial"/>
-      <a:defRPr b="0" i="0" sz="1400" u="none" cap="none" strike="noStrike">
+      <a:defRPr sz="1400" b="0" i="0" u="none" strike="noStrike" cap="none">
         <a:solidFill>
           <a:srgbClr val="000000"/>
         </a:solidFill>
@@ -516,7 +533,7 @@
         <a:sym typeface="Arial"/>
       </a:defRPr>
     </a:lvl1pPr>
-    <a:lvl2pPr lvl="1" marR="0" rtl="0" algn="l">
+    <a:lvl2pPr marR="0" lvl="1" algn="l" rtl="0">
       <a:lnSpc>
         <a:spcPct val="100000"/>
       </a:lnSpc>
@@ -530,7 +547,7 @@
         <a:srgbClr val="000000"/>
       </a:buClr>
       <a:buFont typeface="Arial"/>
-      <a:defRPr b="0" i="0" sz="1400" u="none" cap="none" strike="noStrike">
+      <a:defRPr sz="1400" b="0" i="0" u="none" strike="noStrike" cap="none">
         <a:solidFill>
           <a:srgbClr val="000000"/>
         </a:solidFill>
@@ -540,7 +557,7 @@
         <a:sym typeface="Arial"/>
       </a:defRPr>
     </a:lvl2pPr>
-    <a:lvl3pPr lvl="2" marR="0" rtl="0" algn="l">
+    <a:lvl3pPr marR="0" lvl="2" algn="l" rtl="0">
       <a:lnSpc>
         <a:spcPct val="100000"/>
       </a:lnSpc>
@@ -554,7 +571,7 @@
         <a:srgbClr val="000000"/>
       </a:buClr>
       <a:buFont typeface="Arial"/>
-      <a:defRPr b="0" i="0" sz="1400" u="none" cap="none" strike="noStrike">
+      <a:defRPr sz="1400" b="0" i="0" u="none" strike="noStrike" cap="none">
         <a:solidFill>
           <a:srgbClr val="000000"/>
         </a:solidFill>
@@ -564,7 +581,7 @@
         <a:sym typeface="Arial"/>
       </a:defRPr>
     </a:lvl3pPr>
-    <a:lvl4pPr lvl="3" marR="0" rtl="0" algn="l">
+    <a:lvl4pPr marR="0" lvl="3" algn="l" rtl="0">
       <a:lnSpc>
         <a:spcPct val="100000"/>
       </a:lnSpc>
@@ -578,7 +595,7 @@
         <a:srgbClr val="000000"/>
       </a:buClr>
       <a:buFont typeface="Arial"/>
-      <a:defRPr b="0" i="0" sz="1400" u="none" cap="none" strike="noStrike">
+      <a:defRPr sz="1400" b="0" i="0" u="none" strike="noStrike" cap="none">
         <a:solidFill>
           <a:srgbClr val="000000"/>
         </a:solidFill>
@@ -588,7 +605,7 @@
         <a:sym typeface="Arial"/>
       </a:defRPr>
     </a:lvl4pPr>
-    <a:lvl5pPr lvl="4" marR="0" rtl="0" algn="l">
+    <a:lvl5pPr marR="0" lvl="4" algn="l" rtl="0">
       <a:lnSpc>
         <a:spcPct val="100000"/>
       </a:lnSpc>
@@ -602,7 +619,7 @@
         <a:srgbClr val="000000"/>
       </a:buClr>
       <a:buFont typeface="Arial"/>
-      <a:defRPr b="0" i="0" sz="1400" u="none" cap="none" strike="noStrike">
+      <a:defRPr sz="1400" b="0" i="0" u="none" strike="noStrike" cap="none">
         <a:solidFill>
           <a:srgbClr val="000000"/>
         </a:solidFill>
@@ -612,7 +629,7 @@
         <a:sym typeface="Arial"/>
       </a:defRPr>
     </a:lvl5pPr>
-    <a:lvl6pPr lvl="5" marR="0" rtl="0" algn="l">
+    <a:lvl6pPr marR="0" lvl="5" algn="l" rtl="0">
       <a:lnSpc>
         <a:spcPct val="100000"/>
       </a:lnSpc>
@@ -626,7 +643,7 @@
         <a:srgbClr val="000000"/>
       </a:buClr>
       <a:buFont typeface="Arial"/>
-      <a:defRPr b="0" i="0" sz="1400" u="none" cap="none" strike="noStrike">
+      <a:defRPr sz="1400" b="0" i="0" u="none" strike="noStrike" cap="none">
         <a:solidFill>
           <a:srgbClr val="000000"/>
         </a:solidFill>
@@ -636,7 +653,7 @@
         <a:sym typeface="Arial"/>
       </a:defRPr>
     </a:lvl6pPr>
-    <a:lvl7pPr lvl="6" marR="0" rtl="0" algn="l">
+    <a:lvl7pPr marR="0" lvl="6" algn="l" rtl="0">
       <a:lnSpc>
         <a:spcPct val="100000"/>
       </a:lnSpc>
@@ -650,7 +667,7 @@
         <a:srgbClr val="000000"/>
       </a:buClr>
       <a:buFont typeface="Arial"/>
-      <a:defRPr b="0" i="0" sz="1400" u="none" cap="none" strike="noStrike">
+      <a:defRPr sz="1400" b="0" i="0" u="none" strike="noStrike" cap="none">
         <a:solidFill>
           <a:srgbClr val="000000"/>
         </a:solidFill>
@@ -660,7 +677,7 @@
         <a:sym typeface="Arial"/>
       </a:defRPr>
     </a:lvl7pPr>
-    <a:lvl8pPr lvl="7" marR="0" rtl="0" algn="l">
+    <a:lvl8pPr marR="0" lvl="7" algn="l" rtl="0">
       <a:lnSpc>
         <a:spcPct val="100000"/>
       </a:lnSpc>
@@ -674,7 +691,7 @@
         <a:srgbClr val="000000"/>
       </a:buClr>
       <a:buFont typeface="Arial"/>
-      <a:defRPr b="0" i="0" sz="1400" u="none" cap="none" strike="noStrike">
+      <a:defRPr sz="1400" b="0" i="0" u="none" strike="noStrike" cap="none">
         <a:solidFill>
           <a:srgbClr val="000000"/>
         </a:solidFill>
@@ -684,7 +701,7 @@
         <a:sym typeface="Arial"/>
       </a:defRPr>
     </a:lvl8pPr>
-    <a:lvl9pPr lvl="8" marR="0" rtl="0" algn="l">
+    <a:lvl9pPr marR="0" lvl="8" algn="l" rtl="0">
       <a:lnSpc>
         <a:spcPct val="100000"/>
       </a:lnSpc>
@@ -698,7 +715,7 @@
         <a:srgbClr val="000000"/>
       </a:buClr>
       <a:buFont typeface="Arial"/>
-      <a:defRPr b="0" i="0" sz="1400" u="none" cap="none" strike="noStrike">
+      <a:defRPr sz="1400" b="0" i="0" u="none" strike="noStrike" cap="none">
         <a:solidFill>
           <a:srgbClr val="000000"/>
         </a:solidFill>
@@ -713,11 +730,11 @@
 </file>
 
 <file path=ppt/notesSlides/notesSlide1.xml><?xml version="1.0" encoding="utf-8"?>
-<p:notes xmlns:a="http://schemas.openxmlformats.org/drawingml/2006/main" xmlns:r="http://schemas.openxmlformats.org/officeDocument/2006/relationships" xmlns:mc="http://schemas.openxmlformats.org/markup-compatibility/2006" xmlns:mv="urn:schemas-microsoft-com:mac:vml" xmlns:p="http://schemas.openxmlformats.org/presentationml/2006/main" xmlns:c="http://schemas.openxmlformats.org/drawingml/2006/chart" xmlns:dgm="http://schemas.openxmlformats.org/drawingml/2006/diagram" xmlns:o="urn:schemas-microsoft-com:office:office" xmlns:v="urn:schemas-microsoft-com:vml" xmlns:pvml="urn:schemas-microsoft-com:office:powerpoint" xmlns:com="http://schemas.openxmlformats.org/drawingml/2006/compatibility" xmlns:p14="http://schemas.microsoft.com/office/powerpoint/2010/main" xmlns:p15="http://schemas.microsoft.com/office/powerpoint/2012/main" xmlns:ahyp="http://schemas.microsoft.com/office/drawing/2018/hyperlinkcolor" showMasterPhAnim="0" showMasterSp="0">
+<p:notes xmlns:a="http://schemas.openxmlformats.org/drawingml/2006/main" xmlns:r="http://schemas.openxmlformats.org/officeDocument/2006/relationships" xmlns:p="http://schemas.openxmlformats.org/presentationml/2006/main" showMasterSp="0" showMasterPhAnim="0">
   <p:cSld>
     <p:spTree>
       <p:nvGrpSpPr>
-        <p:cNvPr id="50" name="Shape 50"/>
+        <p:cNvPr id="1" name="Shape 50"/>
         <p:cNvGrpSpPr/>
         <p:nvPr/>
       </p:nvGrpSpPr>
@@ -732,9 +749,11 @@
       <p:sp>
         <p:nvSpPr>
           <p:cNvPr id="51" name="Google Shape;51;p:notes"/>
-          <p:cNvSpPr/>
-          <p:nvPr>
-            <p:ph idx="2" type="sldImg"/>
+          <p:cNvSpPr>
+            <a:spLocks noGrp="1" noRot="1" noChangeAspect="1"/>
+          </p:cNvSpPr>
+          <p:nvPr>
+            <p:ph type="sldImg" idx="2"/>
           </p:nvPr>
         </p:nvSpPr>
         <p:spPr>
@@ -743,9 +762,13 @@
             <a:ext cx="6096075" cy="3429000"/>
           </a:xfrm>
           <a:custGeom>
-            <a:rect b="b" l="l" r="r" t="t"/>
+            <a:avLst/>
+            <a:gdLst/>
+            <a:ahLst/>
+            <a:cxnLst/>
+            <a:rect l="l" t="t" r="r" b="b"/>
             <a:pathLst>
-              <a:path extrusionOk="0" h="120000" w="120000">
+              <a:path w="120000" h="120000" extrusionOk="0">
                 <a:moveTo>
                   <a:pt x="0" y="0"/>
                 </a:moveTo>
@@ -767,9 +790,11 @@
       <p:sp>
         <p:nvSpPr>
           <p:cNvPr id="52" name="Google Shape;52;p:notes"/>
-          <p:cNvSpPr txBox="1"/>
-          <p:nvPr>
-            <p:ph idx="1" type="body"/>
+          <p:cNvSpPr txBox="1">
+            <a:spLocks noGrp="1"/>
+          </p:cNvSpPr>
+          <p:nvPr>
+            <p:ph type="body" idx="1"/>
           </p:nvPr>
         </p:nvSpPr>
         <p:spPr>
@@ -782,12 +807,12 @@
           </a:prstGeom>
         </p:spPr>
         <p:txBody>
-          <a:bodyPr anchorCtr="0" anchor="t" bIns="91425" lIns="91425" spcFirstLastPara="1" rIns="91425" wrap="square" tIns="91425">
+          <a:bodyPr spcFirstLastPara="1" wrap="square" lIns="91425" tIns="91425" rIns="91425" bIns="91425" anchor="t" anchorCtr="0">
             <a:noAutofit/>
           </a:bodyPr>
           <a:lstStyle/>
           <a:p>
-            <a:pPr indent="0" lvl="0" marL="0" rtl="0" algn="l">
+            <a:pPr marL="0" lvl="0" indent="0" algn="l" rtl="0">
               <a:spcBef>
                 <a:spcPts val="0"/>
               </a:spcBef>
@@ -796,9 +821,6 @@
               </a:spcAft>
               <a:buNone/>
             </a:pPr>
-            <a:r>
-              <a:t/>
-            </a:r>
             <a:endParaRPr/>
           </a:p>
         </p:txBody>
@@ -812,11 +834,11 @@
 </file>
 
 <file path=ppt/notesSlides/notesSlide10.xml><?xml version="1.0" encoding="utf-8"?>
-<p:notes xmlns:a="http://schemas.openxmlformats.org/drawingml/2006/main" xmlns:r="http://schemas.openxmlformats.org/officeDocument/2006/relationships" xmlns:mc="http://schemas.openxmlformats.org/markup-compatibility/2006" xmlns:mv="urn:schemas-microsoft-com:mac:vml" xmlns:p="http://schemas.openxmlformats.org/presentationml/2006/main" xmlns:c="http://schemas.openxmlformats.org/drawingml/2006/chart" xmlns:dgm="http://schemas.openxmlformats.org/drawingml/2006/diagram" xmlns:o="urn:schemas-microsoft-com:office:office" xmlns:v="urn:schemas-microsoft-com:vml" xmlns:pvml="urn:schemas-microsoft-com:office:powerpoint" xmlns:com="http://schemas.openxmlformats.org/drawingml/2006/compatibility" xmlns:p14="http://schemas.microsoft.com/office/powerpoint/2010/main" xmlns:p15="http://schemas.microsoft.com/office/powerpoint/2012/main" xmlns:ahyp="http://schemas.microsoft.com/office/drawing/2018/hyperlinkcolor" showMasterPhAnim="0" showMasterSp="0">
+<p:notes xmlns:a="http://schemas.openxmlformats.org/drawingml/2006/main" xmlns:r="http://schemas.openxmlformats.org/officeDocument/2006/relationships" xmlns:p="http://schemas.openxmlformats.org/presentationml/2006/main" showMasterSp="0" showMasterPhAnim="0">
   <p:cSld>
     <p:spTree>
       <p:nvGrpSpPr>
-        <p:cNvPr id="107" name="Shape 107"/>
+        <p:cNvPr id="1" name="Shape 107"/>
         <p:cNvGrpSpPr/>
         <p:nvPr/>
       </p:nvGrpSpPr>
@@ -831,9 +853,11 @@
       <p:sp>
         <p:nvSpPr>
           <p:cNvPr id="108" name="Google Shape;108;g99753471a4_0_297:notes"/>
-          <p:cNvSpPr/>
-          <p:nvPr>
-            <p:ph idx="2" type="sldImg"/>
+          <p:cNvSpPr>
+            <a:spLocks noGrp="1" noRot="1" noChangeAspect="1"/>
+          </p:cNvSpPr>
+          <p:nvPr>
+            <p:ph type="sldImg" idx="2"/>
           </p:nvPr>
         </p:nvSpPr>
         <p:spPr>
@@ -842,9 +866,13 @@
             <a:ext cx="6096000" cy="3429000"/>
           </a:xfrm>
           <a:custGeom>
-            <a:rect b="b" l="l" r="r" t="t"/>
+            <a:avLst/>
+            <a:gdLst/>
+            <a:ahLst/>
+            <a:cxnLst/>
+            <a:rect l="l" t="t" r="r" b="b"/>
             <a:pathLst>
-              <a:path extrusionOk="0" h="120000" w="120000">
+              <a:path w="120000" h="120000" extrusionOk="0">
                 <a:moveTo>
                   <a:pt x="0" y="0"/>
                 </a:moveTo>
@@ -866,9 +894,11 @@
       <p:sp>
         <p:nvSpPr>
           <p:cNvPr id="109" name="Google Shape;109;g99753471a4_0_297:notes"/>
-          <p:cNvSpPr txBox="1"/>
-          <p:nvPr>
-            <p:ph idx="1" type="body"/>
+          <p:cNvSpPr txBox="1">
+            <a:spLocks noGrp="1"/>
+          </p:cNvSpPr>
+          <p:nvPr>
+            <p:ph type="body" idx="1"/>
           </p:nvPr>
         </p:nvSpPr>
         <p:spPr>
@@ -881,12 +911,12 @@
           </a:prstGeom>
         </p:spPr>
         <p:txBody>
-          <a:bodyPr anchorCtr="0" anchor="t" bIns="91425" lIns="91425" spcFirstLastPara="1" rIns="91425" wrap="square" tIns="91425">
+          <a:bodyPr spcFirstLastPara="1" wrap="square" lIns="91425" tIns="91425" rIns="91425" bIns="91425" anchor="t" anchorCtr="0">
             <a:noAutofit/>
           </a:bodyPr>
           <a:lstStyle/>
           <a:p>
-            <a:pPr indent="0" lvl="0" marL="0" rtl="0" algn="l">
+            <a:pPr marL="0" lvl="0" indent="0" algn="l" rtl="0">
               <a:spcBef>
                 <a:spcPts val="0"/>
               </a:spcBef>
@@ -895,9 +925,6 @@
               </a:spcAft>
               <a:buNone/>
             </a:pPr>
-            <a:r>
-              <a:t/>
-            </a:r>
             <a:endParaRPr/>
           </a:p>
         </p:txBody>
@@ -911,11 +938,11 @@
 </file>
 
 <file path=ppt/notesSlides/notesSlide11.xml><?xml version="1.0" encoding="utf-8"?>
-<p:notes xmlns:a="http://schemas.openxmlformats.org/drawingml/2006/main" xmlns:r="http://schemas.openxmlformats.org/officeDocument/2006/relationships" xmlns:mc="http://schemas.openxmlformats.org/markup-compatibility/2006" xmlns:mv="urn:schemas-microsoft-com:mac:vml" xmlns:p="http://schemas.openxmlformats.org/presentationml/2006/main" xmlns:c="http://schemas.openxmlformats.org/drawingml/2006/chart" xmlns:dgm="http://schemas.openxmlformats.org/drawingml/2006/diagram" xmlns:o="urn:schemas-microsoft-com:office:office" xmlns:v="urn:schemas-microsoft-com:vml" xmlns:pvml="urn:schemas-microsoft-com:office:powerpoint" xmlns:com="http://schemas.openxmlformats.org/drawingml/2006/compatibility" xmlns:p14="http://schemas.microsoft.com/office/powerpoint/2010/main" xmlns:p15="http://schemas.microsoft.com/office/powerpoint/2012/main" xmlns:ahyp="http://schemas.microsoft.com/office/drawing/2018/hyperlinkcolor" showMasterPhAnim="0" showMasterSp="0">
+<p:notes xmlns:a="http://schemas.openxmlformats.org/drawingml/2006/main" xmlns:r="http://schemas.openxmlformats.org/officeDocument/2006/relationships" xmlns:p="http://schemas.openxmlformats.org/presentationml/2006/main" showMasterSp="0" showMasterPhAnim="0">
   <p:cSld>
     <p:spTree>
       <p:nvGrpSpPr>
-        <p:cNvPr id="114" name="Shape 114"/>
+        <p:cNvPr id="1" name="Shape 114"/>
         <p:cNvGrpSpPr/>
         <p:nvPr/>
       </p:nvGrpSpPr>
@@ -930,9 +957,11 @@
       <p:sp>
         <p:nvSpPr>
           <p:cNvPr id="115" name="Google Shape;115;g99753471a4_0_305:notes"/>
-          <p:cNvSpPr/>
-          <p:nvPr>
-            <p:ph idx="2" type="sldImg"/>
+          <p:cNvSpPr>
+            <a:spLocks noGrp="1" noRot="1" noChangeAspect="1"/>
+          </p:cNvSpPr>
+          <p:nvPr>
+            <p:ph type="sldImg" idx="2"/>
           </p:nvPr>
         </p:nvSpPr>
         <p:spPr>
@@ -941,9 +970,13 @@
             <a:ext cx="6096000" cy="3429000"/>
           </a:xfrm>
           <a:custGeom>
-            <a:rect b="b" l="l" r="r" t="t"/>
+            <a:avLst/>
+            <a:gdLst/>
+            <a:ahLst/>
+            <a:cxnLst/>
+            <a:rect l="l" t="t" r="r" b="b"/>
             <a:pathLst>
-              <a:path extrusionOk="0" h="120000" w="120000">
+              <a:path w="120000" h="120000" extrusionOk="0">
                 <a:moveTo>
                   <a:pt x="0" y="0"/>
                 </a:moveTo>
@@ -965,9 +998,11 @@
       <p:sp>
         <p:nvSpPr>
           <p:cNvPr id="116" name="Google Shape;116;g99753471a4_0_305:notes"/>
-          <p:cNvSpPr txBox="1"/>
-          <p:nvPr>
-            <p:ph idx="1" type="body"/>
+          <p:cNvSpPr txBox="1">
+            <a:spLocks noGrp="1"/>
+          </p:cNvSpPr>
+          <p:nvPr>
+            <p:ph type="body" idx="1"/>
           </p:nvPr>
         </p:nvSpPr>
         <p:spPr>
@@ -980,12 +1015,12 @@
           </a:prstGeom>
         </p:spPr>
         <p:txBody>
-          <a:bodyPr anchorCtr="0" anchor="t" bIns="91425" lIns="91425" spcFirstLastPara="1" rIns="91425" wrap="square" tIns="91425">
+          <a:bodyPr spcFirstLastPara="1" wrap="square" lIns="91425" tIns="91425" rIns="91425" bIns="91425" anchor="t" anchorCtr="0">
             <a:noAutofit/>
           </a:bodyPr>
           <a:lstStyle/>
           <a:p>
-            <a:pPr indent="0" lvl="0" marL="0" rtl="0" algn="l">
+            <a:pPr marL="0" lvl="0" indent="0" algn="l" rtl="0">
               <a:spcBef>
                 <a:spcPts val="0"/>
               </a:spcBef>
@@ -994,9 +1029,6 @@
               </a:spcAft>
               <a:buNone/>
             </a:pPr>
-            <a:r>
-              <a:t/>
-            </a:r>
             <a:endParaRPr/>
           </a:p>
         </p:txBody>
@@ -1010,11 +1042,11 @@
 </file>
 
 <file path=ppt/notesSlides/notesSlide12.xml><?xml version="1.0" encoding="utf-8"?>
-<p:notes xmlns:a="http://schemas.openxmlformats.org/drawingml/2006/main" xmlns:r="http://schemas.openxmlformats.org/officeDocument/2006/relationships" xmlns:mc="http://schemas.openxmlformats.org/markup-compatibility/2006" xmlns:mv="urn:schemas-microsoft-com:mac:vml" xmlns:p="http://schemas.openxmlformats.org/presentationml/2006/main" xmlns:c="http://schemas.openxmlformats.org/drawingml/2006/chart" xmlns:dgm="http://schemas.openxmlformats.org/drawingml/2006/diagram" xmlns:o="urn:schemas-microsoft-com:office:office" xmlns:v="urn:schemas-microsoft-com:vml" xmlns:pvml="urn:schemas-microsoft-com:office:powerpoint" xmlns:com="http://schemas.openxmlformats.org/drawingml/2006/compatibility" xmlns:p14="http://schemas.microsoft.com/office/powerpoint/2010/main" xmlns:p15="http://schemas.microsoft.com/office/powerpoint/2012/main" xmlns:ahyp="http://schemas.microsoft.com/office/drawing/2018/hyperlinkcolor" showMasterPhAnim="0" showMasterSp="0">
+<p:notes xmlns:a="http://schemas.openxmlformats.org/drawingml/2006/main" xmlns:r="http://schemas.openxmlformats.org/officeDocument/2006/relationships" xmlns:p="http://schemas.openxmlformats.org/presentationml/2006/main" showMasterSp="0" showMasterPhAnim="0">
   <p:cSld>
     <p:spTree>
       <p:nvGrpSpPr>
-        <p:cNvPr id="121" name="Shape 121"/>
+        <p:cNvPr id="1" name="Shape 121"/>
         <p:cNvGrpSpPr/>
         <p:nvPr/>
       </p:nvGrpSpPr>
@@ -1029,9 +1061,11 @@
       <p:sp>
         <p:nvSpPr>
           <p:cNvPr id="122" name="Google Shape;122;g99753471a4_0_310:notes"/>
-          <p:cNvSpPr/>
-          <p:nvPr>
-            <p:ph idx="2" type="sldImg"/>
+          <p:cNvSpPr>
+            <a:spLocks noGrp="1" noRot="1" noChangeAspect="1"/>
+          </p:cNvSpPr>
+          <p:nvPr>
+            <p:ph type="sldImg" idx="2"/>
           </p:nvPr>
         </p:nvSpPr>
         <p:spPr>
@@ -1040,9 +1074,13 @@
             <a:ext cx="6096000" cy="3429000"/>
           </a:xfrm>
           <a:custGeom>
-            <a:rect b="b" l="l" r="r" t="t"/>
+            <a:avLst/>
+            <a:gdLst/>
+            <a:ahLst/>
+            <a:cxnLst/>
+            <a:rect l="l" t="t" r="r" b="b"/>
             <a:pathLst>
-              <a:path extrusionOk="0" h="120000" w="120000">
+              <a:path w="120000" h="120000" extrusionOk="0">
                 <a:moveTo>
                   <a:pt x="0" y="0"/>
                 </a:moveTo>
@@ -1064,9 +1102,11 @@
       <p:sp>
         <p:nvSpPr>
           <p:cNvPr id="123" name="Google Shape;123;g99753471a4_0_310:notes"/>
-          <p:cNvSpPr txBox="1"/>
-          <p:nvPr>
-            <p:ph idx="1" type="body"/>
+          <p:cNvSpPr txBox="1">
+            <a:spLocks noGrp="1"/>
+          </p:cNvSpPr>
+          <p:nvPr>
+            <p:ph type="body" idx="1"/>
           </p:nvPr>
         </p:nvSpPr>
         <p:spPr>
@@ -1079,12 +1119,12 @@
           </a:prstGeom>
         </p:spPr>
         <p:txBody>
-          <a:bodyPr anchorCtr="0" anchor="t" bIns="91425" lIns="91425" spcFirstLastPara="1" rIns="91425" wrap="square" tIns="91425">
+          <a:bodyPr spcFirstLastPara="1" wrap="square" lIns="91425" tIns="91425" rIns="91425" bIns="91425" anchor="t" anchorCtr="0">
             <a:noAutofit/>
           </a:bodyPr>
           <a:lstStyle/>
           <a:p>
-            <a:pPr indent="0" lvl="0" marL="0" rtl="0" algn="l">
+            <a:pPr marL="0" lvl="0" indent="0" algn="l" rtl="0">
               <a:spcBef>
                 <a:spcPts val="0"/>
               </a:spcBef>
@@ -1093,9 +1133,6 @@
               </a:spcAft>
               <a:buNone/>
             </a:pPr>
-            <a:r>
-              <a:t/>
-            </a:r>
             <a:endParaRPr/>
           </a:p>
         </p:txBody>
@@ -1109,11 +1146,11 @@
 </file>
 
 <file path=ppt/notesSlides/notesSlide13.xml><?xml version="1.0" encoding="utf-8"?>
-<p:notes xmlns:a="http://schemas.openxmlformats.org/drawingml/2006/main" xmlns:r="http://schemas.openxmlformats.org/officeDocument/2006/relationships" xmlns:mc="http://schemas.openxmlformats.org/markup-compatibility/2006" xmlns:mv="urn:schemas-microsoft-com:mac:vml" xmlns:p="http://schemas.openxmlformats.org/presentationml/2006/main" xmlns:c="http://schemas.openxmlformats.org/drawingml/2006/chart" xmlns:dgm="http://schemas.openxmlformats.org/drawingml/2006/diagram" xmlns:o="urn:schemas-microsoft-com:office:office" xmlns:v="urn:schemas-microsoft-com:vml" xmlns:pvml="urn:schemas-microsoft-com:office:powerpoint" xmlns:com="http://schemas.openxmlformats.org/drawingml/2006/compatibility" xmlns:p14="http://schemas.microsoft.com/office/powerpoint/2010/main" xmlns:p15="http://schemas.microsoft.com/office/powerpoint/2012/main" xmlns:ahyp="http://schemas.microsoft.com/office/drawing/2018/hyperlinkcolor" showMasterPhAnim="0" showMasterSp="0">
+<p:notes xmlns:a="http://schemas.openxmlformats.org/drawingml/2006/main" xmlns:r="http://schemas.openxmlformats.org/officeDocument/2006/relationships" xmlns:p="http://schemas.openxmlformats.org/presentationml/2006/main" showMasterSp="0" showMasterPhAnim="0">
   <p:cSld>
     <p:spTree>
       <p:nvGrpSpPr>
-        <p:cNvPr id="128" name="Shape 128"/>
+        <p:cNvPr id="1" name="Shape 128"/>
         <p:cNvGrpSpPr/>
         <p:nvPr/>
       </p:nvGrpSpPr>
@@ -1128,9 +1165,11 @@
       <p:sp>
         <p:nvSpPr>
           <p:cNvPr id="129" name="Google Shape;129;g99753471a4_0_315:notes"/>
-          <p:cNvSpPr/>
-          <p:nvPr>
-            <p:ph idx="2" type="sldImg"/>
+          <p:cNvSpPr>
+            <a:spLocks noGrp="1" noRot="1" noChangeAspect="1"/>
+          </p:cNvSpPr>
+          <p:nvPr>
+            <p:ph type="sldImg" idx="2"/>
           </p:nvPr>
         </p:nvSpPr>
         <p:spPr>
@@ -1139,9 +1178,13 @@
             <a:ext cx="6096000" cy="3429000"/>
           </a:xfrm>
           <a:custGeom>
-            <a:rect b="b" l="l" r="r" t="t"/>
+            <a:avLst/>
+            <a:gdLst/>
+            <a:ahLst/>
+            <a:cxnLst/>
+            <a:rect l="l" t="t" r="r" b="b"/>
             <a:pathLst>
-              <a:path extrusionOk="0" h="120000" w="120000">
+              <a:path w="120000" h="120000" extrusionOk="0">
                 <a:moveTo>
                   <a:pt x="0" y="0"/>
                 </a:moveTo>
@@ -1163,9 +1206,11 @@
       <p:sp>
         <p:nvSpPr>
           <p:cNvPr id="130" name="Google Shape;130;g99753471a4_0_315:notes"/>
-          <p:cNvSpPr txBox="1"/>
-          <p:nvPr>
-            <p:ph idx="1" type="body"/>
+          <p:cNvSpPr txBox="1">
+            <a:spLocks noGrp="1"/>
+          </p:cNvSpPr>
+          <p:nvPr>
+            <p:ph type="body" idx="1"/>
           </p:nvPr>
         </p:nvSpPr>
         <p:spPr>
@@ -1178,12 +1223,12 @@
           </a:prstGeom>
         </p:spPr>
         <p:txBody>
-          <a:bodyPr anchorCtr="0" anchor="t" bIns="91425" lIns="91425" spcFirstLastPara="1" rIns="91425" wrap="square" tIns="91425">
+          <a:bodyPr spcFirstLastPara="1" wrap="square" lIns="91425" tIns="91425" rIns="91425" bIns="91425" anchor="t" anchorCtr="0">
             <a:noAutofit/>
           </a:bodyPr>
           <a:lstStyle/>
           <a:p>
-            <a:pPr indent="0" lvl="0" marL="0" rtl="0" algn="l">
+            <a:pPr marL="0" lvl="0" indent="0" algn="l" rtl="0">
               <a:spcBef>
                 <a:spcPts val="0"/>
               </a:spcBef>
@@ -1192,9 +1237,6 @@
               </a:spcAft>
               <a:buNone/>
             </a:pPr>
-            <a:r>
-              <a:t/>
-            </a:r>
             <a:endParaRPr/>
           </a:p>
         </p:txBody>
@@ -1208,11 +1250,11 @@
 </file>
 
 <file path=ppt/notesSlides/notesSlide14.xml><?xml version="1.0" encoding="utf-8"?>
-<p:notes xmlns:a="http://schemas.openxmlformats.org/drawingml/2006/main" xmlns:r="http://schemas.openxmlformats.org/officeDocument/2006/relationships" xmlns:mc="http://schemas.openxmlformats.org/markup-compatibility/2006" xmlns:mv="urn:schemas-microsoft-com:mac:vml" xmlns:p="http://schemas.openxmlformats.org/presentationml/2006/main" xmlns:c="http://schemas.openxmlformats.org/drawingml/2006/chart" xmlns:dgm="http://schemas.openxmlformats.org/drawingml/2006/diagram" xmlns:o="urn:schemas-microsoft-com:office:office" xmlns:v="urn:schemas-microsoft-com:vml" xmlns:pvml="urn:schemas-microsoft-com:office:powerpoint" xmlns:com="http://schemas.openxmlformats.org/drawingml/2006/compatibility" xmlns:p14="http://schemas.microsoft.com/office/powerpoint/2010/main" xmlns:p15="http://schemas.microsoft.com/office/powerpoint/2012/main" xmlns:ahyp="http://schemas.microsoft.com/office/drawing/2018/hyperlinkcolor" showMasterPhAnim="0" showMasterSp="0">
+<p:notes xmlns:a="http://schemas.openxmlformats.org/drawingml/2006/main" xmlns:r="http://schemas.openxmlformats.org/officeDocument/2006/relationships" xmlns:p="http://schemas.openxmlformats.org/presentationml/2006/main" showMasterSp="0" showMasterPhAnim="0">
   <p:cSld>
     <p:spTree>
       <p:nvGrpSpPr>
-        <p:cNvPr id="135" name="Shape 135"/>
+        <p:cNvPr id="1" name="Shape 135"/>
         <p:cNvGrpSpPr/>
         <p:nvPr/>
       </p:nvGrpSpPr>
@@ -1227,9 +1269,11 @@
       <p:sp>
         <p:nvSpPr>
           <p:cNvPr id="136" name="Google Shape;136;g99753471a4_0_320:notes"/>
-          <p:cNvSpPr/>
-          <p:nvPr>
-            <p:ph idx="2" type="sldImg"/>
+          <p:cNvSpPr>
+            <a:spLocks noGrp="1" noRot="1" noChangeAspect="1"/>
+          </p:cNvSpPr>
+          <p:nvPr>
+            <p:ph type="sldImg" idx="2"/>
           </p:nvPr>
         </p:nvSpPr>
         <p:spPr>
@@ -1238,9 +1282,13 @@
             <a:ext cx="6096000" cy="3429000"/>
           </a:xfrm>
           <a:custGeom>
-            <a:rect b="b" l="l" r="r" t="t"/>
+            <a:avLst/>
+            <a:gdLst/>
+            <a:ahLst/>
+            <a:cxnLst/>
+            <a:rect l="l" t="t" r="r" b="b"/>
             <a:pathLst>
-              <a:path extrusionOk="0" h="120000" w="120000">
+              <a:path w="120000" h="120000" extrusionOk="0">
                 <a:moveTo>
                   <a:pt x="0" y="0"/>
                 </a:moveTo>
@@ -1262,9 +1310,11 @@
       <p:sp>
         <p:nvSpPr>
           <p:cNvPr id="137" name="Google Shape;137;g99753471a4_0_320:notes"/>
-          <p:cNvSpPr txBox="1"/>
-          <p:nvPr>
-            <p:ph idx="1" type="body"/>
+          <p:cNvSpPr txBox="1">
+            <a:spLocks noGrp="1"/>
+          </p:cNvSpPr>
+          <p:nvPr>
+            <p:ph type="body" idx="1"/>
           </p:nvPr>
         </p:nvSpPr>
         <p:spPr>
@@ -1277,12 +1327,12 @@
           </a:prstGeom>
         </p:spPr>
         <p:txBody>
-          <a:bodyPr anchorCtr="0" anchor="t" bIns="91425" lIns="91425" spcFirstLastPara="1" rIns="91425" wrap="square" tIns="91425">
+          <a:bodyPr spcFirstLastPara="1" wrap="square" lIns="91425" tIns="91425" rIns="91425" bIns="91425" anchor="t" anchorCtr="0">
             <a:noAutofit/>
           </a:bodyPr>
           <a:lstStyle/>
           <a:p>
-            <a:pPr indent="0" lvl="0" marL="0" rtl="0" algn="l">
+            <a:pPr marL="0" lvl="0" indent="0" algn="l" rtl="0">
               <a:spcBef>
                 <a:spcPts val="0"/>
               </a:spcBef>
@@ -1291,9 +1341,6 @@
               </a:spcAft>
               <a:buNone/>
             </a:pPr>
-            <a:r>
-              <a:t/>
-            </a:r>
             <a:endParaRPr/>
           </a:p>
         </p:txBody>
@@ -1307,11 +1354,11 @@
 </file>
 
 <file path=ppt/notesSlides/notesSlide15.xml><?xml version="1.0" encoding="utf-8"?>
-<p:notes xmlns:a="http://schemas.openxmlformats.org/drawingml/2006/main" xmlns:r="http://schemas.openxmlformats.org/officeDocument/2006/relationships" xmlns:mc="http://schemas.openxmlformats.org/markup-compatibility/2006" xmlns:mv="urn:schemas-microsoft-com:mac:vml" xmlns:p="http://schemas.openxmlformats.org/presentationml/2006/main" xmlns:c="http://schemas.openxmlformats.org/drawingml/2006/chart" xmlns:dgm="http://schemas.openxmlformats.org/drawingml/2006/diagram" xmlns:o="urn:schemas-microsoft-com:office:office" xmlns:v="urn:schemas-microsoft-com:vml" xmlns:pvml="urn:schemas-microsoft-com:office:powerpoint" xmlns:com="http://schemas.openxmlformats.org/drawingml/2006/compatibility" xmlns:p14="http://schemas.microsoft.com/office/powerpoint/2010/main" xmlns:p15="http://schemas.microsoft.com/office/powerpoint/2012/main" xmlns:ahyp="http://schemas.microsoft.com/office/drawing/2018/hyperlinkcolor" showMasterPhAnim="0" showMasterSp="0">
+<p:notes xmlns:a="http://schemas.openxmlformats.org/drawingml/2006/main" xmlns:r="http://schemas.openxmlformats.org/officeDocument/2006/relationships" xmlns:p="http://schemas.openxmlformats.org/presentationml/2006/main" showMasterSp="0" showMasterPhAnim="0">
   <p:cSld>
     <p:spTree>
       <p:nvGrpSpPr>
-        <p:cNvPr id="142" name="Shape 142"/>
+        <p:cNvPr id="1" name="Shape 142"/>
         <p:cNvGrpSpPr/>
         <p:nvPr/>
       </p:nvGrpSpPr>
@@ -1326,9 +1373,11 @@
       <p:sp>
         <p:nvSpPr>
           <p:cNvPr id="143" name="Google Shape;143;g99753471a4_0_325:notes"/>
-          <p:cNvSpPr/>
-          <p:nvPr>
-            <p:ph idx="2" type="sldImg"/>
+          <p:cNvSpPr>
+            <a:spLocks noGrp="1" noRot="1" noChangeAspect="1"/>
+          </p:cNvSpPr>
+          <p:nvPr>
+            <p:ph type="sldImg" idx="2"/>
           </p:nvPr>
         </p:nvSpPr>
         <p:spPr>
@@ -1337,9 +1386,13 @@
             <a:ext cx="6096000" cy="3429000"/>
           </a:xfrm>
           <a:custGeom>
-            <a:rect b="b" l="l" r="r" t="t"/>
+            <a:avLst/>
+            <a:gdLst/>
+            <a:ahLst/>
+            <a:cxnLst/>
+            <a:rect l="l" t="t" r="r" b="b"/>
             <a:pathLst>
-              <a:path extrusionOk="0" h="120000" w="120000">
+              <a:path w="120000" h="120000" extrusionOk="0">
                 <a:moveTo>
                   <a:pt x="0" y="0"/>
                 </a:moveTo>
@@ -1361,9 +1414,11 @@
       <p:sp>
         <p:nvSpPr>
           <p:cNvPr id="144" name="Google Shape;144;g99753471a4_0_325:notes"/>
-          <p:cNvSpPr txBox="1"/>
-          <p:nvPr>
-            <p:ph idx="1" type="body"/>
+          <p:cNvSpPr txBox="1">
+            <a:spLocks noGrp="1"/>
+          </p:cNvSpPr>
+          <p:nvPr>
+            <p:ph type="body" idx="1"/>
           </p:nvPr>
         </p:nvSpPr>
         <p:spPr>
@@ -1376,12 +1431,12 @@
           </a:prstGeom>
         </p:spPr>
         <p:txBody>
-          <a:bodyPr anchorCtr="0" anchor="t" bIns="91425" lIns="91425" spcFirstLastPara="1" rIns="91425" wrap="square" tIns="91425">
+          <a:bodyPr spcFirstLastPara="1" wrap="square" lIns="91425" tIns="91425" rIns="91425" bIns="91425" anchor="t" anchorCtr="0">
             <a:noAutofit/>
           </a:bodyPr>
           <a:lstStyle/>
           <a:p>
-            <a:pPr indent="0" lvl="0" marL="0" rtl="0" algn="l">
+            <a:pPr marL="0" lvl="0" indent="0" algn="l" rtl="0">
               <a:spcBef>
                 <a:spcPts val="0"/>
               </a:spcBef>
@@ -1390,9 +1445,6 @@
               </a:spcAft>
               <a:buNone/>
             </a:pPr>
-            <a:r>
-              <a:t/>
-            </a:r>
             <a:endParaRPr/>
           </a:p>
         </p:txBody>
@@ -1406,11 +1458,11 @@
 </file>
 
 <file path=ppt/notesSlides/notesSlide16.xml><?xml version="1.0" encoding="utf-8"?>
-<p:notes xmlns:a="http://schemas.openxmlformats.org/drawingml/2006/main" xmlns:r="http://schemas.openxmlformats.org/officeDocument/2006/relationships" xmlns:mc="http://schemas.openxmlformats.org/markup-compatibility/2006" xmlns:mv="urn:schemas-microsoft-com:mac:vml" xmlns:p="http://schemas.openxmlformats.org/presentationml/2006/main" xmlns:c="http://schemas.openxmlformats.org/drawingml/2006/chart" xmlns:dgm="http://schemas.openxmlformats.org/drawingml/2006/diagram" xmlns:o="urn:schemas-microsoft-com:office:office" xmlns:v="urn:schemas-microsoft-com:vml" xmlns:pvml="urn:schemas-microsoft-com:office:powerpoint" xmlns:com="http://schemas.openxmlformats.org/drawingml/2006/compatibility" xmlns:p14="http://schemas.microsoft.com/office/powerpoint/2010/main" xmlns:p15="http://schemas.microsoft.com/office/powerpoint/2012/main" xmlns:ahyp="http://schemas.microsoft.com/office/drawing/2018/hyperlinkcolor" showMasterPhAnim="0" showMasterSp="0">
+<p:notes xmlns:a="http://schemas.openxmlformats.org/drawingml/2006/main" xmlns:r="http://schemas.openxmlformats.org/officeDocument/2006/relationships" xmlns:p="http://schemas.openxmlformats.org/presentationml/2006/main" showMasterSp="0" showMasterPhAnim="0">
   <p:cSld>
     <p:spTree>
       <p:nvGrpSpPr>
-        <p:cNvPr id="149" name="Shape 149"/>
+        <p:cNvPr id="1" name="Shape 149"/>
         <p:cNvGrpSpPr/>
         <p:nvPr/>
       </p:nvGrpSpPr>
@@ -1425,9 +1477,11 @@
       <p:sp>
         <p:nvSpPr>
           <p:cNvPr id="150" name="Google Shape;150;g99753471a4_0_330:notes"/>
-          <p:cNvSpPr/>
-          <p:nvPr>
-            <p:ph idx="2" type="sldImg"/>
+          <p:cNvSpPr>
+            <a:spLocks noGrp="1" noRot="1" noChangeAspect="1"/>
+          </p:cNvSpPr>
+          <p:nvPr>
+            <p:ph type="sldImg" idx="2"/>
           </p:nvPr>
         </p:nvSpPr>
         <p:spPr>
@@ -1436,9 +1490,13 @@
             <a:ext cx="6096000" cy="3429000"/>
           </a:xfrm>
           <a:custGeom>
-            <a:rect b="b" l="l" r="r" t="t"/>
+            <a:avLst/>
+            <a:gdLst/>
+            <a:ahLst/>
+            <a:cxnLst/>
+            <a:rect l="l" t="t" r="r" b="b"/>
             <a:pathLst>
-              <a:path extrusionOk="0" h="120000" w="120000">
+              <a:path w="120000" h="120000" extrusionOk="0">
                 <a:moveTo>
                   <a:pt x="0" y="0"/>
                 </a:moveTo>
@@ -1460,9 +1518,11 @@
       <p:sp>
         <p:nvSpPr>
           <p:cNvPr id="151" name="Google Shape;151;g99753471a4_0_330:notes"/>
-          <p:cNvSpPr txBox="1"/>
-          <p:nvPr>
-            <p:ph idx="1" type="body"/>
+          <p:cNvSpPr txBox="1">
+            <a:spLocks noGrp="1"/>
+          </p:cNvSpPr>
+          <p:nvPr>
+            <p:ph type="body" idx="1"/>
           </p:nvPr>
         </p:nvSpPr>
         <p:spPr>
@@ -1475,12 +1535,12 @@
           </a:prstGeom>
         </p:spPr>
         <p:txBody>
-          <a:bodyPr anchorCtr="0" anchor="t" bIns="91425" lIns="91425" spcFirstLastPara="1" rIns="91425" wrap="square" tIns="91425">
+          <a:bodyPr spcFirstLastPara="1" wrap="square" lIns="91425" tIns="91425" rIns="91425" bIns="91425" anchor="t" anchorCtr="0">
             <a:noAutofit/>
           </a:bodyPr>
           <a:lstStyle/>
           <a:p>
-            <a:pPr indent="0" lvl="0" marL="0" rtl="0" algn="l">
+            <a:pPr marL="0" lvl="0" indent="0" algn="l" rtl="0">
               <a:spcBef>
                 <a:spcPts val="0"/>
               </a:spcBef>
@@ -1489,9 +1549,6 @@
               </a:spcAft>
               <a:buNone/>
             </a:pPr>
-            <a:r>
-              <a:t/>
-            </a:r>
             <a:endParaRPr/>
           </a:p>
         </p:txBody>
@@ -1505,11 +1562,11 @@
 </file>
 
 <file path=ppt/notesSlides/notesSlide17.xml><?xml version="1.0" encoding="utf-8"?>
-<p:notes xmlns:a="http://schemas.openxmlformats.org/drawingml/2006/main" xmlns:r="http://schemas.openxmlformats.org/officeDocument/2006/relationships" xmlns:mc="http://schemas.openxmlformats.org/markup-compatibility/2006" xmlns:mv="urn:schemas-microsoft-com:mac:vml" xmlns:p="http://schemas.openxmlformats.org/presentationml/2006/main" xmlns:c="http://schemas.openxmlformats.org/drawingml/2006/chart" xmlns:dgm="http://schemas.openxmlformats.org/drawingml/2006/diagram" xmlns:o="urn:schemas-microsoft-com:office:office" xmlns:v="urn:schemas-microsoft-com:vml" xmlns:pvml="urn:schemas-microsoft-com:office:powerpoint" xmlns:com="http://schemas.openxmlformats.org/drawingml/2006/compatibility" xmlns:p14="http://schemas.microsoft.com/office/powerpoint/2010/main" xmlns:p15="http://schemas.microsoft.com/office/powerpoint/2012/main" xmlns:ahyp="http://schemas.microsoft.com/office/drawing/2018/hyperlinkcolor" showMasterPhAnim="0" showMasterSp="0">
+<p:notes xmlns:a="http://schemas.openxmlformats.org/drawingml/2006/main" xmlns:r="http://schemas.openxmlformats.org/officeDocument/2006/relationships" xmlns:p="http://schemas.openxmlformats.org/presentationml/2006/main" showMasterSp="0" showMasterPhAnim="0">
   <p:cSld>
     <p:spTree>
       <p:nvGrpSpPr>
-        <p:cNvPr id="156" name="Shape 156"/>
+        <p:cNvPr id="1" name="Shape 156"/>
         <p:cNvGrpSpPr/>
         <p:nvPr/>
       </p:nvGrpSpPr>
@@ -1524,9 +1581,11 @@
       <p:sp>
         <p:nvSpPr>
           <p:cNvPr id="157" name="Google Shape;157;g99753471a4_0_341:notes"/>
-          <p:cNvSpPr/>
-          <p:nvPr>
-            <p:ph idx="2" type="sldImg"/>
+          <p:cNvSpPr>
+            <a:spLocks noGrp="1" noRot="1" noChangeAspect="1"/>
+          </p:cNvSpPr>
+          <p:nvPr>
+            <p:ph type="sldImg" idx="2"/>
           </p:nvPr>
         </p:nvSpPr>
         <p:spPr>
@@ -1535,9 +1594,13 @@
             <a:ext cx="6096000" cy="3429000"/>
           </a:xfrm>
           <a:custGeom>
-            <a:rect b="b" l="l" r="r" t="t"/>
+            <a:avLst/>
+            <a:gdLst/>
+            <a:ahLst/>
+            <a:cxnLst/>
+            <a:rect l="l" t="t" r="r" b="b"/>
             <a:pathLst>
-              <a:path extrusionOk="0" h="120000" w="120000">
+              <a:path w="120000" h="120000" extrusionOk="0">
                 <a:moveTo>
                   <a:pt x="0" y="0"/>
                 </a:moveTo>
@@ -1559,9 +1622,11 @@
       <p:sp>
         <p:nvSpPr>
           <p:cNvPr id="158" name="Google Shape;158;g99753471a4_0_341:notes"/>
-          <p:cNvSpPr txBox="1"/>
-          <p:nvPr>
-            <p:ph idx="1" type="body"/>
+          <p:cNvSpPr txBox="1">
+            <a:spLocks noGrp="1"/>
+          </p:cNvSpPr>
+          <p:nvPr>
+            <p:ph type="body" idx="1"/>
           </p:nvPr>
         </p:nvSpPr>
         <p:spPr>
@@ -1574,12 +1639,12 @@
           </a:prstGeom>
         </p:spPr>
         <p:txBody>
-          <a:bodyPr anchorCtr="0" anchor="t" bIns="91425" lIns="91425" spcFirstLastPara="1" rIns="91425" wrap="square" tIns="91425">
+          <a:bodyPr spcFirstLastPara="1" wrap="square" lIns="91425" tIns="91425" rIns="91425" bIns="91425" anchor="t" anchorCtr="0">
             <a:noAutofit/>
           </a:bodyPr>
           <a:lstStyle/>
           <a:p>
-            <a:pPr indent="0" lvl="0" marL="0" rtl="0" algn="l">
+            <a:pPr marL="0" lvl="0" indent="0" algn="l" rtl="0">
               <a:spcBef>
                 <a:spcPts val="0"/>
               </a:spcBef>
@@ -1588,9 +1653,6 @@
               </a:spcAft>
               <a:buNone/>
             </a:pPr>
-            <a:r>
-              <a:t/>
-            </a:r>
             <a:endParaRPr/>
           </a:p>
         </p:txBody>
@@ -1604,11 +1666,11 @@
 </file>
 
 <file path=ppt/notesSlides/notesSlide18.xml><?xml version="1.0" encoding="utf-8"?>
-<p:notes xmlns:a="http://schemas.openxmlformats.org/drawingml/2006/main" xmlns:r="http://schemas.openxmlformats.org/officeDocument/2006/relationships" xmlns:mc="http://schemas.openxmlformats.org/markup-compatibility/2006" xmlns:mv="urn:schemas-microsoft-com:mac:vml" xmlns:p="http://schemas.openxmlformats.org/presentationml/2006/main" xmlns:c="http://schemas.openxmlformats.org/drawingml/2006/chart" xmlns:dgm="http://schemas.openxmlformats.org/drawingml/2006/diagram" xmlns:o="urn:schemas-microsoft-com:office:office" xmlns:v="urn:schemas-microsoft-com:vml" xmlns:pvml="urn:schemas-microsoft-com:office:powerpoint" xmlns:com="http://schemas.openxmlformats.org/drawingml/2006/compatibility" xmlns:p14="http://schemas.microsoft.com/office/powerpoint/2010/main" xmlns:p15="http://schemas.microsoft.com/office/powerpoint/2012/main" xmlns:ahyp="http://schemas.microsoft.com/office/drawing/2018/hyperlinkcolor" showMasterPhAnim="0" showMasterSp="0">
+<p:notes xmlns:a="http://schemas.openxmlformats.org/drawingml/2006/main" xmlns:r="http://schemas.openxmlformats.org/officeDocument/2006/relationships" xmlns:p="http://schemas.openxmlformats.org/presentationml/2006/main" showMasterSp="0" showMasterPhAnim="0">
   <p:cSld>
     <p:spTree>
       <p:nvGrpSpPr>
-        <p:cNvPr id="162" name="Shape 162"/>
+        <p:cNvPr id="1" name="Shape 162"/>
         <p:cNvGrpSpPr/>
         <p:nvPr/>
       </p:nvGrpSpPr>
@@ -1623,9 +1685,11 @@
       <p:sp>
         <p:nvSpPr>
           <p:cNvPr id="163" name="Google Shape;163;g99753471a4_0_358:notes"/>
-          <p:cNvSpPr/>
-          <p:nvPr>
-            <p:ph idx="2" type="sldImg"/>
+          <p:cNvSpPr>
+            <a:spLocks noGrp="1" noRot="1" noChangeAspect="1"/>
+          </p:cNvSpPr>
+          <p:nvPr>
+            <p:ph type="sldImg" idx="2"/>
           </p:nvPr>
         </p:nvSpPr>
         <p:spPr>
@@ -1634,9 +1698,13 @@
             <a:ext cx="6096000" cy="3429000"/>
           </a:xfrm>
           <a:custGeom>
-            <a:rect b="b" l="l" r="r" t="t"/>
+            <a:avLst/>
+            <a:gdLst/>
+            <a:ahLst/>
+            <a:cxnLst/>
+            <a:rect l="l" t="t" r="r" b="b"/>
             <a:pathLst>
-              <a:path extrusionOk="0" h="120000" w="120000">
+              <a:path w="120000" h="120000" extrusionOk="0">
                 <a:moveTo>
                   <a:pt x="0" y="0"/>
                 </a:moveTo>
@@ -1658,9 +1726,11 @@
       <p:sp>
         <p:nvSpPr>
           <p:cNvPr id="164" name="Google Shape;164;g99753471a4_0_358:notes"/>
-          <p:cNvSpPr txBox="1"/>
-          <p:nvPr>
-            <p:ph idx="1" type="body"/>
+          <p:cNvSpPr txBox="1">
+            <a:spLocks noGrp="1"/>
+          </p:cNvSpPr>
+          <p:nvPr>
+            <p:ph type="body" idx="1"/>
           </p:nvPr>
         </p:nvSpPr>
         <p:spPr>
@@ -1673,12 +1743,12 @@
           </a:prstGeom>
         </p:spPr>
         <p:txBody>
-          <a:bodyPr anchorCtr="0" anchor="t" bIns="91425" lIns="91425" spcFirstLastPara="1" rIns="91425" wrap="square" tIns="91425">
+          <a:bodyPr spcFirstLastPara="1" wrap="square" lIns="91425" tIns="91425" rIns="91425" bIns="91425" anchor="t" anchorCtr="0">
             <a:noAutofit/>
           </a:bodyPr>
           <a:lstStyle/>
           <a:p>
-            <a:pPr indent="0" lvl="0" marL="0" rtl="0" algn="l">
+            <a:pPr marL="0" lvl="0" indent="0" algn="l" rtl="0">
               <a:spcBef>
                 <a:spcPts val="0"/>
               </a:spcBef>
@@ -1687,9 +1757,6 @@
               </a:spcAft>
               <a:buNone/>
             </a:pPr>
-            <a:r>
-              <a:t/>
-            </a:r>
             <a:endParaRPr/>
           </a:p>
         </p:txBody>
@@ -1703,11 +1770,11 @@
 </file>
 
 <file path=ppt/notesSlides/notesSlide19.xml><?xml version="1.0" encoding="utf-8"?>
-<p:notes xmlns:a="http://schemas.openxmlformats.org/drawingml/2006/main" xmlns:r="http://schemas.openxmlformats.org/officeDocument/2006/relationships" xmlns:mc="http://schemas.openxmlformats.org/markup-compatibility/2006" xmlns:mv="urn:schemas-microsoft-com:mac:vml" xmlns:p="http://schemas.openxmlformats.org/presentationml/2006/main" xmlns:c="http://schemas.openxmlformats.org/drawingml/2006/chart" xmlns:dgm="http://schemas.openxmlformats.org/drawingml/2006/diagram" xmlns:o="urn:schemas-microsoft-com:office:office" xmlns:v="urn:schemas-microsoft-com:vml" xmlns:pvml="urn:schemas-microsoft-com:office:powerpoint" xmlns:com="http://schemas.openxmlformats.org/drawingml/2006/compatibility" xmlns:p14="http://schemas.microsoft.com/office/powerpoint/2010/main" xmlns:p15="http://schemas.microsoft.com/office/powerpoint/2012/main" xmlns:ahyp="http://schemas.microsoft.com/office/drawing/2018/hyperlinkcolor" showMasterPhAnim="0" showMasterSp="0">
+<p:notes xmlns:a="http://schemas.openxmlformats.org/drawingml/2006/main" xmlns:r="http://schemas.openxmlformats.org/officeDocument/2006/relationships" xmlns:p="http://schemas.openxmlformats.org/presentationml/2006/main" showMasterSp="0" showMasterPhAnim="0">
   <p:cSld>
     <p:spTree>
       <p:nvGrpSpPr>
-        <p:cNvPr id="169" name="Shape 169"/>
+        <p:cNvPr id="1" name="Shape 169"/>
         <p:cNvGrpSpPr/>
         <p:nvPr/>
       </p:nvGrpSpPr>
@@ -1722,9 +1789,11 @@
       <p:sp>
         <p:nvSpPr>
           <p:cNvPr id="170" name="Google Shape;170;g99753471a4_0_363:notes"/>
-          <p:cNvSpPr/>
-          <p:nvPr>
-            <p:ph idx="2" type="sldImg"/>
+          <p:cNvSpPr>
+            <a:spLocks noGrp="1" noRot="1" noChangeAspect="1"/>
+          </p:cNvSpPr>
+          <p:nvPr>
+            <p:ph type="sldImg" idx="2"/>
           </p:nvPr>
         </p:nvSpPr>
         <p:spPr>
@@ -1733,9 +1802,13 @@
             <a:ext cx="6096000" cy="3429000"/>
           </a:xfrm>
           <a:custGeom>
-            <a:rect b="b" l="l" r="r" t="t"/>
+            <a:avLst/>
+            <a:gdLst/>
+            <a:ahLst/>
+            <a:cxnLst/>
+            <a:rect l="l" t="t" r="r" b="b"/>
             <a:pathLst>
-              <a:path extrusionOk="0" h="120000" w="120000">
+              <a:path w="120000" h="120000" extrusionOk="0">
                 <a:moveTo>
                   <a:pt x="0" y="0"/>
                 </a:moveTo>
@@ -1757,9 +1830,11 @@
       <p:sp>
         <p:nvSpPr>
           <p:cNvPr id="171" name="Google Shape;171;g99753471a4_0_363:notes"/>
-          <p:cNvSpPr txBox="1"/>
-          <p:nvPr>
-            <p:ph idx="1" type="body"/>
+          <p:cNvSpPr txBox="1">
+            <a:spLocks noGrp="1"/>
+          </p:cNvSpPr>
+          <p:nvPr>
+            <p:ph type="body" idx="1"/>
           </p:nvPr>
         </p:nvSpPr>
         <p:spPr>
@@ -1772,12 +1847,12 @@
           </a:prstGeom>
         </p:spPr>
         <p:txBody>
-          <a:bodyPr anchorCtr="0" anchor="t" bIns="91425" lIns="91425" spcFirstLastPara="1" rIns="91425" wrap="square" tIns="91425">
+          <a:bodyPr spcFirstLastPara="1" wrap="square" lIns="91425" tIns="91425" rIns="91425" bIns="91425" anchor="t" anchorCtr="0">
             <a:noAutofit/>
           </a:bodyPr>
           <a:lstStyle/>
           <a:p>
-            <a:pPr indent="0" lvl="0" marL="0" rtl="0" algn="l">
+            <a:pPr marL="0" lvl="0" indent="0" algn="l" rtl="0">
               <a:spcBef>
                 <a:spcPts val="0"/>
               </a:spcBef>
@@ -1786,9 +1861,6 @@
               </a:spcAft>
               <a:buNone/>
             </a:pPr>
-            <a:r>
-              <a:t/>
-            </a:r>
             <a:endParaRPr/>
           </a:p>
         </p:txBody>
@@ -1802,11 +1874,11 @@
 </file>
 
 <file path=ppt/notesSlides/notesSlide2.xml><?xml version="1.0" encoding="utf-8"?>
-<p:notes xmlns:a="http://schemas.openxmlformats.org/drawingml/2006/main" xmlns:r="http://schemas.openxmlformats.org/officeDocument/2006/relationships" xmlns:mc="http://schemas.openxmlformats.org/markup-compatibility/2006" xmlns:mv="urn:schemas-microsoft-com:mac:vml" xmlns:p="http://schemas.openxmlformats.org/presentationml/2006/main" xmlns:c="http://schemas.openxmlformats.org/drawingml/2006/chart" xmlns:dgm="http://schemas.openxmlformats.org/drawingml/2006/diagram" xmlns:o="urn:schemas-microsoft-com:office:office" xmlns:v="urn:schemas-microsoft-com:vml" xmlns:pvml="urn:schemas-microsoft-com:office:powerpoint" xmlns:com="http://schemas.openxmlformats.org/drawingml/2006/compatibility" xmlns:p14="http://schemas.microsoft.com/office/powerpoint/2010/main" xmlns:p15="http://schemas.microsoft.com/office/powerpoint/2012/main" xmlns:ahyp="http://schemas.microsoft.com/office/drawing/2018/hyperlinkcolor" showMasterPhAnim="0" showMasterSp="0">
+<p:notes xmlns:a="http://schemas.openxmlformats.org/drawingml/2006/main" xmlns:r="http://schemas.openxmlformats.org/officeDocument/2006/relationships" xmlns:p="http://schemas.openxmlformats.org/presentationml/2006/main" showMasterSp="0" showMasterPhAnim="0">
   <p:cSld>
     <p:spTree>
       <p:nvGrpSpPr>
-        <p:cNvPr id="56" name="Shape 56"/>
+        <p:cNvPr id="1" name="Shape 56"/>
         <p:cNvGrpSpPr/>
         <p:nvPr/>
       </p:nvGrpSpPr>
@@ -1821,9 +1893,11 @@
       <p:sp>
         <p:nvSpPr>
           <p:cNvPr id="57" name="Google Shape;57;g99753471a4_0_202:notes"/>
-          <p:cNvSpPr/>
-          <p:nvPr>
-            <p:ph idx="2" type="sldImg"/>
+          <p:cNvSpPr>
+            <a:spLocks noGrp="1" noRot="1" noChangeAspect="1"/>
+          </p:cNvSpPr>
+          <p:nvPr>
+            <p:ph type="sldImg" idx="2"/>
           </p:nvPr>
         </p:nvSpPr>
         <p:spPr>
@@ -1832,9 +1906,13 @@
             <a:ext cx="6096000" cy="3429000"/>
           </a:xfrm>
           <a:custGeom>
-            <a:rect b="b" l="l" r="r" t="t"/>
+            <a:avLst/>
+            <a:gdLst/>
+            <a:ahLst/>
+            <a:cxnLst/>
+            <a:rect l="l" t="t" r="r" b="b"/>
             <a:pathLst>
-              <a:path extrusionOk="0" h="120000" w="120000">
+              <a:path w="120000" h="120000" extrusionOk="0">
                 <a:moveTo>
                   <a:pt x="0" y="0"/>
                 </a:moveTo>
@@ -1856,9 +1934,11 @@
       <p:sp>
         <p:nvSpPr>
           <p:cNvPr id="58" name="Google Shape;58;g99753471a4_0_202:notes"/>
-          <p:cNvSpPr txBox="1"/>
-          <p:nvPr>
-            <p:ph idx="1" type="body"/>
+          <p:cNvSpPr txBox="1">
+            <a:spLocks noGrp="1"/>
+          </p:cNvSpPr>
+          <p:nvPr>
+            <p:ph type="body" idx="1"/>
           </p:nvPr>
         </p:nvSpPr>
         <p:spPr>
@@ -1871,12 +1951,12 @@
           </a:prstGeom>
         </p:spPr>
         <p:txBody>
-          <a:bodyPr anchorCtr="0" anchor="t" bIns="91425" lIns="91425" spcFirstLastPara="1" rIns="91425" wrap="square" tIns="91425">
+          <a:bodyPr spcFirstLastPara="1" wrap="square" lIns="91425" tIns="91425" rIns="91425" bIns="91425" anchor="t" anchorCtr="0">
             <a:noAutofit/>
           </a:bodyPr>
           <a:lstStyle/>
           <a:p>
-            <a:pPr indent="0" lvl="0" marL="0" rtl="0" algn="l">
+            <a:pPr marL="0" lvl="0" indent="0" algn="l" rtl="0">
               <a:spcBef>
                 <a:spcPts val="0"/>
               </a:spcBef>
@@ -1885,9 +1965,6 @@
               </a:spcAft>
               <a:buNone/>
             </a:pPr>
-            <a:r>
-              <a:t/>
-            </a:r>
             <a:endParaRPr/>
           </a:p>
         </p:txBody>
@@ -1901,11 +1978,11 @@
 </file>
 
 <file path=ppt/notesSlides/notesSlide20.xml><?xml version="1.0" encoding="utf-8"?>
-<p:notes xmlns:a="http://schemas.openxmlformats.org/drawingml/2006/main" xmlns:r="http://schemas.openxmlformats.org/officeDocument/2006/relationships" xmlns:mc="http://schemas.openxmlformats.org/markup-compatibility/2006" xmlns:mv="urn:schemas-microsoft-com:mac:vml" xmlns:p="http://schemas.openxmlformats.org/presentationml/2006/main" xmlns:c="http://schemas.openxmlformats.org/drawingml/2006/chart" xmlns:dgm="http://schemas.openxmlformats.org/drawingml/2006/diagram" xmlns:o="urn:schemas-microsoft-com:office:office" xmlns:v="urn:schemas-microsoft-com:vml" xmlns:pvml="urn:schemas-microsoft-com:office:powerpoint" xmlns:com="http://schemas.openxmlformats.org/drawingml/2006/compatibility" xmlns:p14="http://schemas.microsoft.com/office/powerpoint/2010/main" xmlns:p15="http://schemas.microsoft.com/office/powerpoint/2012/main" xmlns:ahyp="http://schemas.microsoft.com/office/drawing/2018/hyperlinkcolor" showMasterPhAnim="0" showMasterSp="0">
+<p:notes xmlns:a="http://schemas.openxmlformats.org/drawingml/2006/main" xmlns:r="http://schemas.openxmlformats.org/officeDocument/2006/relationships" xmlns:p="http://schemas.openxmlformats.org/presentationml/2006/main" showMasterSp="0" showMasterPhAnim="0">
   <p:cSld>
     <p:spTree>
       <p:nvGrpSpPr>
-        <p:cNvPr id="176" name="Shape 176"/>
+        <p:cNvPr id="1" name="Shape 176"/>
         <p:cNvGrpSpPr/>
         <p:nvPr/>
       </p:nvGrpSpPr>
@@ -1920,9 +1997,11 @@
       <p:sp>
         <p:nvSpPr>
           <p:cNvPr id="177" name="Google Shape;177;g99753471a4_0_353:notes"/>
-          <p:cNvSpPr/>
-          <p:nvPr>
-            <p:ph idx="2" type="sldImg"/>
+          <p:cNvSpPr>
+            <a:spLocks noGrp="1" noRot="1" noChangeAspect="1"/>
+          </p:cNvSpPr>
+          <p:nvPr>
+            <p:ph type="sldImg" idx="2"/>
           </p:nvPr>
         </p:nvSpPr>
         <p:spPr>
@@ -1931,9 +2010,13 @@
             <a:ext cx="6096000" cy="3429000"/>
           </a:xfrm>
           <a:custGeom>
-            <a:rect b="b" l="l" r="r" t="t"/>
+            <a:avLst/>
+            <a:gdLst/>
+            <a:ahLst/>
+            <a:cxnLst/>
+            <a:rect l="l" t="t" r="r" b="b"/>
             <a:pathLst>
-              <a:path extrusionOk="0" h="120000" w="120000">
+              <a:path w="120000" h="120000" extrusionOk="0">
                 <a:moveTo>
                   <a:pt x="0" y="0"/>
                 </a:moveTo>
@@ -1955,9 +2038,11 @@
       <p:sp>
         <p:nvSpPr>
           <p:cNvPr id="178" name="Google Shape;178;g99753471a4_0_353:notes"/>
-          <p:cNvSpPr txBox="1"/>
-          <p:nvPr>
-            <p:ph idx="1" type="body"/>
+          <p:cNvSpPr txBox="1">
+            <a:spLocks noGrp="1"/>
+          </p:cNvSpPr>
+          <p:nvPr>
+            <p:ph type="body" idx="1"/>
           </p:nvPr>
         </p:nvSpPr>
         <p:spPr>
@@ -1970,12 +2055,12 @@
           </a:prstGeom>
         </p:spPr>
         <p:txBody>
-          <a:bodyPr anchorCtr="0" anchor="t" bIns="91425" lIns="91425" spcFirstLastPara="1" rIns="91425" wrap="square" tIns="91425">
+          <a:bodyPr spcFirstLastPara="1" wrap="square" lIns="91425" tIns="91425" rIns="91425" bIns="91425" anchor="t" anchorCtr="0">
             <a:noAutofit/>
           </a:bodyPr>
           <a:lstStyle/>
           <a:p>
-            <a:pPr indent="0" lvl="0" marL="0" rtl="0" algn="l">
+            <a:pPr marL="0" lvl="0" indent="0" algn="l" rtl="0">
               <a:spcBef>
                 <a:spcPts val="0"/>
               </a:spcBef>
@@ -1984,9 +2069,6 @@
               </a:spcAft>
               <a:buNone/>
             </a:pPr>
-            <a:r>
-              <a:t/>
-            </a:r>
             <a:endParaRPr/>
           </a:p>
         </p:txBody>
@@ -2000,11 +2082,11 @@
 </file>
 
 <file path=ppt/notesSlides/notesSlide21.xml><?xml version="1.0" encoding="utf-8"?>
-<p:notes xmlns:a="http://schemas.openxmlformats.org/drawingml/2006/main" xmlns:r="http://schemas.openxmlformats.org/officeDocument/2006/relationships" xmlns:mc="http://schemas.openxmlformats.org/markup-compatibility/2006" xmlns:mv="urn:schemas-microsoft-com:mac:vml" xmlns:p="http://schemas.openxmlformats.org/presentationml/2006/main" xmlns:c="http://schemas.openxmlformats.org/drawingml/2006/chart" xmlns:dgm="http://schemas.openxmlformats.org/drawingml/2006/diagram" xmlns:o="urn:schemas-microsoft-com:office:office" xmlns:v="urn:schemas-microsoft-com:vml" xmlns:pvml="urn:schemas-microsoft-com:office:powerpoint" xmlns:com="http://schemas.openxmlformats.org/drawingml/2006/compatibility" xmlns:p14="http://schemas.microsoft.com/office/powerpoint/2010/main" xmlns:p15="http://schemas.microsoft.com/office/powerpoint/2012/main" xmlns:ahyp="http://schemas.microsoft.com/office/drawing/2018/hyperlinkcolor" showMasterPhAnim="0" showMasterSp="0">
+<p:notes xmlns:a="http://schemas.openxmlformats.org/drawingml/2006/main" xmlns:r="http://schemas.openxmlformats.org/officeDocument/2006/relationships" xmlns:p="http://schemas.openxmlformats.org/presentationml/2006/main" showMasterSp="0" showMasterPhAnim="0">
   <p:cSld>
     <p:spTree>
       <p:nvGrpSpPr>
-        <p:cNvPr id="183" name="Shape 183"/>
+        <p:cNvPr id="1" name="Shape 183"/>
         <p:cNvGrpSpPr/>
         <p:nvPr/>
       </p:nvGrpSpPr>
@@ -2019,9 +2101,11 @@
       <p:sp>
         <p:nvSpPr>
           <p:cNvPr id="184" name="Google Shape;184;g99753471a4_0_346:notes"/>
-          <p:cNvSpPr/>
-          <p:nvPr>
-            <p:ph idx="2" type="sldImg"/>
+          <p:cNvSpPr>
+            <a:spLocks noGrp="1" noRot="1" noChangeAspect="1"/>
+          </p:cNvSpPr>
+          <p:nvPr>
+            <p:ph type="sldImg" idx="2"/>
           </p:nvPr>
         </p:nvSpPr>
         <p:spPr>
@@ -2030,9 +2114,13 @@
             <a:ext cx="6096000" cy="3429000"/>
           </a:xfrm>
           <a:custGeom>
-            <a:rect b="b" l="l" r="r" t="t"/>
+            <a:avLst/>
+            <a:gdLst/>
+            <a:ahLst/>
+            <a:cxnLst/>
+            <a:rect l="l" t="t" r="r" b="b"/>
             <a:pathLst>
-              <a:path extrusionOk="0" h="120000" w="120000">
+              <a:path w="120000" h="120000" extrusionOk="0">
                 <a:moveTo>
                   <a:pt x="0" y="0"/>
                 </a:moveTo>
@@ -2054,9 +2142,11 @@
       <p:sp>
         <p:nvSpPr>
           <p:cNvPr id="185" name="Google Shape;185;g99753471a4_0_346:notes"/>
-          <p:cNvSpPr txBox="1"/>
-          <p:nvPr>
-            <p:ph idx="1" type="body"/>
+          <p:cNvSpPr txBox="1">
+            <a:spLocks noGrp="1"/>
+          </p:cNvSpPr>
+          <p:nvPr>
+            <p:ph type="body" idx="1"/>
           </p:nvPr>
         </p:nvSpPr>
         <p:spPr>
@@ -2069,12 +2159,12 @@
           </a:prstGeom>
         </p:spPr>
         <p:txBody>
-          <a:bodyPr anchorCtr="0" anchor="t" bIns="91425" lIns="91425" spcFirstLastPara="1" rIns="91425" wrap="square" tIns="91425">
+          <a:bodyPr spcFirstLastPara="1" wrap="square" lIns="91425" tIns="91425" rIns="91425" bIns="91425" anchor="t" anchorCtr="0">
             <a:noAutofit/>
           </a:bodyPr>
           <a:lstStyle/>
           <a:p>
-            <a:pPr indent="0" lvl="0" marL="0" rtl="0" algn="l">
+            <a:pPr marL="0" lvl="0" indent="0" algn="l" rtl="0">
               <a:spcBef>
                 <a:spcPts val="0"/>
               </a:spcBef>
@@ -2083,9 +2173,6 @@
               </a:spcAft>
               <a:buNone/>
             </a:pPr>
-            <a:r>
-              <a:t/>
-            </a:r>
             <a:endParaRPr/>
           </a:p>
         </p:txBody>
@@ -2099,11 +2186,11 @@
 </file>
 
 <file path=ppt/notesSlides/notesSlide22.xml><?xml version="1.0" encoding="utf-8"?>
-<p:notes xmlns:a="http://schemas.openxmlformats.org/drawingml/2006/main" xmlns:r="http://schemas.openxmlformats.org/officeDocument/2006/relationships" xmlns:mc="http://schemas.openxmlformats.org/markup-compatibility/2006" xmlns:mv="urn:schemas-microsoft-com:mac:vml" xmlns:p="http://schemas.openxmlformats.org/presentationml/2006/main" xmlns:c="http://schemas.openxmlformats.org/drawingml/2006/chart" xmlns:dgm="http://schemas.openxmlformats.org/drawingml/2006/diagram" xmlns:o="urn:schemas-microsoft-com:office:office" xmlns:v="urn:schemas-microsoft-com:vml" xmlns:pvml="urn:schemas-microsoft-com:office:powerpoint" xmlns:com="http://schemas.openxmlformats.org/drawingml/2006/compatibility" xmlns:p14="http://schemas.microsoft.com/office/powerpoint/2010/main" xmlns:p15="http://schemas.microsoft.com/office/powerpoint/2012/main" xmlns:ahyp="http://schemas.microsoft.com/office/drawing/2018/hyperlinkcolor" showMasterPhAnim="0" showMasterSp="0">
+<p:notes xmlns:a="http://schemas.openxmlformats.org/drawingml/2006/main" xmlns:r="http://schemas.openxmlformats.org/officeDocument/2006/relationships" xmlns:p="http://schemas.openxmlformats.org/presentationml/2006/main" showMasterSp="0" showMasterPhAnim="0">
   <p:cSld>
     <p:spTree>
       <p:nvGrpSpPr>
-        <p:cNvPr id="191" name="Shape 191"/>
+        <p:cNvPr id="1" name="Shape 191"/>
         <p:cNvGrpSpPr/>
         <p:nvPr/>
       </p:nvGrpSpPr>
@@ -2118,9 +2205,11 @@
       <p:sp>
         <p:nvSpPr>
           <p:cNvPr id="192" name="Google Shape;192;g99753471a4_0_368:notes"/>
-          <p:cNvSpPr/>
-          <p:nvPr>
-            <p:ph idx="2" type="sldImg"/>
+          <p:cNvSpPr>
+            <a:spLocks noGrp="1" noRot="1" noChangeAspect="1"/>
+          </p:cNvSpPr>
+          <p:nvPr>
+            <p:ph type="sldImg" idx="2"/>
           </p:nvPr>
         </p:nvSpPr>
         <p:spPr>
@@ -2129,9 +2218,13 @@
             <a:ext cx="6096000" cy="3429000"/>
           </a:xfrm>
           <a:custGeom>
-            <a:rect b="b" l="l" r="r" t="t"/>
+            <a:avLst/>
+            <a:gdLst/>
+            <a:ahLst/>
+            <a:cxnLst/>
+            <a:rect l="l" t="t" r="r" b="b"/>
             <a:pathLst>
-              <a:path extrusionOk="0" h="120000" w="120000">
+              <a:path w="120000" h="120000" extrusionOk="0">
                 <a:moveTo>
                   <a:pt x="0" y="0"/>
                 </a:moveTo>
@@ -2153,9 +2246,11 @@
       <p:sp>
         <p:nvSpPr>
           <p:cNvPr id="193" name="Google Shape;193;g99753471a4_0_368:notes"/>
-          <p:cNvSpPr txBox="1"/>
-          <p:nvPr>
-            <p:ph idx="1" type="body"/>
+          <p:cNvSpPr txBox="1">
+            <a:spLocks noGrp="1"/>
+          </p:cNvSpPr>
+          <p:nvPr>
+            <p:ph type="body" idx="1"/>
           </p:nvPr>
         </p:nvSpPr>
         <p:spPr>
@@ -2168,12 +2263,12 @@
           </a:prstGeom>
         </p:spPr>
         <p:txBody>
-          <a:bodyPr anchorCtr="0" anchor="t" bIns="91425" lIns="91425" spcFirstLastPara="1" rIns="91425" wrap="square" tIns="91425">
+          <a:bodyPr spcFirstLastPara="1" wrap="square" lIns="91425" tIns="91425" rIns="91425" bIns="91425" anchor="t" anchorCtr="0">
             <a:noAutofit/>
           </a:bodyPr>
           <a:lstStyle/>
           <a:p>
-            <a:pPr indent="0" lvl="0" marL="0" rtl="0" algn="l">
+            <a:pPr marL="0" lvl="0" indent="0" algn="l" rtl="0">
               <a:spcBef>
                 <a:spcPts val="0"/>
               </a:spcBef>
@@ -2182,9 +2277,6 @@
               </a:spcAft>
               <a:buNone/>
             </a:pPr>
-            <a:r>
-              <a:t/>
-            </a:r>
             <a:endParaRPr/>
           </a:p>
         </p:txBody>
@@ -2198,11 +2290,11 @@
 </file>
 
 <file path=ppt/notesSlides/notesSlide23.xml><?xml version="1.0" encoding="utf-8"?>
-<p:notes xmlns:a="http://schemas.openxmlformats.org/drawingml/2006/main" xmlns:r="http://schemas.openxmlformats.org/officeDocument/2006/relationships" xmlns:mc="http://schemas.openxmlformats.org/markup-compatibility/2006" xmlns:mv="urn:schemas-microsoft-com:mac:vml" xmlns:p="http://schemas.openxmlformats.org/presentationml/2006/main" xmlns:c="http://schemas.openxmlformats.org/drawingml/2006/chart" xmlns:dgm="http://schemas.openxmlformats.org/drawingml/2006/diagram" xmlns:o="urn:schemas-microsoft-com:office:office" xmlns:v="urn:schemas-microsoft-com:vml" xmlns:pvml="urn:schemas-microsoft-com:office:powerpoint" xmlns:com="http://schemas.openxmlformats.org/drawingml/2006/compatibility" xmlns:p14="http://schemas.microsoft.com/office/powerpoint/2010/main" xmlns:p15="http://schemas.microsoft.com/office/powerpoint/2012/main" xmlns:ahyp="http://schemas.microsoft.com/office/drawing/2018/hyperlinkcolor" showMasterPhAnim="0" showMasterSp="0">
+<p:notes xmlns:a="http://schemas.openxmlformats.org/drawingml/2006/main" xmlns:r="http://schemas.openxmlformats.org/officeDocument/2006/relationships" xmlns:p="http://schemas.openxmlformats.org/presentationml/2006/main" showMasterSp="0" showMasterPhAnim="0">
   <p:cSld>
     <p:spTree>
       <p:nvGrpSpPr>
-        <p:cNvPr id="198" name="Shape 198"/>
+        <p:cNvPr id="1" name="Shape 198"/>
         <p:cNvGrpSpPr/>
         <p:nvPr/>
       </p:nvGrpSpPr>
@@ -2217,9 +2309,11 @@
       <p:sp>
         <p:nvSpPr>
           <p:cNvPr id="199" name="Google Shape;199;g99753471a4_0_373:notes"/>
-          <p:cNvSpPr/>
-          <p:nvPr>
-            <p:ph idx="2" type="sldImg"/>
+          <p:cNvSpPr>
+            <a:spLocks noGrp="1" noRot="1" noChangeAspect="1"/>
+          </p:cNvSpPr>
+          <p:nvPr>
+            <p:ph type="sldImg" idx="2"/>
           </p:nvPr>
         </p:nvSpPr>
         <p:spPr>
@@ -2228,9 +2322,13 @@
             <a:ext cx="6096000" cy="3429000"/>
           </a:xfrm>
           <a:custGeom>
-            <a:rect b="b" l="l" r="r" t="t"/>
+            <a:avLst/>
+            <a:gdLst/>
+            <a:ahLst/>
+            <a:cxnLst/>
+            <a:rect l="l" t="t" r="r" b="b"/>
             <a:pathLst>
-              <a:path extrusionOk="0" h="120000" w="120000">
+              <a:path w="120000" h="120000" extrusionOk="0">
                 <a:moveTo>
                   <a:pt x="0" y="0"/>
                 </a:moveTo>
@@ -2252,9 +2350,11 @@
       <p:sp>
         <p:nvSpPr>
           <p:cNvPr id="200" name="Google Shape;200;g99753471a4_0_373:notes"/>
-          <p:cNvSpPr txBox="1"/>
-          <p:nvPr>
-            <p:ph idx="1" type="body"/>
+          <p:cNvSpPr txBox="1">
+            <a:spLocks noGrp="1"/>
+          </p:cNvSpPr>
+          <p:nvPr>
+            <p:ph type="body" idx="1"/>
           </p:nvPr>
         </p:nvSpPr>
         <p:spPr>
@@ -2267,12 +2367,12 @@
           </a:prstGeom>
         </p:spPr>
         <p:txBody>
-          <a:bodyPr anchorCtr="0" anchor="t" bIns="91425" lIns="91425" spcFirstLastPara="1" rIns="91425" wrap="square" tIns="91425">
+          <a:bodyPr spcFirstLastPara="1" wrap="square" lIns="91425" tIns="91425" rIns="91425" bIns="91425" anchor="t" anchorCtr="0">
             <a:noAutofit/>
           </a:bodyPr>
           <a:lstStyle/>
           <a:p>
-            <a:pPr indent="0" lvl="0" marL="0" rtl="0" algn="l">
+            <a:pPr marL="0" lvl="0" indent="0" algn="l" rtl="0">
               <a:spcBef>
                 <a:spcPts val="0"/>
               </a:spcBef>
@@ -2281,9 +2381,6 @@
               </a:spcAft>
               <a:buNone/>
             </a:pPr>
-            <a:r>
-              <a:t/>
-            </a:r>
             <a:endParaRPr/>
           </a:p>
         </p:txBody>
@@ -2297,11 +2394,11 @@
 </file>
 
 <file path=ppt/notesSlides/notesSlide24.xml><?xml version="1.0" encoding="utf-8"?>
-<p:notes xmlns:a="http://schemas.openxmlformats.org/drawingml/2006/main" xmlns:r="http://schemas.openxmlformats.org/officeDocument/2006/relationships" xmlns:mc="http://schemas.openxmlformats.org/markup-compatibility/2006" xmlns:mv="urn:schemas-microsoft-com:mac:vml" xmlns:p="http://schemas.openxmlformats.org/presentationml/2006/main" xmlns:c="http://schemas.openxmlformats.org/drawingml/2006/chart" xmlns:dgm="http://schemas.openxmlformats.org/drawingml/2006/diagram" xmlns:o="urn:schemas-microsoft-com:office:office" xmlns:v="urn:schemas-microsoft-com:vml" xmlns:pvml="urn:schemas-microsoft-com:office:powerpoint" xmlns:com="http://schemas.openxmlformats.org/drawingml/2006/compatibility" xmlns:p14="http://schemas.microsoft.com/office/powerpoint/2010/main" xmlns:p15="http://schemas.microsoft.com/office/powerpoint/2012/main" xmlns:ahyp="http://schemas.microsoft.com/office/drawing/2018/hyperlinkcolor" showMasterPhAnim="0" showMasterSp="0">
+<p:notes xmlns:a="http://schemas.openxmlformats.org/drawingml/2006/main" xmlns:r="http://schemas.openxmlformats.org/officeDocument/2006/relationships" xmlns:p="http://schemas.openxmlformats.org/presentationml/2006/main" showMasterSp="0" showMasterPhAnim="0">
   <p:cSld>
     <p:spTree>
       <p:nvGrpSpPr>
-        <p:cNvPr id="205" name="Shape 205"/>
+        <p:cNvPr id="1" name="Shape 205"/>
         <p:cNvGrpSpPr/>
         <p:nvPr/>
       </p:nvGrpSpPr>
@@ -2316,9 +2413,11 @@
       <p:sp>
         <p:nvSpPr>
           <p:cNvPr id="206" name="Google Shape;206;g99753471a4_0_378:notes"/>
-          <p:cNvSpPr/>
-          <p:nvPr>
-            <p:ph idx="2" type="sldImg"/>
+          <p:cNvSpPr>
+            <a:spLocks noGrp="1" noRot="1" noChangeAspect="1"/>
+          </p:cNvSpPr>
+          <p:nvPr>
+            <p:ph type="sldImg" idx="2"/>
           </p:nvPr>
         </p:nvSpPr>
         <p:spPr>
@@ -2327,9 +2426,13 @@
             <a:ext cx="6096000" cy="3429000"/>
           </a:xfrm>
           <a:custGeom>
-            <a:rect b="b" l="l" r="r" t="t"/>
+            <a:avLst/>
+            <a:gdLst/>
+            <a:ahLst/>
+            <a:cxnLst/>
+            <a:rect l="l" t="t" r="r" b="b"/>
             <a:pathLst>
-              <a:path extrusionOk="0" h="120000" w="120000">
+              <a:path w="120000" h="120000" extrusionOk="0">
                 <a:moveTo>
                   <a:pt x="0" y="0"/>
                 </a:moveTo>
@@ -2351,9 +2454,11 @@
       <p:sp>
         <p:nvSpPr>
           <p:cNvPr id="207" name="Google Shape;207;g99753471a4_0_378:notes"/>
-          <p:cNvSpPr txBox="1"/>
-          <p:nvPr>
-            <p:ph idx="1" type="body"/>
+          <p:cNvSpPr txBox="1">
+            <a:spLocks noGrp="1"/>
+          </p:cNvSpPr>
+          <p:nvPr>
+            <p:ph type="body" idx="1"/>
           </p:nvPr>
         </p:nvSpPr>
         <p:spPr>
@@ -2366,12 +2471,12 @@
           </a:prstGeom>
         </p:spPr>
         <p:txBody>
-          <a:bodyPr anchorCtr="0" anchor="t" bIns="91425" lIns="91425" spcFirstLastPara="1" rIns="91425" wrap="square" tIns="91425">
+          <a:bodyPr spcFirstLastPara="1" wrap="square" lIns="91425" tIns="91425" rIns="91425" bIns="91425" anchor="t" anchorCtr="0">
             <a:noAutofit/>
           </a:bodyPr>
           <a:lstStyle/>
           <a:p>
-            <a:pPr indent="0" lvl="0" marL="0" rtl="0" algn="l">
+            <a:pPr marL="0" lvl="0" indent="0" algn="l" rtl="0">
               <a:spcBef>
                 <a:spcPts val="0"/>
               </a:spcBef>
@@ -2380,9 +2485,6 @@
               </a:spcAft>
               <a:buNone/>
             </a:pPr>
-            <a:r>
-              <a:t/>
-            </a:r>
             <a:endParaRPr/>
           </a:p>
         </p:txBody>
@@ -2396,11 +2498,11 @@
 </file>
 
 <file path=ppt/notesSlides/notesSlide25.xml><?xml version="1.0" encoding="utf-8"?>
-<p:notes xmlns:a="http://schemas.openxmlformats.org/drawingml/2006/main" xmlns:r="http://schemas.openxmlformats.org/officeDocument/2006/relationships" xmlns:mc="http://schemas.openxmlformats.org/markup-compatibility/2006" xmlns:mv="urn:schemas-microsoft-com:mac:vml" xmlns:p="http://schemas.openxmlformats.org/presentationml/2006/main" xmlns:c="http://schemas.openxmlformats.org/drawingml/2006/chart" xmlns:dgm="http://schemas.openxmlformats.org/drawingml/2006/diagram" xmlns:o="urn:schemas-microsoft-com:office:office" xmlns:v="urn:schemas-microsoft-com:vml" xmlns:pvml="urn:schemas-microsoft-com:office:powerpoint" xmlns:com="http://schemas.openxmlformats.org/drawingml/2006/compatibility" xmlns:p14="http://schemas.microsoft.com/office/powerpoint/2010/main" xmlns:p15="http://schemas.microsoft.com/office/powerpoint/2012/main" xmlns:ahyp="http://schemas.microsoft.com/office/drawing/2018/hyperlinkcolor" showMasterPhAnim="0" showMasterSp="0">
+<p:notes xmlns:a="http://schemas.openxmlformats.org/drawingml/2006/main" xmlns:r="http://schemas.openxmlformats.org/officeDocument/2006/relationships" xmlns:p="http://schemas.openxmlformats.org/presentationml/2006/main" showMasterSp="0" showMasterPhAnim="0">
   <p:cSld>
     <p:spTree>
       <p:nvGrpSpPr>
-        <p:cNvPr id="212" name="Shape 212"/>
+        <p:cNvPr id="1" name="Shape 212"/>
         <p:cNvGrpSpPr/>
         <p:nvPr/>
       </p:nvGrpSpPr>
@@ -2415,9 +2517,11 @@
       <p:sp>
         <p:nvSpPr>
           <p:cNvPr id="213" name="Google Shape;213;g99fd936d99_0_0:notes"/>
-          <p:cNvSpPr/>
-          <p:nvPr>
-            <p:ph idx="2" type="sldImg"/>
+          <p:cNvSpPr>
+            <a:spLocks noGrp="1" noRot="1" noChangeAspect="1"/>
+          </p:cNvSpPr>
+          <p:nvPr>
+            <p:ph type="sldImg" idx="2"/>
           </p:nvPr>
         </p:nvSpPr>
         <p:spPr>
@@ -2426,9 +2530,13 @@
             <a:ext cx="6096000" cy="3429000"/>
           </a:xfrm>
           <a:custGeom>
-            <a:rect b="b" l="l" r="r" t="t"/>
+            <a:avLst/>
+            <a:gdLst/>
+            <a:ahLst/>
+            <a:cxnLst/>
+            <a:rect l="l" t="t" r="r" b="b"/>
             <a:pathLst>
-              <a:path extrusionOk="0" h="120000" w="120000">
+              <a:path w="120000" h="120000" extrusionOk="0">
                 <a:moveTo>
                   <a:pt x="0" y="0"/>
                 </a:moveTo>
@@ -2450,9 +2558,11 @@
       <p:sp>
         <p:nvSpPr>
           <p:cNvPr id="214" name="Google Shape;214;g99fd936d99_0_0:notes"/>
-          <p:cNvSpPr txBox="1"/>
-          <p:nvPr>
-            <p:ph idx="1" type="body"/>
+          <p:cNvSpPr txBox="1">
+            <a:spLocks noGrp="1"/>
+          </p:cNvSpPr>
+          <p:nvPr>
+            <p:ph type="body" idx="1"/>
           </p:nvPr>
         </p:nvSpPr>
         <p:spPr>
@@ -2465,12 +2575,12 @@
           </a:prstGeom>
         </p:spPr>
         <p:txBody>
-          <a:bodyPr anchorCtr="0" anchor="t" bIns="91425" lIns="91425" spcFirstLastPara="1" rIns="91425" wrap="square" tIns="91425">
+          <a:bodyPr spcFirstLastPara="1" wrap="square" lIns="91425" tIns="91425" rIns="91425" bIns="91425" anchor="t" anchorCtr="0">
             <a:noAutofit/>
           </a:bodyPr>
           <a:lstStyle/>
           <a:p>
-            <a:pPr indent="0" lvl="0" marL="0" rtl="0" algn="l">
+            <a:pPr marL="0" lvl="0" indent="0" algn="l" rtl="0">
               <a:spcBef>
                 <a:spcPts val="0"/>
               </a:spcBef>
@@ -2479,9 +2589,6 @@
               </a:spcAft>
               <a:buNone/>
             </a:pPr>
-            <a:r>
-              <a:t/>
-            </a:r>
             <a:endParaRPr/>
           </a:p>
         </p:txBody>
@@ -2495,11 +2602,11 @@
 </file>
 
 <file path=ppt/notesSlides/notesSlide26.xml><?xml version="1.0" encoding="utf-8"?>
-<p:notes xmlns:a="http://schemas.openxmlformats.org/drawingml/2006/main" xmlns:r="http://schemas.openxmlformats.org/officeDocument/2006/relationships" xmlns:mc="http://schemas.openxmlformats.org/markup-compatibility/2006" xmlns:mv="urn:schemas-microsoft-com:mac:vml" xmlns:p="http://schemas.openxmlformats.org/presentationml/2006/main" xmlns:c="http://schemas.openxmlformats.org/drawingml/2006/chart" xmlns:dgm="http://schemas.openxmlformats.org/drawingml/2006/diagram" xmlns:o="urn:schemas-microsoft-com:office:office" xmlns:v="urn:schemas-microsoft-com:vml" xmlns:pvml="urn:schemas-microsoft-com:office:powerpoint" xmlns:com="http://schemas.openxmlformats.org/drawingml/2006/compatibility" xmlns:p14="http://schemas.microsoft.com/office/powerpoint/2010/main" xmlns:p15="http://schemas.microsoft.com/office/powerpoint/2012/main" xmlns:ahyp="http://schemas.microsoft.com/office/drawing/2018/hyperlinkcolor" showMasterPhAnim="0" showMasterSp="0">
+<p:notes xmlns:a="http://schemas.openxmlformats.org/drawingml/2006/main" xmlns:r="http://schemas.openxmlformats.org/officeDocument/2006/relationships" xmlns:p="http://schemas.openxmlformats.org/presentationml/2006/main" showMasterSp="0" showMasterPhAnim="0">
   <p:cSld>
     <p:spTree>
       <p:nvGrpSpPr>
-        <p:cNvPr id="218" name="Shape 218"/>
+        <p:cNvPr id="1" name="Shape 218"/>
         <p:cNvGrpSpPr/>
         <p:nvPr/>
       </p:nvGrpSpPr>
@@ -2514,20 +2621,26 @@
       <p:sp>
         <p:nvSpPr>
           <p:cNvPr id="219" name="Google Shape;219;g99fd936d99_0_5:notes"/>
-          <p:cNvSpPr/>
-          <p:nvPr>
-            <p:ph idx="2" type="sldImg"/>
-          </p:nvPr>
-        </p:nvSpPr>
-        <p:spPr>
-          <a:xfrm>
-            <a:off x="381300" y="685800"/>
+          <p:cNvSpPr>
+            <a:spLocks noGrp="1" noRot="1" noChangeAspect="1"/>
+          </p:cNvSpPr>
+          <p:nvPr>
+            <p:ph type="sldImg" idx="2"/>
+          </p:nvPr>
+        </p:nvSpPr>
+        <p:spPr>
+          <a:xfrm>
+            <a:off x="381000" y="685800"/>
             <a:ext cx="6096000" cy="3429000"/>
           </a:xfrm>
           <a:custGeom>
-            <a:rect b="b" l="l" r="r" t="t"/>
+            <a:avLst/>
+            <a:gdLst/>
+            <a:ahLst/>
+            <a:cxnLst/>
+            <a:rect l="l" t="t" r="r" b="b"/>
             <a:pathLst>
-              <a:path extrusionOk="0" h="120000" w="120000">
+              <a:path w="120000" h="120000" extrusionOk="0">
                 <a:moveTo>
                   <a:pt x="0" y="0"/>
                 </a:moveTo>
@@ -2549,9 +2662,11 @@
       <p:sp>
         <p:nvSpPr>
           <p:cNvPr id="220" name="Google Shape;220;g99fd936d99_0_5:notes"/>
-          <p:cNvSpPr txBox="1"/>
-          <p:nvPr>
-            <p:ph idx="1" type="body"/>
+          <p:cNvSpPr txBox="1">
+            <a:spLocks noGrp="1"/>
+          </p:cNvSpPr>
+          <p:nvPr>
+            <p:ph type="body" idx="1"/>
           </p:nvPr>
         </p:nvSpPr>
         <p:spPr>
@@ -2564,12 +2679,12 @@
           </a:prstGeom>
         </p:spPr>
         <p:txBody>
-          <a:bodyPr anchorCtr="0" anchor="t" bIns="91425" lIns="91425" spcFirstLastPara="1" rIns="91425" wrap="square" tIns="91425">
+          <a:bodyPr spcFirstLastPara="1" wrap="square" lIns="91425" tIns="91425" rIns="91425" bIns="91425" anchor="t" anchorCtr="0">
             <a:noAutofit/>
           </a:bodyPr>
           <a:lstStyle/>
           <a:p>
-            <a:pPr indent="0" lvl="0" marL="0" rtl="0" algn="l">
+            <a:pPr marL="0" lvl="0" indent="0" algn="l" rtl="0">
               <a:spcBef>
                 <a:spcPts val="0"/>
               </a:spcBef>
@@ -2578,9 +2693,6 @@
               </a:spcAft>
               <a:buNone/>
             </a:pPr>
-            <a:r>
-              <a:t/>
-            </a:r>
             <a:endParaRPr/>
           </a:p>
         </p:txBody>
@@ -2594,11 +2706,11 @@
 </file>
 
 <file path=ppt/notesSlides/notesSlide27.xml><?xml version="1.0" encoding="utf-8"?>
-<p:notes xmlns:a="http://schemas.openxmlformats.org/drawingml/2006/main" xmlns:r="http://schemas.openxmlformats.org/officeDocument/2006/relationships" xmlns:mc="http://schemas.openxmlformats.org/markup-compatibility/2006" xmlns:mv="urn:schemas-microsoft-com:mac:vml" xmlns:p="http://schemas.openxmlformats.org/presentationml/2006/main" xmlns:c="http://schemas.openxmlformats.org/drawingml/2006/chart" xmlns:dgm="http://schemas.openxmlformats.org/drawingml/2006/diagram" xmlns:o="urn:schemas-microsoft-com:office:office" xmlns:v="urn:schemas-microsoft-com:vml" xmlns:pvml="urn:schemas-microsoft-com:office:powerpoint" xmlns:com="http://schemas.openxmlformats.org/drawingml/2006/compatibility" xmlns:p14="http://schemas.microsoft.com/office/powerpoint/2010/main" xmlns:p15="http://schemas.microsoft.com/office/powerpoint/2012/main" xmlns:ahyp="http://schemas.microsoft.com/office/drawing/2018/hyperlinkcolor" showMasterPhAnim="0" showMasterSp="0">
+<p:notes xmlns:a="http://schemas.openxmlformats.org/drawingml/2006/main" xmlns:r="http://schemas.openxmlformats.org/officeDocument/2006/relationships" xmlns:p="http://schemas.openxmlformats.org/presentationml/2006/main" showMasterSp="0" showMasterPhAnim="0">
   <p:cSld>
     <p:spTree>
       <p:nvGrpSpPr>
-        <p:cNvPr id="224" name="Shape 224"/>
+        <p:cNvPr id="1" name="Shape 224"/>
         <p:cNvGrpSpPr/>
         <p:nvPr/>
       </p:nvGrpSpPr>
@@ -2613,20 +2725,26 @@
       <p:sp>
         <p:nvSpPr>
           <p:cNvPr id="225" name="Google Shape;225;g99fd936d99_0_10:notes"/>
-          <p:cNvSpPr/>
-          <p:nvPr>
-            <p:ph idx="2" type="sldImg"/>
-          </p:nvPr>
-        </p:nvSpPr>
-        <p:spPr>
-          <a:xfrm>
-            <a:off x="381300" y="685800"/>
+          <p:cNvSpPr>
+            <a:spLocks noGrp="1" noRot="1" noChangeAspect="1"/>
+          </p:cNvSpPr>
+          <p:nvPr>
+            <p:ph type="sldImg" idx="2"/>
+          </p:nvPr>
+        </p:nvSpPr>
+        <p:spPr>
+          <a:xfrm>
+            <a:off x="381000" y="685800"/>
             <a:ext cx="6096000" cy="3429000"/>
           </a:xfrm>
           <a:custGeom>
-            <a:rect b="b" l="l" r="r" t="t"/>
+            <a:avLst/>
+            <a:gdLst/>
+            <a:ahLst/>
+            <a:cxnLst/>
+            <a:rect l="l" t="t" r="r" b="b"/>
             <a:pathLst>
-              <a:path extrusionOk="0" h="120000" w="120000">
+              <a:path w="120000" h="120000" extrusionOk="0">
                 <a:moveTo>
                   <a:pt x="0" y="0"/>
                 </a:moveTo>
@@ -2648,9 +2766,11 @@
       <p:sp>
         <p:nvSpPr>
           <p:cNvPr id="226" name="Google Shape;226;g99fd936d99_0_10:notes"/>
-          <p:cNvSpPr txBox="1"/>
-          <p:nvPr>
-            <p:ph idx="1" type="body"/>
+          <p:cNvSpPr txBox="1">
+            <a:spLocks noGrp="1"/>
+          </p:cNvSpPr>
+          <p:nvPr>
+            <p:ph type="body" idx="1"/>
           </p:nvPr>
         </p:nvSpPr>
         <p:spPr>
@@ -2663,12 +2783,12 @@
           </a:prstGeom>
         </p:spPr>
         <p:txBody>
-          <a:bodyPr anchorCtr="0" anchor="t" bIns="91425" lIns="91425" spcFirstLastPara="1" rIns="91425" wrap="square" tIns="91425">
+          <a:bodyPr spcFirstLastPara="1" wrap="square" lIns="91425" tIns="91425" rIns="91425" bIns="91425" anchor="t" anchorCtr="0">
             <a:noAutofit/>
           </a:bodyPr>
           <a:lstStyle/>
           <a:p>
-            <a:pPr indent="0" lvl="0" marL="0" rtl="0" algn="l">
+            <a:pPr marL="0" lvl="0" indent="0" algn="l" rtl="0">
               <a:spcBef>
                 <a:spcPts val="0"/>
               </a:spcBef>
@@ -2677,9 +2797,6 @@
               </a:spcAft>
               <a:buNone/>
             </a:pPr>
-            <a:r>
-              <a:t/>
-            </a:r>
             <a:endParaRPr/>
           </a:p>
         </p:txBody>
@@ -2693,11 +2810,11 @@
 </file>
 
 <file path=ppt/notesSlides/notesSlide3.xml><?xml version="1.0" encoding="utf-8"?>
-<p:notes xmlns:a="http://schemas.openxmlformats.org/drawingml/2006/main" xmlns:r="http://schemas.openxmlformats.org/officeDocument/2006/relationships" xmlns:mc="http://schemas.openxmlformats.org/markup-compatibility/2006" xmlns:mv="urn:schemas-microsoft-com:mac:vml" xmlns:p="http://schemas.openxmlformats.org/presentationml/2006/main" xmlns:c="http://schemas.openxmlformats.org/drawingml/2006/chart" xmlns:dgm="http://schemas.openxmlformats.org/drawingml/2006/diagram" xmlns:o="urn:schemas-microsoft-com:office:office" xmlns:v="urn:schemas-microsoft-com:vml" xmlns:pvml="urn:schemas-microsoft-com:office:powerpoint" xmlns:com="http://schemas.openxmlformats.org/drawingml/2006/compatibility" xmlns:p14="http://schemas.microsoft.com/office/powerpoint/2010/main" xmlns:p15="http://schemas.microsoft.com/office/powerpoint/2012/main" xmlns:ahyp="http://schemas.microsoft.com/office/drawing/2018/hyperlinkcolor" showMasterPhAnim="0" showMasterSp="0">
+<p:notes xmlns:a="http://schemas.openxmlformats.org/drawingml/2006/main" xmlns:r="http://schemas.openxmlformats.org/officeDocument/2006/relationships" xmlns:p="http://schemas.openxmlformats.org/presentationml/2006/main" showMasterSp="0" showMasterPhAnim="0">
   <p:cSld>
     <p:spTree>
       <p:nvGrpSpPr>
-        <p:cNvPr id="62" name="Shape 62"/>
+        <p:cNvPr id="1" name="Shape 62"/>
         <p:cNvGrpSpPr/>
         <p:nvPr/>
       </p:nvGrpSpPr>
@@ -2712,9 +2829,11 @@
       <p:sp>
         <p:nvSpPr>
           <p:cNvPr id="63" name="Google Shape;63;g99753471a4_0_252:notes"/>
-          <p:cNvSpPr/>
-          <p:nvPr>
-            <p:ph idx="2" type="sldImg"/>
+          <p:cNvSpPr>
+            <a:spLocks noGrp="1" noRot="1" noChangeAspect="1"/>
+          </p:cNvSpPr>
+          <p:nvPr>
+            <p:ph type="sldImg" idx="2"/>
           </p:nvPr>
         </p:nvSpPr>
         <p:spPr>
@@ -2723,9 +2842,13 @@
             <a:ext cx="6096000" cy="3429000"/>
           </a:xfrm>
           <a:custGeom>
-            <a:rect b="b" l="l" r="r" t="t"/>
+            <a:avLst/>
+            <a:gdLst/>
+            <a:ahLst/>
+            <a:cxnLst/>
+            <a:rect l="l" t="t" r="r" b="b"/>
             <a:pathLst>
-              <a:path extrusionOk="0" h="120000" w="120000">
+              <a:path w="120000" h="120000" extrusionOk="0">
                 <a:moveTo>
                   <a:pt x="0" y="0"/>
                 </a:moveTo>
@@ -2747,9 +2870,11 @@
       <p:sp>
         <p:nvSpPr>
           <p:cNvPr id="64" name="Google Shape;64;g99753471a4_0_252:notes"/>
-          <p:cNvSpPr txBox="1"/>
-          <p:nvPr>
-            <p:ph idx="1" type="body"/>
+          <p:cNvSpPr txBox="1">
+            <a:spLocks noGrp="1"/>
+          </p:cNvSpPr>
+          <p:nvPr>
+            <p:ph type="body" idx="1"/>
           </p:nvPr>
         </p:nvSpPr>
         <p:spPr>
@@ -2762,12 +2887,12 @@
           </a:prstGeom>
         </p:spPr>
         <p:txBody>
-          <a:bodyPr anchorCtr="0" anchor="t" bIns="91425" lIns="91425" spcFirstLastPara="1" rIns="91425" wrap="square" tIns="91425">
+          <a:bodyPr spcFirstLastPara="1" wrap="square" lIns="91425" tIns="91425" rIns="91425" bIns="91425" anchor="t" anchorCtr="0">
             <a:noAutofit/>
           </a:bodyPr>
           <a:lstStyle/>
           <a:p>
-            <a:pPr indent="0" lvl="0" marL="0" rtl="0" algn="l">
+            <a:pPr marL="0" lvl="0" indent="0" algn="l" rtl="0">
               <a:spcBef>
                 <a:spcPts val="0"/>
               </a:spcBef>
@@ -2776,9 +2901,6 @@
               </a:spcAft>
               <a:buNone/>
             </a:pPr>
-            <a:r>
-              <a:t/>
-            </a:r>
             <a:endParaRPr/>
           </a:p>
         </p:txBody>
@@ -2792,11 +2914,11 @@
 </file>
 
 <file path=ppt/notesSlides/notesSlide4.xml><?xml version="1.0" encoding="utf-8"?>
-<p:notes xmlns:a="http://schemas.openxmlformats.org/drawingml/2006/main" xmlns:r="http://schemas.openxmlformats.org/officeDocument/2006/relationships" xmlns:mc="http://schemas.openxmlformats.org/markup-compatibility/2006" xmlns:mv="urn:schemas-microsoft-com:mac:vml" xmlns:p="http://schemas.openxmlformats.org/presentationml/2006/main" xmlns:c="http://schemas.openxmlformats.org/drawingml/2006/chart" xmlns:dgm="http://schemas.openxmlformats.org/drawingml/2006/diagram" xmlns:o="urn:schemas-microsoft-com:office:office" xmlns:v="urn:schemas-microsoft-com:vml" xmlns:pvml="urn:schemas-microsoft-com:office:powerpoint" xmlns:com="http://schemas.openxmlformats.org/drawingml/2006/compatibility" xmlns:p14="http://schemas.microsoft.com/office/powerpoint/2010/main" xmlns:p15="http://schemas.microsoft.com/office/powerpoint/2012/main" xmlns:ahyp="http://schemas.microsoft.com/office/drawing/2018/hyperlinkcolor" showMasterPhAnim="0" showMasterSp="0">
+<p:notes xmlns:a="http://schemas.openxmlformats.org/drawingml/2006/main" xmlns:r="http://schemas.openxmlformats.org/officeDocument/2006/relationships" xmlns:p="http://schemas.openxmlformats.org/presentationml/2006/main" showMasterSp="0" showMasterPhAnim="0">
   <p:cSld>
     <p:spTree>
       <p:nvGrpSpPr>
-        <p:cNvPr id="68" name="Shape 68"/>
+        <p:cNvPr id="1" name="Shape 68"/>
         <p:cNvGrpSpPr/>
         <p:nvPr/>
       </p:nvGrpSpPr>
@@ -2811,9 +2933,11 @@
       <p:sp>
         <p:nvSpPr>
           <p:cNvPr id="69" name="Google Shape;69;g99753471a4_0_257:notes"/>
-          <p:cNvSpPr/>
-          <p:nvPr>
-            <p:ph idx="2" type="sldImg"/>
+          <p:cNvSpPr>
+            <a:spLocks noGrp="1" noRot="1" noChangeAspect="1"/>
+          </p:cNvSpPr>
+          <p:nvPr>
+            <p:ph type="sldImg" idx="2"/>
           </p:nvPr>
         </p:nvSpPr>
         <p:spPr>
@@ -2822,9 +2946,13 @@
             <a:ext cx="6096000" cy="3429000"/>
           </a:xfrm>
           <a:custGeom>
-            <a:rect b="b" l="l" r="r" t="t"/>
+            <a:avLst/>
+            <a:gdLst/>
+            <a:ahLst/>
+            <a:cxnLst/>
+            <a:rect l="l" t="t" r="r" b="b"/>
             <a:pathLst>
-              <a:path extrusionOk="0" h="120000" w="120000">
+              <a:path w="120000" h="120000" extrusionOk="0">
                 <a:moveTo>
                   <a:pt x="0" y="0"/>
                 </a:moveTo>
@@ -2846,9 +2974,11 @@
       <p:sp>
         <p:nvSpPr>
           <p:cNvPr id="70" name="Google Shape;70;g99753471a4_0_257:notes"/>
-          <p:cNvSpPr txBox="1"/>
-          <p:nvPr>
-            <p:ph idx="1" type="body"/>
+          <p:cNvSpPr txBox="1">
+            <a:spLocks noGrp="1"/>
+          </p:cNvSpPr>
+          <p:nvPr>
+            <p:ph type="body" idx="1"/>
           </p:nvPr>
         </p:nvSpPr>
         <p:spPr>
@@ -2861,12 +2991,12 @@
           </a:prstGeom>
         </p:spPr>
         <p:txBody>
-          <a:bodyPr anchorCtr="0" anchor="t" bIns="91425" lIns="91425" spcFirstLastPara="1" rIns="91425" wrap="square" tIns="91425">
+          <a:bodyPr spcFirstLastPara="1" wrap="square" lIns="91425" tIns="91425" rIns="91425" bIns="91425" anchor="t" anchorCtr="0">
             <a:noAutofit/>
           </a:bodyPr>
           <a:lstStyle/>
           <a:p>
-            <a:pPr indent="0" lvl="0" marL="0" rtl="0" algn="l">
+            <a:pPr marL="0" lvl="0" indent="0" algn="l" rtl="0">
               <a:spcBef>
                 <a:spcPts val="0"/>
               </a:spcBef>
@@ -2875,9 +3005,6 @@
               </a:spcAft>
               <a:buNone/>
             </a:pPr>
-            <a:r>
-              <a:t/>
-            </a:r>
             <a:endParaRPr/>
           </a:p>
         </p:txBody>
@@ -2891,11 +3018,11 @@
 </file>
 
 <file path=ppt/notesSlides/notesSlide5.xml><?xml version="1.0" encoding="utf-8"?>
-<p:notes xmlns:a="http://schemas.openxmlformats.org/drawingml/2006/main" xmlns:r="http://schemas.openxmlformats.org/officeDocument/2006/relationships" xmlns:mc="http://schemas.openxmlformats.org/markup-compatibility/2006" xmlns:mv="urn:schemas-microsoft-com:mac:vml" xmlns:p="http://schemas.openxmlformats.org/presentationml/2006/main" xmlns:c="http://schemas.openxmlformats.org/drawingml/2006/chart" xmlns:dgm="http://schemas.openxmlformats.org/drawingml/2006/diagram" xmlns:o="urn:schemas-microsoft-com:office:office" xmlns:v="urn:schemas-microsoft-com:vml" xmlns:pvml="urn:schemas-microsoft-com:office:powerpoint" xmlns:com="http://schemas.openxmlformats.org/drawingml/2006/compatibility" xmlns:p14="http://schemas.microsoft.com/office/powerpoint/2010/main" xmlns:p15="http://schemas.microsoft.com/office/powerpoint/2012/main" xmlns:ahyp="http://schemas.microsoft.com/office/drawing/2018/hyperlinkcolor" showMasterPhAnim="0" showMasterSp="0">
+<p:notes xmlns:a="http://schemas.openxmlformats.org/drawingml/2006/main" xmlns:r="http://schemas.openxmlformats.org/officeDocument/2006/relationships" xmlns:p="http://schemas.openxmlformats.org/presentationml/2006/main" showMasterSp="0" showMasterPhAnim="0">
   <p:cSld>
     <p:spTree>
       <p:nvGrpSpPr>
-        <p:cNvPr id="74" name="Shape 74"/>
+        <p:cNvPr id="1" name="Shape 74"/>
         <p:cNvGrpSpPr/>
         <p:nvPr/>
       </p:nvGrpSpPr>
@@ -2910,9 +3037,11 @@
       <p:sp>
         <p:nvSpPr>
           <p:cNvPr id="75" name="Google Shape;75;g99753471a4_0_262:notes"/>
-          <p:cNvSpPr/>
-          <p:nvPr>
-            <p:ph idx="2" type="sldImg"/>
+          <p:cNvSpPr>
+            <a:spLocks noGrp="1" noRot="1" noChangeAspect="1"/>
+          </p:cNvSpPr>
+          <p:nvPr>
+            <p:ph type="sldImg" idx="2"/>
           </p:nvPr>
         </p:nvSpPr>
         <p:spPr>
@@ -2921,9 +3050,13 @@
             <a:ext cx="6096000" cy="3429000"/>
           </a:xfrm>
           <a:custGeom>
-            <a:rect b="b" l="l" r="r" t="t"/>
+            <a:avLst/>
+            <a:gdLst/>
+            <a:ahLst/>
+            <a:cxnLst/>
+            <a:rect l="l" t="t" r="r" b="b"/>
             <a:pathLst>
-              <a:path extrusionOk="0" h="120000" w="120000">
+              <a:path w="120000" h="120000" extrusionOk="0">
                 <a:moveTo>
                   <a:pt x="0" y="0"/>
                 </a:moveTo>
@@ -2945,9 +3078,11 @@
       <p:sp>
         <p:nvSpPr>
           <p:cNvPr id="76" name="Google Shape;76;g99753471a4_0_262:notes"/>
-          <p:cNvSpPr txBox="1"/>
-          <p:nvPr>
-            <p:ph idx="1" type="body"/>
+          <p:cNvSpPr txBox="1">
+            <a:spLocks noGrp="1"/>
+          </p:cNvSpPr>
+          <p:nvPr>
+            <p:ph type="body" idx="1"/>
           </p:nvPr>
         </p:nvSpPr>
         <p:spPr>
@@ -2960,12 +3095,12 @@
           </a:prstGeom>
         </p:spPr>
         <p:txBody>
-          <a:bodyPr anchorCtr="0" anchor="t" bIns="91425" lIns="91425" spcFirstLastPara="1" rIns="91425" wrap="square" tIns="91425">
+          <a:bodyPr spcFirstLastPara="1" wrap="square" lIns="91425" tIns="91425" rIns="91425" bIns="91425" anchor="t" anchorCtr="0">
             <a:noAutofit/>
           </a:bodyPr>
           <a:lstStyle/>
           <a:p>
-            <a:pPr indent="0" lvl="0" marL="0" rtl="0" algn="l">
+            <a:pPr marL="0" lvl="0" indent="0" algn="l" rtl="0">
               <a:spcBef>
                 <a:spcPts val="0"/>
               </a:spcBef>
@@ -2974,9 +3109,6 @@
               </a:spcAft>
               <a:buNone/>
             </a:pPr>
-            <a:r>
-              <a:t/>
-            </a:r>
             <a:endParaRPr/>
           </a:p>
         </p:txBody>
@@ -2990,11 +3122,11 @@
 </file>
 
 <file path=ppt/notesSlides/notesSlide6.xml><?xml version="1.0" encoding="utf-8"?>
-<p:notes xmlns:a="http://schemas.openxmlformats.org/drawingml/2006/main" xmlns:r="http://schemas.openxmlformats.org/officeDocument/2006/relationships" xmlns:mc="http://schemas.openxmlformats.org/markup-compatibility/2006" xmlns:mv="urn:schemas-microsoft-com:mac:vml" xmlns:p="http://schemas.openxmlformats.org/presentationml/2006/main" xmlns:c="http://schemas.openxmlformats.org/drawingml/2006/chart" xmlns:dgm="http://schemas.openxmlformats.org/drawingml/2006/diagram" xmlns:o="urn:schemas-microsoft-com:office:office" xmlns:v="urn:schemas-microsoft-com:vml" xmlns:pvml="urn:schemas-microsoft-com:office:powerpoint" xmlns:com="http://schemas.openxmlformats.org/drawingml/2006/compatibility" xmlns:p14="http://schemas.microsoft.com/office/powerpoint/2010/main" xmlns:p15="http://schemas.microsoft.com/office/powerpoint/2012/main" xmlns:ahyp="http://schemas.microsoft.com/office/drawing/2018/hyperlinkcolor" showMasterPhAnim="0" showMasterSp="0">
+<p:notes xmlns:a="http://schemas.openxmlformats.org/drawingml/2006/main" xmlns:r="http://schemas.openxmlformats.org/officeDocument/2006/relationships" xmlns:p="http://schemas.openxmlformats.org/presentationml/2006/main" showMasterSp="0" showMasterPhAnim="0">
   <p:cSld>
     <p:spTree>
       <p:nvGrpSpPr>
-        <p:cNvPr id="80" name="Shape 80"/>
+        <p:cNvPr id="1" name="Shape 80"/>
         <p:cNvGrpSpPr/>
         <p:nvPr/>
       </p:nvGrpSpPr>
@@ -3009,9 +3141,11 @@
       <p:sp>
         <p:nvSpPr>
           <p:cNvPr id="81" name="Google Shape;81;g99753471a4_0_267:notes"/>
-          <p:cNvSpPr/>
-          <p:nvPr>
-            <p:ph idx="2" type="sldImg"/>
+          <p:cNvSpPr>
+            <a:spLocks noGrp="1" noRot="1" noChangeAspect="1"/>
+          </p:cNvSpPr>
+          <p:nvPr>
+            <p:ph type="sldImg" idx="2"/>
           </p:nvPr>
         </p:nvSpPr>
         <p:spPr>
@@ -3020,9 +3154,13 @@
             <a:ext cx="6096000" cy="3429000"/>
           </a:xfrm>
           <a:custGeom>
-            <a:rect b="b" l="l" r="r" t="t"/>
+            <a:avLst/>
+            <a:gdLst/>
+            <a:ahLst/>
+            <a:cxnLst/>
+            <a:rect l="l" t="t" r="r" b="b"/>
             <a:pathLst>
-              <a:path extrusionOk="0" h="120000" w="120000">
+              <a:path w="120000" h="120000" extrusionOk="0">
                 <a:moveTo>
                   <a:pt x="0" y="0"/>
                 </a:moveTo>
@@ -3044,9 +3182,11 @@
       <p:sp>
         <p:nvSpPr>
           <p:cNvPr id="82" name="Google Shape;82;g99753471a4_0_267:notes"/>
-          <p:cNvSpPr txBox="1"/>
-          <p:nvPr>
-            <p:ph idx="1" type="body"/>
+          <p:cNvSpPr txBox="1">
+            <a:spLocks noGrp="1"/>
+          </p:cNvSpPr>
+          <p:nvPr>
+            <p:ph type="body" idx="1"/>
           </p:nvPr>
         </p:nvSpPr>
         <p:spPr>
@@ -3059,12 +3199,12 @@
           </a:prstGeom>
         </p:spPr>
         <p:txBody>
-          <a:bodyPr anchorCtr="0" anchor="t" bIns="91425" lIns="91425" spcFirstLastPara="1" rIns="91425" wrap="square" tIns="91425">
+          <a:bodyPr spcFirstLastPara="1" wrap="square" lIns="91425" tIns="91425" rIns="91425" bIns="91425" anchor="t" anchorCtr="0">
             <a:noAutofit/>
           </a:bodyPr>
           <a:lstStyle/>
           <a:p>
-            <a:pPr indent="0" lvl="0" marL="0" rtl="0" algn="l">
+            <a:pPr marL="0" lvl="0" indent="0" algn="l" rtl="0">
               <a:spcBef>
                 <a:spcPts val="0"/>
               </a:spcBef>
@@ -3073,9 +3213,6 @@
               </a:spcAft>
               <a:buNone/>
             </a:pPr>
-            <a:r>
-              <a:t/>
-            </a:r>
             <a:endParaRPr/>
           </a:p>
         </p:txBody>
@@ -3089,11 +3226,11 @@
 </file>
 
 <file path=ppt/notesSlides/notesSlide7.xml><?xml version="1.0" encoding="utf-8"?>
-<p:notes xmlns:a="http://schemas.openxmlformats.org/drawingml/2006/main" xmlns:r="http://schemas.openxmlformats.org/officeDocument/2006/relationships" xmlns:mc="http://schemas.openxmlformats.org/markup-compatibility/2006" xmlns:mv="urn:schemas-microsoft-com:mac:vml" xmlns:p="http://schemas.openxmlformats.org/presentationml/2006/main" xmlns:c="http://schemas.openxmlformats.org/drawingml/2006/chart" xmlns:dgm="http://schemas.openxmlformats.org/drawingml/2006/diagram" xmlns:o="urn:schemas-microsoft-com:office:office" xmlns:v="urn:schemas-microsoft-com:vml" xmlns:pvml="urn:schemas-microsoft-com:office:powerpoint" xmlns:com="http://schemas.openxmlformats.org/drawingml/2006/compatibility" xmlns:p14="http://schemas.microsoft.com/office/powerpoint/2010/main" xmlns:p15="http://schemas.microsoft.com/office/powerpoint/2012/main" xmlns:ahyp="http://schemas.microsoft.com/office/drawing/2018/hyperlinkcolor" showMasterPhAnim="0" showMasterSp="0">
+<p:notes xmlns:a="http://schemas.openxmlformats.org/drawingml/2006/main" xmlns:r="http://schemas.openxmlformats.org/officeDocument/2006/relationships" xmlns:p="http://schemas.openxmlformats.org/presentationml/2006/main" showMasterSp="0" showMasterPhAnim="0">
   <p:cSld>
     <p:spTree>
       <p:nvGrpSpPr>
-        <p:cNvPr id="87" name="Shape 87"/>
+        <p:cNvPr id="1" name="Shape 87"/>
         <p:cNvGrpSpPr/>
         <p:nvPr/>
       </p:nvGrpSpPr>
@@ -3108,9 +3245,11 @@
       <p:sp>
         <p:nvSpPr>
           <p:cNvPr id="88" name="Google Shape;88;g99753471a4_0_279:notes"/>
-          <p:cNvSpPr/>
-          <p:nvPr>
-            <p:ph idx="2" type="sldImg"/>
+          <p:cNvSpPr>
+            <a:spLocks noGrp="1" noRot="1" noChangeAspect="1"/>
+          </p:cNvSpPr>
+          <p:nvPr>
+            <p:ph type="sldImg" idx="2"/>
           </p:nvPr>
         </p:nvSpPr>
         <p:spPr>
@@ -3119,9 +3258,13 @@
             <a:ext cx="6096000" cy="3429000"/>
           </a:xfrm>
           <a:custGeom>
-            <a:rect b="b" l="l" r="r" t="t"/>
+            <a:avLst/>
+            <a:gdLst/>
+            <a:ahLst/>
+            <a:cxnLst/>
+            <a:rect l="l" t="t" r="r" b="b"/>
             <a:pathLst>
-              <a:path extrusionOk="0" h="120000" w="120000">
+              <a:path w="120000" h="120000" extrusionOk="0">
                 <a:moveTo>
                   <a:pt x="0" y="0"/>
                 </a:moveTo>
@@ -3143,9 +3286,11 @@
       <p:sp>
         <p:nvSpPr>
           <p:cNvPr id="89" name="Google Shape;89;g99753471a4_0_279:notes"/>
-          <p:cNvSpPr txBox="1"/>
-          <p:nvPr>
-            <p:ph idx="1" type="body"/>
+          <p:cNvSpPr txBox="1">
+            <a:spLocks noGrp="1"/>
+          </p:cNvSpPr>
+          <p:nvPr>
+            <p:ph type="body" idx="1"/>
           </p:nvPr>
         </p:nvSpPr>
         <p:spPr>
@@ -3158,12 +3303,12 @@
           </a:prstGeom>
         </p:spPr>
         <p:txBody>
-          <a:bodyPr anchorCtr="0" anchor="t" bIns="91425" lIns="91425" spcFirstLastPara="1" rIns="91425" wrap="square" tIns="91425">
+          <a:bodyPr spcFirstLastPara="1" wrap="square" lIns="91425" tIns="91425" rIns="91425" bIns="91425" anchor="t" anchorCtr="0">
             <a:noAutofit/>
           </a:bodyPr>
           <a:lstStyle/>
           <a:p>
-            <a:pPr indent="0" lvl="0" marL="0" rtl="0" algn="l">
+            <a:pPr marL="0" lvl="0" indent="0" algn="l" rtl="0">
               <a:spcBef>
                 <a:spcPts val="0"/>
               </a:spcBef>
@@ -3172,9 +3317,6 @@
               </a:spcAft>
               <a:buNone/>
             </a:pPr>
-            <a:r>
-              <a:t/>
-            </a:r>
             <a:endParaRPr/>
           </a:p>
         </p:txBody>
@@ -3188,11 +3330,11 @@
 </file>
 
 <file path=ppt/notesSlides/notesSlide8.xml><?xml version="1.0" encoding="utf-8"?>
-<p:notes xmlns:a="http://schemas.openxmlformats.org/drawingml/2006/main" xmlns:r="http://schemas.openxmlformats.org/officeDocument/2006/relationships" xmlns:mc="http://schemas.openxmlformats.org/markup-compatibility/2006" xmlns:mv="urn:schemas-microsoft-com:mac:vml" xmlns:p="http://schemas.openxmlformats.org/presentationml/2006/main" xmlns:c="http://schemas.openxmlformats.org/drawingml/2006/chart" xmlns:dgm="http://schemas.openxmlformats.org/drawingml/2006/diagram" xmlns:o="urn:schemas-microsoft-com:office:office" xmlns:v="urn:schemas-microsoft-com:vml" xmlns:pvml="urn:schemas-microsoft-com:office:powerpoint" xmlns:com="http://schemas.openxmlformats.org/drawingml/2006/compatibility" xmlns:p14="http://schemas.microsoft.com/office/powerpoint/2010/main" xmlns:p15="http://schemas.microsoft.com/office/powerpoint/2012/main" xmlns:ahyp="http://schemas.microsoft.com/office/drawing/2018/hyperlinkcolor" showMasterPhAnim="0" showMasterSp="0">
+<p:notes xmlns:a="http://schemas.openxmlformats.org/drawingml/2006/main" xmlns:r="http://schemas.openxmlformats.org/officeDocument/2006/relationships" xmlns:p="http://schemas.openxmlformats.org/presentationml/2006/main" showMasterSp="0" showMasterPhAnim="0">
   <p:cSld>
     <p:spTree>
       <p:nvGrpSpPr>
-        <p:cNvPr id="93" name="Shape 93"/>
+        <p:cNvPr id="1" name="Shape 93"/>
         <p:cNvGrpSpPr/>
         <p:nvPr/>
       </p:nvGrpSpPr>
@@ -3207,9 +3349,11 @@
       <p:sp>
         <p:nvSpPr>
           <p:cNvPr id="94" name="Google Shape;94;g99753471a4_0_284:notes"/>
-          <p:cNvSpPr/>
-          <p:nvPr>
-            <p:ph idx="2" type="sldImg"/>
+          <p:cNvSpPr>
+            <a:spLocks noGrp="1" noRot="1" noChangeAspect="1"/>
+          </p:cNvSpPr>
+          <p:nvPr>
+            <p:ph type="sldImg" idx="2"/>
           </p:nvPr>
         </p:nvSpPr>
         <p:spPr>
@@ -3218,9 +3362,13 @@
             <a:ext cx="6096000" cy="3429000"/>
           </a:xfrm>
           <a:custGeom>
-            <a:rect b="b" l="l" r="r" t="t"/>
+            <a:avLst/>
+            <a:gdLst/>
+            <a:ahLst/>
+            <a:cxnLst/>
+            <a:rect l="l" t="t" r="r" b="b"/>
             <a:pathLst>
-              <a:path extrusionOk="0" h="120000" w="120000">
+              <a:path w="120000" h="120000" extrusionOk="0">
                 <a:moveTo>
                   <a:pt x="0" y="0"/>
                 </a:moveTo>
@@ -3242,9 +3390,11 @@
       <p:sp>
         <p:nvSpPr>
           <p:cNvPr id="95" name="Google Shape;95;g99753471a4_0_284:notes"/>
-          <p:cNvSpPr txBox="1"/>
-          <p:nvPr>
-            <p:ph idx="1" type="body"/>
+          <p:cNvSpPr txBox="1">
+            <a:spLocks noGrp="1"/>
+          </p:cNvSpPr>
+          <p:nvPr>
+            <p:ph type="body" idx="1"/>
           </p:nvPr>
         </p:nvSpPr>
         <p:spPr>
@@ -3257,12 +3407,12 @@
           </a:prstGeom>
         </p:spPr>
         <p:txBody>
-          <a:bodyPr anchorCtr="0" anchor="t" bIns="91425" lIns="91425" spcFirstLastPara="1" rIns="91425" wrap="square" tIns="91425">
+          <a:bodyPr spcFirstLastPara="1" wrap="square" lIns="91425" tIns="91425" rIns="91425" bIns="91425" anchor="t" anchorCtr="0">
             <a:noAutofit/>
           </a:bodyPr>
           <a:lstStyle/>
           <a:p>
-            <a:pPr indent="0" lvl="0" marL="0" rtl="0" algn="l">
+            <a:pPr marL="0" lvl="0" indent="0" algn="l" rtl="0">
               <a:spcBef>
                 <a:spcPts val="0"/>
               </a:spcBef>
@@ -3271,9 +3421,6 @@
               </a:spcAft>
               <a:buNone/>
             </a:pPr>
-            <a:r>
-              <a:t/>
-            </a:r>
             <a:endParaRPr/>
           </a:p>
         </p:txBody>
@@ -3287,11 +3434,11 @@
 </file>
 
 <file path=ppt/notesSlides/notesSlide9.xml><?xml version="1.0" encoding="utf-8"?>
-<p:notes xmlns:a="http://schemas.openxmlformats.org/drawingml/2006/main" xmlns:r="http://schemas.openxmlformats.org/officeDocument/2006/relationships" xmlns:mc="http://schemas.openxmlformats.org/markup-compatibility/2006" xmlns:mv="urn:schemas-microsoft-com:mac:vml" xmlns:p="http://schemas.openxmlformats.org/presentationml/2006/main" xmlns:c="http://schemas.openxmlformats.org/drawingml/2006/chart" xmlns:dgm="http://schemas.openxmlformats.org/drawingml/2006/diagram" xmlns:o="urn:schemas-microsoft-com:office:office" xmlns:v="urn:schemas-microsoft-com:vml" xmlns:pvml="urn:schemas-microsoft-com:office:powerpoint" xmlns:com="http://schemas.openxmlformats.org/drawingml/2006/compatibility" xmlns:p14="http://schemas.microsoft.com/office/powerpoint/2010/main" xmlns:p15="http://schemas.microsoft.com/office/powerpoint/2012/main" xmlns:ahyp="http://schemas.microsoft.com/office/drawing/2018/hyperlinkcolor" showMasterPhAnim="0" showMasterSp="0">
+<p:notes xmlns:a="http://schemas.openxmlformats.org/drawingml/2006/main" xmlns:r="http://schemas.openxmlformats.org/officeDocument/2006/relationships" xmlns:p="http://schemas.openxmlformats.org/presentationml/2006/main" showMasterSp="0" showMasterPhAnim="0">
   <p:cSld>
     <p:spTree>
       <p:nvGrpSpPr>
-        <p:cNvPr id="100" name="Shape 100"/>
+        <p:cNvPr id="1" name="Shape 100"/>
         <p:cNvGrpSpPr/>
         <p:nvPr/>
       </p:nvGrpSpPr>
@@ -3306,9 +3453,11 @@
       <p:sp>
         <p:nvSpPr>
           <p:cNvPr id="101" name="Google Shape;101;g99753471a4_0_292:notes"/>
-          <p:cNvSpPr/>
-          <p:nvPr>
-            <p:ph idx="2" type="sldImg"/>
+          <p:cNvSpPr>
+            <a:spLocks noGrp="1" noRot="1" noChangeAspect="1"/>
+          </p:cNvSpPr>
+          <p:nvPr>
+            <p:ph type="sldImg" idx="2"/>
           </p:nvPr>
         </p:nvSpPr>
         <p:spPr>
@@ -3317,9 +3466,13 @@
             <a:ext cx="6096000" cy="3429000"/>
           </a:xfrm>
           <a:custGeom>
-            <a:rect b="b" l="l" r="r" t="t"/>
+            <a:avLst/>
+            <a:gdLst/>
+            <a:ahLst/>
+            <a:cxnLst/>
+            <a:rect l="l" t="t" r="r" b="b"/>
             <a:pathLst>
-              <a:path extrusionOk="0" h="120000" w="120000">
+              <a:path w="120000" h="120000" extrusionOk="0">
                 <a:moveTo>
                   <a:pt x="0" y="0"/>
                 </a:moveTo>
@@ -3341,9 +3494,11 @@
       <p:sp>
         <p:nvSpPr>
           <p:cNvPr id="102" name="Google Shape;102;g99753471a4_0_292:notes"/>
-          <p:cNvSpPr txBox="1"/>
-          <p:nvPr>
-            <p:ph idx="1" type="body"/>
+          <p:cNvSpPr txBox="1">
+            <a:spLocks noGrp="1"/>
+          </p:cNvSpPr>
+          <p:nvPr>
+            <p:ph type="body" idx="1"/>
           </p:nvPr>
         </p:nvSpPr>
         <p:spPr>
@@ -3356,12 +3511,12 @@
           </a:prstGeom>
         </p:spPr>
         <p:txBody>
-          <a:bodyPr anchorCtr="0" anchor="t" bIns="91425" lIns="91425" spcFirstLastPara="1" rIns="91425" wrap="square" tIns="91425">
+          <a:bodyPr spcFirstLastPara="1" wrap="square" lIns="91425" tIns="91425" rIns="91425" bIns="91425" anchor="t" anchorCtr="0">
             <a:noAutofit/>
           </a:bodyPr>
           <a:lstStyle/>
           <a:p>
-            <a:pPr indent="0" lvl="0" marL="0" rtl="0" algn="l">
+            <a:pPr marL="0" lvl="0" indent="0" algn="l" rtl="0">
               <a:spcBef>
                 <a:spcPts val="0"/>
               </a:spcBef>
@@ -3370,9 +3525,6 @@
               </a:spcAft>
               <a:buNone/>
             </a:pPr>
-            <a:r>
-              <a:t/>
-            </a:r>
             <a:endParaRPr/>
           </a:p>
         </p:txBody>
@@ -3386,11 +3538,11 @@
 </file>
 
 <file path=ppt/slideLayouts/slideLayout1.xml><?xml version="1.0" encoding="utf-8"?>
-<p:sldLayout xmlns:a="http://schemas.openxmlformats.org/drawingml/2006/main" xmlns:r="http://schemas.openxmlformats.org/officeDocument/2006/relationships" xmlns:mc="http://schemas.openxmlformats.org/markup-compatibility/2006" xmlns:mv="urn:schemas-microsoft-com:mac:vml" xmlns:p="http://schemas.openxmlformats.org/presentationml/2006/main" xmlns:c="http://schemas.openxmlformats.org/drawingml/2006/chart" xmlns:dgm="http://schemas.openxmlformats.org/drawingml/2006/diagram" xmlns:o="urn:schemas-microsoft-com:office:office" xmlns:v="urn:schemas-microsoft-com:vml" xmlns:pvml="urn:schemas-microsoft-com:office:powerpoint" xmlns:com="http://schemas.openxmlformats.org/drawingml/2006/compatibility" xmlns:p14="http://schemas.microsoft.com/office/powerpoint/2010/main" xmlns:p15="http://schemas.microsoft.com/office/powerpoint/2012/main" xmlns:ahyp="http://schemas.microsoft.com/office/drawing/2018/hyperlinkcolor" matchingName="Title slide" type="title">
+<p:sldLayout xmlns:a="http://schemas.openxmlformats.org/drawingml/2006/main" xmlns:r="http://schemas.openxmlformats.org/officeDocument/2006/relationships" xmlns:p="http://schemas.openxmlformats.org/presentationml/2006/main" matchingName="Title slide" type="title">
   <p:cSld name="TITLE">
     <p:spTree>
       <p:nvGrpSpPr>
-        <p:cNvPr id="9" name="Shape 9"/>
+        <p:cNvPr id="1" name="Shape 9"/>
         <p:cNvGrpSpPr/>
         <p:nvPr/>
       </p:nvGrpSpPr>
@@ -3405,7 +3557,9 @@
       <p:sp>
         <p:nvSpPr>
           <p:cNvPr id="10" name="Google Shape;10;p2"/>
-          <p:cNvSpPr txBox="1"/>
+          <p:cNvSpPr txBox="1">
+            <a:spLocks noGrp="1"/>
+          </p:cNvSpPr>
           <p:nvPr>
             <p:ph type="ctrTitle"/>
           </p:nvPr>
@@ -3420,7 +3574,7 @@
           </a:prstGeom>
         </p:spPr>
         <p:txBody>
-          <a:bodyPr anchorCtr="0" anchor="b" bIns="91425" lIns="91425" spcFirstLastPara="1" rIns="91425" wrap="square" tIns="91425">
+          <a:bodyPr spcFirstLastPara="1" wrap="square" lIns="91425" tIns="91425" rIns="91425" bIns="91425" anchor="b" anchorCtr="0">
             <a:noAutofit/>
           </a:bodyPr>
           <a:lstStyle>
@@ -3524,15 +3678,19 @@
               <a:defRPr sz="5200"/>
             </a:lvl9pPr>
           </a:lstStyle>
-          <a:p/>
+          <a:p>
+            <a:endParaRPr/>
+          </a:p>
         </p:txBody>
       </p:sp>
       <p:sp>
         <p:nvSpPr>
           <p:cNvPr id="11" name="Google Shape;11;p2"/>
-          <p:cNvSpPr txBox="1"/>
-          <p:nvPr>
-            <p:ph idx="1" type="subTitle"/>
+          <p:cNvSpPr txBox="1">
+            <a:spLocks noGrp="1"/>
+          </p:cNvSpPr>
+          <p:nvPr>
+            <p:ph type="subTitle" idx="1"/>
           </p:nvPr>
         </p:nvSpPr>
         <p:spPr>
@@ -3545,7 +3703,7 @@
           </a:prstGeom>
         </p:spPr>
         <p:txBody>
-          <a:bodyPr anchorCtr="0" anchor="t" bIns="91425" lIns="91425" spcFirstLastPara="1" rIns="91425" wrap="square" tIns="91425">
+          <a:bodyPr spcFirstLastPara="1" wrap="square" lIns="91425" tIns="91425" rIns="91425" bIns="91425" anchor="t" anchorCtr="0">
             <a:noAutofit/>
           </a:bodyPr>
           <a:lstStyle>
@@ -3676,15 +3834,19 @@
               <a:defRPr sz="2800"/>
             </a:lvl9pPr>
           </a:lstStyle>
-          <a:p/>
+          <a:p>
+            <a:endParaRPr/>
+          </a:p>
         </p:txBody>
       </p:sp>
       <p:sp>
         <p:nvSpPr>
           <p:cNvPr id="12" name="Google Shape;12;p2"/>
-          <p:cNvSpPr txBox="1"/>
-          <p:nvPr>
-            <p:ph idx="12" type="sldNum"/>
+          <p:cNvSpPr txBox="1">
+            <a:spLocks noGrp="1"/>
+          </p:cNvSpPr>
+          <p:nvPr>
+            <p:ph type="sldNum" idx="12"/>
           </p:nvPr>
         </p:nvSpPr>
         <p:spPr>
@@ -3697,7 +3859,7 @@
           </a:prstGeom>
         </p:spPr>
         <p:txBody>
-          <a:bodyPr anchorCtr="0" anchor="ctr" bIns="91425" lIns="91425" spcFirstLastPara="1" rIns="91425" wrap="square" tIns="91425">
+          <a:bodyPr spcFirstLastPara="1" wrap="square" lIns="91425" tIns="91425" rIns="91425" bIns="91425" anchor="ctr" anchorCtr="0">
             <a:noAutofit/>
           </a:bodyPr>
           <a:lstStyle>
@@ -3739,7 +3901,7 @@
             </a:lvl9pPr>
           </a:lstStyle>
           <a:p>
-            <a:pPr indent="0" lvl="0" marL="0" rtl="0" algn="r">
+            <a:pPr marL="0" lvl="0" indent="0" algn="r" rtl="0">
               <a:spcBef>
                 <a:spcPts val="0"/>
               </a:spcBef>
@@ -3765,11 +3927,11 @@
 </file>
 
 <file path=ppt/slideLayouts/slideLayout10.xml><?xml version="1.0" encoding="utf-8"?>
-<p:sldLayout xmlns:a="http://schemas.openxmlformats.org/drawingml/2006/main" xmlns:r="http://schemas.openxmlformats.org/officeDocument/2006/relationships" xmlns:mc="http://schemas.openxmlformats.org/markup-compatibility/2006" xmlns:mv="urn:schemas-microsoft-com:mac:vml" xmlns:p="http://schemas.openxmlformats.org/presentationml/2006/main" xmlns:c="http://schemas.openxmlformats.org/drawingml/2006/chart" xmlns:dgm="http://schemas.openxmlformats.org/drawingml/2006/diagram" xmlns:o="urn:schemas-microsoft-com:office:office" xmlns:v="urn:schemas-microsoft-com:vml" xmlns:pvml="urn:schemas-microsoft-com:office:powerpoint" xmlns:com="http://schemas.openxmlformats.org/drawingml/2006/compatibility" xmlns:p14="http://schemas.microsoft.com/office/powerpoint/2010/main" xmlns:p15="http://schemas.microsoft.com/office/powerpoint/2012/main" xmlns:ahyp="http://schemas.microsoft.com/office/drawing/2018/hyperlinkcolor" matchingName="Big number">
+<p:sldLayout xmlns:a="http://schemas.openxmlformats.org/drawingml/2006/main" xmlns:r="http://schemas.openxmlformats.org/officeDocument/2006/relationships" xmlns:p="http://schemas.openxmlformats.org/presentationml/2006/main" matchingName="Big number">
   <p:cSld name="BIG_NUMBER">
     <p:spTree>
       <p:nvGrpSpPr>
-        <p:cNvPr id="44" name="Shape 44"/>
+        <p:cNvPr id="1" name="Shape 44"/>
         <p:cNvGrpSpPr/>
         <p:nvPr/>
       </p:nvGrpSpPr>
@@ -3784,9 +3946,11 @@
       <p:sp>
         <p:nvSpPr>
           <p:cNvPr id="45" name="Google Shape;45;p11"/>
-          <p:cNvSpPr txBox="1"/>
-          <p:nvPr>
-            <p:ph hasCustomPrompt="1" type="title"/>
+          <p:cNvSpPr txBox="1">
+            <a:spLocks noGrp="1"/>
+          </p:cNvSpPr>
+          <p:nvPr>
+            <p:ph type="title" hasCustomPrompt="1"/>
           </p:nvPr>
         </p:nvSpPr>
         <p:spPr>
@@ -3799,7 +3963,7 @@
           </a:prstGeom>
         </p:spPr>
         <p:txBody>
-          <a:bodyPr anchorCtr="0" anchor="b" bIns="91425" lIns="91425" spcFirstLastPara="1" rIns="91425" wrap="square" tIns="91425">
+          <a:bodyPr spcFirstLastPara="1" wrap="square" lIns="91425" tIns="91425" rIns="91425" bIns="91425" anchor="b" anchorCtr="0">
             <a:noAutofit/>
           </a:bodyPr>
           <a:lstStyle>
@@ -3913,9 +4077,11 @@
       <p:sp>
         <p:nvSpPr>
           <p:cNvPr id="46" name="Google Shape;46;p11"/>
-          <p:cNvSpPr txBox="1"/>
-          <p:nvPr>
-            <p:ph idx="1" type="body"/>
+          <p:cNvSpPr txBox="1">
+            <a:spLocks noGrp="1"/>
+          </p:cNvSpPr>
+          <p:nvPr>
+            <p:ph type="body" idx="1"/>
           </p:nvPr>
         </p:nvSpPr>
         <p:spPr>
@@ -3928,11 +4094,11 @@
           </a:prstGeom>
         </p:spPr>
         <p:txBody>
-          <a:bodyPr anchorCtr="0" anchor="t" bIns="91425" lIns="91425" spcFirstLastPara="1" rIns="91425" wrap="square" tIns="91425">
+          <a:bodyPr spcFirstLastPara="1" wrap="square" lIns="91425" tIns="91425" rIns="91425" bIns="91425" anchor="t" anchorCtr="0">
             <a:noAutofit/>
           </a:bodyPr>
           <a:lstStyle>
-            <a:lvl1pPr indent="-342900" lvl="0" marL="457200" algn="ctr">
+            <a:lvl1pPr marL="457200" lvl="0" indent="-342900" algn="ctr">
               <a:spcBef>
                 <a:spcPts val="0"/>
               </a:spcBef>
@@ -3943,7 +4109,7 @@
               <a:buChar char="●"/>
               <a:defRPr/>
             </a:lvl1pPr>
-            <a:lvl2pPr indent="-317500" lvl="1" marL="914400" algn="ctr">
+            <a:lvl2pPr marL="914400" lvl="1" indent="-317500" algn="ctr">
               <a:spcBef>
                 <a:spcPts val="1600"/>
               </a:spcBef>
@@ -3954,7 +4120,7 @@
               <a:buChar char="○"/>
               <a:defRPr/>
             </a:lvl2pPr>
-            <a:lvl3pPr indent="-317500" lvl="2" marL="1371600" algn="ctr">
+            <a:lvl3pPr marL="1371600" lvl="2" indent="-317500" algn="ctr">
               <a:spcBef>
                 <a:spcPts val="1600"/>
               </a:spcBef>
@@ -3965,7 +4131,7 @@
               <a:buChar char="■"/>
               <a:defRPr/>
             </a:lvl3pPr>
-            <a:lvl4pPr indent="-317500" lvl="3" marL="1828800" algn="ctr">
+            <a:lvl4pPr marL="1828800" lvl="3" indent="-317500" algn="ctr">
               <a:spcBef>
                 <a:spcPts val="1600"/>
               </a:spcBef>
@@ -3976,7 +4142,7 @@
               <a:buChar char="●"/>
               <a:defRPr/>
             </a:lvl4pPr>
-            <a:lvl5pPr indent="-317500" lvl="4" marL="2286000" algn="ctr">
+            <a:lvl5pPr marL="2286000" lvl="4" indent="-317500" algn="ctr">
               <a:spcBef>
                 <a:spcPts val="1600"/>
               </a:spcBef>
@@ -3987,7 +4153,7 @@
               <a:buChar char="○"/>
               <a:defRPr/>
             </a:lvl5pPr>
-            <a:lvl6pPr indent="-317500" lvl="5" marL="2743200" algn="ctr">
+            <a:lvl6pPr marL="2743200" lvl="5" indent="-317500" algn="ctr">
               <a:spcBef>
                 <a:spcPts val="1600"/>
               </a:spcBef>
@@ -3998,7 +4164,7 @@
               <a:buChar char="■"/>
               <a:defRPr/>
             </a:lvl6pPr>
-            <a:lvl7pPr indent="-317500" lvl="6" marL="3200400" algn="ctr">
+            <a:lvl7pPr marL="3200400" lvl="6" indent="-317500" algn="ctr">
               <a:spcBef>
                 <a:spcPts val="1600"/>
               </a:spcBef>
@@ -4009,7 +4175,7 @@
               <a:buChar char="●"/>
               <a:defRPr/>
             </a:lvl7pPr>
-            <a:lvl8pPr indent="-317500" lvl="7" marL="3657600" algn="ctr">
+            <a:lvl8pPr marL="3657600" lvl="7" indent="-317500" algn="ctr">
               <a:spcBef>
                 <a:spcPts val="1600"/>
               </a:spcBef>
@@ -4020,7 +4186,7 @@
               <a:buChar char="○"/>
               <a:defRPr/>
             </a:lvl8pPr>
-            <a:lvl9pPr indent="-317500" lvl="8" marL="4114800" algn="ctr">
+            <a:lvl9pPr marL="4114800" lvl="8" indent="-317500" algn="ctr">
               <a:spcBef>
                 <a:spcPts val="1600"/>
               </a:spcBef>
@@ -4032,15 +4198,19 @@
               <a:defRPr/>
             </a:lvl9pPr>
           </a:lstStyle>
-          <a:p/>
+          <a:p>
+            <a:endParaRPr/>
+          </a:p>
         </p:txBody>
       </p:sp>
       <p:sp>
         <p:nvSpPr>
           <p:cNvPr id="47" name="Google Shape;47;p11"/>
-          <p:cNvSpPr txBox="1"/>
-          <p:nvPr>
-            <p:ph idx="12" type="sldNum"/>
+          <p:cNvSpPr txBox="1">
+            <a:spLocks noGrp="1"/>
+          </p:cNvSpPr>
+          <p:nvPr>
+            <p:ph type="sldNum" idx="12"/>
           </p:nvPr>
         </p:nvSpPr>
         <p:spPr>
@@ -4053,7 +4223,7 @@
           </a:prstGeom>
         </p:spPr>
         <p:txBody>
-          <a:bodyPr anchorCtr="0" anchor="ctr" bIns="91425" lIns="91425" spcFirstLastPara="1" rIns="91425" wrap="square" tIns="91425">
+          <a:bodyPr spcFirstLastPara="1" wrap="square" lIns="91425" tIns="91425" rIns="91425" bIns="91425" anchor="ctr" anchorCtr="0">
             <a:noAutofit/>
           </a:bodyPr>
           <a:lstStyle>
@@ -4095,7 +4265,7 @@
             </a:lvl9pPr>
           </a:lstStyle>
           <a:p>
-            <a:pPr indent="0" lvl="0" marL="0" rtl="0" algn="r">
+            <a:pPr marL="0" lvl="0" indent="0" algn="r" rtl="0">
               <a:spcBef>
                 <a:spcPts val="0"/>
               </a:spcBef>
@@ -4121,11 +4291,11 @@
 </file>
 
 <file path=ppt/slideLayouts/slideLayout11.xml><?xml version="1.0" encoding="utf-8"?>
-<p:sldLayout xmlns:a="http://schemas.openxmlformats.org/drawingml/2006/main" xmlns:r="http://schemas.openxmlformats.org/officeDocument/2006/relationships" xmlns:mc="http://schemas.openxmlformats.org/markup-compatibility/2006" xmlns:mv="urn:schemas-microsoft-com:mac:vml" xmlns:p="http://schemas.openxmlformats.org/presentationml/2006/main" xmlns:c="http://schemas.openxmlformats.org/drawingml/2006/chart" xmlns:dgm="http://schemas.openxmlformats.org/drawingml/2006/diagram" xmlns:o="urn:schemas-microsoft-com:office:office" xmlns:v="urn:schemas-microsoft-com:vml" xmlns:pvml="urn:schemas-microsoft-com:office:powerpoint" xmlns:com="http://schemas.openxmlformats.org/drawingml/2006/compatibility" xmlns:p14="http://schemas.microsoft.com/office/powerpoint/2010/main" xmlns:p15="http://schemas.microsoft.com/office/powerpoint/2012/main" xmlns:ahyp="http://schemas.microsoft.com/office/drawing/2018/hyperlinkcolor" matchingName="Blank" type="blank">
+<p:sldLayout xmlns:a="http://schemas.openxmlformats.org/drawingml/2006/main" xmlns:r="http://schemas.openxmlformats.org/officeDocument/2006/relationships" xmlns:p="http://schemas.openxmlformats.org/presentationml/2006/main" matchingName="Blank" type="blank">
   <p:cSld name="BLANK">
     <p:spTree>
       <p:nvGrpSpPr>
-        <p:cNvPr id="48" name="Shape 48"/>
+        <p:cNvPr id="1" name="Shape 48"/>
         <p:cNvGrpSpPr/>
         <p:nvPr/>
       </p:nvGrpSpPr>
@@ -4140,9 +4310,11 @@
       <p:sp>
         <p:nvSpPr>
           <p:cNvPr id="49" name="Google Shape;49;p12"/>
-          <p:cNvSpPr txBox="1"/>
-          <p:nvPr>
-            <p:ph idx="12" type="sldNum"/>
+          <p:cNvSpPr txBox="1">
+            <a:spLocks noGrp="1"/>
+          </p:cNvSpPr>
+          <p:nvPr>
+            <p:ph type="sldNum" idx="12"/>
           </p:nvPr>
         </p:nvSpPr>
         <p:spPr>
@@ -4155,7 +4327,7 @@
           </a:prstGeom>
         </p:spPr>
         <p:txBody>
-          <a:bodyPr anchorCtr="0" anchor="ctr" bIns="91425" lIns="91425" spcFirstLastPara="1" rIns="91425" wrap="square" tIns="91425">
+          <a:bodyPr spcFirstLastPara="1" wrap="square" lIns="91425" tIns="91425" rIns="91425" bIns="91425" anchor="ctr" anchorCtr="0">
             <a:noAutofit/>
           </a:bodyPr>
           <a:lstStyle>
@@ -4197,7 +4369,7 @@
             </a:lvl9pPr>
           </a:lstStyle>
           <a:p>
-            <a:pPr indent="0" lvl="0" marL="0" rtl="0" algn="r">
+            <a:pPr marL="0" lvl="0" indent="0" algn="r" rtl="0">
               <a:spcBef>
                 <a:spcPts val="0"/>
               </a:spcBef>
@@ -4223,11 +4395,11 @@
 </file>
 
 <file path=ppt/slideLayouts/slideLayout2.xml><?xml version="1.0" encoding="utf-8"?>
-<p:sldLayout xmlns:a="http://schemas.openxmlformats.org/drawingml/2006/main" xmlns:r="http://schemas.openxmlformats.org/officeDocument/2006/relationships" xmlns:mc="http://schemas.openxmlformats.org/markup-compatibility/2006" xmlns:mv="urn:schemas-microsoft-com:mac:vml" xmlns:p="http://schemas.openxmlformats.org/presentationml/2006/main" xmlns:c="http://schemas.openxmlformats.org/drawingml/2006/chart" xmlns:dgm="http://schemas.openxmlformats.org/drawingml/2006/diagram" xmlns:o="urn:schemas-microsoft-com:office:office" xmlns:v="urn:schemas-microsoft-com:vml" xmlns:pvml="urn:schemas-microsoft-com:office:powerpoint" xmlns:com="http://schemas.openxmlformats.org/drawingml/2006/compatibility" xmlns:p14="http://schemas.microsoft.com/office/powerpoint/2010/main" xmlns:p15="http://schemas.microsoft.com/office/powerpoint/2012/main" xmlns:ahyp="http://schemas.microsoft.com/office/drawing/2018/hyperlinkcolor" matchingName="Section header" type="secHead">
+<p:sldLayout xmlns:a="http://schemas.openxmlformats.org/drawingml/2006/main" xmlns:r="http://schemas.openxmlformats.org/officeDocument/2006/relationships" xmlns:p="http://schemas.openxmlformats.org/presentationml/2006/main" matchingName="Section header" type="secHead">
   <p:cSld name="SECTION_HEADER">
     <p:spTree>
       <p:nvGrpSpPr>
-        <p:cNvPr id="13" name="Shape 13"/>
+        <p:cNvPr id="1" name="Shape 13"/>
         <p:cNvGrpSpPr/>
         <p:nvPr/>
       </p:nvGrpSpPr>
@@ -4242,7 +4414,9 @@
       <p:sp>
         <p:nvSpPr>
           <p:cNvPr id="14" name="Google Shape;14;p3"/>
-          <p:cNvSpPr txBox="1"/>
+          <p:cNvSpPr txBox="1">
+            <a:spLocks noGrp="1"/>
+          </p:cNvSpPr>
           <p:nvPr>
             <p:ph type="title"/>
           </p:nvPr>
@@ -4257,7 +4431,7 @@
           </a:prstGeom>
         </p:spPr>
         <p:txBody>
-          <a:bodyPr anchorCtr="0" anchor="ctr" bIns="91425" lIns="91425" spcFirstLastPara="1" rIns="91425" wrap="square" tIns="91425">
+          <a:bodyPr spcFirstLastPara="1" wrap="square" lIns="91425" tIns="91425" rIns="91425" bIns="91425" anchor="ctr" anchorCtr="0">
             <a:noAutofit/>
           </a:bodyPr>
           <a:lstStyle>
@@ -4361,15 +4535,19 @@
               <a:defRPr sz="3600"/>
             </a:lvl9pPr>
           </a:lstStyle>
-          <a:p/>
+          <a:p>
+            <a:endParaRPr/>
+          </a:p>
         </p:txBody>
       </p:sp>
       <p:sp>
         <p:nvSpPr>
           <p:cNvPr id="15" name="Google Shape;15;p3"/>
-          <p:cNvSpPr txBox="1"/>
-          <p:nvPr>
-            <p:ph idx="12" type="sldNum"/>
+          <p:cNvSpPr txBox="1">
+            <a:spLocks noGrp="1"/>
+          </p:cNvSpPr>
+          <p:nvPr>
+            <p:ph type="sldNum" idx="12"/>
           </p:nvPr>
         </p:nvSpPr>
         <p:spPr>
@@ -4382,7 +4560,7 @@
           </a:prstGeom>
         </p:spPr>
         <p:txBody>
-          <a:bodyPr anchorCtr="0" anchor="ctr" bIns="91425" lIns="91425" spcFirstLastPara="1" rIns="91425" wrap="square" tIns="91425">
+          <a:bodyPr spcFirstLastPara="1" wrap="square" lIns="91425" tIns="91425" rIns="91425" bIns="91425" anchor="ctr" anchorCtr="0">
             <a:noAutofit/>
           </a:bodyPr>
           <a:lstStyle>
@@ -4424,7 +4602,7 @@
             </a:lvl9pPr>
           </a:lstStyle>
           <a:p>
-            <a:pPr indent="0" lvl="0" marL="0" rtl="0" algn="r">
+            <a:pPr marL="0" lvl="0" indent="0" algn="r" rtl="0">
               <a:spcBef>
                 <a:spcPts val="0"/>
               </a:spcBef>
@@ -4450,11 +4628,11 @@
 </file>
 
 <file path=ppt/slideLayouts/slideLayout3.xml><?xml version="1.0" encoding="utf-8"?>
-<p:sldLayout xmlns:a="http://schemas.openxmlformats.org/drawingml/2006/main" xmlns:r="http://schemas.openxmlformats.org/officeDocument/2006/relationships" xmlns:mc="http://schemas.openxmlformats.org/markup-compatibility/2006" xmlns:mv="urn:schemas-microsoft-com:mac:vml" xmlns:p="http://schemas.openxmlformats.org/presentationml/2006/main" xmlns:c="http://schemas.openxmlformats.org/drawingml/2006/chart" xmlns:dgm="http://schemas.openxmlformats.org/drawingml/2006/diagram" xmlns:o="urn:schemas-microsoft-com:office:office" xmlns:v="urn:schemas-microsoft-com:vml" xmlns:pvml="urn:schemas-microsoft-com:office:powerpoint" xmlns:com="http://schemas.openxmlformats.org/drawingml/2006/compatibility" xmlns:p14="http://schemas.microsoft.com/office/powerpoint/2010/main" xmlns:p15="http://schemas.microsoft.com/office/powerpoint/2012/main" xmlns:ahyp="http://schemas.microsoft.com/office/drawing/2018/hyperlinkcolor" matchingName="Title and body" type="tx">
+<p:sldLayout xmlns:a="http://schemas.openxmlformats.org/drawingml/2006/main" xmlns:r="http://schemas.openxmlformats.org/officeDocument/2006/relationships" xmlns:p="http://schemas.openxmlformats.org/presentationml/2006/main" matchingName="Title and body" type="tx">
   <p:cSld name="TITLE_AND_BODY">
     <p:spTree>
       <p:nvGrpSpPr>
-        <p:cNvPr id="16" name="Shape 16"/>
+        <p:cNvPr id="1" name="Shape 16"/>
         <p:cNvGrpSpPr/>
         <p:nvPr/>
       </p:nvGrpSpPr>
@@ -4469,7 +4647,9 @@
       <p:sp>
         <p:nvSpPr>
           <p:cNvPr id="17" name="Google Shape;17;p4"/>
-          <p:cNvSpPr txBox="1"/>
+          <p:cNvSpPr txBox="1">
+            <a:spLocks noGrp="1"/>
+          </p:cNvSpPr>
           <p:nvPr>
             <p:ph type="title"/>
           </p:nvPr>
@@ -4484,7 +4664,7 @@
           </a:prstGeom>
         </p:spPr>
         <p:txBody>
-          <a:bodyPr anchorCtr="0" anchor="t" bIns="91425" lIns="91425" spcFirstLastPara="1" rIns="91425" wrap="square" tIns="91425">
+          <a:bodyPr spcFirstLastPara="1" wrap="square" lIns="91425" tIns="91425" rIns="91425" bIns="91425" anchor="t" anchorCtr="0">
             <a:noAutofit/>
           </a:bodyPr>
           <a:lstStyle>
@@ -4588,15 +4768,19 @@
               <a:defRPr/>
             </a:lvl9pPr>
           </a:lstStyle>
-          <a:p/>
+          <a:p>
+            <a:endParaRPr/>
+          </a:p>
         </p:txBody>
       </p:sp>
       <p:sp>
         <p:nvSpPr>
           <p:cNvPr id="18" name="Google Shape;18;p4"/>
-          <p:cNvSpPr txBox="1"/>
-          <p:nvPr>
-            <p:ph idx="1" type="body"/>
+          <p:cNvSpPr txBox="1">
+            <a:spLocks noGrp="1"/>
+          </p:cNvSpPr>
+          <p:nvPr>
+            <p:ph type="body" idx="1"/>
           </p:nvPr>
         </p:nvSpPr>
         <p:spPr>
@@ -4609,11 +4793,11 @@
           </a:prstGeom>
         </p:spPr>
         <p:txBody>
-          <a:bodyPr anchorCtr="0" anchor="t" bIns="91425" lIns="91425" spcFirstLastPara="1" rIns="91425" wrap="square" tIns="91425">
+          <a:bodyPr spcFirstLastPara="1" wrap="square" lIns="91425" tIns="91425" rIns="91425" bIns="91425" anchor="t" anchorCtr="0">
             <a:noAutofit/>
           </a:bodyPr>
           <a:lstStyle>
-            <a:lvl1pPr indent="-342900" lvl="0" marL="457200">
+            <a:lvl1pPr marL="457200" lvl="0" indent="-342900">
               <a:spcBef>
                 <a:spcPts val="0"/>
               </a:spcBef>
@@ -4624,7 +4808,7 @@
               <a:buChar char="●"/>
               <a:defRPr/>
             </a:lvl1pPr>
-            <a:lvl2pPr indent="-317500" lvl="1" marL="914400">
+            <a:lvl2pPr marL="914400" lvl="1" indent="-317500">
               <a:spcBef>
                 <a:spcPts val="1600"/>
               </a:spcBef>
@@ -4635,7 +4819,7 @@
               <a:buChar char="○"/>
               <a:defRPr/>
             </a:lvl2pPr>
-            <a:lvl3pPr indent="-317500" lvl="2" marL="1371600">
+            <a:lvl3pPr marL="1371600" lvl="2" indent="-317500">
               <a:spcBef>
                 <a:spcPts val="1600"/>
               </a:spcBef>
@@ -4646,7 +4830,7 @@
               <a:buChar char="■"/>
               <a:defRPr/>
             </a:lvl3pPr>
-            <a:lvl4pPr indent="-317500" lvl="3" marL="1828800">
+            <a:lvl4pPr marL="1828800" lvl="3" indent="-317500">
               <a:spcBef>
                 <a:spcPts val="1600"/>
               </a:spcBef>
@@ -4657,7 +4841,7 @@
               <a:buChar char="●"/>
               <a:defRPr/>
             </a:lvl4pPr>
-            <a:lvl5pPr indent="-317500" lvl="4" marL="2286000">
+            <a:lvl5pPr marL="2286000" lvl="4" indent="-317500">
               <a:spcBef>
                 <a:spcPts val="1600"/>
               </a:spcBef>
@@ -4668,7 +4852,7 @@
               <a:buChar char="○"/>
               <a:defRPr/>
             </a:lvl5pPr>
-            <a:lvl6pPr indent="-317500" lvl="5" marL="2743200">
+            <a:lvl6pPr marL="2743200" lvl="5" indent="-317500">
               <a:spcBef>
                 <a:spcPts val="1600"/>
               </a:spcBef>
@@ -4679,7 +4863,7 @@
               <a:buChar char="■"/>
               <a:defRPr/>
             </a:lvl6pPr>
-            <a:lvl7pPr indent="-317500" lvl="6" marL="3200400">
+            <a:lvl7pPr marL="3200400" lvl="6" indent="-317500">
               <a:spcBef>
                 <a:spcPts val="1600"/>
               </a:spcBef>
@@ -4690,7 +4874,7 @@
               <a:buChar char="●"/>
               <a:defRPr/>
             </a:lvl7pPr>
-            <a:lvl8pPr indent="-317500" lvl="7" marL="3657600">
+            <a:lvl8pPr marL="3657600" lvl="7" indent="-317500">
               <a:spcBef>
                 <a:spcPts val="1600"/>
               </a:spcBef>
@@ -4701,7 +4885,7 @@
               <a:buChar char="○"/>
               <a:defRPr/>
             </a:lvl8pPr>
-            <a:lvl9pPr indent="-317500" lvl="8" marL="4114800">
+            <a:lvl9pPr marL="4114800" lvl="8" indent="-317500">
               <a:spcBef>
                 <a:spcPts val="1600"/>
               </a:spcBef>
@@ -4713,15 +4897,19 @@
               <a:defRPr/>
             </a:lvl9pPr>
           </a:lstStyle>
-          <a:p/>
+          <a:p>
+            <a:endParaRPr/>
+          </a:p>
         </p:txBody>
       </p:sp>
       <p:sp>
         <p:nvSpPr>
           <p:cNvPr id="19" name="Google Shape;19;p4"/>
-          <p:cNvSpPr txBox="1"/>
-          <p:nvPr>
-            <p:ph idx="12" type="sldNum"/>
+          <p:cNvSpPr txBox="1">
+            <a:spLocks noGrp="1"/>
+          </p:cNvSpPr>
+          <p:nvPr>
+            <p:ph type="sldNum" idx="12"/>
           </p:nvPr>
         </p:nvSpPr>
         <p:spPr>
@@ -4734,7 +4922,7 @@
           </a:prstGeom>
         </p:spPr>
         <p:txBody>
-          <a:bodyPr anchorCtr="0" anchor="ctr" bIns="91425" lIns="91425" spcFirstLastPara="1" rIns="91425" wrap="square" tIns="91425">
+          <a:bodyPr spcFirstLastPara="1" wrap="square" lIns="91425" tIns="91425" rIns="91425" bIns="91425" anchor="ctr" anchorCtr="0">
             <a:noAutofit/>
           </a:bodyPr>
           <a:lstStyle>
@@ -4776,7 +4964,7 @@
             </a:lvl9pPr>
           </a:lstStyle>
           <a:p>
-            <a:pPr indent="0" lvl="0" marL="0" rtl="0" algn="r">
+            <a:pPr marL="0" lvl="0" indent="0" algn="r" rtl="0">
               <a:spcBef>
                 <a:spcPts val="0"/>
               </a:spcBef>
@@ -4802,11 +4990,11 @@
 </file>
 
 <file path=ppt/slideLayouts/slideLayout4.xml><?xml version="1.0" encoding="utf-8"?>
-<p:sldLayout xmlns:a="http://schemas.openxmlformats.org/drawingml/2006/main" xmlns:r="http://schemas.openxmlformats.org/officeDocument/2006/relationships" xmlns:mc="http://schemas.openxmlformats.org/markup-compatibility/2006" xmlns:mv="urn:schemas-microsoft-com:mac:vml" xmlns:p="http://schemas.openxmlformats.org/presentationml/2006/main" xmlns:c="http://schemas.openxmlformats.org/drawingml/2006/chart" xmlns:dgm="http://schemas.openxmlformats.org/drawingml/2006/diagram" xmlns:o="urn:schemas-microsoft-com:office:office" xmlns:v="urn:schemas-microsoft-com:vml" xmlns:pvml="urn:schemas-microsoft-com:office:powerpoint" xmlns:com="http://schemas.openxmlformats.org/drawingml/2006/compatibility" xmlns:p14="http://schemas.microsoft.com/office/powerpoint/2010/main" xmlns:p15="http://schemas.microsoft.com/office/powerpoint/2012/main" xmlns:ahyp="http://schemas.microsoft.com/office/drawing/2018/hyperlinkcolor" matchingName="Title and two columns" type="twoColTx">
+<p:sldLayout xmlns:a="http://schemas.openxmlformats.org/drawingml/2006/main" xmlns:r="http://schemas.openxmlformats.org/officeDocument/2006/relationships" xmlns:p="http://schemas.openxmlformats.org/presentationml/2006/main" matchingName="Title and two columns" type="twoColTx">
   <p:cSld name="TITLE_AND_TWO_COLUMNS">
     <p:spTree>
       <p:nvGrpSpPr>
-        <p:cNvPr id="20" name="Shape 20"/>
+        <p:cNvPr id="1" name="Shape 20"/>
         <p:cNvGrpSpPr/>
         <p:nvPr/>
       </p:nvGrpSpPr>
@@ -4821,7 +5009,9 @@
       <p:sp>
         <p:nvSpPr>
           <p:cNvPr id="21" name="Google Shape;21;p5"/>
-          <p:cNvSpPr txBox="1"/>
+          <p:cNvSpPr txBox="1">
+            <a:spLocks noGrp="1"/>
+          </p:cNvSpPr>
           <p:nvPr>
             <p:ph type="title"/>
           </p:nvPr>
@@ -4836,7 +5026,7 @@
           </a:prstGeom>
         </p:spPr>
         <p:txBody>
-          <a:bodyPr anchorCtr="0" anchor="t" bIns="91425" lIns="91425" spcFirstLastPara="1" rIns="91425" wrap="square" tIns="91425">
+          <a:bodyPr spcFirstLastPara="1" wrap="square" lIns="91425" tIns="91425" rIns="91425" bIns="91425" anchor="t" anchorCtr="0">
             <a:noAutofit/>
           </a:bodyPr>
           <a:lstStyle>
@@ -4940,15 +5130,19 @@
               <a:defRPr/>
             </a:lvl9pPr>
           </a:lstStyle>
-          <a:p/>
+          <a:p>
+            <a:endParaRPr/>
+          </a:p>
         </p:txBody>
       </p:sp>
       <p:sp>
         <p:nvSpPr>
           <p:cNvPr id="22" name="Google Shape;22;p5"/>
-          <p:cNvSpPr txBox="1"/>
-          <p:nvPr>
-            <p:ph idx="1" type="body"/>
+          <p:cNvSpPr txBox="1">
+            <a:spLocks noGrp="1"/>
+          </p:cNvSpPr>
+          <p:nvPr>
+            <p:ph type="body" idx="1"/>
           </p:nvPr>
         </p:nvSpPr>
         <p:spPr>
@@ -4961,11 +5155,11 @@
           </a:prstGeom>
         </p:spPr>
         <p:txBody>
-          <a:bodyPr anchorCtr="0" anchor="t" bIns="91425" lIns="91425" spcFirstLastPara="1" rIns="91425" wrap="square" tIns="91425">
+          <a:bodyPr spcFirstLastPara="1" wrap="square" lIns="91425" tIns="91425" rIns="91425" bIns="91425" anchor="t" anchorCtr="0">
             <a:noAutofit/>
           </a:bodyPr>
           <a:lstStyle>
-            <a:lvl1pPr indent="-317500" lvl="0" marL="457200">
+            <a:lvl1pPr marL="457200" lvl="0" indent="-317500">
               <a:spcBef>
                 <a:spcPts val="0"/>
               </a:spcBef>
@@ -4976,7 +5170,7 @@
               <a:buChar char="●"/>
               <a:defRPr sz="1400"/>
             </a:lvl1pPr>
-            <a:lvl2pPr indent="-304800" lvl="1" marL="914400">
+            <a:lvl2pPr marL="914400" lvl="1" indent="-304800">
               <a:spcBef>
                 <a:spcPts val="1600"/>
               </a:spcBef>
@@ -4987,7 +5181,7 @@
               <a:buChar char="○"/>
               <a:defRPr sz="1200"/>
             </a:lvl2pPr>
-            <a:lvl3pPr indent="-304800" lvl="2" marL="1371600">
+            <a:lvl3pPr marL="1371600" lvl="2" indent="-304800">
               <a:spcBef>
                 <a:spcPts val="1600"/>
               </a:spcBef>
@@ -4998,7 +5192,7 @@
               <a:buChar char="■"/>
               <a:defRPr sz="1200"/>
             </a:lvl3pPr>
-            <a:lvl4pPr indent="-304800" lvl="3" marL="1828800">
+            <a:lvl4pPr marL="1828800" lvl="3" indent="-304800">
               <a:spcBef>
                 <a:spcPts val="1600"/>
               </a:spcBef>
@@ -5009,7 +5203,7 @@
               <a:buChar char="●"/>
               <a:defRPr sz="1200"/>
             </a:lvl4pPr>
-            <a:lvl5pPr indent="-304800" lvl="4" marL="2286000">
+            <a:lvl5pPr marL="2286000" lvl="4" indent="-304800">
               <a:spcBef>
                 <a:spcPts val="1600"/>
               </a:spcBef>
@@ -5020,7 +5214,7 @@
               <a:buChar char="○"/>
               <a:defRPr sz="1200"/>
             </a:lvl5pPr>
-            <a:lvl6pPr indent="-304800" lvl="5" marL="2743200">
+            <a:lvl6pPr marL="2743200" lvl="5" indent="-304800">
               <a:spcBef>
                 <a:spcPts val="1600"/>
               </a:spcBef>
@@ -5031,7 +5225,7 @@
               <a:buChar char="■"/>
               <a:defRPr sz="1200"/>
             </a:lvl6pPr>
-            <a:lvl7pPr indent="-304800" lvl="6" marL="3200400">
+            <a:lvl7pPr marL="3200400" lvl="6" indent="-304800">
               <a:spcBef>
                 <a:spcPts val="1600"/>
               </a:spcBef>
@@ -5042,7 +5236,7 @@
               <a:buChar char="●"/>
               <a:defRPr sz="1200"/>
             </a:lvl7pPr>
-            <a:lvl8pPr indent="-304800" lvl="7" marL="3657600">
+            <a:lvl8pPr marL="3657600" lvl="7" indent="-304800">
               <a:spcBef>
                 <a:spcPts val="1600"/>
               </a:spcBef>
@@ -5053,7 +5247,7 @@
               <a:buChar char="○"/>
               <a:defRPr sz="1200"/>
             </a:lvl8pPr>
-            <a:lvl9pPr indent="-304800" lvl="8" marL="4114800">
+            <a:lvl9pPr marL="4114800" lvl="8" indent="-304800">
               <a:spcBef>
                 <a:spcPts val="1600"/>
               </a:spcBef>
@@ -5065,15 +5259,19 @@
               <a:defRPr sz="1200"/>
             </a:lvl9pPr>
           </a:lstStyle>
-          <a:p/>
+          <a:p>
+            <a:endParaRPr/>
+          </a:p>
         </p:txBody>
       </p:sp>
       <p:sp>
         <p:nvSpPr>
           <p:cNvPr id="23" name="Google Shape;23;p5"/>
-          <p:cNvSpPr txBox="1"/>
-          <p:nvPr>
-            <p:ph idx="2" type="body"/>
+          <p:cNvSpPr txBox="1">
+            <a:spLocks noGrp="1"/>
+          </p:cNvSpPr>
+          <p:nvPr>
+            <p:ph type="body" idx="2"/>
           </p:nvPr>
         </p:nvSpPr>
         <p:spPr>
@@ -5086,11 +5284,11 @@
           </a:prstGeom>
         </p:spPr>
         <p:txBody>
-          <a:bodyPr anchorCtr="0" anchor="t" bIns="91425" lIns="91425" spcFirstLastPara="1" rIns="91425" wrap="square" tIns="91425">
+          <a:bodyPr spcFirstLastPara="1" wrap="square" lIns="91425" tIns="91425" rIns="91425" bIns="91425" anchor="t" anchorCtr="0">
             <a:noAutofit/>
           </a:bodyPr>
           <a:lstStyle>
-            <a:lvl1pPr indent="-317500" lvl="0" marL="457200">
+            <a:lvl1pPr marL="457200" lvl="0" indent="-317500">
               <a:spcBef>
                 <a:spcPts val="0"/>
               </a:spcBef>
@@ -5101,7 +5299,7 @@
               <a:buChar char="●"/>
               <a:defRPr sz="1400"/>
             </a:lvl1pPr>
-            <a:lvl2pPr indent="-304800" lvl="1" marL="914400">
+            <a:lvl2pPr marL="914400" lvl="1" indent="-304800">
               <a:spcBef>
                 <a:spcPts val="1600"/>
               </a:spcBef>
@@ -5112,7 +5310,7 @@
               <a:buChar char="○"/>
               <a:defRPr sz="1200"/>
             </a:lvl2pPr>
-            <a:lvl3pPr indent="-304800" lvl="2" marL="1371600">
+            <a:lvl3pPr marL="1371600" lvl="2" indent="-304800">
               <a:spcBef>
                 <a:spcPts val="1600"/>
               </a:spcBef>
@@ -5123,7 +5321,7 @@
               <a:buChar char="■"/>
               <a:defRPr sz="1200"/>
             </a:lvl3pPr>
-            <a:lvl4pPr indent="-304800" lvl="3" marL="1828800">
+            <a:lvl4pPr marL="1828800" lvl="3" indent="-304800">
               <a:spcBef>
                 <a:spcPts val="1600"/>
               </a:spcBef>
@@ -5134,7 +5332,7 @@
               <a:buChar char="●"/>
               <a:defRPr sz="1200"/>
             </a:lvl4pPr>
-            <a:lvl5pPr indent="-304800" lvl="4" marL="2286000">
+            <a:lvl5pPr marL="2286000" lvl="4" indent="-304800">
               <a:spcBef>
                 <a:spcPts val="1600"/>
               </a:spcBef>
@@ -5145,7 +5343,7 @@
               <a:buChar char="○"/>
               <a:defRPr sz="1200"/>
             </a:lvl5pPr>
-            <a:lvl6pPr indent="-304800" lvl="5" marL="2743200">
+            <a:lvl6pPr marL="2743200" lvl="5" indent="-304800">
               <a:spcBef>
                 <a:spcPts val="1600"/>
               </a:spcBef>
@@ -5156,7 +5354,7 @@
               <a:buChar char="■"/>
               <a:defRPr sz="1200"/>
             </a:lvl6pPr>
-            <a:lvl7pPr indent="-304800" lvl="6" marL="3200400">
+            <a:lvl7pPr marL="3200400" lvl="6" indent="-304800">
               <a:spcBef>
                 <a:spcPts val="1600"/>
               </a:spcBef>
@@ -5167,7 +5365,7 @@
               <a:buChar char="●"/>
               <a:defRPr sz="1200"/>
             </a:lvl7pPr>
-            <a:lvl8pPr indent="-304800" lvl="7" marL="3657600">
+            <a:lvl8pPr marL="3657600" lvl="7" indent="-304800">
               <a:spcBef>
                 <a:spcPts val="1600"/>
               </a:spcBef>
@@ -5178,7 +5376,7 @@
               <a:buChar char="○"/>
               <a:defRPr sz="1200"/>
             </a:lvl8pPr>
-            <a:lvl9pPr indent="-304800" lvl="8" marL="4114800">
+            <a:lvl9pPr marL="4114800" lvl="8" indent="-304800">
               <a:spcBef>
                 <a:spcPts val="1600"/>
               </a:spcBef>
@@ -5190,15 +5388,19 @@
               <a:defRPr sz="1200"/>
             </a:lvl9pPr>
           </a:lstStyle>
-          <a:p/>
+          <a:p>
+            <a:endParaRPr/>
+          </a:p>
         </p:txBody>
       </p:sp>
       <p:sp>
         <p:nvSpPr>
           <p:cNvPr id="24" name="Google Shape;24;p5"/>
-          <p:cNvSpPr txBox="1"/>
-          <p:nvPr>
-            <p:ph idx="12" type="sldNum"/>
+          <p:cNvSpPr txBox="1">
+            <a:spLocks noGrp="1"/>
+          </p:cNvSpPr>
+          <p:nvPr>
+            <p:ph type="sldNum" idx="12"/>
           </p:nvPr>
         </p:nvSpPr>
         <p:spPr>
@@ -5211,7 +5413,7 @@
           </a:prstGeom>
         </p:spPr>
         <p:txBody>
-          <a:bodyPr anchorCtr="0" anchor="ctr" bIns="91425" lIns="91425" spcFirstLastPara="1" rIns="91425" wrap="square" tIns="91425">
+          <a:bodyPr spcFirstLastPara="1" wrap="square" lIns="91425" tIns="91425" rIns="91425" bIns="91425" anchor="ctr" anchorCtr="0">
             <a:noAutofit/>
           </a:bodyPr>
           <a:lstStyle>
@@ -5253,7 +5455,7 @@
             </a:lvl9pPr>
           </a:lstStyle>
           <a:p>
-            <a:pPr indent="0" lvl="0" marL="0" rtl="0" algn="r">
+            <a:pPr marL="0" lvl="0" indent="0" algn="r" rtl="0">
               <a:spcBef>
                 <a:spcPts val="0"/>
               </a:spcBef>
@@ -5279,11 +5481,11 @@
 </file>
 
 <file path=ppt/slideLayouts/slideLayout5.xml><?xml version="1.0" encoding="utf-8"?>
-<p:sldLayout xmlns:a="http://schemas.openxmlformats.org/drawingml/2006/main" xmlns:r="http://schemas.openxmlformats.org/officeDocument/2006/relationships" xmlns:mc="http://schemas.openxmlformats.org/markup-compatibility/2006" xmlns:mv="urn:schemas-microsoft-com:mac:vml" xmlns:p="http://schemas.openxmlformats.org/presentationml/2006/main" xmlns:c="http://schemas.openxmlformats.org/drawingml/2006/chart" xmlns:dgm="http://schemas.openxmlformats.org/drawingml/2006/diagram" xmlns:o="urn:schemas-microsoft-com:office:office" xmlns:v="urn:schemas-microsoft-com:vml" xmlns:pvml="urn:schemas-microsoft-com:office:powerpoint" xmlns:com="http://schemas.openxmlformats.org/drawingml/2006/compatibility" xmlns:p14="http://schemas.microsoft.com/office/powerpoint/2010/main" xmlns:p15="http://schemas.microsoft.com/office/powerpoint/2012/main" xmlns:ahyp="http://schemas.microsoft.com/office/drawing/2018/hyperlinkcolor" matchingName="Title only" type="titleOnly">
+<p:sldLayout xmlns:a="http://schemas.openxmlformats.org/drawingml/2006/main" xmlns:r="http://schemas.openxmlformats.org/officeDocument/2006/relationships" xmlns:p="http://schemas.openxmlformats.org/presentationml/2006/main" matchingName="Title only" type="titleOnly">
   <p:cSld name="TITLE_ONLY">
     <p:spTree>
       <p:nvGrpSpPr>
-        <p:cNvPr id="25" name="Shape 25"/>
+        <p:cNvPr id="1" name="Shape 25"/>
         <p:cNvGrpSpPr/>
         <p:nvPr/>
       </p:nvGrpSpPr>
@@ -5298,7 +5500,9 @@
       <p:sp>
         <p:nvSpPr>
           <p:cNvPr id="26" name="Google Shape;26;p6"/>
-          <p:cNvSpPr txBox="1"/>
+          <p:cNvSpPr txBox="1">
+            <a:spLocks noGrp="1"/>
+          </p:cNvSpPr>
           <p:nvPr>
             <p:ph type="title"/>
           </p:nvPr>
@@ -5313,7 +5517,7 @@
           </a:prstGeom>
         </p:spPr>
         <p:txBody>
-          <a:bodyPr anchorCtr="0" anchor="t" bIns="91425" lIns="91425" spcFirstLastPara="1" rIns="91425" wrap="square" tIns="91425">
+          <a:bodyPr spcFirstLastPara="1" wrap="square" lIns="91425" tIns="91425" rIns="91425" bIns="91425" anchor="t" anchorCtr="0">
             <a:noAutofit/>
           </a:bodyPr>
           <a:lstStyle>
@@ -5417,15 +5621,19 @@
               <a:defRPr/>
             </a:lvl9pPr>
           </a:lstStyle>
-          <a:p/>
+          <a:p>
+            <a:endParaRPr/>
+          </a:p>
         </p:txBody>
       </p:sp>
       <p:sp>
         <p:nvSpPr>
           <p:cNvPr id="27" name="Google Shape;27;p6"/>
-          <p:cNvSpPr txBox="1"/>
-          <p:nvPr>
-            <p:ph idx="12" type="sldNum"/>
+          <p:cNvSpPr txBox="1">
+            <a:spLocks noGrp="1"/>
+          </p:cNvSpPr>
+          <p:nvPr>
+            <p:ph type="sldNum" idx="12"/>
           </p:nvPr>
         </p:nvSpPr>
         <p:spPr>
@@ -5438,7 +5646,7 @@
           </a:prstGeom>
         </p:spPr>
         <p:txBody>
-          <a:bodyPr anchorCtr="0" anchor="ctr" bIns="91425" lIns="91425" spcFirstLastPara="1" rIns="91425" wrap="square" tIns="91425">
+          <a:bodyPr spcFirstLastPara="1" wrap="square" lIns="91425" tIns="91425" rIns="91425" bIns="91425" anchor="ctr" anchorCtr="0">
             <a:noAutofit/>
           </a:bodyPr>
           <a:lstStyle>
@@ -5480,7 +5688,7 @@
             </a:lvl9pPr>
           </a:lstStyle>
           <a:p>
-            <a:pPr indent="0" lvl="0" marL="0" rtl="0" algn="r">
+            <a:pPr marL="0" lvl="0" indent="0" algn="r" rtl="0">
               <a:spcBef>
                 <a:spcPts val="0"/>
               </a:spcBef>
@@ -5506,11 +5714,11 @@
 </file>
 
 <file path=ppt/slideLayouts/slideLayout6.xml><?xml version="1.0" encoding="utf-8"?>
-<p:sldLayout xmlns:a="http://schemas.openxmlformats.org/drawingml/2006/main" xmlns:r="http://schemas.openxmlformats.org/officeDocument/2006/relationships" xmlns:mc="http://schemas.openxmlformats.org/markup-compatibility/2006" xmlns:mv="urn:schemas-microsoft-com:mac:vml" xmlns:p="http://schemas.openxmlformats.org/presentationml/2006/main" xmlns:c="http://schemas.openxmlformats.org/drawingml/2006/chart" xmlns:dgm="http://schemas.openxmlformats.org/drawingml/2006/diagram" xmlns:o="urn:schemas-microsoft-com:office:office" xmlns:v="urn:schemas-microsoft-com:vml" xmlns:pvml="urn:schemas-microsoft-com:office:powerpoint" xmlns:com="http://schemas.openxmlformats.org/drawingml/2006/compatibility" xmlns:p14="http://schemas.microsoft.com/office/powerpoint/2010/main" xmlns:p15="http://schemas.microsoft.com/office/powerpoint/2012/main" xmlns:ahyp="http://schemas.microsoft.com/office/drawing/2018/hyperlinkcolor" matchingName="One column text">
+<p:sldLayout xmlns:a="http://schemas.openxmlformats.org/drawingml/2006/main" xmlns:r="http://schemas.openxmlformats.org/officeDocument/2006/relationships" xmlns:p="http://schemas.openxmlformats.org/presentationml/2006/main" matchingName="One column text">
   <p:cSld name="ONE_COLUMN_TEXT">
     <p:spTree>
       <p:nvGrpSpPr>
-        <p:cNvPr id="28" name="Shape 28"/>
+        <p:cNvPr id="1" name="Shape 28"/>
         <p:cNvGrpSpPr/>
         <p:nvPr/>
       </p:nvGrpSpPr>
@@ -5525,7 +5733,9 @@
       <p:sp>
         <p:nvSpPr>
           <p:cNvPr id="29" name="Google Shape;29;p7"/>
-          <p:cNvSpPr txBox="1"/>
+          <p:cNvSpPr txBox="1">
+            <a:spLocks noGrp="1"/>
+          </p:cNvSpPr>
           <p:nvPr>
             <p:ph type="title"/>
           </p:nvPr>
@@ -5540,7 +5750,7 @@
           </a:prstGeom>
         </p:spPr>
         <p:txBody>
-          <a:bodyPr anchorCtr="0" anchor="b" bIns="91425" lIns="91425" spcFirstLastPara="1" rIns="91425" wrap="square" tIns="91425">
+          <a:bodyPr spcFirstLastPara="1" wrap="square" lIns="91425" tIns="91425" rIns="91425" bIns="91425" anchor="b" anchorCtr="0">
             <a:noAutofit/>
           </a:bodyPr>
           <a:lstStyle>
@@ -5644,15 +5854,19 @@
               <a:defRPr sz="2400"/>
             </a:lvl9pPr>
           </a:lstStyle>
-          <a:p/>
+          <a:p>
+            <a:endParaRPr/>
+          </a:p>
         </p:txBody>
       </p:sp>
       <p:sp>
         <p:nvSpPr>
           <p:cNvPr id="30" name="Google Shape;30;p7"/>
-          <p:cNvSpPr txBox="1"/>
-          <p:nvPr>
-            <p:ph idx="1" type="body"/>
+          <p:cNvSpPr txBox="1">
+            <a:spLocks noGrp="1"/>
+          </p:cNvSpPr>
+          <p:nvPr>
+            <p:ph type="body" idx="1"/>
           </p:nvPr>
         </p:nvSpPr>
         <p:spPr>
@@ -5665,11 +5879,11 @@
           </a:prstGeom>
         </p:spPr>
         <p:txBody>
-          <a:bodyPr anchorCtr="0" anchor="t" bIns="91425" lIns="91425" spcFirstLastPara="1" rIns="91425" wrap="square" tIns="91425">
+          <a:bodyPr spcFirstLastPara="1" wrap="square" lIns="91425" tIns="91425" rIns="91425" bIns="91425" anchor="t" anchorCtr="0">
             <a:noAutofit/>
           </a:bodyPr>
           <a:lstStyle>
-            <a:lvl1pPr indent="-304800" lvl="0" marL="457200">
+            <a:lvl1pPr marL="457200" lvl="0" indent="-304800">
               <a:spcBef>
                 <a:spcPts val="0"/>
               </a:spcBef>
@@ -5680,7 +5894,7 @@
               <a:buChar char="●"/>
               <a:defRPr sz="1200"/>
             </a:lvl1pPr>
-            <a:lvl2pPr indent="-304800" lvl="1" marL="914400">
+            <a:lvl2pPr marL="914400" lvl="1" indent="-304800">
               <a:spcBef>
                 <a:spcPts val="1600"/>
               </a:spcBef>
@@ -5691,7 +5905,7 @@
               <a:buChar char="○"/>
               <a:defRPr sz="1200"/>
             </a:lvl2pPr>
-            <a:lvl3pPr indent="-304800" lvl="2" marL="1371600">
+            <a:lvl3pPr marL="1371600" lvl="2" indent="-304800">
               <a:spcBef>
                 <a:spcPts val="1600"/>
               </a:spcBef>
@@ -5702,7 +5916,7 @@
               <a:buChar char="■"/>
               <a:defRPr sz="1200"/>
             </a:lvl3pPr>
-            <a:lvl4pPr indent="-304800" lvl="3" marL="1828800">
+            <a:lvl4pPr marL="1828800" lvl="3" indent="-304800">
               <a:spcBef>
                 <a:spcPts val="1600"/>
               </a:spcBef>
@@ -5713,7 +5927,7 @@
               <a:buChar char="●"/>
               <a:defRPr sz="1200"/>
             </a:lvl4pPr>
-            <a:lvl5pPr indent="-304800" lvl="4" marL="2286000">
+            <a:lvl5pPr marL="2286000" lvl="4" indent="-304800">
               <a:spcBef>
                 <a:spcPts val="1600"/>
               </a:spcBef>
@@ -5724,7 +5938,7 @@
               <a:buChar char="○"/>
               <a:defRPr sz="1200"/>
             </a:lvl5pPr>
-            <a:lvl6pPr indent="-304800" lvl="5" marL="2743200">
+            <a:lvl6pPr marL="2743200" lvl="5" indent="-304800">
               <a:spcBef>
                 <a:spcPts val="1600"/>
               </a:spcBef>
@@ -5735,7 +5949,7 @@
               <a:buChar char="■"/>
               <a:defRPr sz="1200"/>
             </a:lvl6pPr>
-            <a:lvl7pPr indent="-304800" lvl="6" marL="3200400">
+            <a:lvl7pPr marL="3200400" lvl="6" indent="-304800">
               <a:spcBef>
                 <a:spcPts val="1600"/>
               </a:spcBef>
@@ -5746,7 +5960,7 @@
               <a:buChar char="●"/>
               <a:defRPr sz="1200"/>
             </a:lvl7pPr>
-            <a:lvl8pPr indent="-304800" lvl="7" marL="3657600">
+            <a:lvl8pPr marL="3657600" lvl="7" indent="-304800">
               <a:spcBef>
                 <a:spcPts val="1600"/>
               </a:spcBef>
@@ -5757,7 +5971,7 @@
               <a:buChar char="○"/>
               <a:defRPr sz="1200"/>
             </a:lvl8pPr>
-            <a:lvl9pPr indent="-304800" lvl="8" marL="4114800">
+            <a:lvl9pPr marL="4114800" lvl="8" indent="-304800">
               <a:spcBef>
                 <a:spcPts val="1600"/>
               </a:spcBef>
@@ -5769,15 +5983,19 @@
               <a:defRPr sz="1200"/>
             </a:lvl9pPr>
           </a:lstStyle>
-          <a:p/>
+          <a:p>
+            <a:endParaRPr/>
+          </a:p>
         </p:txBody>
       </p:sp>
       <p:sp>
         <p:nvSpPr>
           <p:cNvPr id="31" name="Google Shape;31;p7"/>
-          <p:cNvSpPr txBox="1"/>
-          <p:nvPr>
-            <p:ph idx="12" type="sldNum"/>
+          <p:cNvSpPr txBox="1">
+            <a:spLocks noGrp="1"/>
+          </p:cNvSpPr>
+          <p:nvPr>
+            <p:ph type="sldNum" idx="12"/>
           </p:nvPr>
         </p:nvSpPr>
         <p:spPr>
@@ -5790,7 +6008,7 @@
           </a:prstGeom>
         </p:spPr>
         <p:txBody>
-          <a:bodyPr anchorCtr="0" anchor="ctr" bIns="91425" lIns="91425" spcFirstLastPara="1" rIns="91425" wrap="square" tIns="91425">
+          <a:bodyPr spcFirstLastPara="1" wrap="square" lIns="91425" tIns="91425" rIns="91425" bIns="91425" anchor="ctr" anchorCtr="0">
             <a:noAutofit/>
           </a:bodyPr>
           <a:lstStyle>
@@ -5832,7 +6050,7 @@
             </a:lvl9pPr>
           </a:lstStyle>
           <a:p>
-            <a:pPr indent="0" lvl="0" marL="0" rtl="0" algn="r">
+            <a:pPr marL="0" lvl="0" indent="0" algn="r" rtl="0">
               <a:spcBef>
                 <a:spcPts val="0"/>
               </a:spcBef>
@@ -5858,11 +6076,11 @@
 </file>
 
 <file path=ppt/slideLayouts/slideLayout7.xml><?xml version="1.0" encoding="utf-8"?>
-<p:sldLayout xmlns:a="http://schemas.openxmlformats.org/drawingml/2006/main" xmlns:r="http://schemas.openxmlformats.org/officeDocument/2006/relationships" xmlns:mc="http://schemas.openxmlformats.org/markup-compatibility/2006" xmlns:mv="urn:schemas-microsoft-com:mac:vml" xmlns:p="http://schemas.openxmlformats.org/presentationml/2006/main" xmlns:c="http://schemas.openxmlformats.org/drawingml/2006/chart" xmlns:dgm="http://schemas.openxmlformats.org/drawingml/2006/diagram" xmlns:o="urn:schemas-microsoft-com:office:office" xmlns:v="urn:schemas-microsoft-com:vml" xmlns:pvml="urn:schemas-microsoft-com:office:powerpoint" xmlns:com="http://schemas.openxmlformats.org/drawingml/2006/compatibility" xmlns:p14="http://schemas.microsoft.com/office/powerpoint/2010/main" xmlns:p15="http://schemas.microsoft.com/office/powerpoint/2012/main" xmlns:ahyp="http://schemas.microsoft.com/office/drawing/2018/hyperlinkcolor" matchingName="Main point">
+<p:sldLayout xmlns:a="http://schemas.openxmlformats.org/drawingml/2006/main" xmlns:r="http://schemas.openxmlformats.org/officeDocument/2006/relationships" xmlns:p="http://schemas.openxmlformats.org/presentationml/2006/main" matchingName="Main point">
   <p:cSld name="MAIN_POINT">
     <p:spTree>
       <p:nvGrpSpPr>
-        <p:cNvPr id="32" name="Shape 32"/>
+        <p:cNvPr id="1" name="Shape 32"/>
         <p:cNvGrpSpPr/>
         <p:nvPr/>
       </p:nvGrpSpPr>
@@ -5877,7 +6095,9 @@
       <p:sp>
         <p:nvSpPr>
           <p:cNvPr id="33" name="Google Shape;33;p8"/>
-          <p:cNvSpPr txBox="1"/>
+          <p:cNvSpPr txBox="1">
+            <a:spLocks noGrp="1"/>
+          </p:cNvSpPr>
           <p:nvPr>
             <p:ph type="title"/>
           </p:nvPr>
@@ -5892,7 +6112,7 @@
           </a:prstGeom>
         </p:spPr>
         <p:txBody>
-          <a:bodyPr anchorCtr="0" anchor="ctr" bIns="91425" lIns="91425" spcFirstLastPara="1" rIns="91425" wrap="square" tIns="91425">
+          <a:bodyPr spcFirstLastPara="1" wrap="square" lIns="91425" tIns="91425" rIns="91425" bIns="91425" anchor="ctr" anchorCtr="0">
             <a:noAutofit/>
           </a:bodyPr>
           <a:lstStyle>
@@ -5996,15 +6216,19 @@
               <a:defRPr sz="4800"/>
             </a:lvl9pPr>
           </a:lstStyle>
-          <a:p/>
+          <a:p>
+            <a:endParaRPr/>
+          </a:p>
         </p:txBody>
       </p:sp>
       <p:sp>
         <p:nvSpPr>
           <p:cNvPr id="34" name="Google Shape;34;p8"/>
-          <p:cNvSpPr txBox="1"/>
-          <p:nvPr>
-            <p:ph idx="12" type="sldNum"/>
+          <p:cNvSpPr txBox="1">
+            <a:spLocks noGrp="1"/>
+          </p:cNvSpPr>
+          <p:nvPr>
+            <p:ph type="sldNum" idx="12"/>
           </p:nvPr>
         </p:nvSpPr>
         <p:spPr>
@@ -6017,7 +6241,7 @@
           </a:prstGeom>
         </p:spPr>
         <p:txBody>
-          <a:bodyPr anchorCtr="0" anchor="ctr" bIns="91425" lIns="91425" spcFirstLastPara="1" rIns="91425" wrap="square" tIns="91425">
+          <a:bodyPr spcFirstLastPara="1" wrap="square" lIns="91425" tIns="91425" rIns="91425" bIns="91425" anchor="ctr" anchorCtr="0">
             <a:noAutofit/>
           </a:bodyPr>
           <a:lstStyle>
@@ -6059,7 +6283,7 @@
             </a:lvl9pPr>
           </a:lstStyle>
           <a:p>
-            <a:pPr indent="0" lvl="0" marL="0" rtl="0" algn="r">
+            <a:pPr marL="0" lvl="0" indent="0" algn="r" rtl="0">
               <a:spcBef>
                 <a:spcPts val="0"/>
               </a:spcBef>
@@ -6085,11 +6309,11 @@
 </file>
 
 <file path=ppt/slideLayouts/slideLayout8.xml><?xml version="1.0" encoding="utf-8"?>
-<p:sldLayout xmlns:a="http://schemas.openxmlformats.org/drawingml/2006/main" xmlns:r="http://schemas.openxmlformats.org/officeDocument/2006/relationships" xmlns:mc="http://schemas.openxmlformats.org/markup-compatibility/2006" xmlns:mv="urn:schemas-microsoft-com:mac:vml" xmlns:p="http://schemas.openxmlformats.org/presentationml/2006/main" xmlns:c="http://schemas.openxmlformats.org/drawingml/2006/chart" xmlns:dgm="http://schemas.openxmlformats.org/drawingml/2006/diagram" xmlns:o="urn:schemas-microsoft-com:office:office" xmlns:v="urn:schemas-microsoft-com:vml" xmlns:pvml="urn:schemas-microsoft-com:office:powerpoint" xmlns:com="http://schemas.openxmlformats.org/drawingml/2006/compatibility" xmlns:p14="http://schemas.microsoft.com/office/powerpoint/2010/main" xmlns:p15="http://schemas.microsoft.com/office/powerpoint/2012/main" xmlns:ahyp="http://schemas.microsoft.com/office/drawing/2018/hyperlinkcolor" matchingName="Section title and description">
+<p:sldLayout xmlns:a="http://schemas.openxmlformats.org/drawingml/2006/main" xmlns:r="http://schemas.openxmlformats.org/officeDocument/2006/relationships" xmlns:p="http://schemas.openxmlformats.org/presentationml/2006/main" matchingName="Section title and description">
   <p:cSld name="SECTION_TITLE_AND_DESCRIPTION">
     <p:spTree>
       <p:nvGrpSpPr>
-        <p:cNvPr id="35" name="Shape 35"/>
+        <p:cNvPr id="1" name="Shape 35"/>
         <p:cNvGrpSpPr/>
         <p:nvPr/>
       </p:nvGrpSpPr>
@@ -6123,12 +6347,12 @@
           </a:ln>
         </p:spPr>
         <p:txBody>
-          <a:bodyPr anchorCtr="0" anchor="ctr" bIns="91425" lIns="91425" spcFirstLastPara="1" rIns="91425" wrap="square" tIns="91425">
+          <a:bodyPr spcFirstLastPara="1" wrap="square" lIns="91425" tIns="91425" rIns="91425" bIns="91425" anchor="ctr" anchorCtr="0">
             <a:noAutofit/>
           </a:bodyPr>
           <a:lstStyle/>
           <a:p>
-            <a:pPr indent="0" lvl="0" marL="0" rtl="0" algn="l">
+            <a:pPr marL="0" lvl="0" indent="0" algn="l" rtl="0">
               <a:spcBef>
                 <a:spcPts val="0"/>
               </a:spcBef>
@@ -6137,9 +6361,6 @@
               </a:spcAft>
               <a:buNone/>
             </a:pPr>
-            <a:r>
-              <a:t/>
-            </a:r>
             <a:endParaRPr/>
           </a:p>
         </p:txBody>
@@ -6147,7 +6368,9 @@
       <p:sp>
         <p:nvSpPr>
           <p:cNvPr id="37" name="Google Shape;37;p9"/>
-          <p:cNvSpPr txBox="1"/>
+          <p:cNvSpPr txBox="1">
+            <a:spLocks noGrp="1"/>
+          </p:cNvSpPr>
           <p:nvPr>
             <p:ph type="title"/>
           </p:nvPr>
@@ -6162,7 +6385,7 @@
           </a:prstGeom>
         </p:spPr>
         <p:txBody>
-          <a:bodyPr anchorCtr="0" anchor="b" bIns="91425" lIns="91425" spcFirstLastPara="1" rIns="91425" wrap="square" tIns="91425">
+          <a:bodyPr spcFirstLastPara="1" wrap="square" lIns="91425" tIns="91425" rIns="91425" bIns="91425" anchor="b" anchorCtr="0">
             <a:noAutofit/>
           </a:bodyPr>
           <a:lstStyle>
@@ -6266,15 +6489,19 @@
               <a:defRPr sz="4200"/>
             </a:lvl9pPr>
           </a:lstStyle>
-          <a:p/>
+          <a:p>
+            <a:endParaRPr/>
+          </a:p>
         </p:txBody>
       </p:sp>
       <p:sp>
         <p:nvSpPr>
           <p:cNvPr id="38" name="Google Shape;38;p9"/>
-          <p:cNvSpPr txBox="1"/>
-          <p:nvPr>
-            <p:ph idx="1" type="subTitle"/>
+          <p:cNvSpPr txBox="1">
+            <a:spLocks noGrp="1"/>
+          </p:cNvSpPr>
+          <p:nvPr>
+            <p:ph type="subTitle" idx="1"/>
           </p:nvPr>
         </p:nvSpPr>
         <p:spPr>
@@ -6287,7 +6514,7 @@
           </a:prstGeom>
         </p:spPr>
         <p:txBody>
-          <a:bodyPr anchorCtr="0" anchor="t" bIns="91425" lIns="91425" spcFirstLastPara="1" rIns="91425" wrap="square" tIns="91425">
+          <a:bodyPr spcFirstLastPara="1" wrap="square" lIns="91425" tIns="91425" rIns="91425" bIns="91425" anchor="t" anchorCtr="0">
             <a:noAutofit/>
           </a:bodyPr>
           <a:lstStyle>
@@ -6418,15 +6645,19 @@
               <a:defRPr sz="2100"/>
             </a:lvl9pPr>
           </a:lstStyle>
-          <a:p/>
+          <a:p>
+            <a:endParaRPr/>
+          </a:p>
         </p:txBody>
       </p:sp>
       <p:sp>
         <p:nvSpPr>
           <p:cNvPr id="39" name="Google Shape;39;p9"/>
-          <p:cNvSpPr txBox="1"/>
-          <p:nvPr>
-            <p:ph idx="2" type="body"/>
+          <p:cNvSpPr txBox="1">
+            <a:spLocks noGrp="1"/>
+          </p:cNvSpPr>
+          <p:nvPr>
+            <p:ph type="body" idx="2"/>
           </p:nvPr>
         </p:nvSpPr>
         <p:spPr>
@@ -6439,11 +6670,11 @@
           </a:prstGeom>
         </p:spPr>
         <p:txBody>
-          <a:bodyPr anchorCtr="0" anchor="ctr" bIns="91425" lIns="91425" spcFirstLastPara="1" rIns="91425" wrap="square" tIns="91425">
+          <a:bodyPr spcFirstLastPara="1" wrap="square" lIns="91425" tIns="91425" rIns="91425" bIns="91425" anchor="ctr" anchorCtr="0">
             <a:noAutofit/>
           </a:bodyPr>
           <a:lstStyle>
-            <a:lvl1pPr indent="-342900" lvl="0" marL="457200">
+            <a:lvl1pPr marL="457200" lvl="0" indent="-342900">
               <a:spcBef>
                 <a:spcPts val="0"/>
               </a:spcBef>
@@ -6454,7 +6685,7 @@
               <a:buChar char="●"/>
               <a:defRPr/>
             </a:lvl1pPr>
-            <a:lvl2pPr indent="-317500" lvl="1" marL="914400">
+            <a:lvl2pPr marL="914400" lvl="1" indent="-317500">
               <a:spcBef>
                 <a:spcPts val="1600"/>
               </a:spcBef>
@@ -6465,7 +6696,7 @@
               <a:buChar char="○"/>
               <a:defRPr/>
             </a:lvl2pPr>
-            <a:lvl3pPr indent="-317500" lvl="2" marL="1371600">
+            <a:lvl3pPr marL="1371600" lvl="2" indent="-317500">
               <a:spcBef>
                 <a:spcPts val="1600"/>
               </a:spcBef>
@@ -6476,7 +6707,7 @@
               <a:buChar char="■"/>
               <a:defRPr/>
             </a:lvl3pPr>
-            <a:lvl4pPr indent="-317500" lvl="3" marL="1828800">
+            <a:lvl4pPr marL="1828800" lvl="3" indent="-317500">
               <a:spcBef>
                 <a:spcPts val="1600"/>
               </a:spcBef>
@@ -6487,7 +6718,7 @@
               <a:buChar char="●"/>
               <a:defRPr/>
             </a:lvl4pPr>
-            <a:lvl5pPr indent="-317500" lvl="4" marL="2286000">
+            <a:lvl5pPr marL="2286000" lvl="4" indent="-317500">
               <a:spcBef>
                 <a:spcPts val="1600"/>
               </a:spcBef>
@@ -6498,7 +6729,7 @@
               <a:buChar char="○"/>
               <a:defRPr/>
             </a:lvl5pPr>
-            <a:lvl6pPr indent="-317500" lvl="5" marL="2743200">
+            <a:lvl6pPr marL="2743200" lvl="5" indent="-317500">
               <a:spcBef>
                 <a:spcPts val="1600"/>
               </a:spcBef>
@@ -6509,7 +6740,7 @@
               <a:buChar char="■"/>
               <a:defRPr/>
             </a:lvl6pPr>
-            <a:lvl7pPr indent="-317500" lvl="6" marL="3200400">
+            <a:lvl7pPr marL="3200400" lvl="6" indent="-317500">
               <a:spcBef>
                 <a:spcPts val="1600"/>
               </a:spcBef>
@@ -6520,7 +6751,7 @@
               <a:buChar char="●"/>
               <a:defRPr/>
             </a:lvl7pPr>
-            <a:lvl8pPr indent="-317500" lvl="7" marL="3657600">
+            <a:lvl8pPr marL="3657600" lvl="7" indent="-317500">
               <a:spcBef>
                 <a:spcPts val="1600"/>
               </a:spcBef>
@@ -6531,7 +6762,7 @@
               <a:buChar char="○"/>
               <a:defRPr/>
             </a:lvl8pPr>
-            <a:lvl9pPr indent="-317500" lvl="8" marL="4114800">
+            <a:lvl9pPr marL="4114800" lvl="8" indent="-317500">
               <a:spcBef>
                 <a:spcPts val="1600"/>
               </a:spcBef>
@@ -6543,15 +6774,19 @@
               <a:defRPr/>
             </a:lvl9pPr>
           </a:lstStyle>
-          <a:p/>
+          <a:p>
+            <a:endParaRPr/>
+          </a:p>
         </p:txBody>
       </p:sp>
       <p:sp>
         <p:nvSpPr>
           <p:cNvPr id="40" name="Google Shape;40;p9"/>
-          <p:cNvSpPr txBox="1"/>
-          <p:nvPr>
-            <p:ph idx="12" type="sldNum"/>
+          <p:cNvSpPr txBox="1">
+            <a:spLocks noGrp="1"/>
+          </p:cNvSpPr>
+          <p:nvPr>
+            <p:ph type="sldNum" idx="12"/>
           </p:nvPr>
         </p:nvSpPr>
         <p:spPr>
@@ -6564,7 +6799,7 @@
           </a:prstGeom>
         </p:spPr>
         <p:txBody>
-          <a:bodyPr anchorCtr="0" anchor="ctr" bIns="91425" lIns="91425" spcFirstLastPara="1" rIns="91425" wrap="square" tIns="91425">
+          <a:bodyPr spcFirstLastPara="1" wrap="square" lIns="91425" tIns="91425" rIns="91425" bIns="91425" anchor="ctr" anchorCtr="0">
             <a:noAutofit/>
           </a:bodyPr>
           <a:lstStyle>
@@ -6606,7 +6841,7 @@
             </a:lvl9pPr>
           </a:lstStyle>
           <a:p>
-            <a:pPr indent="0" lvl="0" marL="0" rtl="0" algn="r">
+            <a:pPr marL="0" lvl="0" indent="0" algn="r" rtl="0">
               <a:spcBef>
                 <a:spcPts val="0"/>
               </a:spcBef>
@@ -6632,11 +6867,11 @@
 </file>
 
 <file path=ppt/slideLayouts/slideLayout9.xml><?xml version="1.0" encoding="utf-8"?>
-<p:sldLayout xmlns:a="http://schemas.openxmlformats.org/drawingml/2006/main" xmlns:r="http://schemas.openxmlformats.org/officeDocument/2006/relationships" xmlns:mc="http://schemas.openxmlformats.org/markup-compatibility/2006" xmlns:mv="urn:schemas-microsoft-com:mac:vml" xmlns:p="http://schemas.openxmlformats.org/presentationml/2006/main" xmlns:c="http://schemas.openxmlformats.org/drawingml/2006/chart" xmlns:dgm="http://schemas.openxmlformats.org/drawingml/2006/diagram" xmlns:o="urn:schemas-microsoft-com:office:office" xmlns:v="urn:schemas-microsoft-com:vml" xmlns:pvml="urn:schemas-microsoft-com:office:powerpoint" xmlns:com="http://schemas.openxmlformats.org/drawingml/2006/compatibility" xmlns:p14="http://schemas.microsoft.com/office/powerpoint/2010/main" xmlns:p15="http://schemas.microsoft.com/office/powerpoint/2012/main" xmlns:ahyp="http://schemas.microsoft.com/office/drawing/2018/hyperlinkcolor" matchingName="Caption">
+<p:sldLayout xmlns:a="http://schemas.openxmlformats.org/drawingml/2006/main" xmlns:r="http://schemas.openxmlformats.org/officeDocument/2006/relationships" xmlns:p="http://schemas.openxmlformats.org/presentationml/2006/main" matchingName="Caption">
   <p:cSld name="CAPTION_ONLY">
     <p:spTree>
       <p:nvGrpSpPr>
-        <p:cNvPr id="41" name="Shape 41"/>
+        <p:cNvPr id="1" name="Shape 41"/>
         <p:cNvGrpSpPr/>
         <p:nvPr/>
       </p:nvGrpSpPr>
@@ -6651,9 +6886,11 @@
       <p:sp>
         <p:nvSpPr>
           <p:cNvPr id="42" name="Google Shape;42;p10"/>
-          <p:cNvSpPr txBox="1"/>
-          <p:nvPr>
-            <p:ph idx="1" type="body"/>
+          <p:cNvSpPr txBox="1">
+            <a:spLocks noGrp="1"/>
+          </p:cNvSpPr>
+          <p:nvPr>
+            <p:ph type="body" idx="1"/>
           </p:nvPr>
         </p:nvSpPr>
         <p:spPr>
@@ -6666,11 +6903,11 @@
           </a:prstGeom>
         </p:spPr>
         <p:txBody>
-          <a:bodyPr anchorCtr="0" anchor="ctr" bIns="91425" lIns="91425" spcFirstLastPara="1" rIns="91425" wrap="square" tIns="91425">
+          <a:bodyPr spcFirstLastPara="1" wrap="square" lIns="91425" tIns="91425" rIns="91425" bIns="91425" anchor="ctr" anchorCtr="0">
             <a:noAutofit/>
           </a:bodyPr>
           <a:lstStyle>
-            <a:lvl1pPr indent="-228600" lvl="0" marL="457200">
+            <a:lvl1pPr marL="457200" lvl="0" indent="-228600">
               <a:lnSpc>
                 <a:spcPct val="100000"/>
               </a:lnSpc>
@@ -6685,15 +6922,19 @@
               <a:defRPr/>
             </a:lvl1pPr>
           </a:lstStyle>
-          <a:p/>
+          <a:p>
+            <a:endParaRPr/>
+          </a:p>
         </p:txBody>
       </p:sp>
       <p:sp>
         <p:nvSpPr>
           <p:cNvPr id="43" name="Google Shape;43;p10"/>
-          <p:cNvSpPr txBox="1"/>
-          <p:nvPr>
-            <p:ph idx="12" type="sldNum"/>
+          <p:cNvSpPr txBox="1">
+            <a:spLocks noGrp="1"/>
+          </p:cNvSpPr>
+          <p:nvPr>
+            <p:ph type="sldNum" idx="12"/>
           </p:nvPr>
         </p:nvSpPr>
         <p:spPr>
@@ -6706,7 +6947,7 @@
           </a:prstGeom>
         </p:spPr>
         <p:txBody>
-          <a:bodyPr anchorCtr="0" anchor="ctr" bIns="91425" lIns="91425" spcFirstLastPara="1" rIns="91425" wrap="square" tIns="91425">
+          <a:bodyPr spcFirstLastPara="1" wrap="square" lIns="91425" tIns="91425" rIns="91425" bIns="91425" anchor="ctr" anchorCtr="0">
             <a:noAutofit/>
           </a:bodyPr>
           <a:lstStyle>
@@ -6748,7 +6989,7 @@
             </a:lvl9pPr>
           </a:lstStyle>
           <a:p>
-            <a:pPr indent="0" lvl="0" marL="0" rtl="0" algn="r">
+            <a:pPr marL="0" lvl="0" indent="0" algn="r" rtl="0">
               <a:spcBef>
                 <a:spcPts val="0"/>
               </a:spcBef>
@@ -6774,18 +7015,19 @@
 </file>
 
 <file path=ppt/slideMasters/slideMaster1.xml><?xml version="1.0" encoding="utf-8"?>
-<p:sldMaster xmlns:a="http://schemas.openxmlformats.org/drawingml/2006/main" xmlns:r="http://schemas.openxmlformats.org/officeDocument/2006/relationships" xmlns:mc="http://schemas.openxmlformats.org/markup-compatibility/2006" xmlns:mv="urn:schemas-microsoft-com:mac:vml" xmlns:p="http://schemas.openxmlformats.org/presentationml/2006/main" xmlns:c="http://schemas.openxmlformats.org/drawingml/2006/chart" xmlns:dgm="http://schemas.openxmlformats.org/drawingml/2006/diagram" xmlns:o="urn:schemas-microsoft-com:office:office" xmlns:v="urn:schemas-microsoft-com:vml" xmlns:pvml="urn:schemas-microsoft-com:office:powerpoint" xmlns:com="http://schemas.openxmlformats.org/drawingml/2006/compatibility" xmlns:p14="http://schemas.microsoft.com/office/powerpoint/2010/main" xmlns:p15="http://schemas.microsoft.com/office/powerpoint/2012/main" xmlns:ahyp="http://schemas.microsoft.com/office/drawing/2018/hyperlinkcolor">
+<p:sldMaster xmlns:a="http://schemas.openxmlformats.org/drawingml/2006/main" xmlns:r="http://schemas.openxmlformats.org/officeDocument/2006/relationships" xmlns:p="http://schemas.openxmlformats.org/presentationml/2006/main">
   <p:cSld name="simple-light-2">
     <p:bg>
       <p:bgPr>
         <a:solidFill>
           <a:schemeClr val="lt1"/>
         </a:solidFill>
+        <a:effectLst/>
       </p:bgPr>
     </p:bg>
     <p:spTree>
       <p:nvGrpSpPr>
-        <p:cNvPr id="5" name="Shape 5"/>
+        <p:cNvPr id="1" name="Shape 5"/>
         <p:cNvGrpSpPr/>
         <p:nvPr/>
       </p:nvGrpSpPr>
@@ -6800,7 +7042,9 @@
       <p:sp>
         <p:nvSpPr>
           <p:cNvPr id="6" name="Google Shape;6;p1"/>
-          <p:cNvSpPr txBox="1"/>
+          <p:cNvSpPr txBox="1">
+            <a:spLocks noGrp="1"/>
+          </p:cNvSpPr>
           <p:nvPr>
             <p:ph type="title"/>
           </p:nvPr>
@@ -6819,7 +7063,7 @@
           </a:ln>
         </p:spPr>
         <p:txBody>
-          <a:bodyPr anchorCtr="0" anchor="t" bIns="91425" lIns="91425" spcFirstLastPara="1" rIns="91425" wrap="square" tIns="91425">
+          <a:bodyPr spcFirstLastPara="1" wrap="square" lIns="91425" tIns="91425" rIns="91425" bIns="91425" anchor="t" anchorCtr="0">
             <a:noAutofit/>
           </a:bodyPr>
           <a:lstStyle>
@@ -6986,15 +7230,19 @@
               </a:defRPr>
             </a:lvl9pPr>
           </a:lstStyle>
-          <a:p/>
+          <a:p>
+            <a:endParaRPr/>
+          </a:p>
         </p:txBody>
       </p:sp>
       <p:sp>
         <p:nvSpPr>
           <p:cNvPr id="7" name="Google Shape;7;p1"/>
-          <p:cNvSpPr txBox="1"/>
-          <p:nvPr>
-            <p:ph idx="1" type="body"/>
+          <p:cNvSpPr txBox="1">
+            <a:spLocks noGrp="1"/>
+          </p:cNvSpPr>
+          <p:nvPr>
+            <p:ph type="body" idx="1"/>
           </p:nvPr>
         </p:nvSpPr>
         <p:spPr>
@@ -7011,11 +7259,11 @@
           </a:ln>
         </p:spPr>
         <p:txBody>
-          <a:bodyPr anchorCtr="0" anchor="t" bIns="91425" lIns="91425" spcFirstLastPara="1" rIns="91425" wrap="square" tIns="91425">
+          <a:bodyPr spcFirstLastPara="1" wrap="square" lIns="91425" tIns="91425" rIns="91425" bIns="91425" anchor="t" anchorCtr="0">
             <a:noAutofit/>
           </a:bodyPr>
           <a:lstStyle>
-            <a:lvl1pPr indent="-342900" lvl="0" marL="457200">
+            <a:lvl1pPr marL="457200" lvl="0" indent="-342900">
               <a:lnSpc>
                 <a:spcPct val="115000"/>
               </a:lnSpc>
@@ -7036,7 +7284,7 @@
                 </a:solidFill>
               </a:defRPr>
             </a:lvl1pPr>
-            <a:lvl2pPr indent="-317500" lvl="1" marL="914400">
+            <a:lvl2pPr marL="914400" lvl="1" indent="-317500">
               <a:lnSpc>
                 <a:spcPct val="115000"/>
               </a:lnSpc>
@@ -7057,7 +7305,7 @@
                 </a:solidFill>
               </a:defRPr>
             </a:lvl2pPr>
-            <a:lvl3pPr indent="-317500" lvl="2" marL="1371600">
+            <a:lvl3pPr marL="1371600" lvl="2" indent="-317500">
               <a:lnSpc>
                 <a:spcPct val="115000"/>
               </a:lnSpc>
@@ -7078,7 +7326,7 @@
                 </a:solidFill>
               </a:defRPr>
             </a:lvl3pPr>
-            <a:lvl4pPr indent="-317500" lvl="3" marL="1828800">
+            <a:lvl4pPr marL="1828800" lvl="3" indent="-317500">
               <a:lnSpc>
                 <a:spcPct val="115000"/>
               </a:lnSpc>
@@ -7099,7 +7347,7 @@
                 </a:solidFill>
               </a:defRPr>
             </a:lvl4pPr>
-            <a:lvl5pPr indent="-317500" lvl="4" marL="2286000">
+            <a:lvl5pPr marL="2286000" lvl="4" indent="-317500">
               <a:lnSpc>
                 <a:spcPct val="115000"/>
               </a:lnSpc>
@@ -7120,7 +7368,7 @@
                 </a:solidFill>
               </a:defRPr>
             </a:lvl5pPr>
-            <a:lvl6pPr indent="-317500" lvl="5" marL="2743200">
+            <a:lvl6pPr marL="2743200" lvl="5" indent="-317500">
               <a:lnSpc>
                 <a:spcPct val="115000"/>
               </a:lnSpc>
@@ -7141,7 +7389,7 @@
                 </a:solidFill>
               </a:defRPr>
             </a:lvl6pPr>
-            <a:lvl7pPr indent="-317500" lvl="6" marL="3200400">
+            <a:lvl7pPr marL="3200400" lvl="6" indent="-317500">
               <a:lnSpc>
                 <a:spcPct val="115000"/>
               </a:lnSpc>
@@ -7162,7 +7410,7 @@
                 </a:solidFill>
               </a:defRPr>
             </a:lvl7pPr>
-            <a:lvl8pPr indent="-317500" lvl="7" marL="3657600">
+            <a:lvl8pPr marL="3657600" lvl="7" indent="-317500">
               <a:lnSpc>
                 <a:spcPct val="115000"/>
               </a:lnSpc>
@@ -7183,7 +7431,7 @@
                 </a:solidFill>
               </a:defRPr>
             </a:lvl8pPr>
-            <a:lvl9pPr indent="-317500" lvl="8" marL="4114800">
+            <a:lvl9pPr marL="4114800" lvl="8" indent="-317500">
               <a:lnSpc>
                 <a:spcPct val="115000"/>
               </a:lnSpc>
@@ -7205,15 +7453,19 @@
               </a:defRPr>
             </a:lvl9pPr>
           </a:lstStyle>
-          <a:p/>
+          <a:p>
+            <a:endParaRPr/>
+          </a:p>
         </p:txBody>
       </p:sp>
       <p:sp>
         <p:nvSpPr>
           <p:cNvPr id="8" name="Google Shape;8;p1"/>
-          <p:cNvSpPr txBox="1"/>
-          <p:nvPr>
-            <p:ph idx="12" type="sldNum"/>
+          <p:cNvSpPr txBox="1">
+            <a:spLocks noGrp="1"/>
+          </p:cNvSpPr>
+          <p:nvPr>
+            <p:ph type="sldNum" idx="12"/>
           </p:nvPr>
         </p:nvSpPr>
         <p:spPr>
@@ -7230,7 +7482,7 @@
           </a:ln>
         </p:spPr>
         <p:txBody>
-          <a:bodyPr anchorCtr="0" anchor="ctr" bIns="91425" lIns="91425" spcFirstLastPara="1" rIns="91425" wrap="square" tIns="91425">
+          <a:bodyPr spcFirstLastPara="1" wrap="square" lIns="91425" tIns="91425" rIns="91425" bIns="91425" anchor="ctr" anchorCtr="0">
             <a:noAutofit/>
           </a:bodyPr>
           <a:lstStyle>
@@ -7308,7 +7560,7 @@
             </a:lvl9pPr>
           </a:lstStyle>
           <a:p>
-            <a:pPr indent="0" lvl="0" marL="0" rtl="0" algn="r">
+            <a:pPr marL="0" lvl="0" indent="0" algn="r" rtl="0">
               <a:spcBef>
                 <a:spcPts val="0"/>
               </a:spcBef>
@@ -7327,7 +7579,7 @@
       </p:sp>
     </p:spTree>
   </p:cSld>
-  <p:clrMap accent1="accent1" accent2="accent2" accent3="accent3" accent4="accent4" accent5="accent5" accent6="accent6" bg1="lt1" bg2="dk2" tx1="dk1" tx2="lt2" folHlink="folHlink" hlink="hlink"/>
+  <p:clrMap bg1="lt1" tx1="dk1" bg2="dk2" tx2="lt2" accent1="accent1" accent2="accent2" accent3="accent3" accent4="accent4" accent5="accent5" accent6="accent6" hlink="hlink" folHlink="folHlink"/>
   <p:sldLayoutIdLst>
     <p:sldLayoutId id="2147483648" r:id="rId1"/>
     <p:sldLayoutId id="2147483649" r:id="rId2"/>
@@ -7341,10 +7593,10 @@
     <p:sldLayoutId id="2147483657" r:id="rId10"/>
     <p:sldLayoutId id="2147483658" r:id="rId11"/>
   </p:sldLayoutIdLst>
-  <p:hf dt="0" ftr="0" hdr="0" sldNum="0"/>
+  <p:hf sldNum="0" hdr="0" ftr="0" dt="0"/>
   <p:txStyles>
     <p:titleStyle>
-      <a:defPPr lvl="0" marR="0" rtl="0" algn="l">
+      <a:defPPr marR="0" lvl="0" algn="l" rtl="0">
         <a:lnSpc>
           <a:spcPct val="100000"/>
         </a:lnSpc>
@@ -7355,7 +7607,7 @@
           <a:spcPts val="0"/>
         </a:spcAft>
       </a:defPPr>
-      <a:lvl1pPr lvl="0" marR="0" rtl="0" algn="l">
+      <a:lvl1pPr marR="0" lvl="0" algn="l" rtl="0">
         <a:lnSpc>
           <a:spcPct val="100000"/>
         </a:lnSpc>
@@ -7369,7 +7621,7 @@
           <a:srgbClr val="000000"/>
         </a:buClr>
         <a:buFont typeface="Arial"/>
-        <a:defRPr b="0" i="0" sz="1400" u="none" cap="none" strike="noStrike">
+        <a:defRPr sz="1400" b="0" i="0" u="none" strike="noStrike" cap="none">
           <a:solidFill>
             <a:srgbClr val="000000"/>
           </a:solidFill>
@@ -7379,7 +7631,7 @@
           <a:sym typeface="Arial"/>
         </a:defRPr>
       </a:lvl1pPr>
-      <a:lvl2pPr lvl="1" marR="0" rtl="0" algn="l">
+      <a:lvl2pPr marR="0" lvl="1" algn="l" rtl="0">
         <a:lnSpc>
           <a:spcPct val="100000"/>
         </a:lnSpc>
@@ -7393,7 +7645,7 @@
           <a:srgbClr val="000000"/>
         </a:buClr>
         <a:buFont typeface="Arial"/>
-        <a:defRPr b="0" i="0" sz="1400" u="none" cap="none" strike="noStrike">
+        <a:defRPr sz="1400" b="0" i="0" u="none" strike="noStrike" cap="none">
           <a:solidFill>
             <a:srgbClr val="000000"/>
           </a:solidFill>
@@ -7403,7 +7655,7 @@
           <a:sym typeface="Arial"/>
         </a:defRPr>
       </a:lvl2pPr>
-      <a:lvl3pPr lvl="2" marR="0" rtl="0" algn="l">
+      <a:lvl3pPr marR="0" lvl="2" algn="l" rtl="0">
         <a:lnSpc>
           <a:spcPct val="100000"/>
         </a:lnSpc>
@@ -7417,7 +7669,7 @@
           <a:srgbClr val="000000"/>
         </a:buClr>
         <a:buFont typeface="Arial"/>
-        <a:defRPr b="0" i="0" sz="1400" u="none" cap="none" strike="noStrike">
+        <a:defRPr sz="1400" b="0" i="0" u="none" strike="noStrike" cap="none">
           <a:solidFill>
             <a:srgbClr val="000000"/>
           </a:solidFill>
@@ -7427,7 +7679,7 @@
           <a:sym typeface="Arial"/>
         </a:defRPr>
       </a:lvl3pPr>
-      <a:lvl4pPr lvl="3" marR="0" rtl="0" algn="l">
+      <a:lvl4pPr marR="0" lvl="3" algn="l" rtl="0">
         <a:lnSpc>
           <a:spcPct val="100000"/>
         </a:lnSpc>
@@ -7441,7 +7693,7 @@
           <a:srgbClr val="000000"/>
         </a:buClr>
         <a:buFont typeface="Arial"/>
-        <a:defRPr b="0" i="0" sz="1400" u="none" cap="none" strike="noStrike">
+        <a:defRPr sz="1400" b="0" i="0" u="none" strike="noStrike" cap="none">
           <a:solidFill>
             <a:srgbClr val="000000"/>
           </a:solidFill>
@@ -7451,7 +7703,7 @@
           <a:sym typeface="Arial"/>
         </a:defRPr>
       </a:lvl4pPr>
-      <a:lvl5pPr lvl="4" marR="0" rtl="0" algn="l">
+      <a:lvl5pPr marR="0" lvl="4" algn="l" rtl="0">
         <a:lnSpc>
           <a:spcPct val="100000"/>
         </a:lnSpc>
@@ -7465,7 +7717,7 @@
           <a:srgbClr val="000000"/>
         </a:buClr>
         <a:buFont typeface="Arial"/>
-        <a:defRPr b="0" i="0" sz="1400" u="none" cap="none" strike="noStrike">
+        <a:defRPr sz="1400" b="0" i="0" u="none" strike="noStrike" cap="none">
           <a:solidFill>
             <a:srgbClr val="000000"/>
           </a:solidFill>
@@ -7475,7 +7727,7 @@
           <a:sym typeface="Arial"/>
         </a:defRPr>
       </a:lvl5pPr>
-      <a:lvl6pPr lvl="5" marR="0" rtl="0" algn="l">
+      <a:lvl6pPr marR="0" lvl="5" algn="l" rtl="0">
         <a:lnSpc>
           <a:spcPct val="100000"/>
         </a:lnSpc>
@@ -7489,7 +7741,7 @@
           <a:srgbClr val="000000"/>
         </a:buClr>
         <a:buFont typeface="Arial"/>
-        <a:defRPr b="0" i="0" sz="1400" u="none" cap="none" strike="noStrike">
+        <a:defRPr sz="1400" b="0" i="0" u="none" strike="noStrike" cap="none">
           <a:solidFill>
             <a:srgbClr val="000000"/>
           </a:solidFill>
@@ -7499,7 +7751,7 @@
           <a:sym typeface="Arial"/>
         </a:defRPr>
       </a:lvl6pPr>
-      <a:lvl7pPr lvl="6" marR="0" rtl="0" algn="l">
+      <a:lvl7pPr marR="0" lvl="6" algn="l" rtl="0">
         <a:lnSpc>
           <a:spcPct val="100000"/>
         </a:lnSpc>
@@ -7513,7 +7765,7 @@
           <a:srgbClr val="000000"/>
         </a:buClr>
         <a:buFont typeface="Arial"/>
-        <a:defRPr b="0" i="0" sz="1400" u="none" cap="none" strike="noStrike">
+        <a:defRPr sz="1400" b="0" i="0" u="none" strike="noStrike" cap="none">
           <a:solidFill>
             <a:srgbClr val="000000"/>
           </a:solidFill>
@@ -7523,7 +7775,7 @@
           <a:sym typeface="Arial"/>
         </a:defRPr>
       </a:lvl7pPr>
-      <a:lvl8pPr lvl="7" marR="0" rtl="0" algn="l">
+      <a:lvl8pPr marR="0" lvl="7" algn="l" rtl="0">
         <a:lnSpc>
           <a:spcPct val="100000"/>
         </a:lnSpc>
@@ -7537,7 +7789,7 @@
           <a:srgbClr val="000000"/>
         </a:buClr>
         <a:buFont typeface="Arial"/>
-        <a:defRPr b="0" i="0" sz="1400" u="none" cap="none" strike="noStrike">
+        <a:defRPr sz="1400" b="0" i="0" u="none" strike="noStrike" cap="none">
           <a:solidFill>
             <a:srgbClr val="000000"/>
           </a:solidFill>
@@ -7547,7 +7799,7 @@
           <a:sym typeface="Arial"/>
         </a:defRPr>
       </a:lvl8pPr>
-      <a:lvl9pPr lvl="8" marR="0" rtl="0" algn="l">
+      <a:lvl9pPr marR="0" lvl="8" algn="l" rtl="0">
         <a:lnSpc>
           <a:spcPct val="100000"/>
         </a:lnSpc>
@@ -7561,7 +7813,7 @@
           <a:srgbClr val="000000"/>
         </a:buClr>
         <a:buFont typeface="Arial"/>
-        <a:defRPr b="0" i="0" sz="1400" u="none" cap="none" strike="noStrike">
+        <a:defRPr sz="1400" b="0" i="0" u="none" strike="noStrike" cap="none">
           <a:solidFill>
             <a:srgbClr val="000000"/>
           </a:solidFill>
@@ -7573,7 +7825,7 @@
       </a:lvl9pPr>
     </p:titleStyle>
     <p:bodyStyle>
-      <a:defPPr lvl="0" marR="0" rtl="0" algn="l">
+      <a:defPPr marR="0" lvl="0" algn="l" rtl="0">
         <a:lnSpc>
           <a:spcPct val="100000"/>
         </a:lnSpc>
@@ -7584,7 +7836,7 @@
           <a:spcPts val="0"/>
         </a:spcAft>
       </a:defPPr>
-      <a:lvl1pPr lvl="0" marR="0" rtl="0" algn="l">
+      <a:lvl1pPr marR="0" lvl="0" algn="l" rtl="0">
         <a:lnSpc>
           <a:spcPct val="100000"/>
         </a:lnSpc>
@@ -7598,7 +7850,7 @@
           <a:srgbClr val="000000"/>
         </a:buClr>
         <a:buFont typeface="Arial"/>
-        <a:defRPr b="0" i="0" sz="1400" u="none" cap="none" strike="noStrike">
+        <a:defRPr sz="1400" b="0" i="0" u="none" strike="noStrike" cap="none">
           <a:solidFill>
             <a:srgbClr val="000000"/>
           </a:solidFill>
@@ -7608,7 +7860,7 @@
           <a:sym typeface="Arial"/>
         </a:defRPr>
       </a:lvl1pPr>
-      <a:lvl2pPr lvl="1" marR="0" rtl="0" algn="l">
+      <a:lvl2pPr marR="0" lvl="1" algn="l" rtl="0">
         <a:lnSpc>
           <a:spcPct val="100000"/>
         </a:lnSpc>
@@ -7622,7 +7874,7 @@
           <a:srgbClr val="000000"/>
         </a:buClr>
         <a:buFont typeface="Arial"/>
-        <a:defRPr b="0" i="0" sz="1400" u="none" cap="none" strike="noStrike">
+        <a:defRPr sz="1400" b="0" i="0" u="none" strike="noStrike" cap="none">
           <a:solidFill>
             <a:srgbClr val="000000"/>
           </a:solidFill>
@@ -7632,7 +7884,7 @@
           <a:sym typeface="Arial"/>
         </a:defRPr>
       </a:lvl2pPr>
-      <a:lvl3pPr lvl="2" marR="0" rtl="0" algn="l">
+      <a:lvl3pPr marR="0" lvl="2" algn="l" rtl="0">
         <a:lnSpc>
           <a:spcPct val="100000"/>
         </a:lnSpc>
@@ -7646,7 +7898,7 @@
           <a:srgbClr val="000000"/>
         </a:buClr>
         <a:buFont typeface="Arial"/>
-        <a:defRPr b="0" i="0" sz="1400" u="none" cap="none" strike="noStrike">
+        <a:defRPr sz="1400" b="0" i="0" u="none" strike="noStrike" cap="none">
           <a:solidFill>
             <a:srgbClr val="000000"/>
           </a:solidFill>
@@ -7656,7 +7908,7 @@
           <a:sym typeface="Arial"/>
         </a:defRPr>
       </a:lvl3pPr>
-      <a:lvl4pPr lvl="3" marR="0" rtl="0" algn="l">
+      <a:lvl4pPr marR="0" lvl="3" algn="l" rtl="0">
         <a:lnSpc>
           <a:spcPct val="100000"/>
         </a:lnSpc>
@@ -7670,7 +7922,7 @@
           <a:srgbClr val="000000"/>
         </a:buClr>
         <a:buFont typeface="Arial"/>
-        <a:defRPr b="0" i="0" sz="1400" u="none" cap="none" strike="noStrike">
+        <a:defRPr sz="1400" b="0" i="0" u="none" strike="noStrike" cap="none">
           <a:solidFill>
             <a:srgbClr val="000000"/>
           </a:solidFill>
@@ -7680,7 +7932,7 @@
           <a:sym typeface="Arial"/>
         </a:defRPr>
       </a:lvl4pPr>
-      <a:lvl5pPr lvl="4" marR="0" rtl="0" algn="l">
+      <a:lvl5pPr marR="0" lvl="4" algn="l" rtl="0">
         <a:lnSpc>
           <a:spcPct val="100000"/>
         </a:lnSpc>
@@ -7694,7 +7946,7 @@
           <a:srgbClr val="000000"/>
         </a:buClr>
         <a:buFont typeface="Arial"/>
-        <a:defRPr b="0" i="0" sz="1400" u="none" cap="none" strike="noStrike">
+        <a:defRPr sz="1400" b="0" i="0" u="none" strike="noStrike" cap="none">
           <a:solidFill>
             <a:srgbClr val="000000"/>
           </a:solidFill>
@@ -7704,7 +7956,7 @@
           <a:sym typeface="Arial"/>
         </a:defRPr>
       </a:lvl5pPr>
-      <a:lvl6pPr lvl="5" marR="0" rtl="0" algn="l">
+      <a:lvl6pPr marR="0" lvl="5" algn="l" rtl="0">
         <a:lnSpc>
           <a:spcPct val="100000"/>
         </a:lnSpc>
@@ -7718,7 +7970,7 @@
           <a:srgbClr val="000000"/>
         </a:buClr>
         <a:buFont typeface="Arial"/>
-        <a:defRPr b="0" i="0" sz="1400" u="none" cap="none" strike="noStrike">
+        <a:defRPr sz="1400" b="0" i="0" u="none" strike="noStrike" cap="none">
           <a:solidFill>
             <a:srgbClr val="000000"/>
           </a:solidFill>
@@ -7728,7 +7980,7 @@
           <a:sym typeface="Arial"/>
         </a:defRPr>
       </a:lvl6pPr>
-      <a:lvl7pPr lvl="6" marR="0" rtl="0" algn="l">
+      <a:lvl7pPr marR="0" lvl="6" algn="l" rtl="0">
         <a:lnSpc>
           <a:spcPct val="100000"/>
         </a:lnSpc>
@@ -7742,7 +7994,7 @@
           <a:srgbClr val="000000"/>
         </a:buClr>
         <a:buFont typeface="Arial"/>
-        <a:defRPr b="0" i="0" sz="1400" u="none" cap="none" strike="noStrike">
+        <a:defRPr sz="1400" b="0" i="0" u="none" strike="noStrike" cap="none">
           <a:solidFill>
             <a:srgbClr val="000000"/>
           </a:solidFill>
@@ -7752,7 +8004,7 @@
           <a:sym typeface="Arial"/>
         </a:defRPr>
       </a:lvl7pPr>
-      <a:lvl8pPr lvl="7" marR="0" rtl="0" algn="l">
+      <a:lvl8pPr marR="0" lvl="7" algn="l" rtl="0">
         <a:lnSpc>
           <a:spcPct val="100000"/>
         </a:lnSpc>
@@ -7766,7 +8018,7 @@
           <a:srgbClr val="000000"/>
         </a:buClr>
         <a:buFont typeface="Arial"/>
-        <a:defRPr b="0" i="0" sz="1400" u="none" cap="none" strike="noStrike">
+        <a:defRPr sz="1400" b="0" i="0" u="none" strike="noStrike" cap="none">
           <a:solidFill>
             <a:srgbClr val="000000"/>
           </a:solidFill>
@@ -7776,7 +8028,7 @@
           <a:sym typeface="Arial"/>
         </a:defRPr>
       </a:lvl8pPr>
-      <a:lvl9pPr lvl="8" marR="0" rtl="0" algn="l">
+      <a:lvl9pPr marR="0" lvl="8" algn="l" rtl="0">
         <a:lnSpc>
           <a:spcPct val="100000"/>
         </a:lnSpc>
@@ -7790,7 +8042,7 @@
           <a:srgbClr val="000000"/>
         </a:buClr>
         <a:buFont typeface="Arial"/>
-        <a:defRPr b="0" i="0" sz="1400" u="none" cap="none" strike="noStrike">
+        <a:defRPr sz="1400" b="0" i="0" u="none" strike="noStrike" cap="none">
           <a:solidFill>
             <a:srgbClr val="000000"/>
           </a:solidFill>
@@ -7802,7 +8054,7 @@
       </a:lvl9pPr>
     </p:bodyStyle>
     <p:otherStyle>
-      <a:defPPr lvl="0" marR="0" rtl="0" algn="l">
+      <a:defPPr marR="0" lvl="0" algn="l" rtl="0">
         <a:lnSpc>
           <a:spcPct val="100000"/>
         </a:lnSpc>
@@ -7813,7 +8065,7 @@
           <a:spcPts val="0"/>
         </a:spcAft>
       </a:defPPr>
-      <a:lvl1pPr lvl="0" marR="0" rtl="0" algn="l">
+      <a:lvl1pPr marR="0" lvl="0" algn="l" rtl="0">
         <a:lnSpc>
           <a:spcPct val="100000"/>
         </a:lnSpc>
@@ -7827,7 +8079,7 @@
           <a:srgbClr val="000000"/>
         </a:buClr>
         <a:buFont typeface="Arial"/>
-        <a:defRPr b="0" i="0" sz="1400" u="none" cap="none" strike="noStrike">
+        <a:defRPr sz="1400" b="0" i="0" u="none" strike="noStrike" cap="none">
           <a:solidFill>
             <a:srgbClr val="000000"/>
           </a:solidFill>
@@ -7837,7 +8089,7 @@
           <a:sym typeface="Arial"/>
         </a:defRPr>
       </a:lvl1pPr>
-      <a:lvl2pPr lvl="1" marR="0" rtl="0" algn="l">
+      <a:lvl2pPr marR="0" lvl="1" algn="l" rtl="0">
         <a:lnSpc>
           <a:spcPct val="100000"/>
         </a:lnSpc>
@@ -7851,7 +8103,7 @@
           <a:srgbClr val="000000"/>
         </a:buClr>
         <a:buFont typeface="Arial"/>
-        <a:defRPr b="0" i="0" sz="1400" u="none" cap="none" strike="noStrike">
+        <a:defRPr sz="1400" b="0" i="0" u="none" strike="noStrike" cap="none">
           <a:solidFill>
             <a:srgbClr val="000000"/>
           </a:solidFill>
@@ -7861,7 +8113,7 @@
           <a:sym typeface="Arial"/>
         </a:defRPr>
       </a:lvl2pPr>
-      <a:lvl3pPr lvl="2" marR="0" rtl="0" algn="l">
+      <a:lvl3pPr marR="0" lvl="2" algn="l" rtl="0">
         <a:lnSpc>
           <a:spcPct val="100000"/>
         </a:lnSpc>
@@ -7875,7 +8127,7 @@
           <a:srgbClr val="000000"/>
         </a:buClr>
         <a:buFont typeface="Arial"/>
-        <a:defRPr b="0" i="0" sz="1400" u="none" cap="none" strike="noStrike">
+        <a:defRPr sz="1400" b="0" i="0" u="none" strike="noStrike" cap="none">
           <a:solidFill>
             <a:srgbClr val="000000"/>
           </a:solidFill>
@@ -7885,7 +8137,7 @@
           <a:sym typeface="Arial"/>
         </a:defRPr>
       </a:lvl3pPr>
-      <a:lvl4pPr lvl="3" marR="0" rtl="0" algn="l">
+      <a:lvl4pPr marR="0" lvl="3" algn="l" rtl="0">
         <a:lnSpc>
           <a:spcPct val="100000"/>
         </a:lnSpc>
@@ -7899,7 +8151,7 @@
           <a:srgbClr val="000000"/>
         </a:buClr>
         <a:buFont typeface="Arial"/>
-        <a:defRPr b="0" i="0" sz="1400" u="none" cap="none" strike="noStrike">
+        <a:defRPr sz="1400" b="0" i="0" u="none" strike="noStrike" cap="none">
           <a:solidFill>
             <a:srgbClr val="000000"/>
           </a:solidFill>
@@ -7909,7 +8161,7 @@
           <a:sym typeface="Arial"/>
         </a:defRPr>
       </a:lvl4pPr>
-      <a:lvl5pPr lvl="4" marR="0" rtl="0" algn="l">
+      <a:lvl5pPr marR="0" lvl="4" algn="l" rtl="0">
         <a:lnSpc>
           <a:spcPct val="100000"/>
         </a:lnSpc>
@@ -7923,7 +8175,7 @@
           <a:srgbClr val="000000"/>
         </a:buClr>
         <a:buFont typeface="Arial"/>
-        <a:defRPr b="0" i="0" sz="1400" u="none" cap="none" strike="noStrike">
+        <a:defRPr sz="1400" b="0" i="0" u="none" strike="noStrike" cap="none">
           <a:solidFill>
             <a:srgbClr val="000000"/>
           </a:solidFill>
@@ -7933,7 +8185,7 @@
           <a:sym typeface="Arial"/>
         </a:defRPr>
       </a:lvl5pPr>
-      <a:lvl6pPr lvl="5" marR="0" rtl="0" algn="l">
+      <a:lvl6pPr marR="0" lvl="5" algn="l" rtl="0">
         <a:lnSpc>
           <a:spcPct val="100000"/>
         </a:lnSpc>
@@ -7947,7 +8199,7 @@
           <a:srgbClr val="000000"/>
         </a:buClr>
         <a:buFont typeface="Arial"/>
-        <a:defRPr b="0" i="0" sz="1400" u="none" cap="none" strike="noStrike">
+        <a:defRPr sz="1400" b="0" i="0" u="none" strike="noStrike" cap="none">
           <a:solidFill>
             <a:srgbClr val="000000"/>
           </a:solidFill>
@@ -7957,7 +8209,7 @@
           <a:sym typeface="Arial"/>
         </a:defRPr>
       </a:lvl6pPr>
-      <a:lvl7pPr lvl="6" marR="0" rtl="0" algn="l">
+      <a:lvl7pPr marR="0" lvl="6" algn="l" rtl="0">
         <a:lnSpc>
           <a:spcPct val="100000"/>
         </a:lnSpc>
@@ -7971,7 +8223,7 @@
           <a:srgbClr val="000000"/>
         </a:buClr>
         <a:buFont typeface="Arial"/>
-        <a:defRPr b="0" i="0" sz="1400" u="none" cap="none" strike="noStrike">
+        <a:defRPr sz="1400" b="0" i="0" u="none" strike="noStrike" cap="none">
           <a:solidFill>
             <a:srgbClr val="000000"/>
           </a:solidFill>
@@ -7981,7 +8233,7 @@
           <a:sym typeface="Arial"/>
         </a:defRPr>
       </a:lvl7pPr>
-      <a:lvl8pPr lvl="7" marR="0" rtl="0" algn="l">
+      <a:lvl8pPr marR="0" lvl="7" algn="l" rtl="0">
         <a:lnSpc>
           <a:spcPct val="100000"/>
         </a:lnSpc>
@@ -7995,7 +8247,7 @@
           <a:srgbClr val="000000"/>
         </a:buClr>
         <a:buFont typeface="Arial"/>
-        <a:defRPr b="0" i="0" sz="1400" u="none" cap="none" strike="noStrike">
+        <a:defRPr sz="1400" b="0" i="0" u="none" strike="noStrike" cap="none">
           <a:solidFill>
             <a:srgbClr val="000000"/>
           </a:solidFill>
@@ -8005,7 +8257,7 @@
           <a:sym typeface="Arial"/>
         </a:defRPr>
       </a:lvl8pPr>
-      <a:lvl9pPr lvl="8" marR="0" rtl="0" algn="l">
+      <a:lvl9pPr marR="0" lvl="8" algn="l" rtl="0">
         <a:lnSpc>
           <a:spcPct val="100000"/>
         </a:lnSpc>
@@ -8019,7 +8271,7 @@
           <a:srgbClr val="000000"/>
         </a:buClr>
         <a:buFont typeface="Arial"/>
-        <a:defRPr b="0" i="0" sz="1400" u="none" cap="none" strike="noStrike">
+        <a:defRPr sz="1400" b="0" i="0" u="none" strike="noStrike" cap="none">
           <a:solidFill>
             <a:srgbClr val="000000"/>
           </a:solidFill>
@@ -8035,11 +8287,11 @@
 </file>
 
 <file path=ppt/slides/slide1.xml><?xml version="1.0" encoding="utf-8"?>
-<p:sld xmlns:a="http://schemas.openxmlformats.org/drawingml/2006/main" xmlns:r="http://schemas.openxmlformats.org/officeDocument/2006/relationships" xmlns:mc="http://schemas.openxmlformats.org/markup-compatibility/2006" xmlns:mv="urn:schemas-microsoft-com:mac:vml" xmlns:p="http://schemas.openxmlformats.org/presentationml/2006/main" xmlns:c="http://schemas.openxmlformats.org/drawingml/2006/chart" xmlns:dgm="http://schemas.openxmlformats.org/drawingml/2006/diagram" xmlns:o="urn:schemas-microsoft-com:office:office" xmlns:v="urn:schemas-microsoft-com:vml" xmlns:pvml="urn:schemas-microsoft-com:office:powerpoint" xmlns:com="http://schemas.openxmlformats.org/drawingml/2006/compatibility" xmlns:p14="http://schemas.microsoft.com/office/powerpoint/2010/main" xmlns:p15="http://schemas.microsoft.com/office/powerpoint/2012/main" xmlns:ahyp="http://schemas.microsoft.com/office/drawing/2018/hyperlinkcolor">
+<p:sld xmlns:a="http://schemas.openxmlformats.org/drawingml/2006/main" xmlns:r="http://schemas.openxmlformats.org/officeDocument/2006/relationships" xmlns:p="http://schemas.openxmlformats.org/presentationml/2006/main">
   <p:cSld>
     <p:spTree>
       <p:nvGrpSpPr>
-        <p:cNvPr id="53" name="Shape 53"/>
+        <p:cNvPr id="1" name="Shape 53"/>
         <p:cNvGrpSpPr/>
         <p:nvPr/>
       </p:nvGrpSpPr>
@@ -8054,7 +8306,9 @@
       <p:sp>
         <p:nvSpPr>
           <p:cNvPr id="54" name="Google Shape;54;p13"/>
-          <p:cNvSpPr txBox="1"/>
+          <p:cNvSpPr txBox="1">
+            <a:spLocks noGrp="1"/>
+          </p:cNvSpPr>
           <p:nvPr>
             <p:ph type="ctrTitle"/>
           </p:nvPr>
@@ -8069,12 +8323,12 @@
           </a:prstGeom>
         </p:spPr>
         <p:txBody>
-          <a:bodyPr anchorCtr="0" anchor="b" bIns="91425" lIns="91425" spcFirstLastPara="1" rIns="91425" wrap="square" tIns="91425">
+          <a:bodyPr spcFirstLastPara="1" wrap="square" lIns="91425" tIns="91425" rIns="91425" bIns="91425" anchor="b" anchorCtr="0">
             <a:noAutofit/>
           </a:bodyPr>
           <a:lstStyle/>
           <a:p>
-            <a:pPr indent="0" lvl="0" marL="0" rtl="0" algn="ctr">
+            <a:pPr marL="0" lvl="0" indent="0" algn="ctr" rtl="0">
               <a:spcBef>
                 <a:spcPts val="0"/>
               </a:spcBef>
@@ -8094,9 +8348,11 @@
       <p:sp>
         <p:nvSpPr>
           <p:cNvPr id="55" name="Google Shape;55;p13"/>
-          <p:cNvSpPr txBox="1"/>
-          <p:nvPr>
-            <p:ph idx="1" type="subTitle"/>
+          <p:cNvSpPr txBox="1">
+            <a:spLocks noGrp="1"/>
+          </p:cNvSpPr>
+          <p:nvPr>
+            <p:ph type="subTitle" idx="1"/>
           </p:nvPr>
         </p:nvSpPr>
         <p:spPr>
@@ -8109,12 +8365,12 @@
           </a:prstGeom>
         </p:spPr>
         <p:txBody>
-          <a:bodyPr anchorCtr="0" anchor="t" bIns="91425" lIns="91425" spcFirstLastPara="1" rIns="91425" wrap="square" tIns="91425">
+          <a:bodyPr spcFirstLastPara="1" wrap="square" lIns="91425" tIns="91425" rIns="91425" bIns="91425" anchor="t" anchorCtr="0">
             <a:noAutofit/>
           </a:bodyPr>
           <a:lstStyle/>
           <a:p>
-            <a:pPr indent="0" lvl="0" marL="0" rtl="0" algn="ctr">
+            <a:pPr marL="0" lvl="0" indent="0" algn="ctr" rtl="0">
               <a:spcBef>
                 <a:spcPts val="0"/>
               </a:spcBef>
@@ -8140,11 +8396,11 @@
 </file>
 
 <file path=ppt/slides/slide10.xml><?xml version="1.0" encoding="utf-8"?>
-<p:sld xmlns:a="http://schemas.openxmlformats.org/drawingml/2006/main" xmlns:r="http://schemas.openxmlformats.org/officeDocument/2006/relationships" xmlns:mc="http://schemas.openxmlformats.org/markup-compatibility/2006" xmlns:mv="urn:schemas-microsoft-com:mac:vml" xmlns:p="http://schemas.openxmlformats.org/presentationml/2006/main" xmlns:c="http://schemas.openxmlformats.org/drawingml/2006/chart" xmlns:dgm="http://schemas.openxmlformats.org/drawingml/2006/diagram" xmlns:o="urn:schemas-microsoft-com:office:office" xmlns:v="urn:schemas-microsoft-com:vml" xmlns:pvml="urn:schemas-microsoft-com:office:powerpoint" xmlns:com="http://schemas.openxmlformats.org/drawingml/2006/compatibility" xmlns:p14="http://schemas.microsoft.com/office/powerpoint/2010/main" xmlns:p15="http://schemas.microsoft.com/office/powerpoint/2012/main" xmlns:ahyp="http://schemas.microsoft.com/office/drawing/2018/hyperlinkcolor">
+<p:sld xmlns:a="http://schemas.openxmlformats.org/drawingml/2006/main" xmlns:r="http://schemas.openxmlformats.org/officeDocument/2006/relationships" xmlns:p="http://schemas.openxmlformats.org/presentationml/2006/main">
   <p:cSld>
     <p:spTree>
       <p:nvGrpSpPr>
-        <p:cNvPr id="110" name="Shape 110"/>
+        <p:cNvPr id="1" name="Shape 110"/>
         <p:cNvGrpSpPr/>
         <p:nvPr/>
       </p:nvGrpSpPr>
@@ -8159,7 +8415,9 @@
       <p:sp>
         <p:nvSpPr>
           <p:cNvPr id="111" name="Google Shape;111;p22"/>
-          <p:cNvSpPr txBox="1"/>
+          <p:cNvSpPr txBox="1">
+            <a:spLocks noGrp="1"/>
+          </p:cNvSpPr>
           <p:nvPr>
             <p:ph type="title"/>
           </p:nvPr>
@@ -8174,12 +8432,12 @@
           </a:prstGeom>
         </p:spPr>
         <p:txBody>
-          <a:bodyPr anchorCtr="0" anchor="t" bIns="91425" lIns="91425" spcFirstLastPara="1" rIns="91425" wrap="square" tIns="91425">
+          <a:bodyPr spcFirstLastPara="1" wrap="square" lIns="91425" tIns="91425" rIns="91425" bIns="91425" anchor="t" anchorCtr="0">
             <a:noAutofit/>
           </a:bodyPr>
           <a:lstStyle/>
           <a:p>
-            <a:pPr indent="0" lvl="0" marL="0" rtl="0" algn="l">
+            <a:pPr marL="0" lvl="0" indent="0" algn="l" rtl="0">
               <a:spcBef>
                 <a:spcPts val="0"/>
               </a:spcBef>
@@ -8199,9 +8457,11 @@
       <p:sp>
         <p:nvSpPr>
           <p:cNvPr id="112" name="Google Shape;112;p22"/>
-          <p:cNvSpPr txBox="1"/>
-          <p:nvPr>
-            <p:ph idx="1" type="body"/>
+          <p:cNvSpPr txBox="1">
+            <a:spLocks noGrp="1"/>
+          </p:cNvSpPr>
+          <p:nvPr>
+            <p:ph type="body" idx="1"/>
           </p:nvPr>
         </p:nvSpPr>
         <p:spPr>
@@ -8214,12 +8474,12 @@
           </a:prstGeom>
         </p:spPr>
         <p:txBody>
-          <a:bodyPr anchorCtr="0" anchor="t" bIns="91425" lIns="91425" spcFirstLastPara="1" rIns="91425" wrap="square" tIns="91425">
+          <a:bodyPr spcFirstLastPara="1" wrap="square" lIns="91425" tIns="91425" rIns="91425" bIns="91425" anchor="t" anchorCtr="0">
             <a:noAutofit/>
           </a:bodyPr>
           <a:lstStyle/>
           <a:p>
-            <a:pPr indent="0" lvl="0" marL="0" rtl="0" algn="l">
+            <a:pPr marL="0" lvl="0" indent="0" algn="l" rtl="0">
               <a:spcBef>
                 <a:spcPts val="0"/>
               </a:spcBef>
@@ -8228,9 +8488,6 @@
               </a:spcAft>
               <a:buNone/>
             </a:pPr>
-            <a:r>
-              <a:t/>
-            </a:r>
             <a:endParaRPr/>
           </a:p>
         </p:txBody>
@@ -8272,11 +8529,11 @@
 </file>
 
 <file path=ppt/slides/slide11.xml><?xml version="1.0" encoding="utf-8"?>
-<p:sld xmlns:a="http://schemas.openxmlformats.org/drawingml/2006/main" xmlns:r="http://schemas.openxmlformats.org/officeDocument/2006/relationships" xmlns:mc="http://schemas.openxmlformats.org/markup-compatibility/2006" xmlns:mv="urn:schemas-microsoft-com:mac:vml" xmlns:p="http://schemas.openxmlformats.org/presentationml/2006/main" xmlns:c="http://schemas.openxmlformats.org/drawingml/2006/chart" xmlns:dgm="http://schemas.openxmlformats.org/drawingml/2006/diagram" xmlns:o="urn:schemas-microsoft-com:office:office" xmlns:v="urn:schemas-microsoft-com:vml" xmlns:pvml="urn:schemas-microsoft-com:office:powerpoint" xmlns:com="http://schemas.openxmlformats.org/drawingml/2006/compatibility" xmlns:p14="http://schemas.microsoft.com/office/powerpoint/2010/main" xmlns:p15="http://schemas.microsoft.com/office/powerpoint/2012/main" xmlns:ahyp="http://schemas.microsoft.com/office/drawing/2018/hyperlinkcolor">
+<p:sld xmlns:a="http://schemas.openxmlformats.org/drawingml/2006/main" xmlns:r="http://schemas.openxmlformats.org/officeDocument/2006/relationships" xmlns:p="http://schemas.openxmlformats.org/presentationml/2006/main">
   <p:cSld>
     <p:spTree>
       <p:nvGrpSpPr>
-        <p:cNvPr id="117" name="Shape 117"/>
+        <p:cNvPr id="1" name="Shape 117"/>
         <p:cNvGrpSpPr/>
         <p:nvPr/>
       </p:nvGrpSpPr>
@@ -8291,7 +8548,9 @@
       <p:sp>
         <p:nvSpPr>
           <p:cNvPr id="118" name="Google Shape;118;p23"/>
-          <p:cNvSpPr txBox="1"/>
+          <p:cNvSpPr txBox="1">
+            <a:spLocks noGrp="1"/>
+          </p:cNvSpPr>
           <p:nvPr>
             <p:ph type="title"/>
           </p:nvPr>
@@ -8306,12 +8565,12 @@
           </a:prstGeom>
         </p:spPr>
         <p:txBody>
-          <a:bodyPr anchorCtr="0" anchor="t" bIns="91425" lIns="91425" spcFirstLastPara="1" rIns="91425" wrap="square" tIns="91425">
+          <a:bodyPr spcFirstLastPara="1" wrap="square" lIns="91425" tIns="91425" rIns="91425" bIns="91425" anchor="t" anchorCtr="0">
             <a:noAutofit/>
           </a:bodyPr>
           <a:lstStyle/>
           <a:p>
-            <a:pPr indent="0" lvl="0" marL="0" rtl="0" algn="l">
+            <a:pPr marL="0" lvl="0" indent="0" algn="l" rtl="0">
               <a:spcBef>
                 <a:spcPts val="0"/>
               </a:spcBef>
@@ -8331,9 +8590,11 @@
       <p:sp>
         <p:nvSpPr>
           <p:cNvPr id="119" name="Google Shape;119;p23"/>
-          <p:cNvSpPr txBox="1"/>
-          <p:nvPr>
-            <p:ph idx="1" type="body"/>
+          <p:cNvSpPr txBox="1">
+            <a:spLocks noGrp="1"/>
+          </p:cNvSpPr>
+          <p:nvPr>
+            <p:ph type="body" idx="1"/>
           </p:nvPr>
         </p:nvSpPr>
         <p:spPr>
@@ -8346,12 +8607,12 @@
           </a:prstGeom>
         </p:spPr>
         <p:txBody>
-          <a:bodyPr anchorCtr="0" anchor="t" bIns="91425" lIns="91425" spcFirstLastPara="1" rIns="91425" wrap="square" tIns="91425">
+          <a:bodyPr spcFirstLastPara="1" wrap="square" lIns="91425" tIns="91425" rIns="91425" bIns="91425" anchor="t" anchorCtr="0">
             <a:noAutofit/>
           </a:bodyPr>
           <a:lstStyle/>
           <a:p>
-            <a:pPr indent="0" lvl="0" marL="0" rtl="0" algn="l">
+            <a:pPr marL="0" lvl="0" indent="0" algn="l" rtl="0">
               <a:spcBef>
                 <a:spcPts val="0"/>
               </a:spcBef>
@@ -8360,9 +8621,6 @@
               </a:spcAft>
               <a:buNone/>
             </a:pPr>
-            <a:r>
-              <a:t/>
-            </a:r>
             <a:endParaRPr/>
           </a:p>
         </p:txBody>
@@ -8404,11 +8662,11 @@
 </file>
 
 <file path=ppt/slides/slide12.xml><?xml version="1.0" encoding="utf-8"?>
-<p:sld xmlns:a="http://schemas.openxmlformats.org/drawingml/2006/main" xmlns:r="http://schemas.openxmlformats.org/officeDocument/2006/relationships" xmlns:mc="http://schemas.openxmlformats.org/markup-compatibility/2006" xmlns:mv="urn:schemas-microsoft-com:mac:vml" xmlns:p="http://schemas.openxmlformats.org/presentationml/2006/main" xmlns:c="http://schemas.openxmlformats.org/drawingml/2006/chart" xmlns:dgm="http://schemas.openxmlformats.org/drawingml/2006/diagram" xmlns:o="urn:schemas-microsoft-com:office:office" xmlns:v="urn:schemas-microsoft-com:vml" xmlns:pvml="urn:schemas-microsoft-com:office:powerpoint" xmlns:com="http://schemas.openxmlformats.org/drawingml/2006/compatibility" xmlns:p14="http://schemas.microsoft.com/office/powerpoint/2010/main" xmlns:p15="http://schemas.microsoft.com/office/powerpoint/2012/main" xmlns:ahyp="http://schemas.microsoft.com/office/drawing/2018/hyperlinkcolor">
+<p:sld xmlns:a="http://schemas.openxmlformats.org/drawingml/2006/main" xmlns:r="http://schemas.openxmlformats.org/officeDocument/2006/relationships" xmlns:p="http://schemas.openxmlformats.org/presentationml/2006/main">
   <p:cSld>
     <p:spTree>
       <p:nvGrpSpPr>
-        <p:cNvPr id="124" name="Shape 124"/>
+        <p:cNvPr id="1" name="Shape 124"/>
         <p:cNvGrpSpPr/>
         <p:nvPr/>
       </p:nvGrpSpPr>
@@ -8423,7 +8681,9 @@
       <p:sp>
         <p:nvSpPr>
           <p:cNvPr id="125" name="Google Shape;125;p24"/>
-          <p:cNvSpPr txBox="1"/>
+          <p:cNvSpPr txBox="1">
+            <a:spLocks noGrp="1"/>
+          </p:cNvSpPr>
           <p:nvPr>
             <p:ph type="title"/>
           </p:nvPr>
@@ -8438,12 +8698,12 @@
           </a:prstGeom>
         </p:spPr>
         <p:txBody>
-          <a:bodyPr anchorCtr="0" anchor="t" bIns="91425" lIns="91425" spcFirstLastPara="1" rIns="91425" wrap="square" tIns="91425">
+          <a:bodyPr spcFirstLastPara="1" wrap="square" lIns="91425" tIns="91425" rIns="91425" bIns="91425" anchor="t" anchorCtr="0">
             <a:noAutofit/>
           </a:bodyPr>
           <a:lstStyle/>
           <a:p>
-            <a:pPr indent="0" lvl="0" marL="0" rtl="0" algn="l">
+            <a:pPr marL="0" lvl="0" indent="0" algn="l" rtl="0">
               <a:spcBef>
                 <a:spcPts val="0"/>
               </a:spcBef>
@@ -8463,9 +8723,11 @@
       <p:sp>
         <p:nvSpPr>
           <p:cNvPr id="126" name="Google Shape;126;p24"/>
-          <p:cNvSpPr txBox="1"/>
-          <p:nvPr>
-            <p:ph idx="1" type="body"/>
+          <p:cNvSpPr txBox="1">
+            <a:spLocks noGrp="1"/>
+          </p:cNvSpPr>
+          <p:nvPr>
+            <p:ph type="body" idx="1"/>
           </p:nvPr>
         </p:nvSpPr>
         <p:spPr>
@@ -8478,12 +8740,12 @@
           </a:prstGeom>
         </p:spPr>
         <p:txBody>
-          <a:bodyPr anchorCtr="0" anchor="t" bIns="91425" lIns="91425" spcFirstLastPara="1" rIns="91425" wrap="square" tIns="91425">
+          <a:bodyPr spcFirstLastPara="1" wrap="square" lIns="91425" tIns="91425" rIns="91425" bIns="91425" anchor="t" anchorCtr="0">
             <a:noAutofit/>
           </a:bodyPr>
           <a:lstStyle/>
           <a:p>
-            <a:pPr indent="0" lvl="0" marL="0" rtl="0" algn="l">
+            <a:pPr marL="0" lvl="0" indent="0" algn="l" rtl="0">
               <a:spcBef>
                 <a:spcPts val="0"/>
               </a:spcBef>
@@ -8492,9 +8754,6 @@
               </a:spcAft>
               <a:buNone/>
             </a:pPr>
-            <a:r>
-              <a:t/>
-            </a:r>
             <a:endParaRPr/>
           </a:p>
         </p:txBody>
@@ -8536,11 +8795,11 @@
 </file>
 
 <file path=ppt/slides/slide13.xml><?xml version="1.0" encoding="utf-8"?>
-<p:sld xmlns:a="http://schemas.openxmlformats.org/drawingml/2006/main" xmlns:r="http://schemas.openxmlformats.org/officeDocument/2006/relationships" xmlns:mc="http://schemas.openxmlformats.org/markup-compatibility/2006" xmlns:mv="urn:schemas-microsoft-com:mac:vml" xmlns:p="http://schemas.openxmlformats.org/presentationml/2006/main" xmlns:c="http://schemas.openxmlformats.org/drawingml/2006/chart" xmlns:dgm="http://schemas.openxmlformats.org/drawingml/2006/diagram" xmlns:o="urn:schemas-microsoft-com:office:office" xmlns:v="urn:schemas-microsoft-com:vml" xmlns:pvml="urn:schemas-microsoft-com:office:powerpoint" xmlns:com="http://schemas.openxmlformats.org/drawingml/2006/compatibility" xmlns:p14="http://schemas.microsoft.com/office/powerpoint/2010/main" xmlns:p15="http://schemas.microsoft.com/office/powerpoint/2012/main" xmlns:ahyp="http://schemas.microsoft.com/office/drawing/2018/hyperlinkcolor">
+<p:sld xmlns:a="http://schemas.openxmlformats.org/drawingml/2006/main" xmlns:r="http://schemas.openxmlformats.org/officeDocument/2006/relationships" xmlns:p="http://schemas.openxmlformats.org/presentationml/2006/main">
   <p:cSld>
     <p:spTree>
       <p:nvGrpSpPr>
-        <p:cNvPr id="131" name="Shape 131"/>
+        <p:cNvPr id="1" name="Shape 131"/>
         <p:cNvGrpSpPr/>
         <p:nvPr/>
       </p:nvGrpSpPr>
@@ -8555,7 +8814,9 @@
       <p:sp>
         <p:nvSpPr>
           <p:cNvPr id="132" name="Google Shape;132;p25"/>
-          <p:cNvSpPr txBox="1"/>
+          <p:cNvSpPr txBox="1">
+            <a:spLocks noGrp="1"/>
+          </p:cNvSpPr>
           <p:nvPr>
             <p:ph type="title"/>
           </p:nvPr>
@@ -8570,12 +8831,12 @@
           </a:prstGeom>
         </p:spPr>
         <p:txBody>
-          <a:bodyPr anchorCtr="0" anchor="t" bIns="91425" lIns="91425" spcFirstLastPara="1" rIns="91425" wrap="square" tIns="91425">
+          <a:bodyPr spcFirstLastPara="1" wrap="square" lIns="91425" tIns="91425" rIns="91425" bIns="91425" anchor="t" anchorCtr="0">
             <a:noAutofit/>
           </a:bodyPr>
           <a:lstStyle/>
           <a:p>
-            <a:pPr indent="0" lvl="0" marL="0" rtl="0" algn="l">
+            <a:pPr marL="0" lvl="0" indent="0" algn="l" rtl="0">
               <a:spcBef>
                 <a:spcPts val="0"/>
               </a:spcBef>
@@ -8595,9 +8856,11 @@
       <p:sp>
         <p:nvSpPr>
           <p:cNvPr id="133" name="Google Shape;133;p25"/>
-          <p:cNvSpPr txBox="1"/>
-          <p:nvPr>
-            <p:ph idx="1" type="body"/>
+          <p:cNvSpPr txBox="1">
+            <a:spLocks noGrp="1"/>
+          </p:cNvSpPr>
+          <p:nvPr>
+            <p:ph type="body" idx="1"/>
           </p:nvPr>
         </p:nvSpPr>
         <p:spPr>
@@ -8610,12 +8873,12 @@
           </a:prstGeom>
         </p:spPr>
         <p:txBody>
-          <a:bodyPr anchorCtr="0" anchor="t" bIns="91425" lIns="91425" spcFirstLastPara="1" rIns="91425" wrap="square" tIns="91425">
+          <a:bodyPr spcFirstLastPara="1" wrap="square" lIns="91425" tIns="91425" rIns="91425" bIns="91425" anchor="t" anchorCtr="0">
             <a:noAutofit/>
           </a:bodyPr>
           <a:lstStyle/>
           <a:p>
-            <a:pPr indent="0" lvl="0" marL="0" rtl="0" algn="l">
+            <a:pPr marL="0" lvl="0" indent="0" algn="l" rtl="0">
               <a:spcBef>
                 <a:spcPts val="0"/>
               </a:spcBef>
@@ -8624,9 +8887,6 @@
               </a:spcAft>
               <a:buNone/>
             </a:pPr>
-            <a:r>
-              <a:t/>
-            </a:r>
             <a:endParaRPr/>
           </a:p>
         </p:txBody>
@@ -8668,11 +8928,11 @@
 </file>
 
 <file path=ppt/slides/slide14.xml><?xml version="1.0" encoding="utf-8"?>
-<p:sld xmlns:a="http://schemas.openxmlformats.org/drawingml/2006/main" xmlns:r="http://schemas.openxmlformats.org/officeDocument/2006/relationships" xmlns:mc="http://schemas.openxmlformats.org/markup-compatibility/2006" xmlns:mv="urn:schemas-microsoft-com:mac:vml" xmlns:p="http://schemas.openxmlformats.org/presentationml/2006/main" xmlns:c="http://schemas.openxmlformats.org/drawingml/2006/chart" xmlns:dgm="http://schemas.openxmlformats.org/drawingml/2006/diagram" xmlns:o="urn:schemas-microsoft-com:office:office" xmlns:v="urn:schemas-microsoft-com:vml" xmlns:pvml="urn:schemas-microsoft-com:office:powerpoint" xmlns:com="http://schemas.openxmlformats.org/drawingml/2006/compatibility" xmlns:p14="http://schemas.microsoft.com/office/powerpoint/2010/main" xmlns:p15="http://schemas.microsoft.com/office/powerpoint/2012/main" xmlns:ahyp="http://schemas.microsoft.com/office/drawing/2018/hyperlinkcolor">
+<p:sld xmlns:a="http://schemas.openxmlformats.org/drawingml/2006/main" xmlns:r="http://schemas.openxmlformats.org/officeDocument/2006/relationships" xmlns:p="http://schemas.openxmlformats.org/presentationml/2006/main">
   <p:cSld>
     <p:spTree>
       <p:nvGrpSpPr>
-        <p:cNvPr id="138" name="Shape 138"/>
+        <p:cNvPr id="1" name="Shape 138"/>
         <p:cNvGrpSpPr/>
         <p:nvPr/>
       </p:nvGrpSpPr>
@@ -8687,7 +8947,9 @@
       <p:sp>
         <p:nvSpPr>
           <p:cNvPr id="139" name="Google Shape;139;p26"/>
-          <p:cNvSpPr txBox="1"/>
+          <p:cNvSpPr txBox="1">
+            <a:spLocks noGrp="1"/>
+          </p:cNvSpPr>
           <p:nvPr>
             <p:ph type="title"/>
           </p:nvPr>
@@ -8702,12 +8964,12 @@
           </a:prstGeom>
         </p:spPr>
         <p:txBody>
-          <a:bodyPr anchorCtr="0" anchor="t" bIns="91425" lIns="91425" spcFirstLastPara="1" rIns="91425" wrap="square" tIns="91425">
+          <a:bodyPr spcFirstLastPara="1" wrap="square" lIns="91425" tIns="91425" rIns="91425" bIns="91425" anchor="t" anchorCtr="0">
             <a:noAutofit/>
           </a:bodyPr>
           <a:lstStyle/>
           <a:p>
-            <a:pPr indent="0" lvl="0" marL="0" rtl="0" algn="l">
+            <a:pPr marL="0" lvl="0" indent="0" algn="l" rtl="0">
               <a:spcBef>
                 <a:spcPts val="0"/>
               </a:spcBef>
@@ -8727,9 +8989,11 @@
       <p:sp>
         <p:nvSpPr>
           <p:cNvPr id="140" name="Google Shape;140;p26"/>
-          <p:cNvSpPr txBox="1"/>
-          <p:nvPr>
-            <p:ph idx="1" type="body"/>
+          <p:cNvSpPr txBox="1">
+            <a:spLocks noGrp="1"/>
+          </p:cNvSpPr>
+          <p:nvPr>
+            <p:ph type="body" idx="1"/>
           </p:nvPr>
         </p:nvSpPr>
         <p:spPr>
@@ -8742,12 +9006,12 @@
           </a:prstGeom>
         </p:spPr>
         <p:txBody>
-          <a:bodyPr anchorCtr="0" anchor="t" bIns="91425" lIns="91425" spcFirstLastPara="1" rIns="91425" wrap="square" tIns="91425">
+          <a:bodyPr spcFirstLastPara="1" wrap="square" lIns="91425" tIns="91425" rIns="91425" bIns="91425" anchor="t" anchorCtr="0">
             <a:noAutofit/>
           </a:bodyPr>
           <a:lstStyle/>
           <a:p>
-            <a:pPr indent="0" lvl="0" marL="0" rtl="0" algn="l">
+            <a:pPr marL="0" lvl="0" indent="0" algn="l" rtl="0">
               <a:spcBef>
                 <a:spcPts val="0"/>
               </a:spcBef>
@@ -8756,9 +9020,6 @@
               </a:spcAft>
               <a:buNone/>
             </a:pPr>
-            <a:r>
-              <a:t/>
-            </a:r>
             <a:endParaRPr/>
           </a:p>
         </p:txBody>
@@ -8800,11 +9061,11 @@
 </file>
 
 <file path=ppt/slides/slide15.xml><?xml version="1.0" encoding="utf-8"?>
-<p:sld xmlns:a="http://schemas.openxmlformats.org/drawingml/2006/main" xmlns:r="http://schemas.openxmlformats.org/officeDocument/2006/relationships" xmlns:mc="http://schemas.openxmlformats.org/markup-compatibility/2006" xmlns:mv="urn:schemas-microsoft-com:mac:vml" xmlns:p="http://schemas.openxmlformats.org/presentationml/2006/main" xmlns:c="http://schemas.openxmlformats.org/drawingml/2006/chart" xmlns:dgm="http://schemas.openxmlformats.org/drawingml/2006/diagram" xmlns:o="urn:schemas-microsoft-com:office:office" xmlns:v="urn:schemas-microsoft-com:vml" xmlns:pvml="urn:schemas-microsoft-com:office:powerpoint" xmlns:com="http://schemas.openxmlformats.org/drawingml/2006/compatibility" xmlns:p14="http://schemas.microsoft.com/office/powerpoint/2010/main" xmlns:p15="http://schemas.microsoft.com/office/powerpoint/2012/main" xmlns:ahyp="http://schemas.microsoft.com/office/drawing/2018/hyperlinkcolor">
+<p:sld xmlns:a="http://schemas.openxmlformats.org/drawingml/2006/main" xmlns:r="http://schemas.openxmlformats.org/officeDocument/2006/relationships" xmlns:p="http://schemas.openxmlformats.org/presentationml/2006/main">
   <p:cSld>
     <p:spTree>
       <p:nvGrpSpPr>
-        <p:cNvPr id="145" name="Shape 145"/>
+        <p:cNvPr id="1" name="Shape 145"/>
         <p:cNvGrpSpPr/>
         <p:nvPr/>
       </p:nvGrpSpPr>
@@ -8819,7 +9080,9 @@
       <p:sp>
         <p:nvSpPr>
           <p:cNvPr id="146" name="Google Shape;146;p27"/>
-          <p:cNvSpPr txBox="1"/>
+          <p:cNvSpPr txBox="1">
+            <a:spLocks noGrp="1"/>
+          </p:cNvSpPr>
           <p:nvPr>
             <p:ph type="title"/>
           </p:nvPr>
@@ -8834,12 +9097,12 @@
           </a:prstGeom>
         </p:spPr>
         <p:txBody>
-          <a:bodyPr anchorCtr="0" anchor="t" bIns="91425" lIns="91425" spcFirstLastPara="1" rIns="91425" wrap="square" tIns="91425">
+          <a:bodyPr spcFirstLastPara="1" wrap="square" lIns="91425" tIns="91425" rIns="91425" bIns="91425" anchor="t" anchorCtr="0">
             <a:noAutofit/>
           </a:bodyPr>
           <a:lstStyle/>
           <a:p>
-            <a:pPr indent="0" lvl="0" marL="0" rtl="0" algn="l">
+            <a:pPr marL="0" lvl="0" indent="0" algn="l" rtl="0">
               <a:spcBef>
                 <a:spcPts val="0"/>
               </a:spcBef>
@@ -8859,9 +9122,11 @@
       <p:sp>
         <p:nvSpPr>
           <p:cNvPr id="147" name="Google Shape;147;p27"/>
-          <p:cNvSpPr txBox="1"/>
-          <p:nvPr>
-            <p:ph idx="1" type="body"/>
+          <p:cNvSpPr txBox="1">
+            <a:spLocks noGrp="1"/>
+          </p:cNvSpPr>
+          <p:nvPr>
+            <p:ph type="body" idx="1"/>
           </p:nvPr>
         </p:nvSpPr>
         <p:spPr>
@@ -8874,12 +9139,12 @@
           </a:prstGeom>
         </p:spPr>
         <p:txBody>
-          <a:bodyPr anchorCtr="0" anchor="t" bIns="91425" lIns="91425" spcFirstLastPara="1" rIns="91425" wrap="square" tIns="91425">
+          <a:bodyPr spcFirstLastPara="1" wrap="square" lIns="91425" tIns="91425" rIns="91425" bIns="91425" anchor="t" anchorCtr="0">
             <a:noAutofit/>
           </a:bodyPr>
           <a:lstStyle/>
           <a:p>
-            <a:pPr indent="0" lvl="0" marL="0" rtl="0" algn="l">
+            <a:pPr marL="0" lvl="0" indent="0" algn="l" rtl="0">
               <a:spcBef>
                 <a:spcPts val="0"/>
               </a:spcBef>
@@ -8888,9 +9153,6 @@
               </a:spcAft>
               <a:buNone/>
             </a:pPr>
-            <a:r>
-              <a:t/>
-            </a:r>
             <a:endParaRPr/>
           </a:p>
         </p:txBody>
@@ -8932,11 +9194,11 @@
 </file>
 
 <file path=ppt/slides/slide16.xml><?xml version="1.0" encoding="utf-8"?>
-<p:sld xmlns:a="http://schemas.openxmlformats.org/drawingml/2006/main" xmlns:r="http://schemas.openxmlformats.org/officeDocument/2006/relationships" xmlns:mc="http://schemas.openxmlformats.org/markup-compatibility/2006" xmlns:mv="urn:schemas-microsoft-com:mac:vml" xmlns:p="http://schemas.openxmlformats.org/presentationml/2006/main" xmlns:c="http://schemas.openxmlformats.org/drawingml/2006/chart" xmlns:dgm="http://schemas.openxmlformats.org/drawingml/2006/diagram" xmlns:o="urn:schemas-microsoft-com:office:office" xmlns:v="urn:schemas-microsoft-com:vml" xmlns:pvml="urn:schemas-microsoft-com:office:powerpoint" xmlns:com="http://schemas.openxmlformats.org/drawingml/2006/compatibility" xmlns:p14="http://schemas.microsoft.com/office/powerpoint/2010/main" xmlns:p15="http://schemas.microsoft.com/office/powerpoint/2012/main" xmlns:ahyp="http://schemas.microsoft.com/office/drawing/2018/hyperlinkcolor">
+<p:sld xmlns:a="http://schemas.openxmlformats.org/drawingml/2006/main" xmlns:r="http://schemas.openxmlformats.org/officeDocument/2006/relationships" xmlns:p="http://schemas.openxmlformats.org/presentationml/2006/main">
   <p:cSld>
     <p:spTree>
       <p:nvGrpSpPr>
-        <p:cNvPr id="152" name="Shape 152"/>
+        <p:cNvPr id="1" name="Shape 152"/>
         <p:cNvGrpSpPr/>
         <p:nvPr/>
       </p:nvGrpSpPr>
@@ -8951,7 +9213,9 @@
       <p:sp>
         <p:nvSpPr>
           <p:cNvPr id="153" name="Google Shape;153;p28"/>
-          <p:cNvSpPr txBox="1"/>
+          <p:cNvSpPr txBox="1">
+            <a:spLocks noGrp="1"/>
+          </p:cNvSpPr>
           <p:nvPr>
             <p:ph type="title"/>
           </p:nvPr>
@@ -8966,12 +9230,12 @@
           </a:prstGeom>
         </p:spPr>
         <p:txBody>
-          <a:bodyPr anchorCtr="0" anchor="t" bIns="91425" lIns="91425" spcFirstLastPara="1" rIns="91425" wrap="square" tIns="91425">
+          <a:bodyPr spcFirstLastPara="1" wrap="square" lIns="91425" tIns="91425" rIns="91425" bIns="91425" anchor="t" anchorCtr="0">
             <a:noAutofit/>
           </a:bodyPr>
           <a:lstStyle/>
           <a:p>
-            <a:pPr indent="0" lvl="0" marL="0" rtl="0" algn="l">
+            <a:pPr marL="0" lvl="0" indent="0" algn="l" rtl="0">
               <a:spcBef>
                 <a:spcPts val="0"/>
               </a:spcBef>
@@ -8991,9 +9255,11 @@
       <p:sp>
         <p:nvSpPr>
           <p:cNvPr id="154" name="Google Shape;154;p28"/>
-          <p:cNvSpPr txBox="1"/>
-          <p:nvPr>
-            <p:ph idx="1" type="body"/>
+          <p:cNvSpPr txBox="1">
+            <a:spLocks noGrp="1"/>
+          </p:cNvSpPr>
+          <p:nvPr>
+            <p:ph type="body" idx="1"/>
           </p:nvPr>
         </p:nvSpPr>
         <p:spPr>
@@ -9006,12 +9272,12 @@
           </a:prstGeom>
         </p:spPr>
         <p:txBody>
-          <a:bodyPr anchorCtr="0" anchor="t" bIns="91425" lIns="91425" spcFirstLastPara="1" rIns="91425" wrap="square" tIns="91425">
+          <a:bodyPr spcFirstLastPara="1" wrap="square" lIns="91425" tIns="91425" rIns="91425" bIns="91425" anchor="t" anchorCtr="0">
             <a:noAutofit/>
           </a:bodyPr>
           <a:lstStyle/>
           <a:p>
-            <a:pPr indent="0" lvl="0" marL="0" rtl="0" algn="l">
+            <a:pPr marL="0" lvl="0" indent="0" algn="l" rtl="0">
               <a:spcBef>
                 <a:spcPts val="0"/>
               </a:spcBef>
@@ -9020,9 +9286,6 @@
               </a:spcAft>
               <a:buNone/>
             </a:pPr>
-            <a:r>
-              <a:t/>
-            </a:r>
             <a:endParaRPr/>
           </a:p>
         </p:txBody>
@@ -9064,11 +9327,11 @@
 </file>
 
 <file path=ppt/slides/slide17.xml><?xml version="1.0" encoding="utf-8"?>
-<p:sld xmlns:a="http://schemas.openxmlformats.org/drawingml/2006/main" xmlns:r="http://schemas.openxmlformats.org/officeDocument/2006/relationships" xmlns:mc="http://schemas.openxmlformats.org/markup-compatibility/2006" xmlns:mv="urn:schemas-microsoft-com:mac:vml" xmlns:p="http://schemas.openxmlformats.org/presentationml/2006/main" xmlns:c="http://schemas.openxmlformats.org/drawingml/2006/chart" xmlns:dgm="http://schemas.openxmlformats.org/drawingml/2006/diagram" xmlns:o="urn:schemas-microsoft-com:office:office" xmlns:v="urn:schemas-microsoft-com:vml" xmlns:pvml="urn:schemas-microsoft-com:office:powerpoint" xmlns:com="http://schemas.openxmlformats.org/drawingml/2006/compatibility" xmlns:p14="http://schemas.microsoft.com/office/powerpoint/2010/main" xmlns:p15="http://schemas.microsoft.com/office/powerpoint/2012/main" xmlns:ahyp="http://schemas.microsoft.com/office/drawing/2018/hyperlinkcolor">
+<p:sld xmlns:a="http://schemas.openxmlformats.org/drawingml/2006/main" xmlns:r="http://schemas.openxmlformats.org/officeDocument/2006/relationships" xmlns:p="http://schemas.openxmlformats.org/presentationml/2006/main">
   <p:cSld>
     <p:spTree>
       <p:nvGrpSpPr>
-        <p:cNvPr id="159" name="Shape 159"/>
+        <p:cNvPr id="1" name="Shape 159"/>
         <p:cNvGrpSpPr/>
         <p:nvPr/>
       </p:nvGrpSpPr>
@@ -9083,7 +9346,9 @@
       <p:sp>
         <p:nvSpPr>
           <p:cNvPr id="160" name="Google Shape;160;p29"/>
-          <p:cNvSpPr txBox="1"/>
+          <p:cNvSpPr txBox="1">
+            <a:spLocks noGrp="1"/>
+          </p:cNvSpPr>
           <p:nvPr>
             <p:ph type="title"/>
           </p:nvPr>
@@ -9098,12 +9363,12 @@
           </a:prstGeom>
         </p:spPr>
         <p:txBody>
-          <a:bodyPr anchorCtr="0" anchor="t" bIns="91425" lIns="91425" spcFirstLastPara="1" rIns="91425" wrap="square" tIns="91425">
+          <a:bodyPr spcFirstLastPara="1" wrap="square" lIns="91425" tIns="91425" rIns="91425" bIns="91425" anchor="t" anchorCtr="0">
             <a:noAutofit/>
           </a:bodyPr>
           <a:lstStyle/>
           <a:p>
-            <a:pPr indent="0" lvl="0" marL="0" rtl="0" algn="l">
+            <a:pPr marL="0" lvl="0" indent="0" algn="l" rtl="0">
               <a:spcBef>
                 <a:spcPts val="0"/>
               </a:spcBef>
@@ -9123,9 +9388,11 @@
       <p:sp>
         <p:nvSpPr>
           <p:cNvPr id="161" name="Google Shape;161;p29"/>
-          <p:cNvSpPr txBox="1"/>
-          <p:nvPr>
-            <p:ph idx="1" type="body"/>
+          <p:cNvSpPr txBox="1">
+            <a:spLocks noGrp="1"/>
+          </p:cNvSpPr>
+          <p:nvPr>
+            <p:ph type="body" idx="1"/>
           </p:nvPr>
         </p:nvSpPr>
         <p:spPr>
@@ -9138,12 +9405,12 @@
           </a:prstGeom>
         </p:spPr>
         <p:txBody>
-          <a:bodyPr anchorCtr="0" anchor="t" bIns="91425" lIns="91425" spcFirstLastPara="1" rIns="91425" wrap="square" tIns="91425">
+          <a:bodyPr spcFirstLastPara="1" wrap="square" lIns="91425" tIns="91425" rIns="91425" bIns="91425" anchor="t" anchorCtr="0">
             <a:noAutofit/>
           </a:bodyPr>
           <a:lstStyle/>
           <a:p>
-            <a:pPr indent="0" lvl="0" marL="0" rtl="0" algn="l">
+            <a:pPr marL="0" lvl="0" indent="0" algn="l" rtl="0">
               <a:spcBef>
                 <a:spcPts val="0"/>
               </a:spcBef>
@@ -9159,7 +9426,7 @@
             <a:endParaRPr/>
           </a:p>
           <a:p>
-            <a:pPr indent="0" lvl="0" marL="0" rtl="0" algn="l">
+            <a:pPr marL="0" lvl="0" indent="0" algn="l" rtl="0">
               <a:spcBef>
                 <a:spcPts val="1600"/>
               </a:spcBef>
@@ -9170,20 +9437,12 @@
             </a:pPr>
             <a:r>
               <a:rPr lang="en"/>
-              <a:t>Taking all the unique words in the dataset, each entry will either have a 1 or 0 value designated that words </a:t>
+              <a:t>Taking all the unique words in the dataset, each entry will either have a 1 or 0 value designated that words occurrence.</a:t>
             </a:r>
-            <a:r>
-              <a:rPr lang="en"/>
-              <a:t>occurrence</a:t>
-            </a:r>
-            <a:r>
-              <a:rPr lang="en"/>
-              <a:t>.</a:t>
-            </a:r>
-            <a:endParaRPr/>
-          </a:p>
-          <a:p>
-            <a:pPr indent="0" lvl="0" marL="0" rtl="0" algn="l">
+            <a:endParaRPr/>
+          </a:p>
+          <a:p>
+            <a:pPr marL="0" lvl="0" indent="0" algn="l" rtl="0">
               <a:spcBef>
                 <a:spcPts val="1600"/>
               </a:spcBef>
@@ -9209,11 +9468,11 @@
 </file>
 
 <file path=ppt/slides/slide18.xml><?xml version="1.0" encoding="utf-8"?>
-<p:sld xmlns:a="http://schemas.openxmlformats.org/drawingml/2006/main" xmlns:r="http://schemas.openxmlformats.org/officeDocument/2006/relationships" xmlns:mc="http://schemas.openxmlformats.org/markup-compatibility/2006" xmlns:mv="urn:schemas-microsoft-com:mac:vml" xmlns:p="http://schemas.openxmlformats.org/presentationml/2006/main" xmlns:c="http://schemas.openxmlformats.org/drawingml/2006/chart" xmlns:dgm="http://schemas.openxmlformats.org/drawingml/2006/diagram" xmlns:o="urn:schemas-microsoft-com:office:office" xmlns:v="urn:schemas-microsoft-com:vml" xmlns:pvml="urn:schemas-microsoft-com:office:powerpoint" xmlns:com="http://schemas.openxmlformats.org/drawingml/2006/compatibility" xmlns:p14="http://schemas.microsoft.com/office/powerpoint/2010/main" xmlns:p15="http://schemas.microsoft.com/office/powerpoint/2012/main" xmlns:ahyp="http://schemas.microsoft.com/office/drawing/2018/hyperlinkcolor">
+<p:sld xmlns:a="http://schemas.openxmlformats.org/drawingml/2006/main" xmlns:r="http://schemas.openxmlformats.org/officeDocument/2006/relationships" xmlns:p="http://schemas.openxmlformats.org/presentationml/2006/main">
   <p:cSld>
     <p:spTree>
       <p:nvGrpSpPr>
-        <p:cNvPr id="165" name="Shape 165"/>
+        <p:cNvPr id="1" name="Shape 165"/>
         <p:cNvGrpSpPr/>
         <p:nvPr/>
       </p:nvGrpSpPr>
@@ -9228,7 +9487,9 @@
       <p:sp>
         <p:nvSpPr>
           <p:cNvPr id="166" name="Google Shape;166;p30"/>
-          <p:cNvSpPr txBox="1"/>
+          <p:cNvSpPr txBox="1">
+            <a:spLocks noGrp="1"/>
+          </p:cNvSpPr>
           <p:nvPr>
             <p:ph type="title"/>
           </p:nvPr>
@@ -9243,12 +9504,12 @@
           </a:prstGeom>
         </p:spPr>
         <p:txBody>
-          <a:bodyPr anchorCtr="0" anchor="t" bIns="91425" lIns="91425" spcFirstLastPara="1" rIns="91425" wrap="square" tIns="91425">
+          <a:bodyPr spcFirstLastPara="1" wrap="square" lIns="91425" tIns="91425" rIns="91425" bIns="91425" anchor="t" anchorCtr="0">
             <a:noAutofit/>
           </a:bodyPr>
           <a:lstStyle/>
           <a:p>
-            <a:pPr indent="0" lvl="0" marL="0" rtl="0" algn="l">
+            <a:pPr marL="0" lvl="0" indent="0" algn="l" rtl="0">
               <a:spcBef>
                 <a:spcPts val="0"/>
               </a:spcBef>
@@ -9268,9 +9529,11 @@
       <p:sp>
         <p:nvSpPr>
           <p:cNvPr id="167" name="Google Shape;167;p30"/>
-          <p:cNvSpPr txBox="1"/>
-          <p:nvPr>
-            <p:ph idx="1" type="body"/>
+          <p:cNvSpPr txBox="1">
+            <a:spLocks noGrp="1"/>
+          </p:cNvSpPr>
+          <p:nvPr>
+            <p:ph type="body" idx="1"/>
           </p:nvPr>
         </p:nvSpPr>
         <p:spPr>
@@ -9283,12 +9546,12 @@
           </a:prstGeom>
         </p:spPr>
         <p:txBody>
-          <a:bodyPr anchorCtr="0" anchor="t" bIns="91425" lIns="91425" spcFirstLastPara="1" rIns="91425" wrap="square" tIns="91425">
+          <a:bodyPr spcFirstLastPara="1" wrap="square" lIns="91425" tIns="91425" rIns="91425" bIns="91425" anchor="t" anchorCtr="0">
             <a:noAutofit/>
           </a:bodyPr>
           <a:lstStyle/>
           <a:p>
-            <a:pPr indent="0" lvl="0" marL="0" rtl="0" algn="l">
+            <a:pPr marL="0" lvl="0" indent="0" algn="l" rtl="0">
               <a:spcBef>
                 <a:spcPts val="0"/>
               </a:spcBef>
@@ -9297,9 +9560,6 @@
               </a:spcAft>
               <a:buNone/>
             </a:pPr>
-            <a:r>
-              <a:t/>
-            </a:r>
             <a:endParaRPr/>
           </a:p>
         </p:txBody>
@@ -9341,11 +9601,11 @@
 </file>
 
 <file path=ppt/slides/slide19.xml><?xml version="1.0" encoding="utf-8"?>
-<p:sld xmlns:a="http://schemas.openxmlformats.org/drawingml/2006/main" xmlns:r="http://schemas.openxmlformats.org/officeDocument/2006/relationships" xmlns:mc="http://schemas.openxmlformats.org/markup-compatibility/2006" xmlns:mv="urn:schemas-microsoft-com:mac:vml" xmlns:p="http://schemas.openxmlformats.org/presentationml/2006/main" xmlns:c="http://schemas.openxmlformats.org/drawingml/2006/chart" xmlns:dgm="http://schemas.openxmlformats.org/drawingml/2006/diagram" xmlns:o="urn:schemas-microsoft-com:office:office" xmlns:v="urn:schemas-microsoft-com:vml" xmlns:pvml="urn:schemas-microsoft-com:office:powerpoint" xmlns:com="http://schemas.openxmlformats.org/drawingml/2006/compatibility" xmlns:p14="http://schemas.microsoft.com/office/powerpoint/2010/main" xmlns:p15="http://schemas.microsoft.com/office/powerpoint/2012/main" xmlns:ahyp="http://schemas.microsoft.com/office/drawing/2018/hyperlinkcolor">
+<p:sld xmlns:a="http://schemas.openxmlformats.org/drawingml/2006/main" xmlns:r="http://schemas.openxmlformats.org/officeDocument/2006/relationships" xmlns:p="http://schemas.openxmlformats.org/presentationml/2006/main">
   <p:cSld>
     <p:spTree>
       <p:nvGrpSpPr>
-        <p:cNvPr id="172" name="Shape 172"/>
+        <p:cNvPr id="1" name="Shape 172"/>
         <p:cNvGrpSpPr/>
         <p:nvPr/>
       </p:nvGrpSpPr>
@@ -9360,7 +9620,9 @@
       <p:sp>
         <p:nvSpPr>
           <p:cNvPr id="173" name="Google Shape;173;p31"/>
-          <p:cNvSpPr txBox="1"/>
+          <p:cNvSpPr txBox="1">
+            <a:spLocks noGrp="1"/>
+          </p:cNvSpPr>
           <p:nvPr>
             <p:ph type="title"/>
           </p:nvPr>
@@ -9375,12 +9637,12 @@
           </a:prstGeom>
         </p:spPr>
         <p:txBody>
-          <a:bodyPr anchorCtr="0" anchor="t" bIns="91425" lIns="91425" spcFirstLastPara="1" rIns="91425" wrap="square" tIns="91425">
+          <a:bodyPr spcFirstLastPara="1" wrap="square" lIns="91425" tIns="91425" rIns="91425" bIns="91425" anchor="t" anchorCtr="0">
             <a:noAutofit/>
           </a:bodyPr>
           <a:lstStyle/>
           <a:p>
-            <a:pPr indent="0" lvl="0" marL="0" rtl="0" algn="l">
+            <a:pPr marL="0" lvl="0" indent="0" algn="l" rtl="0">
               <a:spcBef>
                 <a:spcPts val="0"/>
               </a:spcBef>
@@ -9400,9 +9662,11 @@
       <p:sp>
         <p:nvSpPr>
           <p:cNvPr id="174" name="Google Shape;174;p31"/>
-          <p:cNvSpPr txBox="1"/>
-          <p:nvPr>
-            <p:ph idx="1" type="body"/>
+          <p:cNvSpPr txBox="1">
+            <a:spLocks noGrp="1"/>
+          </p:cNvSpPr>
+          <p:nvPr>
+            <p:ph type="body" idx="1"/>
           </p:nvPr>
         </p:nvSpPr>
         <p:spPr>
@@ -9415,12 +9679,12 @@
           </a:prstGeom>
         </p:spPr>
         <p:txBody>
-          <a:bodyPr anchorCtr="0" anchor="t" bIns="91425" lIns="91425" spcFirstLastPara="1" rIns="91425" wrap="square" tIns="91425">
+          <a:bodyPr spcFirstLastPara="1" wrap="square" lIns="91425" tIns="91425" rIns="91425" bIns="91425" anchor="t" anchorCtr="0">
             <a:noAutofit/>
           </a:bodyPr>
           <a:lstStyle/>
           <a:p>
-            <a:pPr indent="0" lvl="0" marL="0" rtl="0" algn="l">
+            <a:pPr marL="0" lvl="0" indent="0" algn="l" rtl="0">
               <a:spcBef>
                 <a:spcPts val="0"/>
               </a:spcBef>
@@ -9429,9 +9693,6 @@
               </a:spcAft>
               <a:buNone/>
             </a:pPr>
-            <a:r>
-              <a:t/>
-            </a:r>
             <a:endParaRPr/>
           </a:p>
         </p:txBody>
@@ -9473,11 +9734,11 @@
 </file>
 
 <file path=ppt/slides/slide2.xml><?xml version="1.0" encoding="utf-8"?>
-<p:sld xmlns:a="http://schemas.openxmlformats.org/drawingml/2006/main" xmlns:r="http://schemas.openxmlformats.org/officeDocument/2006/relationships" xmlns:mc="http://schemas.openxmlformats.org/markup-compatibility/2006" xmlns:mv="urn:schemas-microsoft-com:mac:vml" xmlns:p="http://schemas.openxmlformats.org/presentationml/2006/main" xmlns:c="http://schemas.openxmlformats.org/drawingml/2006/chart" xmlns:dgm="http://schemas.openxmlformats.org/drawingml/2006/diagram" xmlns:o="urn:schemas-microsoft-com:office:office" xmlns:v="urn:schemas-microsoft-com:vml" xmlns:pvml="urn:schemas-microsoft-com:office:powerpoint" xmlns:com="http://schemas.openxmlformats.org/drawingml/2006/compatibility" xmlns:p14="http://schemas.microsoft.com/office/powerpoint/2010/main" xmlns:p15="http://schemas.microsoft.com/office/powerpoint/2012/main" xmlns:ahyp="http://schemas.microsoft.com/office/drawing/2018/hyperlinkcolor">
+<p:sld xmlns:a="http://schemas.openxmlformats.org/drawingml/2006/main" xmlns:r="http://schemas.openxmlformats.org/officeDocument/2006/relationships" xmlns:p="http://schemas.openxmlformats.org/presentationml/2006/main">
   <p:cSld>
     <p:spTree>
       <p:nvGrpSpPr>
-        <p:cNvPr id="59" name="Shape 59"/>
+        <p:cNvPr id="1" name="Shape 59"/>
         <p:cNvGrpSpPr/>
         <p:nvPr/>
       </p:nvGrpSpPr>
@@ -9492,7 +9753,9 @@
       <p:sp>
         <p:nvSpPr>
           <p:cNvPr id="60" name="Google Shape;60;p14"/>
-          <p:cNvSpPr txBox="1"/>
+          <p:cNvSpPr txBox="1">
+            <a:spLocks noGrp="1"/>
+          </p:cNvSpPr>
           <p:nvPr>
             <p:ph type="title"/>
           </p:nvPr>
@@ -9507,12 +9770,12 @@
           </a:prstGeom>
         </p:spPr>
         <p:txBody>
-          <a:bodyPr anchorCtr="0" anchor="t" bIns="91425" lIns="91425" spcFirstLastPara="1" rIns="91425" wrap="square" tIns="91425">
+          <a:bodyPr spcFirstLastPara="1" wrap="square" lIns="91425" tIns="91425" rIns="91425" bIns="91425" anchor="t" anchorCtr="0">
             <a:noAutofit/>
           </a:bodyPr>
           <a:lstStyle/>
           <a:p>
-            <a:pPr indent="0" lvl="0" marL="0" rtl="0" algn="l">
+            <a:pPr marL="0" lvl="0" indent="0" algn="l" rtl="0">
               <a:spcBef>
                 <a:spcPts val="0"/>
               </a:spcBef>
@@ -9532,9 +9795,11 @@
       <p:sp>
         <p:nvSpPr>
           <p:cNvPr id="61" name="Google Shape;61;p14"/>
-          <p:cNvSpPr txBox="1"/>
-          <p:nvPr>
-            <p:ph idx="1" type="body"/>
+          <p:cNvSpPr txBox="1">
+            <a:spLocks noGrp="1"/>
+          </p:cNvSpPr>
+          <p:nvPr>
+            <p:ph type="body" idx="1"/>
           </p:nvPr>
         </p:nvSpPr>
         <p:spPr>
@@ -9547,12 +9812,12 @@
           </a:prstGeom>
         </p:spPr>
         <p:txBody>
-          <a:bodyPr anchorCtr="0" anchor="t" bIns="91425" lIns="91425" spcFirstLastPara="1" rIns="91425" wrap="square" tIns="91425">
+          <a:bodyPr spcFirstLastPara="1" wrap="square" lIns="91425" tIns="91425" rIns="91425" bIns="91425" anchor="t" anchorCtr="0">
             <a:noAutofit/>
           </a:bodyPr>
           <a:lstStyle/>
           <a:p>
-            <a:pPr indent="0" lvl="0" marL="0" rtl="0" algn="l">
+            <a:pPr marL="0" lvl="0" indent="0" algn="l" rtl="0">
               <a:spcBef>
                 <a:spcPts val="0"/>
               </a:spcBef>
@@ -9568,7 +9833,7 @@
             <a:endParaRPr/>
           </a:p>
           <a:p>
-            <a:pPr indent="0" lvl="0" marL="0" rtl="0" algn="l">
+            <a:pPr marL="0" lvl="0" indent="0" algn="l" rtl="0">
               <a:spcBef>
                 <a:spcPts val="1600"/>
               </a:spcBef>
@@ -9584,7 +9849,7 @@
             <a:endParaRPr/>
           </a:p>
           <a:p>
-            <a:pPr indent="0" lvl="0" marL="0" rtl="0" algn="l">
+            <a:pPr marL="0" lvl="0" indent="0" algn="l" rtl="0">
               <a:spcBef>
                 <a:spcPts val="1600"/>
               </a:spcBef>
@@ -9595,20 +9860,12 @@
             </a:pPr>
             <a:r>
               <a:rPr lang="en"/>
-              <a:t>Each chatbot will </a:t>
+              <a:t>Each chatbot will correspond to each of the main characters in the show and also have the ability to talk to each other.</a:t>
             </a:r>
-            <a:r>
-              <a:rPr lang="en"/>
-              <a:t>correspond</a:t>
-            </a:r>
-            <a:r>
-              <a:rPr lang="en"/>
-              <a:t> to each of the main characters in the show and also have the ability to talk to each other.</a:t>
-            </a:r>
-            <a:endParaRPr/>
-          </a:p>
-          <a:p>
-            <a:pPr indent="0" lvl="0" marL="0" rtl="0" algn="l">
+            <a:endParaRPr/>
+          </a:p>
+          <a:p>
+            <a:pPr marL="0" lvl="0" indent="0" algn="l" rtl="0">
               <a:spcBef>
                 <a:spcPts val="1600"/>
               </a:spcBef>
@@ -9624,7 +9881,7 @@
             <a:endParaRPr/>
           </a:p>
           <a:p>
-            <a:pPr indent="0" lvl="0" marL="0" rtl="0" algn="l">
+            <a:pPr marL="0" lvl="0" indent="0" algn="l" rtl="0">
               <a:spcBef>
                 <a:spcPts val="1600"/>
               </a:spcBef>
@@ -9633,13 +9890,10 @@
               </a:spcAft>
               <a:buNone/>
             </a:pPr>
-            <a:r>
-              <a:t/>
-            </a:r>
-            <a:endParaRPr/>
-          </a:p>
-          <a:p>
-            <a:pPr indent="0" lvl="0" marL="0" rtl="0" algn="l">
+            <a:endParaRPr/>
+          </a:p>
+          <a:p>
+            <a:pPr marL="0" lvl="0" indent="0" algn="l" rtl="0">
               <a:spcBef>
                 <a:spcPts val="1600"/>
               </a:spcBef>
@@ -9648,9 +9902,6 @@
               </a:spcAft>
               <a:buNone/>
             </a:pPr>
-            <a:r>
-              <a:t/>
-            </a:r>
             <a:endParaRPr/>
           </a:p>
         </p:txBody>
@@ -9664,11 +9915,11 @@
 </file>
 
 <file path=ppt/slides/slide20.xml><?xml version="1.0" encoding="utf-8"?>
-<p:sld xmlns:a="http://schemas.openxmlformats.org/drawingml/2006/main" xmlns:r="http://schemas.openxmlformats.org/officeDocument/2006/relationships" xmlns:mc="http://schemas.openxmlformats.org/markup-compatibility/2006" xmlns:mv="urn:schemas-microsoft-com:mac:vml" xmlns:p="http://schemas.openxmlformats.org/presentationml/2006/main" xmlns:c="http://schemas.openxmlformats.org/drawingml/2006/chart" xmlns:dgm="http://schemas.openxmlformats.org/drawingml/2006/diagram" xmlns:o="urn:schemas-microsoft-com:office:office" xmlns:v="urn:schemas-microsoft-com:vml" xmlns:pvml="urn:schemas-microsoft-com:office:powerpoint" xmlns:com="http://schemas.openxmlformats.org/drawingml/2006/compatibility" xmlns:p14="http://schemas.microsoft.com/office/powerpoint/2010/main" xmlns:p15="http://schemas.microsoft.com/office/powerpoint/2012/main" xmlns:ahyp="http://schemas.microsoft.com/office/drawing/2018/hyperlinkcolor">
+<p:sld xmlns:a="http://schemas.openxmlformats.org/drawingml/2006/main" xmlns:r="http://schemas.openxmlformats.org/officeDocument/2006/relationships" xmlns:p="http://schemas.openxmlformats.org/presentationml/2006/main">
   <p:cSld>
     <p:spTree>
       <p:nvGrpSpPr>
-        <p:cNvPr id="179" name="Shape 179"/>
+        <p:cNvPr id="1" name="Shape 179"/>
         <p:cNvGrpSpPr/>
         <p:nvPr/>
       </p:nvGrpSpPr>
@@ -9683,7 +9934,9 @@
       <p:sp>
         <p:nvSpPr>
           <p:cNvPr id="180" name="Google Shape;180;p32"/>
-          <p:cNvSpPr txBox="1"/>
+          <p:cNvSpPr txBox="1">
+            <a:spLocks noGrp="1"/>
+          </p:cNvSpPr>
           <p:nvPr>
             <p:ph type="title"/>
           </p:nvPr>
@@ -9698,12 +9951,12 @@
           </a:prstGeom>
         </p:spPr>
         <p:txBody>
-          <a:bodyPr anchorCtr="0" anchor="t" bIns="91425" lIns="91425" spcFirstLastPara="1" rIns="91425" wrap="square" tIns="91425">
+          <a:bodyPr spcFirstLastPara="1" wrap="square" lIns="91425" tIns="91425" rIns="91425" bIns="91425" anchor="t" anchorCtr="0">
             <a:noAutofit/>
           </a:bodyPr>
           <a:lstStyle/>
           <a:p>
-            <a:pPr indent="0" lvl="0" marL="0" rtl="0" algn="l">
+            <a:pPr marL="0" lvl="0" indent="0" algn="l" rtl="0">
               <a:spcBef>
                 <a:spcPts val="0"/>
               </a:spcBef>
@@ -9723,9 +9976,11 @@
       <p:sp>
         <p:nvSpPr>
           <p:cNvPr id="181" name="Google Shape;181;p32"/>
-          <p:cNvSpPr txBox="1"/>
-          <p:nvPr>
-            <p:ph idx="1" type="body"/>
+          <p:cNvSpPr txBox="1">
+            <a:spLocks noGrp="1"/>
+          </p:cNvSpPr>
+          <p:nvPr>
+            <p:ph type="body" idx="1"/>
           </p:nvPr>
         </p:nvSpPr>
         <p:spPr>
@@ -9738,12 +9993,12 @@
           </a:prstGeom>
         </p:spPr>
         <p:txBody>
-          <a:bodyPr anchorCtr="0" anchor="t" bIns="91425" lIns="91425" spcFirstLastPara="1" rIns="91425" wrap="square" tIns="91425">
+          <a:bodyPr spcFirstLastPara="1" wrap="square" lIns="91425" tIns="91425" rIns="91425" bIns="91425" anchor="t" anchorCtr="0">
             <a:noAutofit/>
           </a:bodyPr>
           <a:lstStyle/>
           <a:p>
-            <a:pPr indent="0" lvl="0" marL="0" rtl="0" algn="l">
+            <a:pPr marL="0" lvl="0" indent="0" algn="l" rtl="0">
               <a:spcBef>
                 <a:spcPts val="0"/>
               </a:spcBef>
@@ -9752,9 +10007,6 @@
               </a:spcAft>
               <a:buNone/>
             </a:pPr>
-            <a:r>
-              <a:t/>
-            </a:r>
             <a:endParaRPr/>
           </a:p>
         </p:txBody>
@@ -9796,11 +10048,11 @@
 </file>
 
 <file path=ppt/slides/slide21.xml><?xml version="1.0" encoding="utf-8"?>
-<p:sld xmlns:a="http://schemas.openxmlformats.org/drawingml/2006/main" xmlns:r="http://schemas.openxmlformats.org/officeDocument/2006/relationships" xmlns:mc="http://schemas.openxmlformats.org/markup-compatibility/2006" xmlns:mv="urn:schemas-microsoft-com:mac:vml" xmlns:p="http://schemas.openxmlformats.org/presentationml/2006/main" xmlns:c="http://schemas.openxmlformats.org/drawingml/2006/chart" xmlns:dgm="http://schemas.openxmlformats.org/drawingml/2006/diagram" xmlns:o="urn:schemas-microsoft-com:office:office" xmlns:v="urn:schemas-microsoft-com:vml" xmlns:pvml="urn:schemas-microsoft-com:office:powerpoint" xmlns:com="http://schemas.openxmlformats.org/drawingml/2006/compatibility" xmlns:p14="http://schemas.microsoft.com/office/powerpoint/2010/main" xmlns:p15="http://schemas.microsoft.com/office/powerpoint/2012/main" xmlns:ahyp="http://schemas.microsoft.com/office/drawing/2018/hyperlinkcolor">
+<p:sld xmlns:a="http://schemas.openxmlformats.org/drawingml/2006/main" xmlns:r="http://schemas.openxmlformats.org/officeDocument/2006/relationships" xmlns:p="http://schemas.openxmlformats.org/presentationml/2006/main">
   <p:cSld>
     <p:spTree>
       <p:nvGrpSpPr>
-        <p:cNvPr id="186" name="Shape 186"/>
+        <p:cNvPr id="1" name="Shape 186"/>
         <p:cNvGrpSpPr/>
         <p:nvPr/>
       </p:nvGrpSpPr>
@@ -9815,7 +10067,9 @@
       <p:sp>
         <p:nvSpPr>
           <p:cNvPr id="187" name="Google Shape;187;p33"/>
-          <p:cNvSpPr txBox="1"/>
+          <p:cNvSpPr txBox="1">
+            <a:spLocks noGrp="1"/>
+          </p:cNvSpPr>
           <p:nvPr>
             <p:ph type="title"/>
           </p:nvPr>
@@ -9830,12 +10084,12 @@
           </a:prstGeom>
         </p:spPr>
         <p:txBody>
-          <a:bodyPr anchorCtr="0" anchor="t" bIns="91425" lIns="91425" spcFirstLastPara="1" rIns="91425" wrap="square" tIns="91425">
+          <a:bodyPr spcFirstLastPara="1" wrap="square" lIns="91425" tIns="91425" rIns="91425" bIns="91425" anchor="t" anchorCtr="0">
             <a:noAutofit/>
           </a:bodyPr>
           <a:lstStyle/>
           <a:p>
-            <a:pPr indent="0" lvl="0" marL="0" rtl="0" algn="l">
+            <a:pPr marL="0" lvl="0" indent="0" algn="l" rtl="0">
               <a:spcBef>
                 <a:spcPts val="0"/>
               </a:spcBef>
@@ -9855,9 +10109,11 @@
       <p:sp>
         <p:nvSpPr>
           <p:cNvPr id="188" name="Google Shape;188;p33"/>
-          <p:cNvSpPr txBox="1"/>
-          <p:nvPr>
-            <p:ph idx="1" type="body"/>
+          <p:cNvSpPr txBox="1">
+            <a:spLocks noGrp="1"/>
+          </p:cNvSpPr>
+          <p:nvPr>
+            <p:ph type="body" idx="1"/>
           </p:nvPr>
         </p:nvSpPr>
         <p:spPr>
@@ -9870,12 +10126,12 @@
           </a:prstGeom>
         </p:spPr>
         <p:txBody>
-          <a:bodyPr anchorCtr="0" anchor="t" bIns="91425" lIns="91425" spcFirstLastPara="1" rIns="91425" wrap="square" tIns="91425">
+          <a:bodyPr spcFirstLastPara="1" wrap="square" lIns="91425" tIns="91425" rIns="91425" bIns="91425" anchor="t" anchorCtr="0">
             <a:noAutofit/>
           </a:bodyPr>
           <a:lstStyle/>
           <a:p>
-            <a:pPr indent="0" lvl="0" marL="0" rtl="0" algn="l">
+            <a:pPr marL="0" lvl="0" indent="0" algn="l" rtl="0">
               <a:spcBef>
                 <a:spcPts val="0"/>
               </a:spcBef>
@@ -9891,7 +10147,7 @@
             <a:endParaRPr/>
           </a:p>
           <a:p>
-            <a:pPr indent="0" lvl="0" marL="0" rtl="0" algn="l">
+            <a:pPr marL="0" lvl="0" indent="0" algn="l" rtl="0">
               <a:spcBef>
                 <a:spcPts val="1600"/>
               </a:spcBef>
@@ -9907,7 +10163,7 @@
             <a:endParaRPr/>
           </a:p>
           <a:p>
-            <a:pPr indent="0" lvl="0" marL="0" rtl="0" algn="l">
+            <a:pPr marL="0" lvl="0" indent="0" algn="l" rtl="0">
               <a:spcBef>
                 <a:spcPts val="1600"/>
               </a:spcBef>
@@ -9923,7 +10179,7 @@
             <a:endParaRPr/>
           </a:p>
           <a:p>
-            <a:pPr indent="0" lvl="0" marL="0" rtl="0" algn="l">
+            <a:pPr marL="0" lvl="0" indent="0" algn="l" rtl="0">
               <a:spcBef>
                 <a:spcPts val="1600"/>
               </a:spcBef>
@@ -9932,9 +10188,6 @@
               </a:spcAft>
               <a:buNone/>
             </a:pPr>
-            <a:r>
-              <a:t/>
-            </a:r>
             <a:endParaRPr/>
           </a:p>
         </p:txBody>
@@ -10004,11 +10257,11 @@
 </file>
 
 <file path=ppt/slides/slide22.xml><?xml version="1.0" encoding="utf-8"?>
-<p:sld xmlns:a="http://schemas.openxmlformats.org/drawingml/2006/main" xmlns:r="http://schemas.openxmlformats.org/officeDocument/2006/relationships" xmlns:mc="http://schemas.openxmlformats.org/markup-compatibility/2006" xmlns:mv="urn:schemas-microsoft-com:mac:vml" xmlns:p="http://schemas.openxmlformats.org/presentationml/2006/main" xmlns:c="http://schemas.openxmlformats.org/drawingml/2006/chart" xmlns:dgm="http://schemas.openxmlformats.org/drawingml/2006/diagram" xmlns:o="urn:schemas-microsoft-com:office:office" xmlns:v="urn:schemas-microsoft-com:vml" xmlns:pvml="urn:schemas-microsoft-com:office:powerpoint" xmlns:com="http://schemas.openxmlformats.org/drawingml/2006/compatibility" xmlns:p14="http://schemas.microsoft.com/office/powerpoint/2010/main" xmlns:p15="http://schemas.microsoft.com/office/powerpoint/2012/main" xmlns:ahyp="http://schemas.microsoft.com/office/drawing/2018/hyperlinkcolor">
+<p:sld xmlns:a="http://schemas.openxmlformats.org/drawingml/2006/main" xmlns:r="http://schemas.openxmlformats.org/officeDocument/2006/relationships" xmlns:p="http://schemas.openxmlformats.org/presentationml/2006/main">
   <p:cSld>
     <p:spTree>
       <p:nvGrpSpPr>
-        <p:cNvPr id="194" name="Shape 194"/>
+        <p:cNvPr id="1" name="Shape 194"/>
         <p:cNvGrpSpPr/>
         <p:nvPr/>
       </p:nvGrpSpPr>
@@ -10023,7 +10276,9 @@
       <p:sp>
         <p:nvSpPr>
           <p:cNvPr id="195" name="Google Shape;195;p34"/>
-          <p:cNvSpPr txBox="1"/>
+          <p:cNvSpPr txBox="1">
+            <a:spLocks noGrp="1"/>
+          </p:cNvSpPr>
           <p:nvPr>
             <p:ph type="title"/>
           </p:nvPr>
@@ -10038,12 +10293,12 @@
           </a:prstGeom>
         </p:spPr>
         <p:txBody>
-          <a:bodyPr anchorCtr="0" anchor="t" bIns="91425" lIns="91425" spcFirstLastPara="1" rIns="91425" wrap="square" tIns="91425">
+          <a:bodyPr spcFirstLastPara="1" wrap="square" lIns="91425" tIns="91425" rIns="91425" bIns="91425" anchor="t" anchorCtr="0">
             <a:noAutofit/>
           </a:bodyPr>
           <a:lstStyle/>
           <a:p>
-            <a:pPr indent="0" lvl="0" marL="0" rtl="0" algn="l">
+            <a:pPr marL="0" lvl="0" indent="0" algn="l" rtl="0">
               <a:spcBef>
                 <a:spcPts val="0"/>
               </a:spcBef>
@@ -10063,9 +10318,11 @@
       <p:sp>
         <p:nvSpPr>
           <p:cNvPr id="196" name="Google Shape;196;p34"/>
-          <p:cNvSpPr txBox="1"/>
-          <p:nvPr>
-            <p:ph idx="1" type="body"/>
+          <p:cNvSpPr txBox="1">
+            <a:spLocks noGrp="1"/>
+          </p:cNvSpPr>
+          <p:nvPr>
+            <p:ph type="body" idx="1"/>
           </p:nvPr>
         </p:nvSpPr>
         <p:spPr>
@@ -10078,12 +10335,12 @@
           </a:prstGeom>
         </p:spPr>
         <p:txBody>
-          <a:bodyPr anchorCtr="0" anchor="t" bIns="91425" lIns="91425" spcFirstLastPara="1" rIns="91425" wrap="square" tIns="91425">
+          <a:bodyPr spcFirstLastPara="1" wrap="square" lIns="91425" tIns="91425" rIns="91425" bIns="91425" anchor="t" anchorCtr="0">
             <a:noAutofit/>
           </a:bodyPr>
           <a:lstStyle/>
           <a:p>
-            <a:pPr indent="0" lvl="0" marL="0" rtl="0" algn="l">
+            <a:pPr marL="0" lvl="0" indent="0" algn="l" rtl="0">
               <a:spcBef>
                 <a:spcPts val="0"/>
               </a:spcBef>
@@ -10092,9 +10349,6 @@
               </a:spcAft>
               <a:buNone/>
             </a:pPr>
-            <a:r>
-              <a:t/>
-            </a:r>
             <a:endParaRPr/>
           </a:p>
         </p:txBody>
@@ -10136,11 +10390,11 @@
 </file>
 
 <file path=ppt/slides/slide23.xml><?xml version="1.0" encoding="utf-8"?>
-<p:sld xmlns:a="http://schemas.openxmlformats.org/drawingml/2006/main" xmlns:r="http://schemas.openxmlformats.org/officeDocument/2006/relationships" xmlns:mc="http://schemas.openxmlformats.org/markup-compatibility/2006" xmlns:mv="urn:schemas-microsoft-com:mac:vml" xmlns:p="http://schemas.openxmlformats.org/presentationml/2006/main" xmlns:c="http://schemas.openxmlformats.org/drawingml/2006/chart" xmlns:dgm="http://schemas.openxmlformats.org/drawingml/2006/diagram" xmlns:o="urn:schemas-microsoft-com:office:office" xmlns:v="urn:schemas-microsoft-com:vml" xmlns:pvml="urn:schemas-microsoft-com:office:powerpoint" xmlns:com="http://schemas.openxmlformats.org/drawingml/2006/compatibility" xmlns:p14="http://schemas.microsoft.com/office/powerpoint/2010/main" xmlns:p15="http://schemas.microsoft.com/office/powerpoint/2012/main" xmlns:ahyp="http://schemas.microsoft.com/office/drawing/2018/hyperlinkcolor">
+<p:sld xmlns:a="http://schemas.openxmlformats.org/drawingml/2006/main" xmlns:r="http://schemas.openxmlformats.org/officeDocument/2006/relationships" xmlns:p="http://schemas.openxmlformats.org/presentationml/2006/main">
   <p:cSld>
     <p:spTree>
       <p:nvGrpSpPr>
-        <p:cNvPr id="201" name="Shape 201"/>
+        <p:cNvPr id="1" name="Shape 201"/>
         <p:cNvGrpSpPr/>
         <p:nvPr/>
       </p:nvGrpSpPr>
@@ -10155,7 +10409,9 @@
       <p:sp>
         <p:nvSpPr>
           <p:cNvPr id="202" name="Google Shape;202;p35"/>
-          <p:cNvSpPr txBox="1"/>
+          <p:cNvSpPr txBox="1">
+            <a:spLocks noGrp="1"/>
+          </p:cNvSpPr>
           <p:nvPr>
             <p:ph type="title"/>
           </p:nvPr>
@@ -10170,12 +10426,12 @@
           </a:prstGeom>
         </p:spPr>
         <p:txBody>
-          <a:bodyPr anchorCtr="0" anchor="t" bIns="91425" lIns="91425" spcFirstLastPara="1" rIns="91425" wrap="square" tIns="91425">
+          <a:bodyPr spcFirstLastPara="1" wrap="square" lIns="91425" tIns="91425" rIns="91425" bIns="91425" anchor="t" anchorCtr="0">
             <a:noAutofit/>
           </a:bodyPr>
           <a:lstStyle/>
           <a:p>
-            <a:pPr indent="0" lvl="0" marL="0" rtl="0" algn="l">
+            <a:pPr marL="0" lvl="0" indent="0" algn="l" rtl="0">
               <a:spcBef>
                 <a:spcPts val="0"/>
               </a:spcBef>
@@ -10195,9 +10451,11 @@
       <p:sp>
         <p:nvSpPr>
           <p:cNvPr id="203" name="Google Shape;203;p35"/>
-          <p:cNvSpPr txBox="1"/>
-          <p:nvPr>
-            <p:ph idx="1" type="body"/>
+          <p:cNvSpPr txBox="1">
+            <a:spLocks noGrp="1"/>
+          </p:cNvSpPr>
+          <p:nvPr>
+            <p:ph type="body" idx="1"/>
           </p:nvPr>
         </p:nvSpPr>
         <p:spPr>
@@ -10210,12 +10468,12 @@
           </a:prstGeom>
         </p:spPr>
         <p:txBody>
-          <a:bodyPr anchorCtr="0" anchor="t" bIns="91425" lIns="91425" spcFirstLastPara="1" rIns="91425" wrap="square" tIns="91425">
+          <a:bodyPr spcFirstLastPara="1" wrap="square" lIns="91425" tIns="91425" rIns="91425" bIns="91425" anchor="t" anchorCtr="0">
             <a:noAutofit/>
           </a:bodyPr>
           <a:lstStyle/>
           <a:p>
-            <a:pPr indent="0" lvl="0" marL="0" rtl="0" algn="l">
+            <a:pPr marL="0" lvl="0" indent="0" algn="l" rtl="0">
               <a:spcBef>
                 <a:spcPts val="0"/>
               </a:spcBef>
@@ -10224,9 +10482,6 @@
               </a:spcAft>
               <a:buNone/>
             </a:pPr>
-            <a:r>
-              <a:t/>
-            </a:r>
             <a:endParaRPr/>
           </a:p>
         </p:txBody>
@@ -10268,11 +10523,11 @@
 </file>
 
 <file path=ppt/slides/slide24.xml><?xml version="1.0" encoding="utf-8"?>
-<p:sld xmlns:a="http://schemas.openxmlformats.org/drawingml/2006/main" xmlns:r="http://schemas.openxmlformats.org/officeDocument/2006/relationships" xmlns:mc="http://schemas.openxmlformats.org/markup-compatibility/2006" xmlns:mv="urn:schemas-microsoft-com:mac:vml" xmlns:p="http://schemas.openxmlformats.org/presentationml/2006/main" xmlns:c="http://schemas.openxmlformats.org/drawingml/2006/chart" xmlns:dgm="http://schemas.openxmlformats.org/drawingml/2006/diagram" xmlns:o="urn:schemas-microsoft-com:office:office" xmlns:v="urn:schemas-microsoft-com:vml" xmlns:pvml="urn:schemas-microsoft-com:office:powerpoint" xmlns:com="http://schemas.openxmlformats.org/drawingml/2006/compatibility" xmlns:p14="http://schemas.microsoft.com/office/powerpoint/2010/main" xmlns:p15="http://schemas.microsoft.com/office/powerpoint/2012/main" xmlns:ahyp="http://schemas.microsoft.com/office/drawing/2018/hyperlinkcolor">
+<p:sld xmlns:a="http://schemas.openxmlformats.org/drawingml/2006/main" xmlns:r="http://schemas.openxmlformats.org/officeDocument/2006/relationships" xmlns:p="http://schemas.openxmlformats.org/presentationml/2006/main">
   <p:cSld>
     <p:spTree>
       <p:nvGrpSpPr>
-        <p:cNvPr id="208" name="Shape 208"/>
+        <p:cNvPr id="1" name="Shape 208"/>
         <p:cNvGrpSpPr/>
         <p:nvPr/>
       </p:nvGrpSpPr>
@@ -10287,7 +10542,9 @@
       <p:sp>
         <p:nvSpPr>
           <p:cNvPr id="209" name="Google Shape;209;p36"/>
-          <p:cNvSpPr txBox="1"/>
+          <p:cNvSpPr txBox="1">
+            <a:spLocks noGrp="1"/>
+          </p:cNvSpPr>
           <p:nvPr>
             <p:ph type="title"/>
           </p:nvPr>
@@ -10302,12 +10559,12 @@
           </a:prstGeom>
         </p:spPr>
         <p:txBody>
-          <a:bodyPr anchorCtr="0" anchor="t" bIns="91425" lIns="91425" spcFirstLastPara="1" rIns="91425" wrap="square" tIns="91425">
+          <a:bodyPr spcFirstLastPara="1" wrap="square" lIns="91425" tIns="91425" rIns="91425" bIns="91425" anchor="t" anchorCtr="0">
             <a:noAutofit/>
           </a:bodyPr>
           <a:lstStyle/>
           <a:p>
-            <a:pPr indent="0" lvl="0" marL="0" rtl="0" algn="l">
+            <a:pPr marL="0" lvl="0" indent="0" algn="l" rtl="0">
               <a:spcBef>
                 <a:spcPts val="0"/>
               </a:spcBef>
@@ -10327,9 +10584,11 @@
       <p:sp>
         <p:nvSpPr>
           <p:cNvPr id="210" name="Google Shape;210;p36"/>
-          <p:cNvSpPr txBox="1"/>
-          <p:nvPr>
-            <p:ph idx="1" type="body"/>
+          <p:cNvSpPr txBox="1">
+            <a:spLocks noGrp="1"/>
+          </p:cNvSpPr>
+          <p:nvPr>
+            <p:ph type="body" idx="1"/>
           </p:nvPr>
         </p:nvSpPr>
         <p:spPr>
@@ -10342,12 +10601,12 @@
           </a:prstGeom>
         </p:spPr>
         <p:txBody>
-          <a:bodyPr anchorCtr="0" anchor="t" bIns="91425" lIns="91425" spcFirstLastPara="1" rIns="91425" wrap="square" tIns="91425">
+          <a:bodyPr spcFirstLastPara="1" wrap="square" lIns="91425" tIns="91425" rIns="91425" bIns="91425" anchor="t" anchorCtr="0">
             <a:noAutofit/>
           </a:bodyPr>
           <a:lstStyle/>
           <a:p>
-            <a:pPr indent="0" lvl="0" marL="0" rtl="0" algn="l">
+            <a:pPr marL="0" lvl="0" indent="0" algn="l" rtl="0">
               <a:spcBef>
                 <a:spcPts val="0"/>
               </a:spcBef>
@@ -10356,9 +10615,6 @@
               </a:spcAft>
               <a:buNone/>
             </a:pPr>
-            <a:r>
-              <a:t/>
-            </a:r>
             <a:endParaRPr/>
           </a:p>
         </p:txBody>
@@ -10400,11 +10656,11 @@
 </file>
 
 <file path=ppt/slides/slide25.xml><?xml version="1.0" encoding="utf-8"?>
-<p:sld xmlns:a="http://schemas.openxmlformats.org/drawingml/2006/main" xmlns:r="http://schemas.openxmlformats.org/officeDocument/2006/relationships" xmlns:mc="http://schemas.openxmlformats.org/markup-compatibility/2006" xmlns:mv="urn:schemas-microsoft-com:mac:vml" xmlns:p="http://schemas.openxmlformats.org/presentationml/2006/main" xmlns:c="http://schemas.openxmlformats.org/drawingml/2006/chart" xmlns:dgm="http://schemas.openxmlformats.org/drawingml/2006/diagram" xmlns:o="urn:schemas-microsoft-com:office:office" xmlns:v="urn:schemas-microsoft-com:vml" xmlns:pvml="urn:schemas-microsoft-com:office:powerpoint" xmlns:com="http://schemas.openxmlformats.org/drawingml/2006/compatibility" xmlns:p14="http://schemas.microsoft.com/office/powerpoint/2010/main" xmlns:p15="http://schemas.microsoft.com/office/powerpoint/2012/main" xmlns:ahyp="http://schemas.microsoft.com/office/drawing/2018/hyperlinkcolor">
+<p:sld xmlns:a="http://schemas.openxmlformats.org/drawingml/2006/main" xmlns:r="http://schemas.openxmlformats.org/officeDocument/2006/relationships" xmlns:p="http://schemas.openxmlformats.org/presentationml/2006/main">
   <p:cSld>
     <p:spTree>
       <p:nvGrpSpPr>
-        <p:cNvPr id="215" name="Shape 215"/>
+        <p:cNvPr id="1" name="Shape 215"/>
         <p:cNvGrpSpPr/>
         <p:nvPr/>
       </p:nvGrpSpPr>
@@ -10419,7 +10675,9 @@
       <p:sp>
         <p:nvSpPr>
           <p:cNvPr id="216" name="Google Shape;216;p37"/>
-          <p:cNvSpPr txBox="1"/>
+          <p:cNvSpPr txBox="1">
+            <a:spLocks noGrp="1"/>
+          </p:cNvSpPr>
           <p:nvPr>
             <p:ph type="title"/>
           </p:nvPr>
@@ -10434,12 +10692,12 @@
           </a:prstGeom>
         </p:spPr>
         <p:txBody>
-          <a:bodyPr anchorCtr="0" anchor="t" bIns="91425" lIns="91425" spcFirstLastPara="1" rIns="91425" wrap="square" tIns="91425">
+          <a:bodyPr spcFirstLastPara="1" wrap="square" lIns="91425" tIns="91425" rIns="91425" bIns="91425" anchor="t" anchorCtr="0">
             <a:noAutofit/>
           </a:bodyPr>
           <a:lstStyle/>
           <a:p>
-            <a:pPr indent="0" lvl="0" marL="0" rtl="0" algn="l">
+            <a:pPr marL="0" lvl="0" indent="0" algn="l" rtl="0">
               <a:spcBef>
                 <a:spcPts val="0"/>
               </a:spcBef>
@@ -10459,9 +10717,11 @@
       <p:sp>
         <p:nvSpPr>
           <p:cNvPr id="217" name="Google Shape;217;p37"/>
-          <p:cNvSpPr txBox="1"/>
-          <p:nvPr>
-            <p:ph idx="1" type="body"/>
+          <p:cNvSpPr txBox="1">
+            <a:spLocks noGrp="1"/>
+          </p:cNvSpPr>
+          <p:nvPr>
+            <p:ph type="body" idx="1"/>
           </p:nvPr>
         </p:nvSpPr>
         <p:spPr>
@@ -10474,12 +10734,12 @@
           </a:prstGeom>
         </p:spPr>
         <p:txBody>
-          <a:bodyPr anchorCtr="0" anchor="t" bIns="91425" lIns="91425" spcFirstLastPara="1" rIns="91425" wrap="square" tIns="91425">
+          <a:bodyPr spcFirstLastPara="1" wrap="square" lIns="91425" tIns="91425" rIns="91425" bIns="91425" anchor="t" anchorCtr="0">
             <a:noAutofit/>
           </a:bodyPr>
           <a:lstStyle/>
           <a:p>
-            <a:pPr indent="0" lvl="0" marL="0" rtl="0" algn="l">
+            <a:pPr marL="0" lvl="0" indent="0" algn="l" rtl="0">
               <a:spcBef>
                 <a:spcPts val="0"/>
               </a:spcBef>
@@ -10495,7 +10755,7 @@
             <a:endParaRPr/>
           </a:p>
           <a:p>
-            <a:pPr indent="0" lvl="0" marL="0" rtl="0" algn="l">
+            <a:pPr marL="0" lvl="0" indent="0" algn="l" rtl="0">
               <a:spcBef>
                 <a:spcPts val="1600"/>
               </a:spcBef>
@@ -10511,7 +10771,7 @@
             <a:endParaRPr/>
           </a:p>
           <a:p>
-            <a:pPr indent="0" lvl="0" marL="0" rtl="0" algn="l">
+            <a:pPr marL="0" lvl="0" indent="0" algn="l" rtl="0">
               <a:spcBef>
                 <a:spcPts val="1600"/>
               </a:spcBef>
@@ -10537,11 +10797,11 @@
 </file>
 
 <file path=ppt/slides/slide26.xml><?xml version="1.0" encoding="utf-8"?>
-<p:sld xmlns:a="http://schemas.openxmlformats.org/drawingml/2006/main" xmlns:r="http://schemas.openxmlformats.org/officeDocument/2006/relationships" xmlns:mc="http://schemas.openxmlformats.org/markup-compatibility/2006" xmlns:mv="urn:schemas-microsoft-com:mac:vml" xmlns:p="http://schemas.openxmlformats.org/presentationml/2006/main" xmlns:c="http://schemas.openxmlformats.org/drawingml/2006/chart" xmlns:dgm="http://schemas.openxmlformats.org/drawingml/2006/diagram" xmlns:o="urn:schemas-microsoft-com:office:office" xmlns:v="urn:schemas-microsoft-com:vml" xmlns:pvml="urn:schemas-microsoft-com:office:powerpoint" xmlns:com="http://schemas.openxmlformats.org/drawingml/2006/compatibility" xmlns:p14="http://schemas.microsoft.com/office/powerpoint/2010/main" xmlns:p15="http://schemas.microsoft.com/office/powerpoint/2012/main" xmlns:ahyp="http://schemas.microsoft.com/office/drawing/2018/hyperlinkcolor">
+<p:sld xmlns:a="http://schemas.openxmlformats.org/drawingml/2006/main" xmlns:r="http://schemas.openxmlformats.org/officeDocument/2006/relationships" xmlns:p="http://schemas.openxmlformats.org/presentationml/2006/main">
   <p:cSld>
     <p:spTree>
       <p:nvGrpSpPr>
-        <p:cNvPr id="221" name="Shape 221"/>
+        <p:cNvPr id="1" name="Shape 221"/>
         <p:cNvGrpSpPr/>
         <p:nvPr/>
       </p:nvGrpSpPr>
@@ -10556,7 +10816,9 @@
       <p:sp>
         <p:nvSpPr>
           <p:cNvPr id="222" name="Google Shape;222;p38"/>
-          <p:cNvSpPr txBox="1"/>
+          <p:cNvSpPr txBox="1">
+            <a:spLocks noGrp="1"/>
+          </p:cNvSpPr>
           <p:nvPr>
             <p:ph type="title"/>
           </p:nvPr>
@@ -10571,12 +10833,12 @@
           </a:prstGeom>
         </p:spPr>
         <p:txBody>
-          <a:bodyPr anchorCtr="0" anchor="t" bIns="91425" lIns="91425" spcFirstLastPara="1" rIns="91425" wrap="square" tIns="91425">
+          <a:bodyPr spcFirstLastPara="1" wrap="square" lIns="91425" tIns="91425" rIns="91425" bIns="91425" anchor="t" anchorCtr="0">
             <a:noAutofit/>
           </a:bodyPr>
           <a:lstStyle/>
           <a:p>
-            <a:pPr indent="0" lvl="0" marL="0" rtl="0" algn="l">
+            <a:pPr marL="0" lvl="0" indent="0" algn="l" rtl="0">
               <a:spcBef>
                 <a:spcPts val="0"/>
               </a:spcBef>
@@ -10596,9 +10858,11 @@
       <p:sp>
         <p:nvSpPr>
           <p:cNvPr id="223" name="Google Shape;223;p38"/>
-          <p:cNvSpPr txBox="1"/>
-          <p:nvPr>
-            <p:ph idx="1" type="body"/>
+          <p:cNvSpPr txBox="1">
+            <a:spLocks noGrp="1"/>
+          </p:cNvSpPr>
+          <p:nvPr>
+            <p:ph type="body" idx="1"/>
           </p:nvPr>
         </p:nvSpPr>
         <p:spPr>
@@ -10611,12 +10875,12 @@
           </a:prstGeom>
         </p:spPr>
         <p:txBody>
-          <a:bodyPr anchorCtr="0" anchor="t" bIns="91425" lIns="91425" spcFirstLastPara="1" rIns="91425" wrap="square" tIns="91425">
+          <a:bodyPr spcFirstLastPara="1" wrap="square" lIns="91425" tIns="91425" rIns="91425" bIns="91425" anchor="t" anchorCtr="0">
             <a:noAutofit/>
           </a:bodyPr>
           <a:lstStyle/>
           <a:p>
-            <a:pPr indent="0" lvl="0" marL="0" rtl="0" algn="l">
+            <a:pPr marL="0" lvl="0" indent="0" algn="l" rtl="0">
               <a:spcBef>
                 <a:spcPts val="0"/>
               </a:spcBef>
@@ -10626,29 +10890,54 @@
               <a:buNone/>
             </a:pPr>
             <a:r>
-              <a:rPr lang="en"/>
+              <a:rPr lang="en" dirty="0"/>
               <a:t>When comparing the difference between the Bag of Words and TF-IDF models we can see that they perform identical when given a single word input.  This tells us that when we have only one word to compare with both methods will find the exact same line of dialogue.</a:t>
             </a:r>
-            <a:endParaRPr/>
-          </a:p>
-          <a:p>
-            <a:pPr indent="0" lvl="0" marL="0" rtl="0" algn="l">
-              <a:spcBef>
-                <a:spcPts val="1600"/>
-              </a:spcBef>
-              <a:spcAft>
-                <a:spcPts val="1600"/>
+          </a:p>
+          <a:p>
+            <a:pPr marL="0" lvl="0" indent="0" algn="l" rtl="0">
+              <a:spcBef>
+                <a:spcPts val="0"/>
+              </a:spcBef>
+              <a:spcAft>
+                <a:spcPts val="0"/>
               </a:spcAft>
               <a:buNone/>
             </a:pPr>
-            <a:r>
-              <a:rPr lang="en"/>
-              <a:t>We see a difference when we have a question with multiple words that need to be compared against.  Bag of Words will match its response with the line that matches the most words while TF-IDF will match the single word with the highest score and give a line based on that one word.</a:t>
-            </a:r>
-            <a:endParaRPr/>
+            <a:endParaRPr dirty="0"/>
           </a:p>
         </p:txBody>
       </p:sp>
+      <p:pic>
+        <p:nvPicPr>
+          <p:cNvPr id="2" name="Picture 1">
+            <a:extLst>
+              <a:ext uri="{FF2B5EF4-FFF2-40B4-BE49-F238E27FC236}">
+                <a16:creationId xmlns:a16="http://schemas.microsoft.com/office/drawing/2014/main" id="{A59BD31D-6678-4A43-BA96-10DED22570D5}"/>
+              </a:ext>
+            </a:extLst>
+          </p:cNvPr>
+          <p:cNvPicPr>
+            <a:picLocks noChangeAspect="1"/>
+          </p:cNvPicPr>
+          <p:nvPr/>
+        </p:nvPicPr>
+        <p:blipFill>
+          <a:blip r:embed="rId3"/>
+          <a:stretch>
+            <a:fillRect/>
+          </a:stretch>
+        </p:blipFill>
+        <p:spPr>
+          <a:xfrm>
+            <a:off x="311700" y="2567587"/>
+            <a:ext cx="2618676" cy="1998989"/>
+          </a:xfrm>
+          <a:prstGeom prst="rect">
+            <a:avLst/>
+          </a:prstGeom>
+        </p:spPr>
+      </p:pic>
     </p:spTree>
   </p:cSld>
   <p:clrMapOvr>
@@ -10658,11 +10947,11 @@
 </file>
 
 <file path=ppt/slides/slide27.xml><?xml version="1.0" encoding="utf-8"?>
-<p:sld xmlns:a="http://schemas.openxmlformats.org/drawingml/2006/main" xmlns:r="http://schemas.openxmlformats.org/officeDocument/2006/relationships" xmlns:mc="http://schemas.openxmlformats.org/markup-compatibility/2006" xmlns:mv="urn:schemas-microsoft-com:mac:vml" xmlns:p="http://schemas.openxmlformats.org/presentationml/2006/main" xmlns:c="http://schemas.openxmlformats.org/drawingml/2006/chart" xmlns:dgm="http://schemas.openxmlformats.org/drawingml/2006/diagram" xmlns:o="urn:schemas-microsoft-com:office:office" xmlns:v="urn:schemas-microsoft-com:vml" xmlns:pvml="urn:schemas-microsoft-com:office:powerpoint" xmlns:com="http://schemas.openxmlformats.org/drawingml/2006/compatibility" xmlns:p14="http://schemas.microsoft.com/office/powerpoint/2010/main" xmlns:p15="http://schemas.microsoft.com/office/powerpoint/2012/main" xmlns:ahyp="http://schemas.microsoft.com/office/drawing/2018/hyperlinkcolor">
+<p:sld xmlns:a="http://schemas.openxmlformats.org/drawingml/2006/main" xmlns:r="http://schemas.openxmlformats.org/officeDocument/2006/relationships" xmlns:p="http://schemas.openxmlformats.org/presentationml/2006/main">
   <p:cSld>
     <p:spTree>
       <p:nvGrpSpPr>
-        <p:cNvPr id="227" name="Shape 227"/>
+        <p:cNvPr id="1" name=""/>
         <p:cNvGrpSpPr/>
         <p:nvPr/>
       </p:nvGrpSpPr>
@@ -10676,117 +10965,108 @@
       </p:grpSpPr>
       <p:sp>
         <p:nvSpPr>
-          <p:cNvPr id="228" name="Google Shape;228;p39"/>
-          <p:cNvSpPr txBox="1"/>
+          <p:cNvPr id="2" name="Title 1">
+            <a:extLst>
+              <a:ext uri="{FF2B5EF4-FFF2-40B4-BE49-F238E27FC236}">
+                <a16:creationId xmlns:a16="http://schemas.microsoft.com/office/drawing/2014/main" id="{17603DC1-9F9D-4979-AFBA-1C00C3A66673}"/>
+              </a:ext>
+            </a:extLst>
+          </p:cNvPr>
+          <p:cNvSpPr>
+            <a:spLocks noGrp="1"/>
+          </p:cNvSpPr>
           <p:nvPr>
             <p:ph type="title"/>
           </p:nvPr>
         </p:nvSpPr>
-        <p:spPr>
-          <a:xfrm>
-            <a:off x="311700" y="445025"/>
-            <a:ext cx="8520600" cy="572700"/>
-          </a:xfrm>
-          <a:prstGeom prst="rect">
-            <a:avLst/>
-          </a:prstGeom>
-        </p:spPr>
+        <p:spPr/>
         <p:txBody>
-          <a:bodyPr anchorCtr="0" anchor="t" bIns="91425" lIns="91425" spcFirstLastPara="1" rIns="91425" wrap="square" tIns="91425">
-            <a:noAutofit/>
-          </a:bodyPr>
+          <a:bodyPr/>
           <a:lstStyle/>
           <a:p>
-            <a:pPr indent="0" lvl="0" marL="0" rtl="0" algn="l">
-              <a:spcBef>
-                <a:spcPts val="0"/>
-              </a:spcBef>
-              <a:spcAft>
-                <a:spcPts val="0"/>
-              </a:spcAft>
+            <a:r>
+              <a:rPr lang="en-US" dirty="0"/>
+              <a:t>Chatbot Responses</a:t>
+            </a:r>
+          </a:p>
+        </p:txBody>
+      </p:sp>
+      <p:sp>
+        <p:nvSpPr>
+          <p:cNvPr id="3" name="Text Placeholder 2">
+            <a:extLst>
+              <a:ext uri="{FF2B5EF4-FFF2-40B4-BE49-F238E27FC236}">
+                <a16:creationId xmlns:a16="http://schemas.microsoft.com/office/drawing/2014/main" id="{4207254C-8CFD-4F71-BC8F-45F028B52F65}"/>
+              </a:ext>
+            </a:extLst>
+          </p:cNvPr>
+          <p:cNvSpPr>
+            <a:spLocks noGrp="1"/>
+          </p:cNvSpPr>
+          <p:nvPr>
+            <p:ph type="body" idx="1"/>
+          </p:nvPr>
+        </p:nvSpPr>
+        <p:spPr/>
+        <p:txBody>
+          <a:bodyPr/>
+          <a:lstStyle/>
+          <a:p>
+            <a:pPr marL="114300" indent="0">
               <a:buNone/>
             </a:pPr>
             <a:r>
-              <a:rPr lang="en"/>
-              <a:t>Chatbot Drawbacks</a:t>
+              <a:rPr lang="en-US" dirty="0"/>
+              <a:t>We see a difference when we have a question with multiple words that need to be compared against.  Bag of Words will match its response with the line that matches the most words while TF-IDF will match the single word with the highest score and give a line based on that one word.</a:t>
             </a:r>
-            <a:endParaRPr/>
+          </a:p>
+          <a:p>
+            <a:pPr marL="114300" indent="0">
+              <a:buNone/>
+            </a:pPr>
+            <a:endParaRPr lang="en-US" dirty="0"/>
+          </a:p>
+          <a:p>
+            <a:endParaRPr lang="en-US" dirty="0"/>
           </a:p>
         </p:txBody>
       </p:sp>
-      <p:sp>
-        <p:nvSpPr>
-          <p:cNvPr id="229" name="Google Shape;229;p39"/>
-          <p:cNvSpPr txBox="1"/>
-          <p:nvPr>
-            <p:ph idx="1" type="body"/>
-          </p:nvPr>
-        </p:nvSpPr>
-        <p:spPr>
-          <a:xfrm>
-            <a:off x="311700" y="1152475"/>
-            <a:ext cx="8520600" cy="3416400"/>
-          </a:xfrm>
-          <a:prstGeom prst="rect">
-            <a:avLst/>
-          </a:prstGeom>
-        </p:spPr>
-        <p:txBody>
-          <a:bodyPr anchorCtr="0" anchor="t" bIns="91425" lIns="91425" spcFirstLastPara="1" rIns="91425" wrap="square" tIns="91425">
-            <a:noAutofit/>
-          </a:bodyPr>
-          <a:lstStyle/>
-          <a:p>
-            <a:pPr indent="0" lvl="0" marL="0" rtl="0" algn="l">
-              <a:spcBef>
-                <a:spcPts val="0"/>
-              </a:spcBef>
-              <a:spcAft>
-                <a:spcPts val="0"/>
-              </a:spcAft>
-              <a:buNone/>
-            </a:pPr>
-            <a:r>
-              <a:rPr lang="en"/>
-              <a:t>The problem with using dialogue between characters is that we end up with lines of dialogue with only a couple of words.  When we tried to have the chatbots talk to each other we have situations where all three chatbots will output the same word since that has the best match but not necessarily the most appropriate.</a:t>
-            </a:r>
-            <a:endParaRPr/>
-          </a:p>
-          <a:p>
-            <a:pPr indent="0" lvl="0" marL="0" rtl="0" algn="l">
-              <a:spcBef>
-                <a:spcPts val="1600"/>
-              </a:spcBef>
-              <a:spcAft>
-                <a:spcPts val="0"/>
-              </a:spcAft>
-              <a:buNone/>
-            </a:pPr>
-            <a:r>
-              <a:rPr lang="en"/>
-              <a:t>TF-IDF also will match the highest scoring word in the phrase and ignore the other words because they have a lower score.</a:t>
-            </a:r>
-            <a:endParaRPr/>
-          </a:p>
-          <a:p>
-            <a:pPr indent="0" lvl="0" marL="0" rtl="0" algn="l">
-              <a:spcBef>
-                <a:spcPts val="1600"/>
-              </a:spcBef>
-              <a:spcAft>
-                <a:spcPts val="1600"/>
-              </a:spcAft>
-              <a:buNone/>
-            </a:pPr>
-            <a:r>
-              <a:rPr lang="en"/>
-              <a:t>Bag of Words will match a query with the most simplest response needed to fulfill the requirements.</a:t>
-            </a:r>
-            <a:endParaRPr/>
-          </a:p>
-        </p:txBody>
-      </p:sp>
+      <p:pic>
+        <p:nvPicPr>
+          <p:cNvPr id="4" name="Picture 3">
+            <a:extLst>
+              <a:ext uri="{FF2B5EF4-FFF2-40B4-BE49-F238E27FC236}">
+                <a16:creationId xmlns:a16="http://schemas.microsoft.com/office/drawing/2014/main" id="{FAFE7272-1380-4FAD-8D07-2694363E6538}"/>
+              </a:ext>
+            </a:extLst>
+          </p:cNvPr>
+          <p:cNvPicPr>
+            <a:picLocks noChangeAspect="1"/>
+          </p:cNvPicPr>
+          <p:nvPr/>
+        </p:nvPicPr>
+        <p:blipFill>
+          <a:blip r:embed="rId2"/>
+          <a:stretch>
+            <a:fillRect/>
+          </a:stretch>
+        </p:blipFill>
+        <p:spPr>
+          <a:xfrm>
+            <a:off x="311701" y="2571749"/>
+            <a:ext cx="2199732" cy="1997125"/>
+          </a:xfrm>
+          <a:prstGeom prst="rect">
+            <a:avLst/>
+          </a:prstGeom>
+        </p:spPr>
+      </p:pic>
     </p:spTree>
+    <p:extLst>
+      <p:ext uri="{BB962C8B-B14F-4D97-AF65-F5344CB8AC3E}">
+        <p14:creationId xmlns:p14="http://schemas.microsoft.com/office/powerpoint/2010/main" val="1406579283"/>
+      </p:ext>
+    </p:extLst>
   </p:cSld>
   <p:clrMapOvr>
     <a:masterClrMapping/>
@@ -10794,12 +11074,12 @@
 </p:sld>
 </file>
 
-<file path=ppt/slides/slide3.xml><?xml version="1.0" encoding="utf-8"?>
-<p:sld xmlns:a="http://schemas.openxmlformats.org/drawingml/2006/main" xmlns:r="http://schemas.openxmlformats.org/officeDocument/2006/relationships" xmlns:mc="http://schemas.openxmlformats.org/markup-compatibility/2006" xmlns:mv="urn:schemas-microsoft-com:mac:vml" xmlns:p="http://schemas.openxmlformats.org/presentationml/2006/main" xmlns:c="http://schemas.openxmlformats.org/drawingml/2006/chart" xmlns:dgm="http://schemas.openxmlformats.org/drawingml/2006/diagram" xmlns:o="urn:schemas-microsoft-com:office:office" xmlns:v="urn:schemas-microsoft-com:vml" xmlns:pvml="urn:schemas-microsoft-com:office:powerpoint" xmlns:com="http://schemas.openxmlformats.org/drawingml/2006/compatibility" xmlns:p14="http://schemas.microsoft.com/office/powerpoint/2010/main" xmlns:p15="http://schemas.microsoft.com/office/powerpoint/2012/main" xmlns:ahyp="http://schemas.microsoft.com/office/drawing/2018/hyperlinkcolor">
+<file path=ppt/slides/slide28.xml><?xml version="1.0" encoding="utf-8"?>
+<p:sld xmlns:a="http://schemas.openxmlformats.org/drawingml/2006/main" xmlns:r="http://schemas.openxmlformats.org/officeDocument/2006/relationships" xmlns:p="http://schemas.openxmlformats.org/presentationml/2006/main">
   <p:cSld>
     <p:spTree>
       <p:nvGrpSpPr>
-        <p:cNvPr id="65" name="Shape 65"/>
+        <p:cNvPr id="1" name="Shape 227"/>
         <p:cNvGrpSpPr/>
         <p:nvPr/>
       </p:nvGrpSpPr>
@@ -10813,8 +11093,10 @@
       </p:grpSpPr>
       <p:sp>
         <p:nvSpPr>
-          <p:cNvPr id="66" name="Google Shape;66;p15"/>
-          <p:cNvSpPr txBox="1"/>
+          <p:cNvPr id="228" name="Google Shape;228;p39"/>
+          <p:cNvSpPr txBox="1">
+            <a:spLocks noGrp="1"/>
+          </p:cNvSpPr>
           <p:nvPr>
             <p:ph type="title"/>
           </p:nvPr>
@@ -10829,12 +11111,12 @@
           </a:prstGeom>
         </p:spPr>
         <p:txBody>
-          <a:bodyPr anchorCtr="0" anchor="t" bIns="91425" lIns="91425" spcFirstLastPara="1" rIns="91425" wrap="square" tIns="91425">
+          <a:bodyPr spcFirstLastPara="1" wrap="square" lIns="91425" tIns="91425" rIns="91425" bIns="91425" anchor="t" anchorCtr="0">
             <a:noAutofit/>
           </a:bodyPr>
           <a:lstStyle/>
           <a:p>
-            <a:pPr indent="0" lvl="0" marL="0" rtl="0" algn="l">
+            <a:pPr marL="0" lvl="0" indent="0" algn="l" rtl="0">
               <a:spcBef>
                 <a:spcPts val="0"/>
               </a:spcBef>
@@ -10845,7 +11127,7 @@
             </a:pPr>
             <a:r>
               <a:rPr lang="en"/>
-              <a:t>Dataset</a:t>
+              <a:t>Chatbot Drawbacks</a:t>
             </a:r>
             <a:endParaRPr/>
           </a:p>
@@ -10853,10 +11135,12 @@
       </p:sp>
       <p:sp>
         <p:nvSpPr>
-          <p:cNvPr id="67" name="Google Shape;67;p15"/>
-          <p:cNvSpPr txBox="1"/>
-          <p:nvPr>
-            <p:ph idx="1" type="body"/>
+          <p:cNvPr id="229" name="Google Shape;229;p39"/>
+          <p:cNvSpPr txBox="1">
+            <a:spLocks noGrp="1"/>
+          </p:cNvSpPr>
+          <p:nvPr>
+            <p:ph type="body" idx="1"/>
           </p:nvPr>
         </p:nvSpPr>
         <p:spPr>
@@ -10869,12 +11153,12 @@
           </a:prstGeom>
         </p:spPr>
         <p:txBody>
-          <a:bodyPr anchorCtr="0" anchor="t" bIns="91425" lIns="91425" spcFirstLastPara="1" rIns="91425" wrap="square" tIns="91425">
+          <a:bodyPr spcFirstLastPara="1" wrap="square" lIns="91425" tIns="91425" rIns="91425" bIns="91425" anchor="t" anchorCtr="0">
             <a:noAutofit/>
           </a:bodyPr>
           <a:lstStyle/>
           <a:p>
-            <a:pPr indent="0" lvl="0" marL="0" rtl="0" algn="l">
+            <a:pPr marL="0" lvl="0" indent="0" algn="l" rtl="0">
               <a:spcBef>
                 <a:spcPts val="0"/>
               </a:spcBef>
@@ -10884,61 +11168,84 @@
               <a:buNone/>
             </a:pPr>
             <a:r>
-              <a:rPr lang="en"/>
-              <a:t>The data available online are episode scripts posted online that have each line of dialogue assigned to a specific character.</a:t>
+              <a:rPr lang="en" dirty="0"/>
+              <a:t>The problem with using dialogue between characters is that we end up with lines of dialogue with only a couple of words.  When we tried to have the chatbots talk to each other we have situations where all three chatbots will output the same word since that has the best match but not necessarily the most appropriate.</a:t>
             </a:r>
-            <a:endParaRPr/>
-          </a:p>
-          <a:p>
-            <a:pPr indent="0" lvl="0" marL="0" rtl="0" algn="l">
-              <a:spcBef>
-                <a:spcPts val="1600"/>
+          </a:p>
+          <a:p>
+            <a:pPr marL="0" lvl="0" indent="0" algn="l" rtl="0">
+              <a:spcBef>
+                <a:spcPts val="0"/>
               </a:spcBef>
               <a:spcAft>
                 <a:spcPts val="0"/>
               </a:spcAft>
               <a:buNone/>
             </a:pPr>
-            <a:r>
-              <a:rPr lang="en"/>
-              <a:t>The shows first 18th seasons have been collected and compiled into a single CSV file with each entry indicating the character, season, episode, and line of dialogue.</a:t>
-            </a:r>
-            <a:endParaRPr/>
-          </a:p>
-          <a:p>
-            <a:pPr indent="0" lvl="0" marL="0" rtl="0" algn="l">
-              <a:spcBef>
-                <a:spcPts val="1600"/>
-              </a:spcBef>
-              <a:spcAft>
-                <a:spcPts val="0"/>
-              </a:spcAft>
-              <a:buNone/>
-            </a:pPr>
-            <a:r>
-              <a:rPr lang="en"/>
-              <a:t>Minimal cleaning was needed since there are no missing values in the data.</a:t>
-            </a:r>
-            <a:endParaRPr/>
-          </a:p>
-          <a:p>
-            <a:pPr indent="0" lvl="0" marL="0" rtl="0" algn="l">
-              <a:spcBef>
-                <a:spcPts val="1600"/>
-              </a:spcBef>
-              <a:spcAft>
-                <a:spcPts val="1600"/>
-              </a:spcAft>
-              <a:buNone/>
-            </a:pPr>
-            <a:r>
-              <a:rPr lang="en"/>
-              <a:t>Three characters were discovered to have the majority of the lines of dialogue: Cartman, Kyle, and Stan compared to all other characters. </a:t>
-            </a:r>
-            <a:endParaRPr/>
+            <a:endParaRPr dirty="0"/>
           </a:p>
         </p:txBody>
       </p:sp>
+      <p:pic>
+        <p:nvPicPr>
+          <p:cNvPr id="2" name="Picture 1">
+            <a:extLst>
+              <a:ext uri="{FF2B5EF4-FFF2-40B4-BE49-F238E27FC236}">
+                <a16:creationId xmlns:a16="http://schemas.microsoft.com/office/drawing/2014/main" id="{8B550C65-4472-49A2-B9C2-27551DA9FC2A}"/>
+              </a:ext>
+            </a:extLst>
+          </p:cNvPr>
+          <p:cNvPicPr>
+            <a:picLocks noChangeAspect="1"/>
+          </p:cNvPicPr>
+          <p:nvPr/>
+        </p:nvPicPr>
+        <p:blipFill>
+          <a:blip r:embed="rId3"/>
+          <a:stretch>
+            <a:fillRect/>
+          </a:stretch>
+        </p:blipFill>
+        <p:spPr>
+          <a:xfrm>
+            <a:off x="311701" y="2569496"/>
+            <a:ext cx="4180520" cy="1999379"/>
+          </a:xfrm>
+          <a:prstGeom prst="rect">
+            <a:avLst/>
+          </a:prstGeom>
+        </p:spPr>
+      </p:pic>
+      <p:pic>
+        <p:nvPicPr>
+          <p:cNvPr id="3" name="Picture 2">
+            <a:extLst>
+              <a:ext uri="{FF2B5EF4-FFF2-40B4-BE49-F238E27FC236}">
+                <a16:creationId xmlns:a16="http://schemas.microsoft.com/office/drawing/2014/main" id="{CC5E9A35-AFD3-48DF-835D-F500E380A837}"/>
+              </a:ext>
+            </a:extLst>
+          </p:cNvPr>
+          <p:cNvPicPr>
+            <a:picLocks noChangeAspect="1"/>
+          </p:cNvPicPr>
+          <p:nvPr/>
+        </p:nvPicPr>
+        <p:blipFill>
+          <a:blip r:embed="rId4"/>
+          <a:stretch>
+            <a:fillRect/>
+          </a:stretch>
+        </p:blipFill>
+        <p:spPr>
+          <a:xfrm>
+            <a:off x="4651780" y="2575347"/>
+            <a:ext cx="4180520" cy="1993528"/>
+          </a:xfrm>
+          <a:prstGeom prst="rect">
+            <a:avLst/>
+          </a:prstGeom>
+        </p:spPr>
+      </p:pic>
     </p:spTree>
   </p:cSld>
   <p:clrMapOvr>
@@ -10947,12 +11254,12 @@
 </p:sld>
 </file>
 
-<file path=ppt/slides/slide4.xml><?xml version="1.0" encoding="utf-8"?>
-<p:sld xmlns:a="http://schemas.openxmlformats.org/drawingml/2006/main" xmlns:r="http://schemas.openxmlformats.org/officeDocument/2006/relationships" xmlns:mc="http://schemas.openxmlformats.org/markup-compatibility/2006" xmlns:mv="urn:schemas-microsoft-com:mac:vml" xmlns:p="http://schemas.openxmlformats.org/presentationml/2006/main" xmlns:c="http://schemas.openxmlformats.org/drawingml/2006/chart" xmlns:dgm="http://schemas.openxmlformats.org/drawingml/2006/diagram" xmlns:o="urn:schemas-microsoft-com:office:office" xmlns:v="urn:schemas-microsoft-com:vml" xmlns:pvml="urn:schemas-microsoft-com:office:powerpoint" xmlns:com="http://schemas.openxmlformats.org/drawingml/2006/compatibility" xmlns:p14="http://schemas.microsoft.com/office/powerpoint/2010/main" xmlns:p15="http://schemas.microsoft.com/office/powerpoint/2012/main" xmlns:ahyp="http://schemas.microsoft.com/office/drawing/2018/hyperlinkcolor">
+<file path=ppt/slides/slide29.xml><?xml version="1.0" encoding="utf-8"?>
+<p:sld xmlns:a="http://schemas.openxmlformats.org/drawingml/2006/main" xmlns:r="http://schemas.openxmlformats.org/officeDocument/2006/relationships" xmlns:p="http://schemas.openxmlformats.org/presentationml/2006/main">
   <p:cSld>
     <p:spTree>
       <p:nvGrpSpPr>
-        <p:cNvPr id="71" name="Shape 71"/>
+        <p:cNvPr id="1" name=""/>
         <p:cNvGrpSpPr/>
         <p:nvPr/>
       </p:nvGrpSpPr>
@@ -10966,30 +11273,56 @@
       </p:grpSpPr>
       <p:sp>
         <p:nvSpPr>
-          <p:cNvPr id="72" name="Google Shape;72;p16"/>
-          <p:cNvSpPr txBox="1"/>
+          <p:cNvPr id="2" name="Title 1">
+            <a:extLst>
+              <a:ext uri="{FF2B5EF4-FFF2-40B4-BE49-F238E27FC236}">
+                <a16:creationId xmlns:a16="http://schemas.microsoft.com/office/drawing/2014/main" id="{34CD30E5-CC28-4418-B83F-2EDAEF4F75F2}"/>
+              </a:ext>
+            </a:extLst>
+          </p:cNvPr>
+          <p:cNvSpPr>
+            <a:spLocks noGrp="1"/>
+          </p:cNvSpPr>
           <p:nvPr>
             <p:ph type="title"/>
           </p:nvPr>
         </p:nvSpPr>
-        <p:spPr>
-          <a:xfrm>
-            <a:off x="311700" y="445025"/>
-            <a:ext cx="8520600" cy="572700"/>
-          </a:xfrm>
-          <a:prstGeom prst="rect">
-            <a:avLst/>
-          </a:prstGeom>
-        </p:spPr>
+        <p:spPr/>
         <p:txBody>
-          <a:bodyPr anchorCtr="0" anchor="t" bIns="91425" lIns="91425" spcFirstLastPara="1" rIns="91425" wrap="square" tIns="91425">
-            <a:noAutofit/>
-          </a:bodyPr>
+          <a:bodyPr/>
           <a:lstStyle/>
           <a:p>
-            <a:pPr indent="0" lvl="0" marL="0" rtl="0" algn="l">
-              <a:spcBef>
-                <a:spcPts val="0"/>
+            <a:r>
+              <a:rPr lang="en-US" dirty="0"/>
+              <a:t>Chatbot Drawbacks</a:t>
+            </a:r>
+          </a:p>
+        </p:txBody>
+      </p:sp>
+      <p:sp>
+        <p:nvSpPr>
+          <p:cNvPr id="3" name="Text Placeholder 2">
+            <a:extLst>
+              <a:ext uri="{FF2B5EF4-FFF2-40B4-BE49-F238E27FC236}">
+                <a16:creationId xmlns:a16="http://schemas.microsoft.com/office/drawing/2014/main" id="{1CAD76A9-BF68-4418-B6B8-6AE284D8E9F7}"/>
+              </a:ext>
+            </a:extLst>
+          </p:cNvPr>
+          <p:cNvSpPr>
+            <a:spLocks noGrp="1"/>
+          </p:cNvSpPr>
+          <p:nvPr>
+            <p:ph type="body" idx="1"/>
+          </p:nvPr>
+        </p:nvSpPr>
+        <p:spPr/>
+        <p:txBody>
+          <a:bodyPr/>
+          <a:lstStyle/>
+          <a:p>
+            <a:pPr marL="0" lvl="0" indent="0" algn="l" rtl="0">
+              <a:spcBef>
+                <a:spcPts val="1600"/>
               </a:spcBef>
               <a:spcAft>
                 <a:spcPts val="0"/>
@@ -10997,102 +11330,99 @@
               <a:buNone/>
             </a:pPr>
             <a:r>
-              <a:rPr lang="en"/>
-              <a:t>Wrangling</a:t>
+              <a:rPr lang="en-US" dirty="0"/>
+              <a:t>TF-IDF also will match the highest scoring word in the phrase and ignore the other words because they have a lower score.</a:t>
             </a:r>
-            <a:endParaRPr/>
-          </a:p>
-        </p:txBody>
-      </p:sp>
-      <p:sp>
-        <p:nvSpPr>
-          <p:cNvPr id="73" name="Google Shape;73;p16"/>
-          <p:cNvSpPr txBox="1"/>
-          <p:nvPr>
-            <p:ph idx="1" type="body"/>
-          </p:nvPr>
-        </p:nvSpPr>
-        <p:spPr>
-          <a:xfrm>
-            <a:off x="311700" y="1152475"/>
-            <a:ext cx="8520600" cy="3416400"/>
-          </a:xfrm>
-          <a:prstGeom prst="rect">
-            <a:avLst/>
-          </a:prstGeom>
-        </p:spPr>
-        <p:txBody>
-          <a:bodyPr anchorCtr="0" anchor="t" bIns="91425" lIns="91425" spcFirstLastPara="1" rIns="91425" wrap="square" tIns="91425">
-            <a:noAutofit/>
-          </a:bodyPr>
-          <a:lstStyle/>
-          <a:p>
-            <a:pPr indent="0" lvl="0" marL="0" rtl="0" algn="l">
-              <a:spcBef>
-                <a:spcPts val="0"/>
-              </a:spcBef>
-              <a:spcAft>
-                <a:spcPts val="0"/>
+          </a:p>
+          <a:p>
+            <a:pPr marL="0" lvl="0" indent="0" algn="l" rtl="0">
+              <a:spcBef>
+                <a:spcPts val="1600"/>
+              </a:spcBef>
+              <a:spcAft>
+                <a:spcPts val="1600"/>
               </a:spcAft>
               <a:buNone/>
             </a:pPr>
             <a:r>
-              <a:rPr lang="en"/>
-              <a:t>While our dataset has numerical information, it is not used for the purposes of the project since we will be dealing only with dialogue from the show labeled “Line.”</a:t>
+              <a:rPr lang="en-US" dirty="0"/>
+              <a:t>Bag of Words will match a query with the most simplest response needed to fulfill the requirements.</a:t>
             </a:r>
-            <a:endParaRPr/>
-          </a:p>
-          <a:p>
-            <a:pPr indent="0" lvl="0" marL="0" rtl="0" algn="l">
-              <a:spcBef>
-                <a:spcPts val="1600"/>
-              </a:spcBef>
-              <a:spcAft>
-                <a:spcPts val="0"/>
-              </a:spcAft>
+          </a:p>
+          <a:p>
+            <a:pPr marL="114300" indent="0">
               <a:buNone/>
             </a:pPr>
-            <a:r>
-              <a:rPr lang="en"/>
-              <a:t>The column labeled “Character” is only used to grab all instances of our main characters dialogue.</a:t>
-            </a:r>
-            <a:endParaRPr/>
-          </a:p>
-          <a:p>
-            <a:pPr indent="0" lvl="0" marL="0" rtl="0" algn="l">
-              <a:spcBef>
-                <a:spcPts val="1600"/>
-              </a:spcBef>
-              <a:spcAft>
-                <a:spcPts val="0"/>
-              </a:spcAft>
-              <a:buNone/>
-            </a:pPr>
-            <a:r>
-              <a:rPr lang="en"/>
-              <a:t>The column labeled “Line” is the information that is used for the project as is stored lines of dialogue.</a:t>
-            </a:r>
-            <a:endParaRPr/>
-          </a:p>
-          <a:p>
-            <a:pPr indent="0" lvl="0" marL="0" rtl="0" algn="l">
-              <a:spcBef>
-                <a:spcPts val="1600"/>
-              </a:spcBef>
-              <a:spcAft>
-                <a:spcPts val="1600"/>
-              </a:spcAft>
-              <a:buNone/>
-            </a:pPr>
-            <a:r>
-              <a:rPr lang="en"/>
-              <a:t>This means we need to preprocess this data so it can become usable. </a:t>
-            </a:r>
-            <a:endParaRPr/>
+            <a:endParaRPr lang="en-US" dirty="0"/>
           </a:p>
         </p:txBody>
       </p:sp>
+      <p:pic>
+        <p:nvPicPr>
+          <p:cNvPr id="4" name="Picture 3">
+            <a:extLst>
+              <a:ext uri="{FF2B5EF4-FFF2-40B4-BE49-F238E27FC236}">
+                <a16:creationId xmlns:a16="http://schemas.microsoft.com/office/drawing/2014/main" id="{FA034960-9F43-4F55-A804-834EBBEF7D48}"/>
+              </a:ext>
+            </a:extLst>
+          </p:cNvPr>
+          <p:cNvPicPr>
+            <a:picLocks noChangeAspect="1"/>
+          </p:cNvPicPr>
+          <p:nvPr/>
+        </p:nvPicPr>
+        <p:blipFill>
+          <a:blip r:embed="rId2"/>
+          <a:stretch>
+            <a:fillRect/>
+          </a:stretch>
+        </p:blipFill>
+        <p:spPr>
+          <a:xfrm>
+            <a:off x="311701" y="2858647"/>
+            <a:ext cx="3806168" cy="1710228"/>
+          </a:xfrm>
+          <a:prstGeom prst="rect">
+            <a:avLst/>
+          </a:prstGeom>
+        </p:spPr>
+      </p:pic>
+      <p:pic>
+        <p:nvPicPr>
+          <p:cNvPr id="5" name="Picture 4">
+            <a:extLst>
+              <a:ext uri="{FF2B5EF4-FFF2-40B4-BE49-F238E27FC236}">
+                <a16:creationId xmlns:a16="http://schemas.microsoft.com/office/drawing/2014/main" id="{0FE90784-D002-4645-AAB3-0700345814F7}"/>
+              </a:ext>
+            </a:extLst>
+          </p:cNvPr>
+          <p:cNvPicPr>
+            <a:picLocks noChangeAspect="1"/>
+          </p:cNvPicPr>
+          <p:nvPr/>
+        </p:nvPicPr>
+        <p:blipFill>
+          <a:blip r:embed="rId3"/>
+          <a:stretch>
+            <a:fillRect/>
+          </a:stretch>
+        </p:blipFill>
+        <p:spPr>
+          <a:xfrm>
+            <a:off x="4120258" y="2858647"/>
+            <a:ext cx="4712041" cy="1710228"/>
+          </a:xfrm>
+          <a:prstGeom prst="rect">
+            <a:avLst/>
+          </a:prstGeom>
+        </p:spPr>
+      </p:pic>
     </p:spTree>
+    <p:extLst>
+      <p:ext uri="{BB962C8B-B14F-4D97-AF65-F5344CB8AC3E}">
+        <p14:creationId xmlns:p14="http://schemas.microsoft.com/office/powerpoint/2010/main" val="106446320"/>
+      </p:ext>
+    </p:extLst>
   </p:cSld>
   <p:clrMapOvr>
     <a:masterClrMapping/>
@@ -11100,12 +11430,12 @@
 </p:sld>
 </file>
 
-<file path=ppt/slides/slide5.xml><?xml version="1.0" encoding="utf-8"?>
-<p:sld xmlns:a="http://schemas.openxmlformats.org/drawingml/2006/main" xmlns:r="http://schemas.openxmlformats.org/officeDocument/2006/relationships" xmlns:mc="http://schemas.openxmlformats.org/markup-compatibility/2006" xmlns:mv="urn:schemas-microsoft-com:mac:vml" xmlns:p="http://schemas.openxmlformats.org/presentationml/2006/main" xmlns:c="http://schemas.openxmlformats.org/drawingml/2006/chart" xmlns:dgm="http://schemas.openxmlformats.org/drawingml/2006/diagram" xmlns:o="urn:schemas-microsoft-com:office:office" xmlns:v="urn:schemas-microsoft-com:vml" xmlns:pvml="urn:schemas-microsoft-com:office:powerpoint" xmlns:com="http://schemas.openxmlformats.org/drawingml/2006/compatibility" xmlns:p14="http://schemas.microsoft.com/office/powerpoint/2010/main" xmlns:p15="http://schemas.microsoft.com/office/powerpoint/2012/main" xmlns:ahyp="http://schemas.microsoft.com/office/drawing/2018/hyperlinkcolor">
+<file path=ppt/slides/slide3.xml><?xml version="1.0" encoding="utf-8"?>
+<p:sld xmlns:a="http://schemas.openxmlformats.org/drawingml/2006/main" xmlns:r="http://schemas.openxmlformats.org/officeDocument/2006/relationships" xmlns:p="http://schemas.openxmlformats.org/presentationml/2006/main">
   <p:cSld>
     <p:spTree>
       <p:nvGrpSpPr>
-        <p:cNvPr id="77" name="Shape 77"/>
+        <p:cNvPr id="1" name="Shape 65"/>
         <p:cNvGrpSpPr/>
         <p:nvPr/>
       </p:nvGrpSpPr>
@@ -11119,8 +11449,10 @@
       </p:grpSpPr>
       <p:sp>
         <p:nvSpPr>
-          <p:cNvPr id="78" name="Google Shape;78;p17"/>
-          <p:cNvSpPr txBox="1"/>
+          <p:cNvPr id="66" name="Google Shape;66;p15"/>
+          <p:cNvSpPr txBox="1">
+            <a:spLocks noGrp="1"/>
+          </p:cNvSpPr>
           <p:nvPr>
             <p:ph type="title"/>
           </p:nvPr>
@@ -11135,12 +11467,12 @@
           </a:prstGeom>
         </p:spPr>
         <p:txBody>
-          <a:bodyPr anchorCtr="0" anchor="t" bIns="91425" lIns="91425" spcFirstLastPara="1" rIns="91425" wrap="square" tIns="91425">
+          <a:bodyPr spcFirstLastPara="1" wrap="square" lIns="91425" tIns="91425" rIns="91425" bIns="91425" anchor="t" anchorCtr="0">
             <a:noAutofit/>
           </a:bodyPr>
           <a:lstStyle/>
           <a:p>
-            <a:pPr indent="0" lvl="0" marL="0" rtl="0" algn="l">
+            <a:pPr marL="0" lvl="0" indent="0" algn="l" rtl="0">
               <a:spcBef>
                 <a:spcPts val="0"/>
               </a:spcBef>
@@ -11151,7 +11483,7 @@
             </a:pPr>
             <a:r>
               <a:rPr lang="en"/>
-              <a:t>Preprocessing</a:t>
+              <a:t>Dataset</a:t>
             </a:r>
             <a:endParaRPr/>
           </a:p>
@@ -11159,10 +11491,12 @@
       </p:sp>
       <p:sp>
         <p:nvSpPr>
-          <p:cNvPr id="79" name="Google Shape;79;p17"/>
-          <p:cNvSpPr txBox="1"/>
-          <p:nvPr>
-            <p:ph idx="1" type="body"/>
+          <p:cNvPr id="67" name="Google Shape;67;p15"/>
+          <p:cNvSpPr txBox="1">
+            <a:spLocks noGrp="1"/>
+          </p:cNvSpPr>
+          <p:nvPr>
+            <p:ph type="body" idx="1"/>
           </p:nvPr>
         </p:nvSpPr>
         <p:spPr>
@@ -11175,12 +11509,12 @@
           </a:prstGeom>
         </p:spPr>
         <p:txBody>
-          <a:bodyPr anchorCtr="0" anchor="t" bIns="91425" lIns="91425" spcFirstLastPara="1" rIns="91425" wrap="square" tIns="91425">
+          <a:bodyPr spcFirstLastPara="1" wrap="square" lIns="91425" tIns="91425" rIns="91425" bIns="91425" anchor="t" anchorCtr="0">
             <a:noAutofit/>
           </a:bodyPr>
           <a:lstStyle/>
           <a:p>
-            <a:pPr indent="0" lvl="0" marL="0" rtl="0" algn="l">
+            <a:pPr marL="0" lvl="0" indent="0" algn="l" rtl="0">
               <a:spcBef>
                 <a:spcPts val="0"/>
               </a:spcBef>
@@ -11191,12 +11525,12 @@
             </a:pPr>
             <a:r>
               <a:rPr lang="en"/>
-              <a:t>Preprocessing is applied twice in this project: first it is used for each line of dialogue of the three main characters and second it is used for the user input when asking what their question is.</a:t>
+              <a:t>The data available online are episode scripts posted online that have each line of dialogue assigned to a specific character.</a:t>
             </a:r>
             <a:endParaRPr/>
           </a:p>
           <a:p>
-            <a:pPr indent="0" lvl="0" marL="0" rtl="0" algn="l">
+            <a:pPr marL="0" lvl="0" indent="0" algn="l" rtl="0">
               <a:spcBef>
                 <a:spcPts val="1600"/>
               </a:spcBef>
@@ -11207,23 +11541,39 @@
             </a:pPr>
             <a:r>
               <a:rPr lang="en"/>
-              <a:t>The reason for this is because we will be comparing the similarities between two in able to determine what the best response will be input.</a:t>
+              <a:t>The shows first 18th seasons have been collected and compiled into a single CSV file with each entry indicating the character, season, episode, and line of dialogue.</a:t>
             </a:r>
             <a:endParaRPr/>
           </a:p>
           <a:p>
-            <a:pPr indent="0" lvl="0" marL="0" rtl="0" algn="l">
+            <a:pPr marL="0" lvl="0" indent="0" algn="l" rtl="0">
               <a:spcBef>
                 <a:spcPts val="1600"/>
               </a:spcBef>
               <a:spcAft>
-                <a:spcPts val="1600"/>
+                <a:spcPts val="0"/>
               </a:spcAft>
               <a:buNone/>
             </a:pPr>
             <a:r>
               <a:rPr lang="en"/>
-              <a:t>This also means it can be applied multiple times in order to create a conversation loop between the chatbots after the initial user input.</a:t>
+              <a:t>Minimal cleaning was needed since there are no missing values in the data.</a:t>
+            </a:r>
+            <a:endParaRPr/>
+          </a:p>
+          <a:p>
+            <a:pPr marL="0" lvl="0" indent="0" algn="l" rtl="0">
+              <a:spcBef>
+                <a:spcPts val="1600"/>
+              </a:spcBef>
+              <a:spcAft>
+                <a:spcPts val="1600"/>
+              </a:spcAft>
+              <a:buNone/>
+            </a:pPr>
+            <a:r>
+              <a:rPr lang="en"/>
+              <a:t>Three characters were discovered to have the majority of the lines of dialogue: Cartman, Kyle, and Stan compared to all other characters. </a:t>
             </a:r>
             <a:endParaRPr/>
           </a:p>
@@ -11237,12 +11587,12 @@
 </p:sld>
 </file>
 
-<file path=ppt/slides/slide6.xml><?xml version="1.0" encoding="utf-8"?>
-<p:sld xmlns:a="http://schemas.openxmlformats.org/drawingml/2006/main" xmlns:r="http://schemas.openxmlformats.org/officeDocument/2006/relationships" xmlns:mc="http://schemas.openxmlformats.org/markup-compatibility/2006" xmlns:mv="urn:schemas-microsoft-com:mac:vml" xmlns:p="http://schemas.openxmlformats.org/presentationml/2006/main" xmlns:c="http://schemas.openxmlformats.org/drawingml/2006/chart" xmlns:dgm="http://schemas.openxmlformats.org/drawingml/2006/diagram" xmlns:o="urn:schemas-microsoft-com:office:office" xmlns:v="urn:schemas-microsoft-com:vml" xmlns:pvml="urn:schemas-microsoft-com:office:powerpoint" xmlns:com="http://schemas.openxmlformats.org/drawingml/2006/compatibility" xmlns:p14="http://schemas.microsoft.com/office/powerpoint/2010/main" xmlns:p15="http://schemas.microsoft.com/office/powerpoint/2012/main" xmlns:ahyp="http://schemas.microsoft.com/office/drawing/2018/hyperlinkcolor">
+<file path=ppt/slides/slide4.xml><?xml version="1.0" encoding="utf-8"?>
+<p:sld xmlns:a="http://schemas.openxmlformats.org/drawingml/2006/main" xmlns:r="http://schemas.openxmlformats.org/officeDocument/2006/relationships" xmlns:p="http://schemas.openxmlformats.org/presentationml/2006/main">
   <p:cSld>
     <p:spTree>
       <p:nvGrpSpPr>
-        <p:cNvPr id="83" name="Shape 83"/>
+        <p:cNvPr id="1" name="Shape 71"/>
         <p:cNvGrpSpPr/>
         <p:nvPr/>
       </p:nvGrpSpPr>
@@ -11256,8 +11606,10 @@
       </p:grpSpPr>
       <p:sp>
         <p:nvSpPr>
-          <p:cNvPr id="84" name="Google Shape;84;p18"/>
-          <p:cNvSpPr txBox="1"/>
+          <p:cNvPr id="72" name="Google Shape;72;p16"/>
+          <p:cNvSpPr txBox="1">
+            <a:spLocks noGrp="1"/>
+          </p:cNvSpPr>
           <p:nvPr>
             <p:ph type="title"/>
           </p:nvPr>
@@ -11272,12 +11624,310 @@
           </a:prstGeom>
         </p:spPr>
         <p:txBody>
-          <a:bodyPr anchorCtr="0" anchor="t" bIns="91425" lIns="91425" spcFirstLastPara="1" rIns="91425" wrap="square" tIns="91425">
+          <a:bodyPr spcFirstLastPara="1" wrap="square" lIns="91425" tIns="91425" rIns="91425" bIns="91425" anchor="t" anchorCtr="0">
             <a:noAutofit/>
           </a:bodyPr>
           <a:lstStyle/>
           <a:p>
-            <a:pPr indent="0" lvl="0" marL="0" rtl="0" algn="l">
+            <a:pPr marL="0" lvl="0" indent="0" algn="l" rtl="0">
+              <a:spcBef>
+                <a:spcPts val="0"/>
+              </a:spcBef>
+              <a:spcAft>
+                <a:spcPts val="0"/>
+              </a:spcAft>
+              <a:buNone/>
+            </a:pPr>
+            <a:r>
+              <a:rPr lang="en"/>
+              <a:t>Wrangling</a:t>
+            </a:r>
+            <a:endParaRPr/>
+          </a:p>
+        </p:txBody>
+      </p:sp>
+      <p:sp>
+        <p:nvSpPr>
+          <p:cNvPr id="73" name="Google Shape;73;p16"/>
+          <p:cNvSpPr txBox="1">
+            <a:spLocks noGrp="1"/>
+          </p:cNvSpPr>
+          <p:nvPr>
+            <p:ph type="body" idx="1"/>
+          </p:nvPr>
+        </p:nvSpPr>
+        <p:spPr>
+          <a:xfrm>
+            <a:off x="311700" y="1152475"/>
+            <a:ext cx="8520600" cy="3416400"/>
+          </a:xfrm>
+          <a:prstGeom prst="rect">
+            <a:avLst/>
+          </a:prstGeom>
+        </p:spPr>
+        <p:txBody>
+          <a:bodyPr spcFirstLastPara="1" wrap="square" lIns="91425" tIns="91425" rIns="91425" bIns="91425" anchor="t" anchorCtr="0">
+            <a:noAutofit/>
+          </a:bodyPr>
+          <a:lstStyle/>
+          <a:p>
+            <a:pPr marL="0" lvl="0" indent="0" algn="l" rtl="0">
+              <a:spcBef>
+                <a:spcPts val="0"/>
+              </a:spcBef>
+              <a:spcAft>
+                <a:spcPts val="0"/>
+              </a:spcAft>
+              <a:buNone/>
+            </a:pPr>
+            <a:r>
+              <a:rPr lang="en"/>
+              <a:t>While our dataset has numerical information, it is not used for the purposes of the project since we will be dealing only with dialogue from the show labeled “Line.”</a:t>
+            </a:r>
+            <a:endParaRPr/>
+          </a:p>
+          <a:p>
+            <a:pPr marL="0" lvl="0" indent="0" algn="l" rtl="0">
+              <a:spcBef>
+                <a:spcPts val="1600"/>
+              </a:spcBef>
+              <a:spcAft>
+                <a:spcPts val="0"/>
+              </a:spcAft>
+              <a:buNone/>
+            </a:pPr>
+            <a:r>
+              <a:rPr lang="en"/>
+              <a:t>The column labeled “Character” is only used to grab all instances of our main characters dialogue.</a:t>
+            </a:r>
+            <a:endParaRPr/>
+          </a:p>
+          <a:p>
+            <a:pPr marL="0" lvl="0" indent="0" algn="l" rtl="0">
+              <a:spcBef>
+                <a:spcPts val="1600"/>
+              </a:spcBef>
+              <a:spcAft>
+                <a:spcPts val="0"/>
+              </a:spcAft>
+              <a:buNone/>
+            </a:pPr>
+            <a:r>
+              <a:rPr lang="en"/>
+              <a:t>The column labeled “Line” is the information that is used for the project as is stored lines of dialogue.</a:t>
+            </a:r>
+            <a:endParaRPr/>
+          </a:p>
+          <a:p>
+            <a:pPr marL="0" lvl="0" indent="0" algn="l" rtl="0">
+              <a:spcBef>
+                <a:spcPts val="1600"/>
+              </a:spcBef>
+              <a:spcAft>
+                <a:spcPts val="1600"/>
+              </a:spcAft>
+              <a:buNone/>
+            </a:pPr>
+            <a:r>
+              <a:rPr lang="en"/>
+              <a:t>This means we need to preprocess this data so it can become usable. </a:t>
+            </a:r>
+            <a:endParaRPr/>
+          </a:p>
+        </p:txBody>
+      </p:sp>
+    </p:spTree>
+  </p:cSld>
+  <p:clrMapOvr>
+    <a:masterClrMapping/>
+  </p:clrMapOvr>
+</p:sld>
+</file>
+
+<file path=ppt/slides/slide5.xml><?xml version="1.0" encoding="utf-8"?>
+<p:sld xmlns:a="http://schemas.openxmlformats.org/drawingml/2006/main" xmlns:r="http://schemas.openxmlformats.org/officeDocument/2006/relationships" xmlns:p="http://schemas.openxmlformats.org/presentationml/2006/main">
+  <p:cSld>
+    <p:spTree>
+      <p:nvGrpSpPr>
+        <p:cNvPr id="1" name="Shape 77"/>
+        <p:cNvGrpSpPr/>
+        <p:nvPr/>
+      </p:nvGrpSpPr>
+      <p:grpSpPr>
+        <a:xfrm>
+          <a:off x="0" y="0"/>
+          <a:ext cx="0" cy="0"/>
+          <a:chOff x="0" y="0"/>
+          <a:chExt cx="0" cy="0"/>
+        </a:xfrm>
+      </p:grpSpPr>
+      <p:sp>
+        <p:nvSpPr>
+          <p:cNvPr id="78" name="Google Shape;78;p17"/>
+          <p:cNvSpPr txBox="1">
+            <a:spLocks noGrp="1"/>
+          </p:cNvSpPr>
+          <p:nvPr>
+            <p:ph type="title"/>
+          </p:nvPr>
+        </p:nvSpPr>
+        <p:spPr>
+          <a:xfrm>
+            <a:off x="311700" y="445025"/>
+            <a:ext cx="8520600" cy="572700"/>
+          </a:xfrm>
+          <a:prstGeom prst="rect">
+            <a:avLst/>
+          </a:prstGeom>
+        </p:spPr>
+        <p:txBody>
+          <a:bodyPr spcFirstLastPara="1" wrap="square" lIns="91425" tIns="91425" rIns="91425" bIns="91425" anchor="t" anchorCtr="0">
+            <a:noAutofit/>
+          </a:bodyPr>
+          <a:lstStyle/>
+          <a:p>
+            <a:pPr marL="0" lvl="0" indent="0" algn="l" rtl="0">
+              <a:spcBef>
+                <a:spcPts val="0"/>
+              </a:spcBef>
+              <a:spcAft>
+                <a:spcPts val="0"/>
+              </a:spcAft>
+              <a:buNone/>
+            </a:pPr>
+            <a:r>
+              <a:rPr lang="en"/>
+              <a:t>Preprocessing</a:t>
+            </a:r>
+            <a:endParaRPr/>
+          </a:p>
+        </p:txBody>
+      </p:sp>
+      <p:sp>
+        <p:nvSpPr>
+          <p:cNvPr id="79" name="Google Shape;79;p17"/>
+          <p:cNvSpPr txBox="1">
+            <a:spLocks noGrp="1"/>
+          </p:cNvSpPr>
+          <p:nvPr>
+            <p:ph type="body" idx="1"/>
+          </p:nvPr>
+        </p:nvSpPr>
+        <p:spPr>
+          <a:xfrm>
+            <a:off x="311700" y="1152475"/>
+            <a:ext cx="8520600" cy="3416400"/>
+          </a:xfrm>
+          <a:prstGeom prst="rect">
+            <a:avLst/>
+          </a:prstGeom>
+        </p:spPr>
+        <p:txBody>
+          <a:bodyPr spcFirstLastPara="1" wrap="square" lIns="91425" tIns="91425" rIns="91425" bIns="91425" anchor="t" anchorCtr="0">
+            <a:noAutofit/>
+          </a:bodyPr>
+          <a:lstStyle/>
+          <a:p>
+            <a:pPr marL="0" lvl="0" indent="0" algn="l" rtl="0">
+              <a:spcBef>
+                <a:spcPts val="0"/>
+              </a:spcBef>
+              <a:spcAft>
+                <a:spcPts val="0"/>
+              </a:spcAft>
+              <a:buNone/>
+            </a:pPr>
+            <a:r>
+              <a:rPr lang="en"/>
+              <a:t>Preprocessing is applied twice in this project: first it is used for each line of dialogue of the three main characters and second it is used for the user input when asking what their question is.</a:t>
+            </a:r>
+            <a:endParaRPr/>
+          </a:p>
+          <a:p>
+            <a:pPr marL="0" lvl="0" indent="0" algn="l" rtl="0">
+              <a:spcBef>
+                <a:spcPts val="1600"/>
+              </a:spcBef>
+              <a:spcAft>
+                <a:spcPts val="0"/>
+              </a:spcAft>
+              <a:buNone/>
+            </a:pPr>
+            <a:r>
+              <a:rPr lang="en"/>
+              <a:t>The reason for this is because we will be comparing the similarities between two in able to determine what the best response will be input.</a:t>
+            </a:r>
+            <a:endParaRPr/>
+          </a:p>
+          <a:p>
+            <a:pPr marL="0" lvl="0" indent="0" algn="l" rtl="0">
+              <a:spcBef>
+                <a:spcPts val="1600"/>
+              </a:spcBef>
+              <a:spcAft>
+                <a:spcPts val="1600"/>
+              </a:spcAft>
+              <a:buNone/>
+            </a:pPr>
+            <a:r>
+              <a:rPr lang="en"/>
+              <a:t>This also means it can be applied multiple times in order to create a conversation loop between the chatbots after the initial user input.</a:t>
+            </a:r>
+            <a:endParaRPr/>
+          </a:p>
+        </p:txBody>
+      </p:sp>
+    </p:spTree>
+  </p:cSld>
+  <p:clrMapOvr>
+    <a:masterClrMapping/>
+  </p:clrMapOvr>
+</p:sld>
+</file>
+
+<file path=ppt/slides/slide6.xml><?xml version="1.0" encoding="utf-8"?>
+<p:sld xmlns:a="http://schemas.openxmlformats.org/drawingml/2006/main" xmlns:r="http://schemas.openxmlformats.org/officeDocument/2006/relationships" xmlns:p="http://schemas.openxmlformats.org/presentationml/2006/main">
+  <p:cSld>
+    <p:spTree>
+      <p:nvGrpSpPr>
+        <p:cNvPr id="1" name="Shape 83"/>
+        <p:cNvGrpSpPr/>
+        <p:nvPr/>
+      </p:nvGrpSpPr>
+      <p:grpSpPr>
+        <a:xfrm>
+          <a:off x="0" y="0"/>
+          <a:ext cx="0" cy="0"/>
+          <a:chOff x="0" y="0"/>
+          <a:chExt cx="0" cy="0"/>
+        </a:xfrm>
+      </p:grpSpPr>
+      <p:sp>
+        <p:nvSpPr>
+          <p:cNvPr id="84" name="Google Shape;84;p18"/>
+          <p:cNvSpPr txBox="1">
+            <a:spLocks noGrp="1"/>
+          </p:cNvSpPr>
+          <p:nvPr>
+            <p:ph type="title"/>
+          </p:nvPr>
+        </p:nvSpPr>
+        <p:spPr>
+          <a:xfrm>
+            <a:off x="311700" y="445025"/>
+            <a:ext cx="8520600" cy="572700"/>
+          </a:xfrm>
+          <a:prstGeom prst="rect">
+            <a:avLst/>
+          </a:prstGeom>
+        </p:spPr>
+        <p:txBody>
+          <a:bodyPr spcFirstLastPara="1" wrap="square" lIns="91425" tIns="91425" rIns="91425" bIns="91425" anchor="t" anchorCtr="0">
+            <a:noAutofit/>
+          </a:bodyPr>
+          <a:lstStyle/>
+          <a:p>
+            <a:pPr marL="0" lvl="0" indent="0" algn="l" rtl="0">
               <a:spcBef>
                 <a:spcPts val="0"/>
               </a:spcBef>
@@ -11297,9 +11947,11 @@
       <p:sp>
         <p:nvSpPr>
           <p:cNvPr id="85" name="Google Shape;85;p18"/>
-          <p:cNvSpPr txBox="1"/>
-          <p:nvPr>
-            <p:ph idx="1" type="body"/>
+          <p:cNvSpPr txBox="1">
+            <a:spLocks noGrp="1"/>
+          </p:cNvSpPr>
+          <p:nvPr>
+            <p:ph type="body" idx="1"/>
           </p:nvPr>
         </p:nvSpPr>
         <p:spPr>
@@ -11312,12 +11964,12 @@
           </a:prstGeom>
         </p:spPr>
         <p:txBody>
-          <a:bodyPr anchorCtr="0" anchor="t" bIns="91425" lIns="91425" spcFirstLastPara="1" rIns="91425" wrap="square" tIns="91425">
+          <a:bodyPr spcFirstLastPara="1" wrap="square" lIns="91425" tIns="91425" rIns="91425" bIns="91425" anchor="t" anchorCtr="0">
             <a:noAutofit/>
           </a:bodyPr>
           <a:lstStyle/>
           <a:p>
-            <a:pPr indent="0" lvl="0" marL="0" rtl="0" algn="l">
+            <a:pPr marL="0" lvl="0" indent="0" algn="l" rtl="0">
               <a:spcBef>
                 <a:spcPts val="0"/>
               </a:spcBef>
@@ -11333,7 +11985,7 @@
             <a:endParaRPr/>
           </a:p>
           <a:p>
-            <a:pPr indent="0" lvl="0" marL="0" rtl="0" algn="l">
+            <a:pPr marL="0" lvl="0" indent="0" algn="l" rtl="0">
               <a:spcBef>
                 <a:spcPts val="1600"/>
               </a:spcBef>
@@ -11349,7 +12001,7 @@
             <a:endParaRPr/>
           </a:p>
           <a:p>
-            <a:pPr indent="0" lvl="0" marL="0" rtl="0" algn="l">
+            <a:pPr marL="0" lvl="0" indent="0" algn="l" rtl="0">
               <a:spcBef>
                 <a:spcPts val="1600"/>
               </a:spcBef>
@@ -11358,13 +12010,10 @@
               </a:spcAft>
               <a:buNone/>
             </a:pPr>
-            <a:r>
-              <a:t/>
-            </a:r>
-            <a:endParaRPr/>
-          </a:p>
-          <a:p>
-            <a:pPr indent="0" lvl="0" marL="457200" rtl="0" algn="l">
+            <a:endParaRPr/>
+          </a:p>
+          <a:p>
+            <a:pPr marL="457200" lvl="0" indent="0" algn="l" rtl="0">
               <a:spcBef>
                 <a:spcPts val="1600"/>
               </a:spcBef>
@@ -11373,13 +12022,10 @@
               </a:spcAft>
               <a:buNone/>
             </a:pPr>
-            <a:r>
-              <a:t/>
-            </a:r>
-            <a:endParaRPr/>
-          </a:p>
-          <a:p>
-            <a:pPr indent="0" lvl="0" marL="457200" rtl="0" algn="l">
+            <a:endParaRPr/>
+          </a:p>
+          <a:p>
+            <a:pPr marL="457200" lvl="0" indent="0" algn="l" rtl="0">
               <a:spcBef>
                 <a:spcPts val="1600"/>
               </a:spcBef>
@@ -11388,9 +12034,6 @@
               </a:spcAft>
               <a:buNone/>
             </a:pPr>
-            <a:r>
-              <a:t/>
-            </a:r>
             <a:endParaRPr/>
           </a:p>
         </p:txBody>
@@ -11413,8 +12056,20 @@
                 <a:tableStyleId>{27ABCE3A-AAE7-44A8-B8E0-FA1E2E891D31}</a:tableStyleId>
               </a:tblPr>
               <a:tblGrid>
-                <a:gridCol w="3619500"/>
-                <a:gridCol w="3619500"/>
+                <a:gridCol w="3619500">
+                  <a:extLst>
+                    <a:ext uri="{9D8B030D-6E8A-4147-A177-3AD203B41FA5}">
+                      <a16:colId xmlns:a16="http://schemas.microsoft.com/office/drawing/2014/main" val="20000"/>
+                    </a:ext>
+                  </a:extLst>
+                </a:gridCol>
+                <a:gridCol w="3619500">
+                  <a:extLst>
+                    <a:ext uri="{9D8B030D-6E8A-4147-A177-3AD203B41FA5}">
+                      <a16:colId xmlns:a16="http://schemas.microsoft.com/office/drawing/2014/main" val="20001"/>
+                    </a:ext>
+                  </a:extLst>
+                </a:gridCol>
               </a:tblGrid>
               <a:tr h="381000">
                 <a:tc>
@@ -11422,7 +12077,7 @@
                     <a:bodyPr/>
                     <a:lstStyle/>
                     <a:p>
-                      <a:pPr indent="0" lvl="0" marL="0" rtl="0" algn="l">
+                      <a:pPr marL="0" lvl="0" indent="0" algn="l" rtl="0">
                         <a:spcBef>
                           <a:spcPts val="0"/>
                         </a:spcBef>
@@ -11433,23 +12088,19 @@
                       </a:pPr>
                       <a:r>
                         <a:rPr lang="en"/>
-                        <a:t>1  </a:t>
-                      </a:r>
-                      <a:r>
-                        <a:rPr lang="en"/>
-                        <a:t>Expand Contractions</a:t>
+                        <a:t>1  Expand Contractions</a:t>
                       </a:r>
                       <a:endParaRPr/>
                     </a:p>
                   </a:txBody>
-                  <a:tcPr marT="91425" marB="91425" marR="91425" marL="91425"/>
+                  <a:tcPr marL="91425" marR="91425" marT="91425" marB="91425"/>
                 </a:tc>
                 <a:tc>
                   <a:txBody>
                     <a:bodyPr/>
                     <a:lstStyle/>
                     <a:p>
-                      <a:pPr indent="0" lvl="0" marL="0" rtl="0" algn="l">
+                      <a:pPr marL="0" lvl="0" indent="0" algn="l" rtl="0">
                         <a:spcBef>
                           <a:spcPts val="0"/>
                         </a:spcBef>
@@ -11465,8 +12116,13 @@
                       <a:endParaRPr/>
                     </a:p>
                   </a:txBody>
-                  <a:tcPr marT="91425" marB="91425" marR="91425" marL="91425"/>
+                  <a:tcPr marL="91425" marR="91425" marT="91425" marB="91425"/>
                 </a:tc>
+                <a:extLst>
+                  <a:ext uri="{0D108BD9-81ED-4DB2-BD59-A6C34878D82A}">
+                    <a16:rowId xmlns:a16="http://schemas.microsoft.com/office/drawing/2014/main" val="10000"/>
+                  </a:ext>
+                </a:extLst>
               </a:tr>
               <a:tr h="381000">
                 <a:tc>
@@ -11474,7 +12130,7 @@
                     <a:bodyPr/>
                     <a:lstStyle/>
                     <a:p>
-                      <a:pPr indent="0" lvl="0" marL="0" rtl="0" algn="l">
+                      <a:pPr marL="0" lvl="0" indent="0" algn="l" rtl="0">
                         <a:spcBef>
                           <a:spcPts val="0"/>
                         </a:spcBef>
@@ -11490,14 +12146,14 @@
                       <a:endParaRPr/>
                     </a:p>
                   </a:txBody>
-                  <a:tcPr marT="91425" marB="91425" marR="91425" marL="91425"/>
+                  <a:tcPr marL="91425" marR="91425" marT="91425" marB="91425"/>
                 </a:tc>
                 <a:tc>
                   <a:txBody>
                     <a:bodyPr/>
                     <a:lstStyle/>
                     <a:p>
-                      <a:pPr indent="0" lvl="0" marL="0" rtl="0" algn="l">
+                      <a:pPr marL="0" lvl="0" indent="0" algn="l" rtl="0">
                         <a:spcBef>
                           <a:spcPts val="0"/>
                         </a:spcBef>
@@ -11513,8 +12169,13 @@
                       <a:endParaRPr/>
                     </a:p>
                   </a:txBody>
-                  <a:tcPr marT="91425" marB="91425" marR="91425" marL="91425"/>
+                  <a:tcPr marL="91425" marR="91425" marT="91425" marB="91425"/>
                 </a:tc>
+                <a:extLst>
+                  <a:ext uri="{0D108BD9-81ED-4DB2-BD59-A6C34878D82A}">
+                    <a16:rowId xmlns:a16="http://schemas.microsoft.com/office/drawing/2014/main" val="10001"/>
+                  </a:ext>
+                </a:extLst>
               </a:tr>
               <a:tr h="381000">
                 <a:tc>
@@ -11522,7 +12183,7 @@
                     <a:bodyPr/>
                     <a:lstStyle/>
                     <a:p>
-                      <a:pPr indent="0" lvl="0" marL="0" rtl="0" algn="l">
+                      <a:pPr marL="0" lvl="0" indent="0" algn="l" rtl="0">
                         <a:spcBef>
                           <a:spcPts val="0"/>
                         </a:spcBef>
@@ -11538,14 +12199,14 @@
                       <a:endParaRPr/>
                     </a:p>
                   </a:txBody>
-                  <a:tcPr marT="91425" marB="91425" marR="91425" marL="91425"/>
+                  <a:tcPr marL="91425" marR="91425" marT="91425" marB="91425"/>
                 </a:tc>
                 <a:tc>
                   <a:txBody>
                     <a:bodyPr/>
                     <a:lstStyle/>
                     <a:p>
-                      <a:pPr indent="0" lvl="0" marL="0" rtl="0" algn="l">
+                      <a:pPr marL="0" lvl="0" indent="0" algn="l" rtl="0">
                         <a:spcBef>
                           <a:spcPts val="0"/>
                         </a:spcBef>
@@ -11561,8 +12222,13 @@
                       <a:endParaRPr/>
                     </a:p>
                   </a:txBody>
-                  <a:tcPr marT="91425" marB="91425" marR="91425" marL="91425"/>
+                  <a:tcPr marL="91425" marR="91425" marT="91425" marB="91425"/>
                 </a:tc>
+                <a:extLst>
+                  <a:ext uri="{0D108BD9-81ED-4DB2-BD59-A6C34878D82A}">
+                    <a16:rowId xmlns:a16="http://schemas.microsoft.com/office/drawing/2014/main" val="10002"/>
+                  </a:ext>
+                </a:extLst>
               </a:tr>
               <a:tr h="381000">
                 <a:tc>
@@ -11570,7 +12236,7 @@
                     <a:bodyPr/>
                     <a:lstStyle/>
                     <a:p>
-                      <a:pPr indent="0" lvl="0" marL="0" rtl="0" algn="l">
+                      <a:pPr marL="0" lvl="0" indent="0" algn="l" rtl="0">
                         <a:spcBef>
                           <a:spcPts val="0"/>
                         </a:spcBef>
@@ -11586,14 +12252,14 @@
                       <a:endParaRPr/>
                     </a:p>
                   </a:txBody>
-                  <a:tcPr marT="91425" marB="91425" marR="91425" marL="91425"/>
+                  <a:tcPr marL="91425" marR="91425" marT="91425" marB="91425"/>
                 </a:tc>
                 <a:tc>
                   <a:txBody>
                     <a:bodyPr/>
                     <a:lstStyle/>
                     <a:p>
-                      <a:pPr indent="0" lvl="0" marL="0" rtl="0" algn="l">
+                      <a:pPr marL="0" lvl="0" indent="0" algn="l" rtl="0">
                         <a:spcBef>
                           <a:spcPts val="0"/>
                         </a:spcBef>
@@ -11609,8 +12275,13 @@
                       <a:endParaRPr/>
                     </a:p>
                   </a:txBody>
-                  <a:tcPr marT="91425" marB="91425" marR="91425" marL="91425"/>
+                  <a:tcPr marL="91425" marR="91425" marT="91425" marB="91425"/>
                 </a:tc>
+                <a:extLst>
+                  <a:ext uri="{0D108BD9-81ED-4DB2-BD59-A6C34878D82A}">
+                    <a16:rowId xmlns:a16="http://schemas.microsoft.com/office/drawing/2014/main" val="10003"/>
+                  </a:ext>
+                </a:extLst>
               </a:tr>
             </a:tbl>
           </a:graphicData>
@@ -11625,11 +12296,11 @@
 </file>
 
 <file path=ppt/slides/slide7.xml><?xml version="1.0" encoding="utf-8"?>
-<p:sld xmlns:a="http://schemas.openxmlformats.org/drawingml/2006/main" xmlns:r="http://schemas.openxmlformats.org/officeDocument/2006/relationships" xmlns:mc="http://schemas.openxmlformats.org/markup-compatibility/2006" xmlns:mv="urn:schemas-microsoft-com:mac:vml" xmlns:p="http://schemas.openxmlformats.org/presentationml/2006/main" xmlns:c="http://schemas.openxmlformats.org/drawingml/2006/chart" xmlns:dgm="http://schemas.openxmlformats.org/drawingml/2006/diagram" xmlns:o="urn:schemas-microsoft-com:office:office" xmlns:v="urn:schemas-microsoft-com:vml" xmlns:pvml="urn:schemas-microsoft-com:office:powerpoint" xmlns:com="http://schemas.openxmlformats.org/drawingml/2006/compatibility" xmlns:p14="http://schemas.microsoft.com/office/powerpoint/2010/main" xmlns:p15="http://schemas.microsoft.com/office/powerpoint/2012/main" xmlns:ahyp="http://schemas.microsoft.com/office/drawing/2018/hyperlinkcolor">
+<p:sld xmlns:a="http://schemas.openxmlformats.org/drawingml/2006/main" xmlns:r="http://schemas.openxmlformats.org/officeDocument/2006/relationships" xmlns:p="http://schemas.openxmlformats.org/presentationml/2006/main">
   <p:cSld>
     <p:spTree>
       <p:nvGrpSpPr>
-        <p:cNvPr id="90" name="Shape 90"/>
+        <p:cNvPr id="1" name="Shape 90"/>
         <p:cNvGrpSpPr/>
         <p:nvPr/>
       </p:nvGrpSpPr>
@@ -11644,7 +12315,9 @@
       <p:sp>
         <p:nvSpPr>
           <p:cNvPr id="91" name="Google Shape;91;p19"/>
-          <p:cNvSpPr txBox="1"/>
+          <p:cNvSpPr txBox="1">
+            <a:spLocks noGrp="1"/>
+          </p:cNvSpPr>
           <p:nvPr>
             <p:ph type="title"/>
           </p:nvPr>
@@ -11659,12 +12332,12 @@
           </a:prstGeom>
         </p:spPr>
         <p:txBody>
-          <a:bodyPr anchorCtr="0" anchor="t" bIns="91425" lIns="91425" spcFirstLastPara="1" rIns="91425" wrap="square" tIns="91425">
+          <a:bodyPr spcFirstLastPara="1" wrap="square" lIns="91425" tIns="91425" rIns="91425" bIns="91425" anchor="t" anchorCtr="0">
             <a:noAutofit/>
           </a:bodyPr>
           <a:lstStyle/>
           <a:p>
-            <a:pPr indent="0" lvl="0" marL="0" rtl="0" algn="l">
+            <a:pPr marL="0" lvl="0" indent="0" algn="l" rtl="0">
               <a:spcBef>
                 <a:spcPts val="0"/>
               </a:spcBef>
@@ -11684,9 +12357,11 @@
       <p:sp>
         <p:nvSpPr>
           <p:cNvPr id="92" name="Google Shape;92;p19"/>
-          <p:cNvSpPr txBox="1"/>
-          <p:nvPr>
-            <p:ph idx="1" type="body"/>
+          <p:cNvSpPr txBox="1">
+            <a:spLocks noGrp="1"/>
+          </p:cNvSpPr>
+          <p:nvPr>
+            <p:ph type="body" idx="1"/>
           </p:nvPr>
         </p:nvSpPr>
         <p:spPr>
@@ -11699,12 +12374,12 @@
           </a:prstGeom>
         </p:spPr>
         <p:txBody>
-          <a:bodyPr anchorCtr="0" anchor="t" bIns="91425" lIns="91425" spcFirstLastPara="1" rIns="91425" wrap="square" tIns="91425">
+          <a:bodyPr spcFirstLastPara="1" wrap="square" lIns="91425" tIns="91425" rIns="91425" bIns="91425" anchor="t" anchorCtr="0">
             <a:noAutofit/>
           </a:bodyPr>
           <a:lstStyle/>
           <a:p>
-            <a:pPr indent="0" lvl="0" marL="0" rtl="0" algn="l">
+            <a:pPr marL="0" lvl="0" indent="0" algn="l" rtl="0">
               <a:spcBef>
                 <a:spcPts val="0"/>
               </a:spcBef>
@@ -11720,7 +12395,7 @@
             <a:endParaRPr/>
           </a:p>
           <a:p>
-            <a:pPr indent="0" lvl="0" marL="0" rtl="0" algn="l">
+            <a:pPr marL="0" lvl="0" indent="0" algn="l" rtl="0">
               <a:spcBef>
                 <a:spcPts val="1600"/>
               </a:spcBef>
@@ -11746,11 +12421,11 @@
 </file>
 
 <file path=ppt/slides/slide8.xml><?xml version="1.0" encoding="utf-8"?>
-<p:sld xmlns:a="http://schemas.openxmlformats.org/drawingml/2006/main" xmlns:r="http://schemas.openxmlformats.org/officeDocument/2006/relationships" xmlns:mc="http://schemas.openxmlformats.org/markup-compatibility/2006" xmlns:mv="urn:schemas-microsoft-com:mac:vml" xmlns:p="http://schemas.openxmlformats.org/presentationml/2006/main" xmlns:c="http://schemas.openxmlformats.org/drawingml/2006/chart" xmlns:dgm="http://schemas.openxmlformats.org/drawingml/2006/diagram" xmlns:o="urn:schemas-microsoft-com:office:office" xmlns:v="urn:schemas-microsoft-com:vml" xmlns:pvml="urn:schemas-microsoft-com:office:powerpoint" xmlns:com="http://schemas.openxmlformats.org/drawingml/2006/compatibility" xmlns:p14="http://schemas.microsoft.com/office/powerpoint/2010/main" xmlns:p15="http://schemas.microsoft.com/office/powerpoint/2012/main" xmlns:ahyp="http://schemas.microsoft.com/office/drawing/2018/hyperlinkcolor">
+<p:sld xmlns:a="http://schemas.openxmlformats.org/drawingml/2006/main" xmlns:r="http://schemas.openxmlformats.org/officeDocument/2006/relationships" xmlns:p="http://schemas.openxmlformats.org/presentationml/2006/main">
   <p:cSld>
     <p:spTree>
       <p:nvGrpSpPr>
-        <p:cNvPr id="96" name="Shape 96"/>
+        <p:cNvPr id="1" name="Shape 96"/>
         <p:cNvGrpSpPr/>
         <p:nvPr/>
       </p:nvGrpSpPr>
@@ -11765,7 +12440,9 @@
       <p:sp>
         <p:nvSpPr>
           <p:cNvPr id="97" name="Google Shape;97;p20"/>
-          <p:cNvSpPr txBox="1"/>
+          <p:cNvSpPr txBox="1">
+            <a:spLocks noGrp="1"/>
+          </p:cNvSpPr>
           <p:nvPr>
             <p:ph type="title"/>
           </p:nvPr>
@@ -11780,12 +12457,12 @@
           </a:prstGeom>
         </p:spPr>
         <p:txBody>
-          <a:bodyPr anchorCtr="0" anchor="t" bIns="91425" lIns="91425" spcFirstLastPara="1" rIns="91425" wrap="square" tIns="91425">
+          <a:bodyPr spcFirstLastPara="1" wrap="square" lIns="91425" tIns="91425" rIns="91425" bIns="91425" anchor="t" anchorCtr="0">
             <a:noAutofit/>
           </a:bodyPr>
           <a:lstStyle/>
           <a:p>
-            <a:pPr indent="0" lvl="0" marL="0" rtl="0" algn="l">
+            <a:pPr marL="0" lvl="0" indent="0" algn="l" rtl="0">
               <a:spcBef>
                 <a:spcPts val="0"/>
               </a:spcBef>
@@ -11805,9 +12482,11 @@
       <p:sp>
         <p:nvSpPr>
           <p:cNvPr id="98" name="Google Shape;98;p20"/>
-          <p:cNvSpPr txBox="1"/>
-          <p:nvPr>
-            <p:ph idx="1" type="body"/>
+          <p:cNvSpPr txBox="1">
+            <a:spLocks noGrp="1"/>
+          </p:cNvSpPr>
+          <p:nvPr>
+            <p:ph type="body" idx="1"/>
           </p:nvPr>
         </p:nvSpPr>
         <p:spPr>
@@ -11820,12 +12499,12 @@
           </a:prstGeom>
         </p:spPr>
         <p:txBody>
-          <a:bodyPr anchorCtr="0" anchor="t" bIns="91425" lIns="91425" spcFirstLastPara="1" rIns="91425" wrap="square" tIns="91425">
+          <a:bodyPr spcFirstLastPara="1" wrap="square" lIns="91425" tIns="91425" rIns="91425" bIns="91425" anchor="t" anchorCtr="0">
             <a:noAutofit/>
           </a:bodyPr>
           <a:lstStyle/>
           <a:p>
-            <a:pPr indent="0" lvl="0" marL="0" rtl="0" algn="l">
+            <a:pPr marL="0" lvl="0" indent="0" algn="l" rtl="0">
               <a:spcBef>
                 <a:spcPts val="0"/>
               </a:spcBef>
@@ -11834,9 +12513,6 @@
               </a:spcAft>
               <a:buNone/>
             </a:pPr>
-            <a:r>
-              <a:t/>
-            </a:r>
             <a:endParaRPr/>
           </a:p>
         </p:txBody>
@@ -11878,11 +12554,11 @@
 </file>
 
 <file path=ppt/slides/slide9.xml><?xml version="1.0" encoding="utf-8"?>
-<p:sld xmlns:a="http://schemas.openxmlformats.org/drawingml/2006/main" xmlns:r="http://schemas.openxmlformats.org/officeDocument/2006/relationships" xmlns:mc="http://schemas.openxmlformats.org/markup-compatibility/2006" xmlns:mv="urn:schemas-microsoft-com:mac:vml" xmlns:p="http://schemas.openxmlformats.org/presentationml/2006/main" xmlns:c="http://schemas.openxmlformats.org/drawingml/2006/chart" xmlns:dgm="http://schemas.openxmlformats.org/drawingml/2006/diagram" xmlns:o="urn:schemas-microsoft-com:office:office" xmlns:v="urn:schemas-microsoft-com:vml" xmlns:pvml="urn:schemas-microsoft-com:office:powerpoint" xmlns:com="http://schemas.openxmlformats.org/drawingml/2006/compatibility" xmlns:p14="http://schemas.microsoft.com/office/powerpoint/2010/main" xmlns:p15="http://schemas.microsoft.com/office/powerpoint/2012/main" xmlns:ahyp="http://schemas.microsoft.com/office/drawing/2018/hyperlinkcolor">
+<p:sld xmlns:a="http://schemas.openxmlformats.org/drawingml/2006/main" xmlns:r="http://schemas.openxmlformats.org/officeDocument/2006/relationships" xmlns:p="http://schemas.openxmlformats.org/presentationml/2006/main">
   <p:cSld>
     <p:spTree>
       <p:nvGrpSpPr>
-        <p:cNvPr id="103" name="Shape 103"/>
+        <p:cNvPr id="1" name="Shape 103"/>
         <p:cNvGrpSpPr/>
         <p:nvPr/>
       </p:nvGrpSpPr>
@@ -11897,7 +12573,9 @@
       <p:sp>
         <p:nvSpPr>
           <p:cNvPr id="104" name="Google Shape;104;p21"/>
-          <p:cNvSpPr txBox="1"/>
+          <p:cNvSpPr txBox="1">
+            <a:spLocks noGrp="1"/>
+          </p:cNvSpPr>
           <p:nvPr>
             <p:ph type="title"/>
           </p:nvPr>
@@ -11912,12 +12590,12 @@
           </a:prstGeom>
         </p:spPr>
         <p:txBody>
-          <a:bodyPr anchorCtr="0" anchor="t" bIns="91425" lIns="91425" spcFirstLastPara="1" rIns="91425" wrap="square" tIns="91425">
+          <a:bodyPr spcFirstLastPara="1" wrap="square" lIns="91425" tIns="91425" rIns="91425" bIns="91425" anchor="t" anchorCtr="0">
             <a:noAutofit/>
           </a:bodyPr>
           <a:lstStyle/>
           <a:p>
-            <a:pPr indent="0" lvl="0" marL="0" rtl="0" algn="l">
+            <a:pPr marL="0" lvl="0" indent="0" algn="l" rtl="0">
               <a:spcBef>
                 <a:spcPts val="0"/>
               </a:spcBef>
@@ -11937,9 +12615,11 @@
       <p:sp>
         <p:nvSpPr>
           <p:cNvPr id="105" name="Google Shape;105;p21"/>
-          <p:cNvSpPr txBox="1"/>
-          <p:nvPr>
-            <p:ph idx="1" type="body"/>
+          <p:cNvSpPr txBox="1">
+            <a:spLocks noGrp="1"/>
+          </p:cNvSpPr>
+          <p:nvPr>
+            <p:ph type="body" idx="1"/>
           </p:nvPr>
         </p:nvSpPr>
         <p:spPr>
@@ -11952,12 +12632,12 @@
           </a:prstGeom>
         </p:spPr>
         <p:txBody>
-          <a:bodyPr anchorCtr="0" anchor="t" bIns="91425" lIns="91425" spcFirstLastPara="1" rIns="91425" wrap="square" tIns="91425">
+          <a:bodyPr spcFirstLastPara="1" wrap="square" lIns="91425" tIns="91425" rIns="91425" bIns="91425" anchor="t" anchorCtr="0">
             <a:noAutofit/>
           </a:bodyPr>
           <a:lstStyle/>
           <a:p>
-            <a:pPr indent="0" lvl="0" marL="0" rtl="0" algn="l">
+            <a:pPr marL="0" lvl="0" indent="0" algn="l" rtl="0">
               <a:spcBef>
                 <a:spcPts val="0"/>
               </a:spcBef>
@@ -11966,9 +12646,6 @@
               </a:spcAft>
               <a:buNone/>
             </a:pPr>
-            <a:r>
-              <a:t/>
-            </a:r>
             <a:endParaRPr/>
           </a:p>
         </p:txBody>
@@ -12010,7 +12687,7 @@
 </file>
 
 <file path=ppt/theme/theme1.xml><?xml version="1.0" encoding="utf-8"?>
-<a:theme xmlns:a="http://schemas.openxmlformats.org/drawingml/2006/main" xmlns:r="http://schemas.openxmlformats.org/officeDocument/2006/relationships" name="Simple Light">
+<a:theme xmlns:a="http://schemas.openxmlformats.org/drawingml/2006/main" name="Simple Light">
   <a:themeElements>
     <a:clrScheme name="Simple Light">
       <a:dk1>
@@ -12285,11 +12962,13 @@
       </a:bgFillStyleLst>
     </a:fmtScheme>
   </a:themeElements>
+  <a:objectDefaults/>
+  <a:extraClrSchemeLst/>
 </a:theme>
 </file>
 
 <file path=ppt/theme/theme2.xml><?xml version="1.0" encoding="utf-8"?>
-<a:theme xmlns:a="http://schemas.openxmlformats.org/drawingml/2006/main" xmlns:r="http://schemas.openxmlformats.org/officeDocument/2006/relationships">
+<a:theme xmlns:a="http://schemas.openxmlformats.org/drawingml/2006/main">
   <a:themeElements>
     <a:clrScheme name="Default">
       <a:dk1>
@@ -12564,5 +13243,7 @@
       </a:bgFillStyleLst>
     </a:fmtScheme>
   </a:themeElements>
+  <a:objectDefaults/>
+  <a:extraClrSchemeLst/>
 </a:theme>
 </file>